--- a/Documents/Presentazione_E-Cycle.pptx
+++ b/Documents/Presentazione_E-Cycle.pptx
@@ -1,42 +1,46 @@
 
 <file path=ppt/presentation.xml><?xml version="1.0" encoding="utf-8"?>
-<p:presentation xmlns:a="http://schemas.openxmlformats.org/drawingml/2006/main" xmlns:r="http://schemas.openxmlformats.org/officeDocument/2006/relationships" xmlns:mc="http://schemas.openxmlformats.org/markup-compatibility/2006" xmlns:mv="urn:schemas-microsoft-com:mac:vml" xmlns:p="http://schemas.openxmlformats.org/presentationml/2006/main" xmlns:c="http://schemas.openxmlformats.org/drawingml/2006/chart" xmlns:dgm="http://schemas.openxmlformats.org/drawingml/2006/diagram" xmlns:o="urn:schemas-microsoft-com:office:office" xmlns:v="urn:schemas-microsoft-com:vml" xmlns:pvml="urn:schemas-microsoft-com:office:powerpoint" xmlns:com="http://schemas.openxmlformats.org/drawingml/2006/compatibility" xmlns:p14="http://schemas.microsoft.com/office/powerpoint/2010/main" xmlns:p15="http://schemas.microsoft.com/office/powerpoint/2012/main" xmlns:ahyp="http://schemas.microsoft.com/office/drawing/2018/hyperlinkcolor" autoCompressPictures="0" embedTrueTypeFonts="1" strictFirstAndLastChars="0" saveSubsetFonts="1">
+<p:presentation xmlns:a="http://schemas.openxmlformats.org/drawingml/2006/main" xmlns:r="http://schemas.openxmlformats.org/officeDocument/2006/relationships" xmlns:p="http://schemas.openxmlformats.org/presentationml/2006/main" strictFirstAndLastChars="0" embedTrueTypeFonts="1" saveSubsetFonts="1" autoCompressPictures="0">
   <p:sldMasterIdLst>
-    <p:sldMasterId id="2147483659" r:id="rId5"/>
+    <p:sldMasterId id="2147483659" r:id="rId1"/>
   </p:sldMasterIdLst>
   <p:notesMasterIdLst>
-    <p:notesMasterId r:id="rId6"/>
+    <p:notesMasterId r:id="rId12"/>
   </p:notesMasterIdLst>
   <p:sldIdLst>
-    <p:sldId id="256" r:id="rId7"/>
-    <p:sldId id="257" r:id="rId8"/>
-    <p:sldId id="258" r:id="rId9"/>
-    <p:sldId id="259" r:id="rId10"/>
-    <p:sldId id="260" r:id="rId11"/>
-    <p:sldId id="261" r:id="rId12"/>
-    <p:sldId id="262" r:id="rId13"/>
-    <p:sldId id="263" r:id="rId14"/>
-    <p:sldId id="264" r:id="rId15"/>
-    <p:sldId id="265" r:id="rId16"/>
+    <p:sldId id="256" r:id="rId2"/>
+    <p:sldId id="257" r:id="rId3"/>
+    <p:sldId id="258" r:id="rId4"/>
+    <p:sldId id="259" r:id="rId5"/>
+    <p:sldId id="260" r:id="rId6"/>
+    <p:sldId id="261" r:id="rId7"/>
+    <p:sldId id="262" r:id="rId8"/>
+    <p:sldId id="263" r:id="rId9"/>
+    <p:sldId id="264" r:id="rId10"/>
+    <p:sldId id="265" r:id="rId11"/>
   </p:sldIdLst>
-  <p:sldSz cy="5143500" cx="9144000"/>
+  <p:sldSz cx="9144000" cy="5143500" type="screen16x9"/>
   <p:notesSz cx="6858000" cy="9144000"/>
   <p:embeddedFontLst>
     <p:embeddedFont>
-      <p:font typeface="Amatic SC"/>
-      <p:regular r:id="rId17"/>
-      <p:bold r:id="rId18"/>
+      <p:font typeface="Amatic SC" panose="00000500000000000000" pitchFamily="2" charset="-79"/>
+      <p:regular r:id="rId13"/>
+      <p:bold r:id="rId14"/>
     </p:embeddedFont>
     <p:embeddedFont>
-      <p:font typeface="Source Code Pro"/>
-      <p:regular r:id="rId19"/>
-      <p:bold r:id="rId20"/>
-      <p:italic r:id="rId21"/>
-      <p:boldItalic r:id="rId22"/>
+      <p:font typeface="Source Code Pro" panose="020B0509030403020204" pitchFamily="49" charset="0"/>
+      <p:regular r:id="rId15"/>
+      <p:bold r:id="rId16"/>
+      <p:italic r:id="rId17"/>
+      <p:boldItalic r:id="rId18"/>
+    </p:embeddedFont>
+    <p:embeddedFont>
+      <p:font typeface="Source Code Pro Black" panose="020B0809030403020204" pitchFamily="49" charset="0"/>
+      <p:bold r:id="rId19"/>
     </p:embeddedFont>
   </p:embeddedFontLst>
   <p:defaultTextStyle>
-    <a:defPPr lvl="0" marR="0" rtl="0" algn="l">
+    <a:defPPr marR="0" lvl="0" algn="l" rtl="0">
       <a:lnSpc>
         <a:spcPct val="100000"/>
       </a:lnSpc>
@@ -47,7 +51,7 @@
         <a:spcPts val="0"/>
       </a:spcAft>
     </a:defPPr>
-    <a:lvl1pPr lvl="0" marR="0" rtl="0" algn="l">
+    <a:lvl1pPr marR="0" lvl="0" algn="l" rtl="0">
       <a:lnSpc>
         <a:spcPct val="100000"/>
       </a:lnSpc>
@@ -61,7 +65,7 @@
         <a:srgbClr val="000000"/>
       </a:buClr>
       <a:buFont typeface="Arial"/>
-      <a:defRPr b="0" i="0" sz="1400" u="none" cap="none" strike="noStrike">
+      <a:defRPr sz="1400" b="0" i="0" u="none" strike="noStrike" cap="none">
         <a:solidFill>
           <a:srgbClr val="000000"/>
         </a:solidFill>
@@ -71,7 +75,7 @@
         <a:sym typeface="Arial"/>
       </a:defRPr>
     </a:lvl1pPr>
-    <a:lvl2pPr lvl="1" marR="0" rtl="0" algn="l">
+    <a:lvl2pPr marR="0" lvl="1" algn="l" rtl="0">
       <a:lnSpc>
         <a:spcPct val="100000"/>
       </a:lnSpc>
@@ -85,7 +89,7 @@
         <a:srgbClr val="000000"/>
       </a:buClr>
       <a:buFont typeface="Arial"/>
-      <a:defRPr b="0" i="0" sz="1400" u="none" cap="none" strike="noStrike">
+      <a:defRPr sz="1400" b="0" i="0" u="none" strike="noStrike" cap="none">
         <a:solidFill>
           <a:srgbClr val="000000"/>
         </a:solidFill>
@@ -95,7 +99,7 @@
         <a:sym typeface="Arial"/>
       </a:defRPr>
     </a:lvl2pPr>
-    <a:lvl3pPr lvl="2" marR="0" rtl="0" algn="l">
+    <a:lvl3pPr marR="0" lvl="2" algn="l" rtl="0">
       <a:lnSpc>
         <a:spcPct val="100000"/>
       </a:lnSpc>
@@ -109,7 +113,7 @@
         <a:srgbClr val="000000"/>
       </a:buClr>
       <a:buFont typeface="Arial"/>
-      <a:defRPr b="0" i="0" sz="1400" u="none" cap="none" strike="noStrike">
+      <a:defRPr sz="1400" b="0" i="0" u="none" strike="noStrike" cap="none">
         <a:solidFill>
           <a:srgbClr val="000000"/>
         </a:solidFill>
@@ -119,7 +123,7 @@
         <a:sym typeface="Arial"/>
       </a:defRPr>
     </a:lvl3pPr>
-    <a:lvl4pPr lvl="3" marR="0" rtl="0" algn="l">
+    <a:lvl4pPr marR="0" lvl="3" algn="l" rtl="0">
       <a:lnSpc>
         <a:spcPct val="100000"/>
       </a:lnSpc>
@@ -133,7 +137,7 @@
         <a:srgbClr val="000000"/>
       </a:buClr>
       <a:buFont typeface="Arial"/>
-      <a:defRPr b="0" i="0" sz="1400" u="none" cap="none" strike="noStrike">
+      <a:defRPr sz="1400" b="0" i="0" u="none" strike="noStrike" cap="none">
         <a:solidFill>
           <a:srgbClr val="000000"/>
         </a:solidFill>
@@ -143,7 +147,7 @@
         <a:sym typeface="Arial"/>
       </a:defRPr>
     </a:lvl4pPr>
-    <a:lvl5pPr lvl="4" marR="0" rtl="0" algn="l">
+    <a:lvl5pPr marR="0" lvl="4" algn="l" rtl="0">
       <a:lnSpc>
         <a:spcPct val="100000"/>
       </a:lnSpc>
@@ -157,7 +161,7 @@
         <a:srgbClr val="000000"/>
       </a:buClr>
       <a:buFont typeface="Arial"/>
-      <a:defRPr b="0" i="0" sz="1400" u="none" cap="none" strike="noStrike">
+      <a:defRPr sz="1400" b="0" i="0" u="none" strike="noStrike" cap="none">
         <a:solidFill>
           <a:srgbClr val="000000"/>
         </a:solidFill>
@@ -167,7 +171,7 @@
         <a:sym typeface="Arial"/>
       </a:defRPr>
     </a:lvl5pPr>
-    <a:lvl6pPr lvl="5" marR="0" rtl="0" algn="l">
+    <a:lvl6pPr marR="0" lvl="5" algn="l" rtl="0">
       <a:lnSpc>
         <a:spcPct val="100000"/>
       </a:lnSpc>
@@ -181,7 +185,7 @@
         <a:srgbClr val="000000"/>
       </a:buClr>
       <a:buFont typeface="Arial"/>
-      <a:defRPr b="0" i="0" sz="1400" u="none" cap="none" strike="noStrike">
+      <a:defRPr sz="1400" b="0" i="0" u="none" strike="noStrike" cap="none">
         <a:solidFill>
           <a:srgbClr val="000000"/>
         </a:solidFill>
@@ -191,7 +195,7 @@
         <a:sym typeface="Arial"/>
       </a:defRPr>
     </a:lvl6pPr>
-    <a:lvl7pPr lvl="6" marR="0" rtl="0" algn="l">
+    <a:lvl7pPr marR="0" lvl="6" algn="l" rtl="0">
       <a:lnSpc>
         <a:spcPct val="100000"/>
       </a:lnSpc>
@@ -205,7 +209,7 @@
         <a:srgbClr val="000000"/>
       </a:buClr>
       <a:buFont typeface="Arial"/>
-      <a:defRPr b="0" i="0" sz="1400" u="none" cap="none" strike="noStrike">
+      <a:defRPr sz="1400" b="0" i="0" u="none" strike="noStrike" cap="none">
         <a:solidFill>
           <a:srgbClr val="000000"/>
         </a:solidFill>
@@ -215,7 +219,7 @@
         <a:sym typeface="Arial"/>
       </a:defRPr>
     </a:lvl7pPr>
-    <a:lvl8pPr lvl="7" marR="0" rtl="0" algn="l">
+    <a:lvl8pPr marR="0" lvl="7" algn="l" rtl="0">
       <a:lnSpc>
         <a:spcPct val="100000"/>
       </a:lnSpc>
@@ -229,7 +233,7 @@
         <a:srgbClr val="000000"/>
       </a:buClr>
       <a:buFont typeface="Arial"/>
-      <a:defRPr b="0" i="0" sz="1400" u="none" cap="none" strike="noStrike">
+      <a:defRPr sz="1400" b="0" i="0" u="none" strike="noStrike" cap="none">
         <a:solidFill>
           <a:srgbClr val="000000"/>
         </a:solidFill>
@@ -239,7 +243,7 @@
         <a:sym typeface="Arial"/>
       </a:defRPr>
     </a:lvl8pPr>
-    <a:lvl9pPr lvl="8" marR="0" rtl="0" algn="l">
+    <a:lvl9pPr marR="0" lvl="8" algn="l" rtl="0">
       <a:lnSpc>
         <a:spcPct val="100000"/>
       </a:lnSpc>
@@ -253,7 +257,7 @@
         <a:srgbClr val="000000"/>
       </a:buClr>
       <a:buFont typeface="Arial"/>
-      <a:defRPr b="0" i="0" sz="1400" u="none" cap="none" strike="noStrike">
+      <a:defRPr sz="1400" b="0" i="0" u="none" strike="noStrike" cap="none">
         <a:solidFill>
           <a:srgbClr val="000000"/>
         </a:solidFill>
@@ -266,7 +270,7 @@
   </p:defaultTextStyle>
   <p:extLst>
     <p:ext uri="{EFAFB233-063F-42B5-8137-9DF3F51BA10A}">
-      <p15:sldGuideLst>
+      <p15:sldGuideLst xmlns:p15="http://schemas.microsoft.com/office/powerpoint/2012/main">
         <p15:guide id="1" orient="horz" pos="1620">
           <p15:clr>
             <a:srgbClr val="747775"/>
@@ -284,11 +288,16 @@
 </file>
 
 <file path=ppt/notesMasters/notesMaster1.xml><?xml version="1.0" encoding="utf-8"?>
-<p:notesMaster xmlns:a="http://schemas.openxmlformats.org/drawingml/2006/main" xmlns:r="http://schemas.openxmlformats.org/officeDocument/2006/relationships" xmlns:mc="http://schemas.openxmlformats.org/markup-compatibility/2006" xmlns:mv="urn:schemas-microsoft-com:mac:vml" xmlns:p="http://schemas.openxmlformats.org/presentationml/2006/main" xmlns:c="http://schemas.openxmlformats.org/drawingml/2006/chart" xmlns:dgm="http://schemas.openxmlformats.org/drawingml/2006/diagram" xmlns:o="urn:schemas-microsoft-com:office:office" xmlns:v="urn:schemas-microsoft-com:vml" xmlns:pvml="urn:schemas-microsoft-com:office:powerpoint" xmlns:com="http://schemas.openxmlformats.org/drawingml/2006/compatibility" xmlns:p14="http://schemas.microsoft.com/office/powerpoint/2010/main" xmlns:p15="http://schemas.microsoft.com/office/powerpoint/2012/main" xmlns:ahyp="http://schemas.microsoft.com/office/drawing/2018/hyperlinkcolor">
+<p:notesMaster xmlns:a="http://schemas.openxmlformats.org/drawingml/2006/main" xmlns:r="http://schemas.openxmlformats.org/officeDocument/2006/relationships" xmlns:p="http://schemas.openxmlformats.org/presentationml/2006/main">
   <p:cSld>
+    <p:bg>
+      <p:bgRef idx="1001">
+        <a:schemeClr val="bg1"/>
+      </p:bgRef>
+    </p:bg>
     <p:spTree>
       <p:nvGrpSpPr>
-        <p:cNvPr id="2" name="Shape 2"/>
+        <p:cNvPr id="1" name="Shape 2"/>
         <p:cNvGrpSpPr/>
         <p:nvPr/>
       </p:nvGrpSpPr>
@@ -303,9 +312,11 @@
       <p:sp>
         <p:nvSpPr>
           <p:cNvPr id="3" name="Google Shape;3;n"/>
-          <p:cNvSpPr/>
+          <p:cNvSpPr>
+            <a:spLocks noGrp="1" noRot="1" noChangeAspect="1"/>
+          </p:cNvSpPr>
           <p:nvPr>
-            <p:ph idx="2" type="sldImg"/>
+            <p:ph type="sldImg" idx="2"/>
           </p:nvPr>
         </p:nvSpPr>
         <p:spPr>
@@ -314,9 +325,13 @@
             <a:ext cx="6096075" cy="3429000"/>
           </a:xfrm>
           <a:custGeom>
-            <a:rect b="b" l="l" r="r" t="t"/>
+            <a:avLst/>
+            <a:gdLst/>
+            <a:ahLst/>
+            <a:cxnLst/>
+            <a:rect l="l" t="t" r="r" b="b"/>
             <a:pathLst>
-              <a:path extrusionOk="0" h="120000" w="120000">
+              <a:path w="120000" h="120000" extrusionOk="0">
                 <a:moveTo>
                   <a:pt x="0" y="0"/>
                 </a:moveTo>
@@ -334,23 +349,25 @@
             </a:pathLst>
           </a:custGeom>
           <a:noFill/>
-          <a:ln cap="flat" cmpd="sng" w="9525">
+          <a:ln w="9525" cap="flat" cmpd="sng">
             <a:solidFill>
               <a:srgbClr val="000000"/>
             </a:solidFill>
             <a:prstDash val="solid"/>
             <a:round/>
-            <a:headEnd len="sm" w="sm" type="none"/>
-            <a:tailEnd len="sm" w="sm" type="none"/>
+            <a:headEnd type="none" w="sm" len="sm"/>
+            <a:tailEnd type="none" w="sm" len="sm"/>
           </a:ln>
         </p:spPr>
       </p:sp>
       <p:sp>
         <p:nvSpPr>
           <p:cNvPr id="4" name="Google Shape;4;n"/>
-          <p:cNvSpPr txBox="1"/>
+          <p:cNvSpPr txBox="1">
+            <a:spLocks noGrp="1"/>
+          </p:cNvSpPr>
           <p:nvPr>
-            <p:ph idx="1" type="body"/>
+            <p:ph type="body" idx="1"/>
           </p:nvPr>
         </p:nvSpPr>
         <p:spPr>
@@ -367,11 +384,11 @@
           </a:ln>
         </p:spPr>
         <p:txBody>
-          <a:bodyPr anchorCtr="0" anchor="t" bIns="91425" lIns="91425" spcFirstLastPara="1" rIns="91425" wrap="square" tIns="91425">
+          <a:bodyPr spcFirstLastPara="1" wrap="square" lIns="91425" tIns="91425" rIns="91425" bIns="91425" anchor="t" anchorCtr="0">
             <a:noAutofit/>
           </a:bodyPr>
           <a:lstStyle>
-            <a:lvl1pPr indent="-298450" lvl="0" marL="457200">
+            <a:lvl1pPr marL="457200" lvl="0" indent="-298450">
               <a:spcBef>
                 <a:spcPts val="0"/>
               </a:spcBef>
@@ -382,7 +399,7 @@
               <a:buChar char="●"/>
               <a:defRPr sz="1100"/>
             </a:lvl1pPr>
-            <a:lvl2pPr indent="-298450" lvl="1" marL="914400">
+            <a:lvl2pPr marL="914400" lvl="1" indent="-298450">
               <a:spcBef>
                 <a:spcPts val="0"/>
               </a:spcBef>
@@ -393,7 +410,7 @@
               <a:buChar char="○"/>
               <a:defRPr sz="1100"/>
             </a:lvl2pPr>
-            <a:lvl3pPr indent="-298450" lvl="2" marL="1371600">
+            <a:lvl3pPr marL="1371600" lvl="2" indent="-298450">
               <a:spcBef>
                 <a:spcPts val="0"/>
               </a:spcBef>
@@ -404,7 +421,7 @@
               <a:buChar char="■"/>
               <a:defRPr sz="1100"/>
             </a:lvl3pPr>
-            <a:lvl4pPr indent="-298450" lvl="3" marL="1828800">
+            <a:lvl4pPr marL="1828800" lvl="3" indent="-298450">
               <a:spcBef>
                 <a:spcPts val="0"/>
               </a:spcBef>
@@ -415,7 +432,7 @@
               <a:buChar char="●"/>
               <a:defRPr sz="1100"/>
             </a:lvl4pPr>
-            <a:lvl5pPr indent="-298450" lvl="4" marL="2286000">
+            <a:lvl5pPr marL="2286000" lvl="4" indent="-298450">
               <a:spcBef>
                 <a:spcPts val="0"/>
               </a:spcBef>
@@ -426,7 +443,7 @@
               <a:buChar char="○"/>
               <a:defRPr sz="1100"/>
             </a:lvl5pPr>
-            <a:lvl6pPr indent="-298450" lvl="5" marL="2743200">
+            <a:lvl6pPr marL="2743200" lvl="5" indent="-298450">
               <a:spcBef>
                 <a:spcPts val="0"/>
               </a:spcBef>
@@ -437,7 +454,7 @@
               <a:buChar char="■"/>
               <a:defRPr sz="1100"/>
             </a:lvl6pPr>
-            <a:lvl7pPr indent="-298450" lvl="6" marL="3200400">
+            <a:lvl7pPr marL="3200400" lvl="6" indent="-298450">
               <a:spcBef>
                 <a:spcPts val="0"/>
               </a:spcBef>
@@ -448,7 +465,7 @@
               <a:buChar char="●"/>
               <a:defRPr sz="1100"/>
             </a:lvl7pPr>
-            <a:lvl8pPr indent="-298450" lvl="7" marL="3657600">
+            <a:lvl8pPr marL="3657600" lvl="7" indent="-298450">
               <a:spcBef>
                 <a:spcPts val="0"/>
               </a:spcBef>
@@ -459,7 +476,7 @@
               <a:buChar char="○"/>
               <a:defRPr sz="1100"/>
             </a:lvl8pPr>
-            <a:lvl9pPr indent="-298450" lvl="8" marL="4114800">
+            <a:lvl9pPr marL="4114800" lvl="8" indent="-298450">
               <a:spcBef>
                 <a:spcPts val="0"/>
               </a:spcBef>
@@ -471,14 +488,16 @@
               <a:defRPr sz="1100"/>
             </a:lvl9pPr>
           </a:lstStyle>
-          <a:p/>
+          <a:p>
+            <a:endParaRPr/>
+          </a:p>
         </p:txBody>
       </p:sp>
     </p:spTree>
   </p:cSld>
-  <p:clrMap accent1="accent1" accent2="accent2" accent3="accent3" accent4="accent4" accent5="accent5" accent6="accent6" bg1="lt1" bg2="dk2" tx1="dk1" tx2="lt2" folHlink="folHlink" hlink="hlink"/>
+  <p:clrMap bg1="lt1" tx1="dk1" bg2="dk2" tx2="lt2" accent1="accent1" accent2="accent2" accent3="accent3" accent4="accent4" accent5="accent5" accent6="accent6" hlink="hlink" folHlink="folHlink"/>
   <p:notesStyle>
-    <a:defPPr lvl="0" marR="0" rtl="0" algn="l">
+    <a:defPPr marR="0" lvl="0" algn="l" rtl="0">
       <a:lnSpc>
         <a:spcPct val="100000"/>
       </a:lnSpc>
@@ -489,7 +508,7 @@
         <a:spcPts val="0"/>
       </a:spcAft>
     </a:defPPr>
-    <a:lvl1pPr lvl="0" marR="0" rtl="0" algn="l">
+    <a:lvl1pPr marR="0" lvl="0" algn="l" rtl="0">
       <a:lnSpc>
         <a:spcPct val="100000"/>
       </a:lnSpc>
@@ -503,7 +522,7 @@
         <a:srgbClr val="000000"/>
       </a:buClr>
       <a:buFont typeface="Arial"/>
-      <a:defRPr b="0" i="0" sz="1400" u="none" cap="none" strike="noStrike">
+      <a:defRPr sz="1400" b="0" i="0" u="none" strike="noStrike" cap="none">
         <a:solidFill>
           <a:srgbClr val="000000"/>
         </a:solidFill>
@@ -513,7 +532,7 @@
         <a:sym typeface="Arial"/>
       </a:defRPr>
     </a:lvl1pPr>
-    <a:lvl2pPr lvl="1" marR="0" rtl="0" algn="l">
+    <a:lvl2pPr marR="0" lvl="1" algn="l" rtl="0">
       <a:lnSpc>
         <a:spcPct val="100000"/>
       </a:lnSpc>
@@ -527,7 +546,7 @@
         <a:srgbClr val="000000"/>
       </a:buClr>
       <a:buFont typeface="Arial"/>
-      <a:defRPr b="0" i="0" sz="1400" u="none" cap="none" strike="noStrike">
+      <a:defRPr sz="1400" b="0" i="0" u="none" strike="noStrike" cap="none">
         <a:solidFill>
           <a:srgbClr val="000000"/>
         </a:solidFill>
@@ -537,7 +556,7 @@
         <a:sym typeface="Arial"/>
       </a:defRPr>
     </a:lvl2pPr>
-    <a:lvl3pPr lvl="2" marR="0" rtl="0" algn="l">
+    <a:lvl3pPr marR="0" lvl="2" algn="l" rtl="0">
       <a:lnSpc>
         <a:spcPct val="100000"/>
       </a:lnSpc>
@@ -551,7 +570,7 @@
         <a:srgbClr val="000000"/>
       </a:buClr>
       <a:buFont typeface="Arial"/>
-      <a:defRPr b="0" i="0" sz="1400" u="none" cap="none" strike="noStrike">
+      <a:defRPr sz="1400" b="0" i="0" u="none" strike="noStrike" cap="none">
         <a:solidFill>
           <a:srgbClr val="000000"/>
         </a:solidFill>
@@ -561,7 +580,7 @@
         <a:sym typeface="Arial"/>
       </a:defRPr>
     </a:lvl3pPr>
-    <a:lvl4pPr lvl="3" marR="0" rtl="0" algn="l">
+    <a:lvl4pPr marR="0" lvl="3" algn="l" rtl="0">
       <a:lnSpc>
         <a:spcPct val="100000"/>
       </a:lnSpc>
@@ -575,7 +594,7 @@
         <a:srgbClr val="000000"/>
       </a:buClr>
       <a:buFont typeface="Arial"/>
-      <a:defRPr b="0" i="0" sz="1400" u="none" cap="none" strike="noStrike">
+      <a:defRPr sz="1400" b="0" i="0" u="none" strike="noStrike" cap="none">
         <a:solidFill>
           <a:srgbClr val="000000"/>
         </a:solidFill>
@@ -585,7 +604,7 @@
         <a:sym typeface="Arial"/>
       </a:defRPr>
     </a:lvl4pPr>
-    <a:lvl5pPr lvl="4" marR="0" rtl="0" algn="l">
+    <a:lvl5pPr marR="0" lvl="4" algn="l" rtl="0">
       <a:lnSpc>
         <a:spcPct val="100000"/>
       </a:lnSpc>
@@ -599,7 +618,7 @@
         <a:srgbClr val="000000"/>
       </a:buClr>
       <a:buFont typeface="Arial"/>
-      <a:defRPr b="0" i="0" sz="1400" u="none" cap="none" strike="noStrike">
+      <a:defRPr sz="1400" b="0" i="0" u="none" strike="noStrike" cap="none">
         <a:solidFill>
           <a:srgbClr val="000000"/>
         </a:solidFill>
@@ -609,7 +628,7 @@
         <a:sym typeface="Arial"/>
       </a:defRPr>
     </a:lvl5pPr>
-    <a:lvl6pPr lvl="5" marR="0" rtl="0" algn="l">
+    <a:lvl6pPr marR="0" lvl="5" algn="l" rtl="0">
       <a:lnSpc>
         <a:spcPct val="100000"/>
       </a:lnSpc>
@@ -623,7 +642,7 @@
         <a:srgbClr val="000000"/>
       </a:buClr>
       <a:buFont typeface="Arial"/>
-      <a:defRPr b="0" i="0" sz="1400" u="none" cap="none" strike="noStrike">
+      <a:defRPr sz="1400" b="0" i="0" u="none" strike="noStrike" cap="none">
         <a:solidFill>
           <a:srgbClr val="000000"/>
         </a:solidFill>
@@ -633,7 +652,7 @@
         <a:sym typeface="Arial"/>
       </a:defRPr>
     </a:lvl6pPr>
-    <a:lvl7pPr lvl="6" marR="0" rtl="0" algn="l">
+    <a:lvl7pPr marR="0" lvl="6" algn="l" rtl="0">
       <a:lnSpc>
         <a:spcPct val="100000"/>
       </a:lnSpc>
@@ -647,7 +666,7 @@
         <a:srgbClr val="000000"/>
       </a:buClr>
       <a:buFont typeface="Arial"/>
-      <a:defRPr b="0" i="0" sz="1400" u="none" cap="none" strike="noStrike">
+      <a:defRPr sz="1400" b="0" i="0" u="none" strike="noStrike" cap="none">
         <a:solidFill>
           <a:srgbClr val="000000"/>
         </a:solidFill>
@@ -657,7 +676,7 @@
         <a:sym typeface="Arial"/>
       </a:defRPr>
     </a:lvl7pPr>
-    <a:lvl8pPr lvl="7" marR="0" rtl="0" algn="l">
+    <a:lvl8pPr marR="0" lvl="7" algn="l" rtl="0">
       <a:lnSpc>
         <a:spcPct val="100000"/>
       </a:lnSpc>
@@ -671,7 +690,7 @@
         <a:srgbClr val="000000"/>
       </a:buClr>
       <a:buFont typeface="Arial"/>
-      <a:defRPr b="0" i="0" sz="1400" u="none" cap="none" strike="noStrike">
+      <a:defRPr sz="1400" b="0" i="0" u="none" strike="noStrike" cap="none">
         <a:solidFill>
           <a:srgbClr val="000000"/>
         </a:solidFill>
@@ -681,7 +700,7 @@
         <a:sym typeface="Arial"/>
       </a:defRPr>
     </a:lvl8pPr>
-    <a:lvl9pPr lvl="8" marR="0" rtl="0" algn="l">
+    <a:lvl9pPr marR="0" lvl="8" algn="l" rtl="0">
       <a:lnSpc>
         <a:spcPct val="100000"/>
       </a:lnSpc>
@@ -695,7 +714,7 @@
         <a:srgbClr val="000000"/>
       </a:buClr>
       <a:buFont typeface="Arial"/>
-      <a:defRPr b="0" i="0" sz="1400" u="none" cap="none" strike="noStrike">
+      <a:defRPr sz="1400" b="0" i="0" u="none" strike="noStrike" cap="none">
         <a:solidFill>
           <a:srgbClr val="000000"/>
         </a:solidFill>
@@ -710,11 +729,11 @@
 </file>
 
 <file path=ppt/notesSlides/notesSlide1.xml><?xml version="1.0" encoding="utf-8"?>
-<p:notes xmlns:a="http://schemas.openxmlformats.org/drawingml/2006/main" xmlns:r="http://schemas.openxmlformats.org/officeDocument/2006/relationships" xmlns:mc="http://schemas.openxmlformats.org/markup-compatibility/2006" xmlns:mv="urn:schemas-microsoft-com:mac:vml" xmlns:p="http://schemas.openxmlformats.org/presentationml/2006/main" xmlns:c="http://schemas.openxmlformats.org/drawingml/2006/chart" xmlns:dgm="http://schemas.openxmlformats.org/drawingml/2006/diagram" xmlns:o="urn:schemas-microsoft-com:office:office" xmlns:v="urn:schemas-microsoft-com:vml" xmlns:pvml="urn:schemas-microsoft-com:office:powerpoint" xmlns:com="http://schemas.openxmlformats.org/drawingml/2006/compatibility" xmlns:p14="http://schemas.microsoft.com/office/powerpoint/2010/main" xmlns:p15="http://schemas.microsoft.com/office/powerpoint/2012/main" xmlns:ahyp="http://schemas.microsoft.com/office/drawing/2018/hyperlinkcolor" showMasterPhAnim="0" showMasterSp="0">
+<p:notes xmlns:a="http://schemas.openxmlformats.org/drawingml/2006/main" xmlns:r="http://schemas.openxmlformats.org/officeDocument/2006/relationships" xmlns:p="http://schemas.openxmlformats.org/presentationml/2006/main" showMasterSp="0" showMasterPhAnim="0">
   <p:cSld>
     <p:spTree>
       <p:nvGrpSpPr>
-        <p:cNvPr id="52" name="Shape 52"/>
+        <p:cNvPr id="1" name="Shape 52"/>
         <p:cNvGrpSpPr/>
         <p:nvPr/>
       </p:nvGrpSpPr>
@@ -729,20 +748,26 @@
       <p:sp>
         <p:nvSpPr>
           <p:cNvPr id="53" name="Google Shape;53;p:notes"/>
-          <p:cNvSpPr/>
+          <p:cNvSpPr>
+            <a:spLocks noGrp="1" noRot="1" noChangeAspect="1"/>
+          </p:cNvSpPr>
           <p:nvPr>
-            <p:ph idx="2" type="sldImg"/>
+            <p:ph type="sldImg" idx="2"/>
           </p:nvPr>
         </p:nvSpPr>
         <p:spPr>
           <a:xfrm>
-            <a:off x="381300" y="685800"/>
-            <a:ext cx="6096075" cy="3429000"/>
+            <a:off x="381000" y="685800"/>
+            <a:ext cx="6096000" cy="3429000"/>
           </a:xfrm>
           <a:custGeom>
-            <a:rect b="b" l="l" r="r" t="t"/>
+            <a:avLst/>
+            <a:gdLst/>
+            <a:ahLst/>
+            <a:cxnLst/>
+            <a:rect l="l" t="t" r="r" b="b"/>
             <a:pathLst>
-              <a:path extrusionOk="0" h="120000" w="120000">
+              <a:path w="120000" h="120000" extrusionOk="0">
                 <a:moveTo>
                   <a:pt x="0" y="0"/>
                 </a:moveTo>
@@ -764,9 +789,11 @@
       <p:sp>
         <p:nvSpPr>
           <p:cNvPr id="54" name="Google Shape;54;p:notes"/>
-          <p:cNvSpPr txBox="1"/>
+          <p:cNvSpPr txBox="1">
+            <a:spLocks noGrp="1"/>
+          </p:cNvSpPr>
           <p:nvPr>
-            <p:ph idx="1" type="body"/>
+            <p:ph type="body" idx="1"/>
           </p:nvPr>
         </p:nvSpPr>
         <p:spPr>
@@ -779,12 +806,12 @@
           </a:prstGeom>
         </p:spPr>
         <p:txBody>
-          <a:bodyPr anchorCtr="0" anchor="t" bIns="91425" lIns="91425" spcFirstLastPara="1" rIns="91425" wrap="square" tIns="91425">
+          <a:bodyPr spcFirstLastPara="1" wrap="square" lIns="91425" tIns="91425" rIns="91425" bIns="91425" anchor="t" anchorCtr="0">
             <a:noAutofit/>
           </a:bodyPr>
           <a:lstStyle/>
           <a:p>
-            <a:pPr indent="0" lvl="0" marL="0" rtl="0" algn="l">
+            <a:pPr marL="0" lvl="0" indent="0" algn="l" rtl="0">
               <a:spcBef>
                 <a:spcPts val="0"/>
               </a:spcBef>
@@ -793,9 +820,6 @@
               </a:spcAft>
               <a:buNone/>
             </a:pPr>
-            <a:r>
-              <a:t/>
-            </a:r>
             <a:endParaRPr/>
           </a:p>
         </p:txBody>
@@ -809,11 +833,11 @@
 </file>
 
 <file path=ppt/notesSlides/notesSlide10.xml><?xml version="1.0" encoding="utf-8"?>
-<p:notes xmlns:a="http://schemas.openxmlformats.org/drawingml/2006/main" xmlns:r="http://schemas.openxmlformats.org/officeDocument/2006/relationships" xmlns:mc="http://schemas.openxmlformats.org/markup-compatibility/2006" xmlns:mv="urn:schemas-microsoft-com:mac:vml" xmlns:p="http://schemas.openxmlformats.org/presentationml/2006/main" xmlns:c="http://schemas.openxmlformats.org/drawingml/2006/chart" xmlns:dgm="http://schemas.openxmlformats.org/drawingml/2006/diagram" xmlns:o="urn:schemas-microsoft-com:office:office" xmlns:v="urn:schemas-microsoft-com:vml" xmlns:pvml="urn:schemas-microsoft-com:office:powerpoint" xmlns:com="http://schemas.openxmlformats.org/drawingml/2006/compatibility" xmlns:p14="http://schemas.microsoft.com/office/powerpoint/2010/main" xmlns:p15="http://schemas.microsoft.com/office/powerpoint/2012/main" xmlns:ahyp="http://schemas.microsoft.com/office/drawing/2018/hyperlinkcolor" showMasterPhAnim="0" showMasterSp="0">
+<p:notes xmlns:a="http://schemas.openxmlformats.org/drawingml/2006/main" xmlns:r="http://schemas.openxmlformats.org/officeDocument/2006/relationships" xmlns:p="http://schemas.openxmlformats.org/presentationml/2006/main" showMasterSp="0" showMasterPhAnim="0">
   <p:cSld>
     <p:spTree>
       <p:nvGrpSpPr>
-        <p:cNvPr id="113" name="Shape 113"/>
+        <p:cNvPr id="1" name="Shape 113"/>
         <p:cNvGrpSpPr/>
         <p:nvPr/>
       </p:nvGrpSpPr>
@@ -828,20 +852,26 @@
       <p:sp>
         <p:nvSpPr>
           <p:cNvPr id="114" name="Google Shape;114;g338010524f8_0_97:notes"/>
-          <p:cNvSpPr/>
+          <p:cNvSpPr>
+            <a:spLocks noGrp="1" noRot="1" noChangeAspect="1"/>
+          </p:cNvSpPr>
           <p:nvPr>
-            <p:ph idx="2" type="sldImg"/>
+            <p:ph type="sldImg" idx="2"/>
           </p:nvPr>
         </p:nvSpPr>
         <p:spPr>
           <a:xfrm>
-            <a:off x="381300" y="685800"/>
+            <a:off x="381000" y="685800"/>
             <a:ext cx="6096000" cy="3429000"/>
           </a:xfrm>
           <a:custGeom>
-            <a:rect b="b" l="l" r="r" t="t"/>
+            <a:avLst/>
+            <a:gdLst/>
+            <a:ahLst/>
+            <a:cxnLst/>
+            <a:rect l="l" t="t" r="r" b="b"/>
             <a:pathLst>
-              <a:path extrusionOk="0" h="120000" w="120000">
+              <a:path w="120000" h="120000" extrusionOk="0">
                 <a:moveTo>
                   <a:pt x="0" y="0"/>
                 </a:moveTo>
@@ -863,9 +893,11 @@
       <p:sp>
         <p:nvSpPr>
           <p:cNvPr id="115" name="Google Shape;115;g338010524f8_0_97:notes"/>
-          <p:cNvSpPr txBox="1"/>
+          <p:cNvSpPr txBox="1">
+            <a:spLocks noGrp="1"/>
+          </p:cNvSpPr>
           <p:nvPr>
-            <p:ph idx="1" type="body"/>
+            <p:ph type="body" idx="1"/>
           </p:nvPr>
         </p:nvSpPr>
         <p:spPr>
@@ -878,12 +910,12 @@
           </a:prstGeom>
         </p:spPr>
         <p:txBody>
-          <a:bodyPr anchorCtr="0" anchor="t" bIns="91425" lIns="91425" spcFirstLastPara="1" rIns="91425" wrap="square" tIns="91425">
+          <a:bodyPr spcFirstLastPara="1" wrap="square" lIns="91425" tIns="91425" rIns="91425" bIns="91425" anchor="t" anchorCtr="0">
             <a:noAutofit/>
           </a:bodyPr>
           <a:lstStyle/>
           <a:p>
-            <a:pPr indent="0" lvl="0" marL="0" rtl="0" algn="l">
+            <a:pPr marL="0" lvl="0" indent="0" algn="l" rtl="0">
               <a:spcBef>
                 <a:spcPts val="0"/>
               </a:spcBef>
@@ -892,9 +924,6 @@
               </a:spcAft>
               <a:buNone/>
             </a:pPr>
-            <a:r>
-              <a:t/>
-            </a:r>
             <a:endParaRPr/>
           </a:p>
         </p:txBody>
@@ -908,11 +937,11 @@
 </file>
 
 <file path=ppt/notesSlides/notesSlide2.xml><?xml version="1.0" encoding="utf-8"?>
-<p:notes xmlns:a="http://schemas.openxmlformats.org/drawingml/2006/main" xmlns:r="http://schemas.openxmlformats.org/officeDocument/2006/relationships" xmlns:mc="http://schemas.openxmlformats.org/markup-compatibility/2006" xmlns:mv="urn:schemas-microsoft-com:mac:vml" xmlns:p="http://schemas.openxmlformats.org/presentationml/2006/main" xmlns:c="http://schemas.openxmlformats.org/drawingml/2006/chart" xmlns:dgm="http://schemas.openxmlformats.org/drawingml/2006/diagram" xmlns:o="urn:schemas-microsoft-com:office:office" xmlns:v="urn:schemas-microsoft-com:vml" xmlns:pvml="urn:schemas-microsoft-com:office:powerpoint" xmlns:com="http://schemas.openxmlformats.org/drawingml/2006/compatibility" xmlns:p14="http://schemas.microsoft.com/office/powerpoint/2010/main" xmlns:p15="http://schemas.microsoft.com/office/powerpoint/2012/main" xmlns:ahyp="http://schemas.microsoft.com/office/drawing/2018/hyperlinkcolor" showMasterPhAnim="0" showMasterSp="0">
+<p:notes xmlns:a="http://schemas.openxmlformats.org/drawingml/2006/main" xmlns:r="http://schemas.openxmlformats.org/officeDocument/2006/relationships" xmlns:p="http://schemas.openxmlformats.org/presentationml/2006/main" showMasterSp="0" showMasterPhAnim="0">
   <p:cSld>
     <p:spTree>
       <p:nvGrpSpPr>
-        <p:cNvPr id="59" name="Shape 59"/>
+        <p:cNvPr id="1" name="Shape 59"/>
         <p:cNvGrpSpPr/>
         <p:nvPr/>
       </p:nvGrpSpPr>
@@ -927,20 +956,26 @@
       <p:sp>
         <p:nvSpPr>
           <p:cNvPr id="60" name="Google Shape;60;g338010524f8_0_47:notes"/>
-          <p:cNvSpPr/>
+          <p:cNvSpPr>
+            <a:spLocks noGrp="1" noRot="1" noChangeAspect="1"/>
+          </p:cNvSpPr>
           <p:nvPr>
-            <p:ph idx="2" type="sldImg"/>
+            <p:ph type="sldImg" idx="2"/>
           </p:nvPr>
         </p:nvSpPr>
         <p:spPr>
           <a:xfrm>
-            <a:off x="381300" y="685800"/>
+            <a:off x="381000" y="685800"/>
             <a:ext cx="6096000" cy="3429000"/>
           </a:xfrm>
           <a:custGeom>
-            <a:rect b="b" l="l" r="r" t="t"/>
+            <a:avLst/>
+            <a:gdLst/>
+            <a:ahLst/>
+            <a:cxnLst/>
+            <a:rect l="l" t="t" r="r" b="b"/>
             <a:pathLst>
-              <a:path extrusionOk="0" h="120000" w="120000">
+              <a:path w="120000" h="120000" extrusionOk="0">
                 <a:moveTo>
                   <a:pt x="0" y="0"/>
                 </a:moveTo>
@@ -962,9 +997,11 @@
       <p:sp>
         <p:nvSpPr>
           <p:cNvPr id="61" name="Google Shape;61;g338010524f8_0_47:notes"/>
-          <p:cNvSpPr txBox="1"/>
+          <p:cNvSpPr txBox="1">
+            <a:spLocks noGrp="1"/>
+          </p:cNvSpPr>
           <p:nvPr>
-            <p:ph idx="1" type="body"/>
+            <p:ph type="body" idx="1"/>
           </p:nvPr>
         </p:nvSpPr>
         <p:spPr>
@@ -977,12 +1014,12 @@
           </a:prstGeom>
         </p:spPr>
         <p:txBody>
-          <a:bodyPr anchorCtr="0" anchor="t" bIns="91425" lIns="91425" spcFirstLastPara="1" rIns="91425" wrap="square" tIns="91425">
+          <a:bodyPr spcFirstLastPara="1" wrap="square" lIns="91425" tIns="91425" rIns="91425" bIns="91425" anchor="t" anchorCtr="0">
             <a:noAutofit/>
           </a:bodyPr>
           <a:lstStyle/>
           <a:p>
-            <a:pPr indent="0" lvl="0" marL="0" rtl="0" algn="l">
+            <a:pPr marL="0" lvl="0" indent="0" algn="l" rtl="0">
               <a:spcBef>
                 <a:spcPts val="0"/>
               </a:spcBef>
@@ -991,9 +1028,6 @@
               </a:spcAft>
               <a:buNone/>
             </a:pPr>
-            <a:r>
-              <a:t/>
-            </a:r>
             <a:endParaRPr/>
           </a:p>
         </p:txBody>
@@ -1007,11 +1041,11 @@
 </file>
 
 <file path=ppt/notesSlides/notesSlide3.xml><?xml version="1.0" encoding="utf-8"?>
-<p:notes xmlns:a="http://schemas.openxmlformats.org/drawingml/2006/main" xmlns:r="http://schemas.openxmlformats.org/officeDocument/2006/relationships" xmlns:mc="http://schemas.openxmlformats.org/markup-compatibility/2006" xmlns:mv="urn:schemas-microsoft-com:mac:vml" xmlns:p="http://schemas.openxmlformats.org/presentationml/2006/main" xmlns:c="http://schemas.openxmlformats.org/drawingml/2006/chart" xmlns:dgm="http://schemas.openxmlformats.org/drawingml/2006/diagram" xmlns:o="urn:schemas-microsoft-com:office:office" xmlns:v="urn:schemas-microsoft-com:vml" xmlns:pvml="urn:schemas-microsoft-com:office:powerpoint" xmlns:com="http://schemas.openxmlformats.org/drawingml/2006/compatibility" xmlns:p14="http://schemas.microsoft.com/office/powerpoint/2010/main" xmlns:p15="http://schemas.microsoft.com/office/powerpoint/2012/main" xmlns:ahyp="http://schemas.microsoft.com/office/drawing/2018/hyperlinkcolor" showMasterPhAnim="0" showMasterSp="0">
+<p:notes xmlns:a="http://schemas.openxmlformats.org/drawingml/2006/main" xmlns:r="http://schemas.openxmlformats.org/officeDocument/2006/relationships" xmlns:p="http://schemas.openxmlformats.org/presentationml/2006/main" showMasterSp="0" showMasterPhAnim="0">
   <p:cSld>
     <p:spTree>
       <p:nvGrpSpPr>
-        <p:cNvPr id="65" name="Shape 65"/>
+        <p:cNvPr id="1" name="Shape 65"/>
         <p:cNvGrpSpPr/>
         <p:nvPr/>
       </p:nvGrpSpPr>
@@ -1026,20 +1060,26 @@
       <p:sp>
         <p:nvSpPr>
           <p:cNvPr id="66" name="Google Shape;66;g338010524f8_0_52:notes"/>
-          <p:cNvSpPr/>
+          <p:cNvSpPr>
+            <a:spLocks noGrp="1" noRot="1" noChangeAspect="1"/>
+          </p:cNvSpPr>
           <p:nvPr>
-            <p:ph idx="2" type="sldImg"/>
+            <p:ph type="sldImg" idx="2"/>
           </p:nvPr>
         </p:nvSpPr>
         <p:spPr>
           <a:xfrm>
-            <a:off x="381300" y="685800"/>
+            <a:off x="381000" y="685800"/>
             <a:ext cx="6096000" cy="3429000"/>
           </a:xfrm>
           <a:custGeom>
-            <a:rect b="b" l="l" r="r" t="t"/>
+            <a:avLst/>
+            <a:gdLst/>
+            <a:ahLst/>
+            <a:cxnLst/>
+            <a:rect l="l" t="t" r="r" b="b"/>
             <a:pathLst>
-              <a:path extrusionOk="0" h="120000" w="120000">
+              <a:path w="120000" h="120000" extrusionOk="0">
                 <a:moveTo>
                   <a:pt x="0" y="0"/>
                 </a:moveTo>
@@ -1061,9 +1101,11 @@
       <p:sp>
         <p:nvSpPr>
           <p:cNvPr id="67" name="Google Shape;67;g338010524f8_0_52:notes"/>
-          <p:cNvSpPr txBox="1"/>
+          <p:cNvSpPr txBox="1">
+            <a:spLocks noGrp="1"/>
+          </p:cNvSpPr>
           <p:nvPr>
-            <p:ph idx="1" type="body"/>
+            <p:ph type="body" idx="1"/>
           </p:nvPr>
         </p:nvSpPr>
         <p:spPr>
@@ -1076,12 +1118,12 @@
           </a:prstGeom>
         </p:spPr>
         <p:txBody>
-          <a:bodyPr anchorCtr="0" anchor="t" bIns="91425" lIns="91425" spcFirstLastPara="1" rIns="91425" wrap="square" tIns="91425">
+          <a:bodyPr spcFirstLastPara="1" wrap="square" lIns="91425" tIns="91425" rIns="91425" bIns="91425" anchor="t" anchorCtr="0">
             <a:noAutofit/>
           </a:bodyPr>
           <a:lstStyle/>
           <a:p>
-            <a:pPr indent="0" lvl="0" marL="0" rtl="0" algn="l">
+            <a:pPr marL="0" lvl="0" indent="0" algn="l" rtl="0">
               <a:spcBef>
                 <a:spcPts val="0"/>
               </a:spcBef>
@@ -1090,9 +1132,6 @@
               </a:spcAft>
               <a:buNone/>
             </a:pPr>
-            <a:r>
-              <a:t/>
-            </a:r>
             <a:endParaRPr/>
           </a:p>
         </p:txBody>
@@ -1106,11 +1145,11 @@
 </file>
 
 <file path=ppt/notesSlides/notesSlide4.xml><?xml version="1.0" encoding="utf-8"?>
-<p:notes xmlns:a="http://schemas.openxmlformats.org/drawingml/2006/main" xmlns:r="http://schemas.openxmlformats.org/officeDocument/2006/relationships" xmlns:mc="http://schemas.openxmlformats.org/markup-compatibility/2006" xmlns:mv="urn:schemas-microsoft-com:mac:vml" xmlns:p="http://schemas.openxmlformats.org/presentationml/2006/main" xmlns:c="http://schemas.openxmlformats.org/drawingml/2006/chart" xmlns:dgm="http://schemas.openxmlformats.org/drawingml/2006/diagram" xmlns:o="urn:schemas-microsoft-com:office:office" xmlns:v="urn:schemas-microsoft-com:vml" xmlns:pvml="urn:schemas-microsoft-com:office:powerpoint" xmlns:com="http://schemas.openxmlformats.org/drawingml/2006/compatibility" xmlns:p14="http://schemas.microsoft.com/office/powerpoint/2010/main" xmlns:p15="http://schemas.microsoft.com/office/powerpoint/2012/main" xmlns:ahyp="http://schemas.microsoft.com/office/drawing/2018/hyperlinkcolor" showMasterPhAnim="0" showMasterSp="0">
+<p:notes xmlns:a="http://schemas.openxmlformats.org/drawingml/2006/main" xmlns:r="http://schemas.openxmlformats.org/officeDocument/2006/relationships" xmlns:p="http://schemas.openxmlformats.org/presentationml/2006/main" showMasterSp="0" showMasterPhAnim="0">
   <p:cSld>
     <p:spTree>
       <p:nvGrpSpPr>
-        <p:cNvPr id="71" name="Shape 71"/>
+        <p:cNvPr id="1" name="Shape 71"/>
         <p:cNvGrpSpPr/>
         <p:nvPr/>
       </p:nvGrpSpPr>
@@ -1125,20 +1164,26 @@
       <p:sp>
         <p:nvSpPr>
           <p:cNvPr id="72" name="Google Shape;72;g338010524f8_0_57:notes"/>
-          <p:cNvSpPr/>
+          <p:cNvSpPr>
+            <a:spLocks noGrp="1" noRot="1" noChangeAspect="1"/>
+          </p:cNvSpPr>
           <p:nvPr>
-            <p:ph idx="2" type="sldImg"/>
+            <p:ph type="sldImg" idx="2"/>
           </p:nvPr>
         </p:nvSpPr>
         <p:spPr>
           <a:xfrm>
-            <a:off x="381300" y="685800"/>
+            <a:off x="381000" y="685800"/>
             <a:ext cx="6096000" cy="3429000"/>
           </a:xfrm>
           <a:custGeom>
-            <a:rect b="b" l="l" r="r" t="t"/>
+            <a:avLst/>
+            <a:gdLst/>
+            <a:ahLst/>
+            <a:cxnLst/>
+            <a:rect l="l" t="t" r="r" b="b"/>
             <a:pathLst>
-              <a:path extrusionOk="0" h="120000" w="120000">
+              <a:path w="120000" h="120000" extrusionOk="0">
                 <a:moveTo>
                   <a:pt x="0" y="0"/>
                 </a:moveTo>
@@ -1160,9 +1205,11 @@
       <p:sp>
         <p:nvSpPr>
           <p:cNvPr id="73" name="Google Shape;73;g338010524f8_0_57:notes"/>
-          <p:cNvSpPr txBox="1"/>
+          <p:cNvSpPr txBox="1">
+            <a:spLocks noGrp="1"/>
+          </p:cNvSpPr>
           <p:nvPr>
-            <p:ph idx="1" type="body"/>
+            <p:ph type="body" idx="1"/>
           </p:nvPr>
         </p:nvSpPr>
         <p:spPr>
@@ -1175,12 +1222,12 @@
           </a:prstGeom>
         </p:spPr>
         <p:txBody>
-          <a:bodyPr anchorCtr="0" anchor="t" bIns="91425" lIns="91425" spcFirstLastPara="1" rIns="91425" wrap="square" tIns="91425">
+          <a:bodyPr spcFirstLastPara="1" wrap="square" lIns="91425" tIns="91425" rIns="91425" bIns="91425" anchor="t" anchorCtr="0">
             <a:noAutofit/>
           </a:bodyPr>
           <a:lstStyle/>
           <a:p>
-            <a:pPr indent="0" lvl="0" marL="0" rtl="0" algn="l">
+            <a:pPr marL="0" lvl="0" indent="0" algn="l" rtl="0">
               <a:spcBef>
                 <a:spcPts val="0"/>
               </a:spcBef>
@@ -1189,9 +1236,6 @@
               </a:spcAft>
               <a:buNone/>
             </a:pPr>
-            <a:r>
-              <a:t/>
-            </a:r>
             <a:endParaRPr/>
           </a:p>
         </p:txBody>
@@ -1205,11 +1249,11 @@
 </file>
 
 <file path=ppt/notesSlides/notesSlide5.xml><?xml version="1.0" encoding="utf-8"?>
-<p:notes xmlns:a="http://schemas.openxmlformats.org/drawingml/2006/main" xmlns:r="http://schemas.openxmlformats.org/officeDocument/2006/relationships" xmlns:mc="http://schemas.openxmlformats.org/markup-compatibility/2006" xmlns:mv="urn:schemas-microsoft-com:mac:vml" xmlns:p="http://schemas.openxmlformats.org/presentationml/2006/main" xmlns:c="http://schemas.openxmlformats.org/drawingml/2006/chart" xmlns:dgm="http://schemas.openxmlformats.org/drawingml/2006/diagram" xmlns:o="urn:schemas-microsoft-com:office:office" xmlns:v="urn:schemas-microsoft-com:vml" xmlns:pvml="urn:schemas-microsoft-com:office:powerpoint" xmlns:com="http://schemas.openxmlformats.org/drawingml/2006/compatibility" xmlns:p14="http://schemas.microsoft.com/office/powerpoint/2010/main" xmlns:p15="http://schemas.microsoft.com/office/powerpoint/2012/main" xmlns:ahyp="http://schemas.microsoft.com/office/drawing/2018/hyperlinkcolor" showMasterPhAnim="0" showMasterSp="0">
+<p:notes xmlns:a="http://schemas.openxmlformats.org/drawingml/2006/main" xmlns:r="http://schemas.openxmlformats.org/officeDocument/2006/relationships" xmlns:p="http://schemas.openxmlformats.org/presentationml/2006/main" showMasterSp="0" showMasterPhAnim="0">
   <p:cSld>
     <p:spTree>
       <p:nvGrpSpPr>
-        <p:cNvPr id="77" name="Shape 77"/>
+        <p:cNvPr id="1" name="Shape 77"/>
         <p:cNvGrpSpPr/>
         <p:nvPr/>
       </p:nvGrpSpPr>
@@ -1224,20 +1268,26 @@
       <p:sp>
         <p:nvSpPr>
           <p:cNvPr id="78" name="Google Shape;78;g338010524f8_0_62:notes"/>
-          <p:cNvSpPr/>
+          <p:cNvSpPr>
+            <a:spLocks noGrp="1" noRot="1" noChangeAspect="1"/>
+          </p:cNvSpPr>
           <p:nvPr>
-            <p:ph idx="2" type="sldImg"/>
+            <p:ph type="sldImg" idx="2"/>
           </p:nvPr>
         </p:nvSpPr>
         <p:spPr>
           <a:xfrm>
-            <a:off x="381300" y="685800"/>
+            <a:off x="381000" y="685800"/>
             <a:ext cx="6096000" cy="3429000"/>
           </a:xfrm>
           <a:custGeom>
-            <a:rect b="b" l="l" r="r" t="t"/>
+            <a:avLst/>
+            <a:gdLst/>
+            <a:ahLst/>
+            <a:cxnLst/>
+            <a:rect l="l" t="t" r="r" b="b"/>
             <a:pathLst>
-              <a:path extrusionOk="0" h="120000" w="120000">
+              <a:path w="120000" h="120000" extrusionOk="0">
                 <a:moveTo>
                   <a:pt x="0" y="0"/>
                 </a:moveTo>
@@ -1259,9 +1309,11 @@
       <p:sp>
         <p:nvSpPr>
           <p:cNvPr id="79" name="Google Shape;79;g338010524f8_0_62:notes"/>
-          <p:cNvSpPr txBox="1"/>
+          <p:cNvSpPr txBox="1">
+            <a:spLocks noGrp="1"/>
+          </p:cNvSpPr>
           <p:nvPr>
-            <p:ph idx="1" type="body"/>
+            <p:ph type="body" idx="1"/>
           </p:nvPr>
         </p:nvSpPr>
         <p:spPr>
@@ -1274,12 +1326,12 @@
           </a:prstGeom>
         </p:spPr>
         <p:txBody>
-          <a:bodyPr anchorCtr="0" anchor="t" bIns="91425" lIns="91425" spcFirstLastPara="1" rIns="91425" wrap="square" tIns="91425">
+          <a:bodyPr spcFirstLastPara="1" wrap="square" lIns="91425" tIns="91425" rIns="91425" bIns="91425" anchor="t" anchorCtr="0">
             <a:noAutofit/>
           </a:bodyPr>
           <a:lstStyle/>
           <a:p>
-            <a:pPr indent="0" lvl="0" marL="0" rtl="0" algn="l">
+            <a:pPr marL="0" lvl="0" indent="0" algn="l" rtl="0">
               <a:spcBef>
                 <a:spcPts val="0"/>
               </a:spcBef>
@@ -1288,9 +1340,6 @@
               </a:spcAft>
               <a:buNone/>
             </a:pPr>
-            <a:r>
-              <a:t/>
-            </a:r>
             <a:endParaRPr/>
           </a:p>
         </p:txBody>
@@ -1304,11 +1353,11 @@
 </file>
 
 <file path=ppt/notesSlides/notesSlide6.xml><?xml version="1.0" encoding="utf-8"?>
-<p:notes xmlns:a="http://schemas.openxmlformats.org/drawingml/2006/main" xmlns:r="http://schemas.openxmlformats.org/officeDocument/2006/relationships" xmlns:mc="http://schemas.openxmlformats.org/markup-compatibility/2006" xmlns:mv="urn:schemas-microsoft-com:mac:vml" xmlns:p="http://schemas.openxmlformats.org/presentationml/2006/main" xmlns:c="http://schemas.openxmlformats.org/drawingml/2006/chart" xmlns:dgm="http://schemas.openxmlformats.org/drawingml/2006/diagram" xmlns:o="urn:schemas-microsoft-com:office:office" xmlns:v="urn:schemas-microsoft-com:vml" xmlns:pvml="urn:schemas-microsoft-com:office:powerpoint" xmlns:com="http://schemas.openxmlformats.org/drawingml/2006/compatibility" xmlns:p14="http://schemas.microsoft.com/office/powerpoint/2010/main" xmlns:p15="http://schemas.microsoft.com/office/powerpoint/2012/main" xmlns:ahyp="http://schemas.microsoft.com/office/drawing/2018/hyperlinkcolor" showMasterPhAnim="0" showMasterSp="0">
+<p:notes xmlns:a="http://schemas.openxmlformats.org/drawingml/2006/main" xmlns:r="http://schemas.openxmlformats.org/officeDocument/2006/relationships" xmlns:p="http://schemas.openxmlformats.org/presentationml/2006/main" showMasterSp="0" showMasterPhAnim="0">
   <p:cSld>
     <p:spTree>
       <p:nvGrpSpPr>
-        <p:cNvPr id="84" name="Shape 84"/>
+        <p:cNvPr id="1" name="Shape 84"/>
         <p:cNvGrpSpPr/>
         <p:nvPr/>
       </p:nvGrpSpPr>
@@ -1323,20 +1372,26 @@
       <p:sp>
         <p:nvSpPr>
           <p:cNvPr id="85" name="Google Shape;85;g338010524f8_0_67:notes"/>
-          <p:cNvSpPr/>
+          <p:cNvSpPr>
+            <a:spLocks noGrp="1" noRot="1" noChangeAspect="1"/>
+          </p:cNvSpPr>
           <p:nvPr>
-            <p:ph idx="2" type="sldImg"/>
+            <p:ph type="sldImg" idx="2"/>
           </p:nvPr>
         </p:nvSpPr>
         <p:spPr>
           <a:xfrm>
-            <a:off x="381300" y="685800"/>
+            <a:off x="381000" y="685800"/>
             <a:ext cx="6096000" cy="3429000"/>
           </a:xfrm>
           <a:custGeom>
-            <a:rect b="b" l="l" r="r" t="t"/>
+            <a:avLst/>
+            <a:gdLst/>
+            <a:ahLst/>
+            <a:cxnLst/>
+            <a:rect l="l" t="t" r="r" b="b"/>
             <a:pathLst>
-              <a:path extrusionOk="0" h="120000" w="120000">
+              <a:path w="120000" h="120000" extrusionOk="0">
                 <a:moveTo>
                   <a:pt x="0" y="0"/>
                 </a:moveTo>
@@ -1358,9 +1413,11 @@
       <p:sp>
         <p:nvSpPr>
           <p:cNvPr id="86" name="Google Shape;86;g338010524f8_0_67:notes"/>
-          <p:cNvSpPr txBox="1"/>
+          <p:cNvSpPr txBox="1">
+            <a:spLocks noGrp="1"/>
+          </p:cNvSpPr>
           <p:nvPr>
-            <p:ph idx="1" type="body"/>
+            <p:ph type="body" idx="1"/>
           </p:nvPr>
         </p:nvSpPr>
         <p:spPr>
@@ -1373,12 +1430,12 @@
           </a:prstGeom>
         </p:spPr>
         <p:txBody>
-          <a:bodyPr anchorCtr="0" anchor="t" bIns="91425" lIns="91425" spcFirstLastPara="1" rIns="91425" wrap="square" tIns="91425">
+          <a:bodyPr spcFirstLastPara="1" wrap="square" lIns="91425" tIns="91425" rIns="91425" bIns="91425" anchor="t" anchorCtr="0">
             <a:noAutofit/>
           </a:bodyPr>
           <a:lstStyle/>
           <a:p>
-            <a:pPr indent="0" lvl="0" marL="0" rtl="0" algn="l">
+            <a:pPr marL="0" lvl="0" indent="0" algn="l" rtl="0">
               <a:spcBef>
                 <a:spcPts val="0"/>
               </a:spcBef>
@@ -1387,9 +1444,6 @@
               </a:spcAft>
               <a:buNone/>
             </a:pPr>
-            <a:r>
-              <a:t/>
-            </a:r>
             <a:endParaRPr/>
           </a:p>
         </p:txBody>
@@ -1403,11 +1457,11 @@
 </file>
 
 <file path=ppt/notesSlides/notesSlide7.xml><?xml version="1.0" encoding="utf-8"?>
-<p:notes xmlns:a="http://schemas.openxmlformats.org/drawingml/2006/main" xmlns:r="http://schemas.openxmlformats.org/officeDocument/2006/relationships" xmlns:mc="http://schemas.openxmlformats.org/markup-compatibility/2006" xmlns:mv="urn:schemas-microsoft-com:mac:vml" xmlns:p="http://schemas.openxmlformats.org/presentationml/2006/main" xmlns:c="http://schemas.openxmlformats.org/drawingml/2006/chart" xmlns:dgm="http://schemas.openxmlformats.org/drawingml/2006/diagram" xmlns:o="urn:schemas-microsoft-com:office:office" xmlns:v="urn:schemas-microsoft-com:vml" xmlns:pvml="urn:schemas-microsoft-com:office:powerpoint" xmlns:com="http://schemas.openxmlformats.org/drawingml/2006/compatibility" xmlns:p14="http://schemas.microsoft.com/office/powerpoint/2010/main" xmlns:p15="http://schemas.microsoft.com/office/powerpoint/2012/main" xmlns:ahyp="http://schemas.microsoft.com/office/drawing/2018/hyperlinkcolor" showMasterPhAnim="0" showMasterSp="0">
+<p:notes xmlns:a="http://schemas.openxmlformats.org/drawingml/2006/main" xmlns:r="http://schemas.openxmlformats.org/officeDocument/2006/relationships" xmlns:p="http://schemas.openxmlformats.org/presentationml/2006/main" showMasterSp="0" showMasterPhAnim="0">
   <p:cSld>
     <p:spTree>
       <p:nvGrpSpPr>
-        <p:cNvPr id="90" name="Shape 90"/>
+        <p:cNvPr id="1" name="Shape 90"/>
         <p:cNvGrpSpPr/>
         <p:nvPr/>
       </p:nvGrpSpPr>
@@ -1422,20 +1476,26 @@
       <p:sp>
         <p:nvSpPr>
           <p:cNvPr id="91" name="Google Shape;91;g3384133a738_0_2:notes"/>
-          <p:cNvSpPr/>
+          <p:cNvSpPr>
+            <a:spLocks noGrp="1" noRot="1" noChangeAspect="1"/>
+          </p:cNvSpPr>
           <p:nvPr>
-            <p:ph idx="2" type="sldImg"/>
+            <p:ph type="sldImg" idx="2"/>
           </p:nvPr>
         </p:nvSpPr>
         <p:spPr>
           <a:xfrm>
-            <a:off x="381300" y="685800"/>
+            <a:off x="381000" y="685800"/>
             <a:ext cx="6096000" cy="3429000"/>
           </a:xfrm>
           <a:custGeom>
-            <a:rect b="b" l="l" r="r" t="t"/>
+            <a:avLst/>
+            <a:gdLst/>
+            <a:ahLst/>
+            <a:cxnLst/>
+            <a:rect l="l" t="t" r="r" b="b"/>
             <a:pathLst>
-              <a:path extrusionOk="0" h="120000" w="120000">
+              <a:path w="120000" h="120000" extrusionOk="0">
                 <a:moveTo>
                   <a:pt x="0" y="0"/>
                 </a:moveTo>
@@ -1457,9 +1517,11 @@
       <p:sp>
         <p:nvSpPr>
           <p:cNvPr id="92" name="Google Shape;92;g3384133a738_0_2:notes"/>
-          <p:cNvSpPr txBox="1"/>
+          <p:cNvSpPr txBox="1">
+            <a:spLocks noGrp="1"/>
+          </p:cNvSpPr>
           <p:nvPr>
-            <p:ph idx="1" type="body"/>
+            <p:ph type="body" idx="1"/>
           </p:nvPr>
         </p:nvSpPr>
         <p:spPr>
@@ -1472,12 +1534,12 @@
           </a:prstGeom>
         </p:spPr>
         <p:txBody>
-          <a:bodyPr anchorCtr="0" anchor="t" bIns="91425" lIns="91425" spcFirstLastPara="1" rIns="91425" wrap="square" tIns="91425">
+          <a:bodyPr spcFirstLastPara="1" wrap="square" lIns="91425" tIns="91425" rIns="91425" bIns="91425" anchor="t" anchorCtr="0">
             <a:noAutofit/>
           </a:bodyPr>
           <a:lstStyle/>
           <a:p>
-            <a:pPr indent="0" lvl="0" marL="0" rtl="0" algn="l">
+            <a:pPr marL="0" lvl="0" indent="0" algn="l" rtl="0">
               <a:spcBef>
                 <a:spcPts val="0"/>
               </a:spcBef>
@@ -1486,9 +1548,6 @@
               </a:spcAft>
               <a:buNone/>
             </a:pPr>
-            <a:r>
-              <a:t/>
-            </a:r>
             <a:endParaRPr/>
           </a:p>
         </p:txBody>
@@ -1502,11 +1561,11 @@
 </file>
 
 <file path=ppt/notesSlides/notesSlide8.xml><?xml version="1.0" encoding="utf-8"?>
-<p:notes xmlns:a="http://schemas.openxmlformats.org/drawingml/2006/main" xmlns:r="http://schemas.openxmlformats.org/officeDocument/2006/relationships" xmlns:mc="http://schemas.openxmlformats.org/markup-compatibility/2006" xmlns:mv="urn:schemas-microsoft-com:mac:vml" xmlns:p="http://schemas.openxmlformats.org/presentationml/2006/main" xmlns:c="http://schemas.openxmlformats.org/drawingml/2006/chart" xmlns:dgm="http://schemas.openxmlformats.org/drawingml/2006/diagram" xmlns:o="urn:schemas-microsoft-com:office:office" xmlns:v="urn:schemas-microsoft-com:vml" xmlns:pvml="urn:schemas-microsoft-com:office:powerpoint" xmlns:com="http://schemas.openxmlformats.org/drawingml/2006/compatibility" xmlns:p14="http://schemas.microsoft.com/office/powerpoint/2010/main" xmlns:p15="http://schemas.microsoft.com/office/powerpoint/2012/main" xmlns:ahyp="http://schemas.microsoft.com/office/drawing/2018/hyperlinkcolor" showMasterPhAnim="0" showMasterSp="0">
+<p:notes xmlns:a="http://schemas.openxmlformats.org/drawingml/2006/main" xmlns:r="http://schemas.openxmlformats.org/officeDocument/2006/relationships" xmlns:p="http://schemas.openxmlformats.org/presentationml/2006/main" showMasterSp="0" showMasterPhAnim="0">
   <p:cSld>
     <p:spTree>
       <p:nvGrpSpPr>
-        <p:cNvPr id="98" name="Shape 98"/>
+        <p:cNvPr id="1" name="Shape 98"/>
         <p:cNvGrpSpPr/>
         <p:nvPr/>
       </p:nvGrpSpPr>
@@ -1521,20 +1580,26 @@
       <p:sp>
         <p:nvSpPr>
           <p:cNvPr id="99" name="Google Shape;99;g338010524f8_0_72:notes"/>
-          <p:cNvSpPr/>
+          <p:cNvSpPr>
+            <a:spLocks noGrp="1" noRot="1" noChangeAspect="1"/>
+          </p:cNvSpPr>
           <p:nvPr>
-            <p:ph idx="2" type="sldImg"/>
+            <p:ph type="sldImg" idx="2"/>
           </p:nvPr>
         </p:nvSpPr>
         <p:spPr>
           <a:xfrm>
-            <a:off x="381300" y="685800"/>
+            <a:off x="381000" y="685800"/>
             <a:ext cx="6096000" cy="3429000"/>
           </a:xfrm>
           <a:custGeom>
-            <a:rect b="b" l="l" r="r" t="t"/>
+            <a:avLst/>
+            <a:gdLst/>
+            <a:ahLst/>
+            <a:cxnLst/>
+            <a:rect l="l" t="t" r="r" b="b"/>
             <a:pathLst>
-              <a:path extrusionOk="0" h="120000" w="120000">
+              <a:path w="120000" h="120000" extrusionOk="0">
                 <a:moveTo>
                   <a:pt x="0" y="0"/>
                 </a:moveTo>
@@ -1556,9 +1621,11 @@
       <p:sp>
         <p:nvSpPr>
           <p:cNvPr id="100" name="Google Shape;100;g338010524f8_0_72:notes"/>
-          <p:cNvSpPr txBox="1"/>
+          <p:cNvSpPr txBox="1">
+            <a:spLocks noGrp="1"/>
+          </p:cNvSpPr>
           <p:nvPr>
-            <p:ph idx="1" type="body"/>
+            <p:ph type="body" idx="1"/>
           </p:nvPr>
         </p:nvSpPr>
         <p:spPr>
@@ -1571,12 +1638,12 @@
           </a:prstGeom>
         </p:spPr>
         <p:txBody>
-          <a:bodyPr anchorCtr="0" anchor="t" bIns="91425" lIns="91425" spcFirstLastPara="1" rIns="91425" wrap="square" tIns="91425">
+          <a:bodyPr spcFirstLastPara="1" wrap="square" lIns="91425" tIns="91425" rIns="91425" bIns="91425" anchor="t" anchorCtr="0">
             <a:noAutofit/>
           </a:bodyPr>
           <a:lstStyle/>
           <a:p>
-            <a:pPr indent="0" lvl="0" marL="0" rtl="0" algn="l">
+            <a:pPr marL="0" lvl="0" indent="0" algn="l" rtl="0">
               <a:spcBef>
                 <a:spcPts val="0"/>
               </a:spcBef>
@@ -1585,9 +1652,6 @@
               </a:spcAft>
               <a:buNone/>
             </a:pPr>
-            <a:r>
-              <a:t/>
-            </a:r>
             <a:endParaRPr/>
           </a:p>
         </p:txBody>
@@ -1601,11 +1665,11 @@
 </file>
 
 <file path=ppt/notesSlides/notesSlide9.xml><?xml version="1.0" encoding="utf-8"?>
-<p:notes xmlns:a="http://schemas.openxmlformats.org/drawingml/2006/main" xmlns:r="http://schemas.openxmlformats.org/officeDocument/2006/relationships" xmlns:mc="http://schemas.openxmlformats.org/markup-compatibility/2006" xmlns:mv="urn:schemas-microsoft-com:mac:vml" xmlns:p="http://schemas.openxmlformats.org/presentationml/2006/main" xmlns:c="http://schemas.openxmlformats.org/drawingml/2006/chart" xmlns:dgm="http://schemas.openxmlformats.org/drawingml/2006/diagram" xmlns:o="urn:schemas-microsoft-com:office:office" xmlns:v="urn:schemas-microsoft-com:vml" xmlns:pvml="urn:schemas-microsoft-com:office:powerpoint" xmlns:com="http://schemas.openxmlformats.org/drawingml/2006/compatibility" xmlns:p14="http://schemas.microsoft.com/office/powerpoint/2010/main" xmlns:p15="http://schemas.microsoft.com/office/powerpoint/2012/main" xmlns:ahyp="http://schemas.microsoft.com/office/drawing/2018/hyperlinkcolor" showMasterPhAnim="0" showMasterSp="0">
+<p:notes xmlns:a="http://schemas.openxmlformats.org/drawingml/2006/main" xmlns:r="http://schemas.openxmlformats.org/officeDocument/2006/relationships" xmlns:p="http://schemas.openxmlformats.org/presentationml/2006/main" showMasterSp="0" showMasterPhAnim="0">
   <p:cSld>
     <p:spTree>
       <p:nvGrpSpPr>
-        <p:cNvPr id="106" name="Shape 106"/>
+        <p:cNvPr id="1" name="Shape 106"/>
         <p:cNvGrpSpPr/>
         <p:nvPr/>
       </p:nvGrpSpPr>
@@ -1620,20 +1684,26 @@
       <p:sp>
         <p:nvSpPr>
           <p:cNvPr id="107" name="Google Shape;107;g338010524f8_0_82:notes"/>
-          <p:cNvSpPr/>
+          <p:cNvSpPr>
+            <a:spLocks noGrp="1" noRot="1" noChangeAspect="1"/>
+          </p:cNvSpPr>
           <p:nvPr>
-            <p:ph idx="2" type="sldImg"/>
+            <p:ph type="sldImg" idx="2"/>
           </p:nvPr>
         </p:nvSpPr>
         <p:spPr>
           <a:xfrm>
-            <a:off x="381300" y="685800"/>
+            <a:off x="381000" y="685800"/>
             <a:ext cx="6096000" cy="3429000"/>
           </a:xfrm>
           <a:custGeom>
-            <a:rect b="b" l="l" r="r" t="t"/>
+            <a:avLst/>
+            <a:gdLst/>
+            <a:ahLst/>
+            <a:cxnLst/>
+            <a:rect l="l" t="t" r="r" b="b"/>
             <a:pathLst>
-              <a:path extrusionOk="0" h="120000" w="120000">
+              <a:path w="120000" h="120000" extrusionOk="0">
                 <a:moveTo>
                   <a:pt x="0" y="0"/>
                 </a:moveTo>
@@ -1655,9 +1725,11 @@
       <p:sp>
         <p:nvSpPr>
           <p:cNvPr id="108" name="Google Shape;108;g338010524f8_0_82:notes"/>
-          <p:cNvSpPr txBox="1"/>
+          <p:cNvSpPr txBox="1">
+            <a:spLocks noGrp="1"/>
+          </p:cNvSpPr>
           <p:nvPr>
-            <p:ph idx="1" type="body"/>
+            <p:ph type="body" idx="1"/>
           </p:nvPr>
         </p:nvSpPr>
         <p:spPr>
@@ -1670,12 +1742,12 @@
           </a:prstGeom>
         </p:spPr>
         <p:txBody>
-          <a:bodyPr anchorCtr="0" anchor="t" bIns="91425" lIns="91425" spcFirstLastPara="1" rIns="91425" wrap="square" tIns="91425">
+          <a:bodyPr spcFirstLastPara="1" wrap="square" lIns="91425" tIns="91425" rIns="91425" bIns="91425" anchor="t" anchorCtr="0">
             <a:noAutofit/>
           </a:bodyPr>
           <a:lstStyle/>
           <a:p>
-            <a:pPr indent="0" lvl="0" marL="0" rtl="0" algn="l">
+            <a:pPr marL="0" lvl="0" indent="0" algn="l" rtl="0">
               <a:spcBef>
                 <a:spcPts val="0"/>
               </a:spcBef>
@@ -1684,9 +1756,6 @@
               </a:spcAft>
               <a:buNone/>
             </a:pPr>
-            <a:r>
-              <a:t/>
-            </a:r>
             <a:endParaRPr/>
           </a:p>
         </p:txBody>
@@ -1700,18 +1769,19 @@
 </file>
 
 <file path=ppt/slideLayouts/slideLayout1.xml><?xml version="1.0" encoding="utf-8"?>
-<p:sldLayout xmlns:a="http://schemas.openxmlformats.org/drawingml/2006/main" xmlns:r="http://schemas.openxmlformats.org/officeDocument/2006/relationships" xmlns:mc="http://schemas.openxmlformats.org/markup-compatibility/2006" xmlns:mv="urn:schemas-microsoft-com:mac:vml" xmlns:p="http://schemas.openxmlformats.org/presentationml/2006/main" xmlns:c="http://schemas.openxmlformats.org/drawingml/2006/chart" xmlns:dgm="http://schemas.openxmlformats.org/drawingml/2006/diagram" xmlns:o="urn:schemas-microsoft-com:office:office" xmlns:v="urn:schemas-microsoft-com:vml" xmlns:pvml="urn:schemas-microsoft-com:office:powerpoint" xmlns:com="http://schemas.openxmlformats.org/drawingml/2006/compatibility" xmlns:p14="http://schemas.microsoft.com/office/powerpoint/2010/main" xmlns:p15="http://schemas.microsoft.com/office/powerpoint/2012/main" xmlns:ahyp="http://schemas.microsoft.com/office/drawing/2018/hyperlinkcolor" matchingName="Title slide" type="title">
+<p:sldLayout xmlns:a="http://schemas.openxmlformats.org/drawingml/2006/main" xmlns:r="http://schemas.openxmlformats.org/officeDocument/2006/relationships" xmlns:p="http://schemas.openxmlformats.org/presentationml/2006/main" matchingName="Title slide" type="title">
   <p:cSld name="TITLE">
     <p:bg>
       <p:bgPr>
         <a:solidFill>
           <a:schemeClr val="dk1"/>
         </a:solidFill>
+        <a:effectLst/>
       </p:bgPr>
     </p:bg>
     <p:spTree>
       <p:nvGrpSpPr>
-        <p:cNvPr id="9" name="Shape 9"/>
+        <p:cNvPr id="1" name="Shape 9"/>
         <p:cNvGrpSpPr/>
         <p:nvPr/>
       </p:nvGrpSpPr>
@@ -1745,12 +1815,12 @@
           </a:ln>
         </p:spPr>
         <p:txBody>
-          <a:bodyPr anchorCtr="0" anchor="ctr" bIns="91425" lIns="91425" spcFirstLastPara="1" rIns="91425" wrap="square" tIns="91425">
+          <a:bodyPr spcFirstLastPara="1" wrap="square" lIns="91425" tIns="91425" rIns="91425" bIns="91425" anchor="ctr" anchorCtr="0">
             <a:noAutofit/>
           </a:bodyPr>
           <a:lstStyle/>
           <a:p>
-            <a:pPr indent="0" lvl="0" marL="0" rtl="0" algn="l">
+            <a:pPr marL="0" lvl="0" indent="0" algn="l" rtl="0">
               <a:spcBef>
                 <a:spcPts val="0"/>
               </a:spcBef>
@@ -1759,9 +1829,6 @@
               </a:spcAft>
               <a:buNone/>
             </a:pPr>
-            <a:r>
-              <a:t/>
-            </a:r>
             <a:endParaRPr/>
           </a:p>
         </p:txBody>
@@ -1769,7 +1836,9 @@
       <p:sp>
         <p:nvSpPr>
           <p:cNvPr id="11" name="Google Shape;11;p2"/>
-          <p:cNvSpPr txBox="1"/>
+          <p:cNvSpPr txBox="1">
+            <a:spLocks noGrp="1"/>
+          </p:cNvSpPr>
           <p:nvPr>
             <p:ph type="ctrTitle"/>
           </p:nvPr>
@@ -1784,7 +1853,7 @@
           </a:prstGeom>
         </p:spPr>
         <p:txBody>
-          <a:bodyPr anchorCtr="0" anchor="ctr" bIns="91425" lIns="91425" spcFirstLastPara="1" rIns="91425" wrap="square" tIns="91425">
+          <a:bodyPr spcFirstLastPara="1" wrap="square" lIns="91425" tIns="91425" rIns="91425" bIns="91425" anchor="ctr" anchorCtr="0">
             <a:normAutofit/>
           </a:bodyPr>
           <a:lstStyle>
@@ -1888,15 +1957,19 @@
               <a:defRPr sz="8000"/>
             </a:lvl9pPr>
           </a:lstStyle>
-          <a:p/>
+          <a:p>
+            <a:endParaRPr/>
+          </a:p>
         </p:txBody>
       </p:sp>
       <p:sp>
         <p:nvSpPr>
           <p:cNvPr id="12" name="Google Shape;12;p2"/>
-          <p:cNvSpPr txBox="1"/>
+          <p:cNvSpPr txBox="1">
+            <a:spLocks noGrp="1"/>
+          </p:cNvSpPr>
           <p:nvPr>
-            <p:ph idx="1" type="subTitle"/>
+            <p:ph type="subTitle" idx="1"/>
           </p:nvPr>
         </p:nvSpPr>
         <p:spPr>
@@ -1909,7 +1982,7 @@
           </a:prstGeom>
         </p:spPr>
         <p:txBody>
-          <a:bodyPr anchorCtr="0" anchor="ctr" bIns="91425" lIns="91425" spcFirstLastPara="1" rIns="91425" wrap="square" tIns="91425">
+          <a:bodyPr spcFirstLastPara="1" wrap="square" lIns="91425" tIns="91425" rIns="91425" bIns="91425" anchor="ctr" anchorCtr="0">
             <a:normAutofit/>
           </a:bodyPr>
           <a:lstStyle>
@@ -1928,7 +2001,7 @@
               </a:buClr>
               <a:buSzPts val="2100"/>
               <a:buNone/>
-              <a:defRPr b="1" sz="2100">
+              <a:defRPr sz="2100" b="1">
                 <a:solidFill>
                   <a:schemeClr val="accent1"/>
                 </a:solidFill>
@@ -1949,7 +2022,7 @@
               </a:buClr>
               <a:buSzPts val="2100"/>
               <a:buNone/>
-              <a:defRPr b="1" sz="2100">
+              <a:defRPr sz="2100" b="1">
                 <a:solidFill>
                   <a:schemeClr val="accent1"/>
                 </a:solidFill>
@@ -1970,7 +2043,7 @@
               </a:buClr>
               <a:buSzPts val="2100"/>
               <a:buNone/>
-              <a:defRPr b="1" sz="2100">
+              <a:defRPr sz="2100" b="1">
                 <a:solidFill>
                   <a:schemeClr val="accent1"/>
                 </a:solidFill>
@@ -1991,7 +2064,7 @@
               </a:buClr>
               <a:buSzPts val="2100"/>
               <a:buNone/>
-              <a:defRPr b="1" sz="2100">
+              <a:defRPr sz="2100" b="1">
                 <a:solidFill>
                   <a:schemeClr val="accent1"/>
                 </a:solidFill>
@@ -2012,7 +2085,7 @@
               </a:buClr>
               <a:buSzPts val="2100"/>
               <a:buNone/>
-              <a:defRPr b="1" sz="2100">
+              <a:defRPr sz="2100" b="1">
                 <a:solidFill>
                   <a:schemeClr val="accent1"/>
                 </a:solidFill>
@@ -2033,7 +2106,7 @@
               </a:buClr>
               <a:buSzPts val="2100"/>
               <a:buNone/>
-              <a:defRPr b="1" sz="2100">
+              <a:defRPr sz="2100" b="1">
                 <a:solidFill>
                   <a:schemeClr val="accent1"/>
                 </a:solidFill>
@@ -2054,7 +2127,7 @@
               </a:buClr>
               <a:buSzPts val="2100"/>
               <a:buNone/>
-              <a:defRPr b="1" sz="2100">
+              <a:defRPr sz="2100" b="1">
                 <a:solidFill>
                   <a:schemeClr val="accent1"/>
                 </a:solidFill>
@@ -2075,7 +2148,7 @@
               </a:buClr>
               <a:buSzPts val="2100"/>
               <a:buNone/>
-              <a:defRPr b="1" sz="2100">
+              <a:defRPr sz="2100" b="1">
                 <a:solidFill>
                   <a:schemeClr val="accent1"/>
                 </a:solidFill>
@@ -2096,22 +2169,26 @@
               </a:buClr>
               <a:buSzPts val="2100"/>
               <a:buNone/>
-              <a:defRPr b="1" sz="2100">
+              <a:defRPr sz="2100" b="1">
                 <a:solidFill>
                   <a:schemeClr val="accent1"/>
                 </a:solidFill>
               </a:defRPr>
             </a:lvl9pPr>
           </a:lstStyle>
-          <a:p/>
+          <a:p>
+            <a:endParaRPr/>
+          </a:p>
         </p:txBody>
       </p:sp>
       <p:sp>
         <p:nvSpPr>
           <p:cNvPr id="13" name="Google Shape;13;p2"/>
-          <p:cNvSpPr txBox="1"/>
+          <p:cNvSpPr txBox="1">
+            <a:spLocks noGrp="1"/>
+          </p:cNvSpPr>
           <p:nvPr>
-            <p:ph idx="12" type="sldNum"/>
+            <p:ph type="sldNum" idx="12"/>
           </p:nvPr>
         </p:nvSpPr>
         <p:spPr>
@@ -2124,7 +2201,7 @@
           </a:prstGeom>
         </p:spPr>
         <p:txBody>
-          <a:bodyPr anchorCtr="0" anchor="ctr" bIns="91425" lIns="91425" spcFirstLastPara="1" rIns="91425" wrap="square" tIns="91425">
+          <a:bodyPr spcFirstLastPara="1" wrap="square" lIns="91425" tIns="91425" rIns="91425" bIns="91425" anchor="ctr" anchorCtr="0">
             <a:normAutofit/>
           </a:bodyPr>
           <a:lstStyle>
@@ -2166,7 +2243,7 @@
             </a:lvl9pPr>
           </a:lstStyle>
           <a:p>
-            <a:pPr indent="0" lvl="0" marL="0" rtl="0" algn="r">
+            <a:pPr marL="0" lvl="0" indent="0" algn="r" rtl="0">
               <a:spcBef>
                 <a:spcPts val="0"/>
               </a:spcBef>
@@ -2177,7 +2254,7 @@
             </a:pPr>
             <a:fld id="{00000000-1234-1234-1234-123412341234}" type="slidenum">
               <a:rPr lang="it"/>
-              <a:t>‹#›</a:t>
+              <a:t>‹N›</a:t>
             </a:fld>
             <a:endParaRPr/>
           </a:p>
@@ -2192,11 +2269,11 @@
 </file>
 
 <file path=ppt/slideLayouts/slideLayout10.xml><?xml version="1.0" encoding="utf-8"?>
-<p:sldLayout xmlns:a="http://schemas.openxmlformats.org/drawingml/2006/main" xmlns:r="http://schemas.openxmlformats.org/officeDocument/2006/relationships" xmlns:mc="http://schemas.openxmlformats.org/markup-compatibility/2006" xmlns:mv="urn:schemas-microsoft-com:mac:vml" xmlns:p="http://schemas.openxmlformats.org/presentationml/2006/main" xmlns:c="http://schemas.openxmlformats.org/drawingml/2006/chart" xmlns:dgm="http://schemas.openxmlformats.org/drawingml/2006/diagram" xmlns:o="urn:schemas-microsoft-com:office:office" xmlns:v="urn:schemas-microsoft-com:vml" xmlns:pvml="urn:schemas-microsoft-com:office:powerpoint" xmlns:com="http://schemas.openxmlformats.org/drawingml/2006/compatibility" xmlns:p14="http://schemas.microsoft.com/office/powerpoint/2010/main" xmlns:p15="http://schemas.microsoft.com/office/powerpoint/2012/main" xmlns:ahyp="http://schemas.microsoft.com/office/drawing/2018/hyperlinkcolor" matchingName="Big number">
+<p:sldLayout xmlns:a="http://schemas.openxmlformats.org/drawingml/2006/main" xmlns:r="http://schemas.openxmlformats.org/officeDocument/2006/relationships" xmlns:p="http://schemas.openxmlformats.org/presentationml/2006/main" matchingName="Big number">
   <p:cSld name="BIG_NUMBER">
     <p:spTree>
       <p:nvGrpSpPr>
-        <p:cNvPr id="46" name="Shape 46"/>
+        <p:cNvPr id="1" name="Shape 46"/>
         <p:cNvGrpSpPr/>
         <p:nvPr/>
       </p:nvGrpSpPr>
@@ -2211,9 +2288,11 @@
       <p:sp>
         <p:nvSpPr>
           <p:cNvPr id="47" name="Google Shape;47;p11"/>
-          <p:cNvSpPr txBox="1"/>
+          <p:cNvSpPr txBox="1">
+            <a:spLocks noGrp="1"/>
+          </p:cNvSpPr>
           <p:nvPr>
-            <p:ph hasCustomPrompt="1" type="title"/>
+            <p:ph type="title" hasCustomPrompt="1"/>
           </p:nvPr>
         </p:nvSpPr>
         <p:spPr>
@@ -2226,7 +2305,7 @@
           </a:prstGeom>
         </p:spPr>
         <p:txBody>
-          <a:bodyPr anchorCtr="0" anchor="b" bIns="91425" lIns="91425" spcFirstLastPara="1" rIns="91425" wrap="square" tIns="91425">
+          <a:bodyPr spcFirstLastPara="1" wrap="square" lIns="91425" tIns="91425" rIns="91425" bIns="91425" anchor="b" anchorCtr="0">
             <a:normAutofit/>
           </a:bodyPr>
           <a:lstStyle>
@@ -2430,9 +2509,11 @@
       <p:sp>
         <p:nvSpPr>
           <p:cNvPr id="48" name="Google Shape;48;p11"/>
-          <p:cNvSpPr txBox="1"/>
+          <p:cNvSpPr txBox="1">
+            <a:spLocks noGrp="1"/>
+          </p:cNvSpPr>
           <p:nvPr>
-            <p:ph idx="1" type="body"/>
+            <p:ph type="body" idx="1"/>
           </p:nvPr>
         </p:nvSpPr>
         <p:spPr>
@@ -2445,11 +2526,11 @@
           </a:prstGeom>
         </p:spPr>
         <p:txBody>
-          <a:bodyPr anchorCtr="0" anchor="t" bIns="91425" lIns="91425" spcFirstLastPara="1" rIns="91425" wrap="square" tIns="91425">
+          <a:bodyPr spcFirstLastPara="1" wrap="square" lIns="91425" tIns="91425" rIns="91425" bIns="91425" anchor="t" anchorCtr="0">
             <a:normAutofit/>
           </a:bodyPr>
           <a:lstStyle>
-            <a:lvl1pPr indent="-342900" lvl="0" marL="457200" algn="ctr">
+            <a:lvl1pPr marL="457200" lvl="0" indent="-342900" algn="ctr">
               <a:spcBef>
                 <a:spcPts val="0"/>
               </a:spcBef>
@@ -2470,7 +2551,7 @@
                 </a:highlight>
               </a:defRPr>
             </a:lvl1pPr>
-            <a:lvl2pPr indent="-317500" lvl="1" marL="914400" algn="ctr">
+            <a:lvl2pPr marL="914400" lvl="1" indent="-317500" algn="ctr">
               <a:spcBef>
                 <a:spcPts val="0"/>
               </a:spcBef>
@@ -2491,7 +2572,7 @@
                 </a:highlight>
               </a:defRPr>
             </a:lvl2pPr>
-            <a:lvl3pPr indent="-317500" lvl="2" marL="1371600" algn="ctr">
+            <a:lvl3pPr marL="1371600" lvl="2" indent="-317500" algn="ctr">
               <a:spcBef>
                 <a:spcPts val="0"/>
               </a:spcBef>
@@ -2512,7 +2593,7 @@
                 </a:highlight>
               </a:defRPr>
             </a:lvl3pPr>
-            <a:lvl4pPr indent="-317500" lvl="3" marL="1828800" algn="ctr">
+            <a:lvl4pPr marL="1828800" lvl="3" indent="-317500" algn="ctr">
               <a:spcBef>
                 <a:spcPts val="0"/>
               </a:spcBef>
@@ -2533,7 +2614,7 @@
                 </a:highlight>
               </a:defRPr>
             </a:lvl4pPr>
-            <a:lvl5pPr indent="-317500" lvl="4" marL="2286000" algn="ctr">
+            <a:lvl5pPr marL="2286000" lvl="4" indent="-317500" algn="ctr">
               <a:spcBef>
                 <a:spcPts val="0"/>
               </a:spcBef>
@@ -2554,7 +2635,7 @@
                 </a:highlight>
               </a:defRPr>
             </a:lvl5pPr>
-            <a:lvl6pPr indent="-317500" lvl="5" marL="2743200" algn="ctr">
+            <a:lvl6pPr marL="2743200" lvl="5" indent="-317500" algn="ctr">
               <a:spcBef>
                 <a:spcPts val="0"/>
               </a:spcBef>
@@ -2575,7 +2656,7 @@
                 </a:highlight>
               </a:defRPr>
             </a:lvl6pPr>
-            <a:lvl7pPr indent="-317500" lvl="6" marL="3200400" algn="ctr">
+            <a:lvl7pPr marL="3200400" lvl="6" indent="-317500" algn="ctr">
               <a:spcBef>
                 <a:spcPts val="0"/>
               </a:spcBef>
@@ -2596,7 +2677,7 @@
                 </a:highlight>
               </a:defRPr>
             </a:lvl7pPr>
-            <a:lvl8pPr indent="-317500" lvl="7" marL="3657600" algn="ctr">
+            <a:lvl8pPr marL="3657600" lvl="7" indent="-317500" algn="ctr">
               <a:spcBef>
                 <a:spcPts val="0"/>
               </a:spcBef>
@@ -2617,7 +2698,7 @@
                 </a:highlight>
               </a:defRPr>
             </a:lvl8pPr>
-            <a:lvl9pPr indent="-317500" lvl="8" marL="4114800" algn="ctr">
+            <a:lvl9pPr marL="4114800" lvl="8" indent="-317500" algn="ctr">
               <a:spcBef>
                 <a:spcPts val="0"/>
               </a:spcBef>
@@ -2639,15 +2720,19 @@
               </a:defRPr>
             </a:lvl9pPr>
           </a:lstStyle>
-          <a:p/>
+          <a:p>
+            <a:endParaRPr/>
+          </a:p>
         </p:txBody>
       </p:sp>
       <p:sp>
         <p:nvSpPr>
           <p:cNvPr id="49" name="Google Shape;49;p11"/>
-          <p:cNvSpPr txBox="1"/>
+          <p:cNvSpPr txBox="1">
+            <a:spLocks noGrp="1"/>
+          </p:cNvSpPr>
           <p:nvPr>
-            <p:ph idx="12" type="sldNum"/>
+            <p:ph type="sldNum" idx="12"/>
           </p:nvPr>
         </p:nvSpPr>
         <p:spPr>
@@ -2660,7 +2745,7 @@
           </a:prstGeom>
         </p:spPr>
         <p:txBody>
-          <a:bodyPr anchorCtr="0" anchor="ctr" bIns="91425" lIns="91425" spcFirstLastPara="1" rIns="91425" wrap="square" tIns="91425">
+          <a:bodyPr spcFirstLastPara="1" wrap="square" lIns="91425" tIns="91425" rIns="91425" bIns="91425" anchor="ctr" anchorCtr="0">
             <a:normAutofit/>
           </a:bodyPr>
           <a:lstStyle>
@@ -2702,7 +2787,7 @@
             </a:lvl9pPr>
           </a:lstStyle>
           <a:p>
-            <a:pPr indent="0" lvl="0" marL="0" rtl="0" algn="r">
+            <a:pPr marL="0" lvl="0" indent="0" algn="r" rtl="0">
               <a:spcBef>
                 <a:spcPts val="0"/>
               </a:spcBef>
@@ -2713,7 +2798,7 @@
             </a:pPr>
             <a:fld id="{00000000-1234-1234-1234-123412341234}" type="slidenum">
               <a:rPr lang="it"/>
-              <a:t>‹#›</a:t>
+              <a:t>‹N›</a:t>
             </a:fld>
             <a:endParaRPr/>
           </a:p>
@@ -2728,11 +2813,11 @@
 </file>
 
 <file path=ppt/slideLayouts/slideLayout11.xml><?xml version="1.0" encoding="utf-8"?>
-<p:sldLayout xmlns:a="http://schemas.openxmlformats.org/drawingml/2006/main" xmlns:r="http://schemas.openxmlformats.org/officeDocument/2006/relationships" xmlns:mc="http://schemas.openxmlformats.org/markup-compatibility/2006" xmlns:mv="urn:schemas-microsoft-com:mac:vml" xmlns:p="http://schemas.openxmlformats.org/presentationml/2006/main" xmlns:c="http://schemas.openxmlformats.org/drawingml/2006/chart" xmlns:dgm="http://schemas.openxmlformats.org/drawingml/2006/diagram" xmlns:o="urn:schemas-microsoft-com:office:office" xmlns:v="urn:schemas-microsoft-com:vml" xmlns:pvml="urn:schemas-microsoft-com:office:powerpoint" xmlns:com="http://schemas.openxmlformats.org/drawingml/2006/compatibility" xmlns:p14="http://schemas.microsoft.com/office/powerpoint/2010/main" xmlns:p15="http://schemas.microsoft.com/office/powerpoint/2012/main" xmlns:ahyp="http://schemas.microsoft.com/office/drawing/2018/hyperlinkcolor" matchingName="Blank" type="blank">
+<p:sldLayout xmlns:a="http://schemas.openxmlformats.org/drawingml/2006/main" xmlns:r="http://schemas.openxmlformats.org/officeDocument/2006/relationships" xmlns:p="http://schemas.openxmlformats.org/presentationml/2006/main" matchingName="Blank" type="blank">
   <p:cSld name="BLANK">
     <p:spTree>
       <p:nvGrpSpPr>
-        <p:cNvPr id="50" name="Shape 50"/>
+        <p:cNvPr id="1" name="Shape 50"/>
         <p:cNvGrpSpPr/>
         <p:nvPr/>
       </p:nvGrpSpPr>
@@ -2747,9 +2832,11 @@
       <p:sp>
         <p:nvSpPr>
           <p:cNvPr id="51" name="Google Shape;51;p12"/>
-          <p:cNvSpPr txBox="1"/>
+          <p:cNvSpPr txBox="1">
+            <a:spLocks noGrp="1"/>
+          </p:cNvSpPr>
           <p:nvPr>
-            <p:ph idx="12" type="sldNum"/>
+            <p:ph type="sldNum" idx="12"/>
           </p:nvPr>
         </p:nvSpPr>
         <p:spPr>
@@ -2762,7 +2849,7 @@
           </a:prstGeom>
         </p:spPr>
         <p:txBody>
-          <a:bodyPr anchorCtr="0" anchor="ctr" bIns="91425" lIns="91425" spcFirstLastPara="1" rIns="91425" wrap="square" tIns="91425">
+          <a:bodyPr spcFirstLastPara="1" wrap="square" lIns="91425" tIns="91425" rIns="91425" bIns="91425" anchor="ctr" anchorCtr="0">
             <a:normAutofit/>
           </a:bodyPr>
           <a:lstStyle>
@@ -2804,7 +2891,7 @@
             </a:lvl9pPr>
           </a:lstStyle>
           <a:p>
-            <a:pPr indent="0" lvl="0" marL="0" rtl="0" algn="r">
+            <a:pPr marL="0" lvl="0" indent="0" algn="r" rtl="0">
               <a:spcBef>
                 <a:spcPts val="0"/>
               </a:spcBef>
@@ -2815,7 +2902,7 @@
             </a:pPr>
             <a:fld id="{00000000-1234-1234-1234-123412341234}" type="slidenum">
               <a:rPr lang="it"/>
-              <a:t>‹#›</a:t>
+              <a:t>‹N›</a:t>
             </a:fld>
             <a:endParaRPr/>
           </a:p>
@@ -2830,18 +2917,19 @@
 </file>
 
 <file path=ppt/slideLayouts/slideLayout2.xml><?xml version="1.0" encoding="utf-8"?>
-<p:sldLayout xmlns:a="http://schemas.openxmlformats.org/drawingml/2006/main" xmlns:r="http://schemas.openxmlformats.org/officeDocument/2006/relationships" xmlns:mc="http://schemas.openxmlformats.org/markup-compatibility/2006" xmlns:mv="urn:schemas-microsoft-com:mac:vml" xmlns:p="http://schemas.openxmlformats.org/presentationml/2006/main" xmlns:c="http://schemas.openxmlformats.org/drawingml/2006/chart" xmlns:dgm="http://schemas.openxmlformats.org/drawingml/2006/diagram" xmlns:o="urn:schemas-microsoft-com:office:office" xmlns:v="urn:schemas-microsoft-com:vml" xmlns:pvml="urn:schemas-microsoft-com:office:powerpoint" xmlns:com="http://schemas.openxmlformats.org/drawingml/2006/compatibility" xmlns:p14="http://schemas.microsoft.com/office/powerpoint/2010/main" xmlns:p15="http://schemas.microsoft.com/office/powerpoint/2012/main" xmlns:ahyp="http://schemas.microsoft.com/office/drawing/2018/hyperlinkcolor" matchingName="Section header" type="secHead">
+<p:sldLayout xmlns:a="http://schemas.openxmlformats.org/drawingml/2006/main" xmlns:r="http://schemas.openxmlformats.org/officeDocument/2006/relationships" xmlns:p="http://schemas.openxmlformats.org/presentationml/2006/main" matchingName="Section header" type="secHead">
   <p:cSld name="SECTION_HEADER">
     <p:bg>
       <p:bgPr>
         <a:solidFill>
           <a:schemeClr val="dk1"/>
         </a:solidFill>
+        <a:effectLst/>
       </p:bgPr>
     </p:bg>
     <p:spTree>
       <p:nvGrpSpPr>
-        <p:cNvPr id="14" name="Shape 14"/>
+        <p:cNvPr id="1" name="Shape 14"/>
         <p:cNvGrpSpPr/>
         <p:nvPr/>
       </p:nvGrpSpPr>
@@ -2856,7 +2944,9 @@
       <p:sp>
         <p:nvSpPr>
           <p:cNvPr id="15" name="Google Shape;15;p3"/>
-          <p:cNvSpPr txBox="1"/>
+          <p:cNvSpPr txBox="1">
+            <a:spLocks noGrp="1"/>
+          </p:cNvSpPr>
           <p:nvPr>
             <p:ph type="title"/>
           </p:nvPr>
@@ -2874,7 +2964,7 @@
           </a:solidFill>
         </p:spPr>
         <p:txBody>
-          <a:bodyPr anchorCtr="0" anchor="ctr" bIns="91425" lIns="91425" spcFirstLastPara="1" rIns="91425" wrap="square" tIns="91425">
+          <a:bodyPr spcFirstLastPara="1" wrap="square" lIns="91425" tIns="91425" rIns="91425" bIns="91425" anchor="ctr" anchorCtr="0">
             <a:normAutofit/>
           </a:bodyPr>
           <a:lstStyle>
@@ -2978,15 +3068,19 @@
               <a:defRPr sz="4800"/>
             </a:lvl9pPr>
           </a:lstStyle>
-          <a:p/>
+          <a:p>
+            <a:endParaRPr/>
+          </a:p>
         </p:txBody>
       </p:sp>
       <p:sp>
         <p:nvSpPr>
           <p:cNvPr id="16" name="Google Shape;16;p3"/>
-          <p:cNvSpPr txBox="1"/>
+          <p:cNvSpPr txBox="1">
+            <a:spLocks noGrp="1"/>
+          </p:cNvSpPr>
           <p:nvPr>
-            <p:ph idx="12" type="sldNum"/>
+            <p:ph type="sldNum" idx="12"/>
           </p:nvPr>
         </p:nvSpPr>
         <p:spPr>
@@ -2999,7 +3093,7 @@
           </a:prstGeom>
         </p:spPr>
         <p:txBody>
-          <a:bodyPr anchorCtr="0" anchor="ctr" bIns="91425" lIns="91425" spcFirstLastPara="1" rIns="91425" wrap="square" tIns="91425">
+          <a:bodyPr spcFirstLastPara="1" wrap="square" lIns="91425" tIns="91425" rIns="91425" bIns="91425" anchor="ctr" anchorCtr="0">
             <a:normAutofit/>
           </a:bodyPr>
           <a:lstStyle>
@@ -3041,7 +3135,7 @@
             </a:lvl9pPr>
           </a:lstStyle>
           <a:p>
-            <a:pPr indent="0" lvl="0" marL="0" rtl="0" algn="r">
+            <a:pPr marL="0" lvl="0" indent="0" algn="r" rtl="0">
               <a:spcBef>
                 <a:spcPts val="0"/>
               </a:spcBef>
@@ -3052,7 +3146,7 @@
             </a:pPr>
             <a:fld id="{00000000-1234-1234-1234-123412341234}" type="slidenum">
               <a:rPr lang="it"/>
-              <a:t>‹#›</a:t>
+              <a:t>‹N›</a:t>
             </a:fld>
             <a:endParaRPr/>
           </a:p>
@@ -3067,11 +3161,11 @@
 </file>
 
 <file path=ppt/slideLayouts/slideLayout3.xml><?xml version="1.0" encoding="utf-8"?>
-<p:sldLayout xmlns:a="http://schemas.openxmlformats.org/drawingml/2006/main" xmlns:r="http://schemas.openxmlformats.org/officeDocument/2006/relationships" xmlns:mc="http://schemas.openxmlformats.org/markup-compatibility/2006" xmlns:mv="urn:schemas-microsoft-com:mac:vml" xmlns:p="http://schemas.openxmlformats.org/presentationml/2006/main" xmlns:c="http://schemas.openxmlformats.org/drawingml/2006/chart" xmlns:dgm="http://schemas.openxmlformats.org/drawingml/2006/diagram" xmlns:o="urn:schemas-microsoft-com:office:office" xmlns:v="urn:schemas-microsoft-com:vml" xmlns:pvml="urn:schemas-microsoft-com:office:powerpoint" xmlns:com="http://schemas.openxmlformats.org/drawingml/2006/compatibility" xmlns:p14="http://schemas.microsoft.com/office/powerpoint/2010/main" xmlns:p15="http://schemas.microsoft.com/office/powerpoint/2012/main" xmlns:ahyp="http://schemas.microsoft.com/office/drawing/2018/hyperlinkcolor" matchingName="Title and body" type="tx">
+<p:sldLayout xmlns:a="http://schemas.openxmlformats.org/drawingml/2006/main" xmlns:r="http://schemas.openxmlformats.org/officeDocument/2006/relationships" xmlns:p="http://schemas.openxmlformats.org/presentationml/2006/main" matchingName="Title and body" type="tx">
   <p:cSld name="TITLE_AND_BODY">
     <p:spTree>
       <p:nvGrpSpPr>
-        <p:cNvPr id="17" name="Shape 17"/>
+        <p:cNvPr id="1" name="Shape 17"/>
         <p:cNvGrpSpPr/>
         <p:nvPr/>
       </p:nvGrpSpPr>
@@ -3086,7 +3180,9 @@
       <p:sp>
         <p:nvSpPr>
           <p:cNvPr id="18" name="Google Shape;18;p4"/>
-          <p:cNvSpPr txBox="1"/>
+          <p:cNvSpPr txBox="1">
+            <a:spLocks noGrp="1"/>
+          </p:cNvSpPr>
           <p:nvPr>
             <p:ph type="title"/>
           </p:nvPr>
@@ -3101,7 +3197,7 @@
           </a:prstGeom>
         </p:spPr>
         <p:txBody>
-          <a:bodyPr anchorCtr="0" anchor="t" bIns="91425" lIns="91425" spcFirstLastPara="1" rIns="91425" wrap="square" tIns="91425">
+          <a:bodyPr spcFirstLastPara="1" wrap="square" lIns="91425" tIns="91425" rIns="91425" bIns="91425" anchor="t" anchorCtr="0">
             <a:normAutofit/>
           </a:bodyPr>
           <a:lstStyle>
@@ -3205,15 +3301,19 @@
               <a:defRPr/>
             </a:lvl9pPr>
           </a:lstStyle>
-          <a:p/>
+          <a:p>
+            <a:endParaRPr/>
+          </a:p>
         </p:txBody>
       </p:sp>
       <p:sp>
         <p:nvSpPr>
           <p:cNvPr id="19" name="Google Shape;19;p4"/>
-          <p:cNvSpPr txBox="1"/>
+          <p:cNvSpPr txBox="1">
+            <a:spLocks noGrp="1"/>
+          </p:cNvSpPr>
           <p:nvPr>
-            <p:ph idx="1" type="body"/>
+            <p:ph type="body" idx="1"/>
           </p:nvPr>
         </p:nvSpPr>
         <p:spPr>
@@ -3226,11 +3326,11 @@
           </a:prstGeom>
         </p:spPr>
         <p:txBody>
-          <a:bodyPr anchorCtr="0" anchor="t" bIns="91425" lIns="91425" spcFirstLastPara="1" rIns="91425" wrap="square" tIns="91425">
+          <a:bodyPr spcFirstLastPara="1" wrap="square" lIns="91425" tIns="91425" rIns="91425" bIns="91425" anchor="t" anchorCtr="0">
             <a:normAutofit/>
           </a:bodyPr>
           <a:lstStyle>
-            <a:lvl1pPr indent="-342900" lvl="0" marL="457200">
+            <a:lvl1pPr marL="457200" lvl="0" indent="-342900">
               <a:spcBef>
                 <a:spcPts val="0"/>
               </a:spcBef>
@@ -3241,7 +3341,7 @@
               <a:buChar char="●"/>
               <a:defRPr/>
             </a:lvl1pPr>
-            <a:lvl2pPr indent="-317500" lvl="1" marL="914400">
+            <a:lvl2pPr marL="914400" lvl="1" indent="-317500">
               <a:spcBef>
                 <a:spcPts val="0"/>
               </a:spcBef>
@@ -3252,7 +3352,7 @@
               <a:buChar char="○"/>
               <a:defRPr/>
             </a:lvl2pPr>
-            <a:lvl3pPr indent="-317500" lvl="2" marL="1371600">
+            <a:lvl3pPr marL="1371600" lvl="2" indent="-317500">
               <a:spcBef>
                 <a:spcPts val="0"/>
               </a:spcBef>
@@ -3263,7 +3363,7 @@
               <a:buChar char="■"/>
               <a:defRPr/>
             </a:lvl3pPr>
-            <a:lvl4pPr indent="-317500" lvl="3" marL="1828800">
+            <a:lvl4pPr marL="1828800" lvl="3" indent="-317500">
               <a:spcBef>
                 <a:spcPts val="0"/>
               </a:spcBef>
@@ -3274,7 +3374,7 @@
               <a:buChar char="●"/>
               <a:defRPr/>
             </a:lvl4pPr>
-            <a:lvl5pPr indent="-317500" lvl="4" marL="2286000">
+            <a:lvl5pPr marL="2286000" lvl="4" indent="-317500">
               <a:spcBef>
                 <a:spcPts val="0"/>
               </a:spcBef>
@@ -3285,7 +3385,7 @@
               <a:buChar char="○"/>
               <a:defRPr/>
             </a:lvl5pPr>
-            <a:lvl6pPr indent="-317500" lvl="5" marL="2743200">
+            <a:lvl6pPr marL="2743200" lvl="5" indent="-317500">
               <a:spcBef>
                 <a:spcPts val="0"/>
               </a:spcBef>
@@ -3296,7 +3396,7 @@
               <a:buChar char="■"/>
               <a:defRPr/>
             </a:lvl6pPr>
-            <a:lvl7pPr indent="-317500" lvl="6" marL="3200400">
+            <a:lvl7pPr marL="3200400" lvl="6" indent="-317500">
               <a:spcBef>
                 <a:spcPts val="0"/>
               </a:spcBef>
@@ -3307,7 +3407,7 @@
               <a:buChar char="●"/>
               <a:defRPr/>
             </a:lvl7pPr>
-            <a:lvl8pPr indent="-317500" lvl="7" marL="3657600">
+            <a:lvl8pPr marL="3657600" lvl="7" indent="-317500">
               <a:spcBef>
                 <a:spcPts val="0"/>
               </a:spcBef>
@@ -3318,7 +3418,7 @@
               <a:buChar char="○"/>
               <a:defRPr/>
             </a:lvl8pPr>
-            <a:lvl9pPr indent="-317500" lvl="8" marL="4114800">
+            <a:lvl9pPr marL="4114800" lvl="8" indent="-317500">
               <a:spcBef>
                 <a:spcPts val="0"/>
               </a:spcBef>
@@ -3330,15 +3430,19 @@
               <a:defRPr/>
             </a:lvl9pPr>
           </a:lstStyle>
-          <a:p/>
+          <a:p>
+            <a:endParaRPr/>
+          </a:p>
         </p:txBody>
       </p:sp>
       <p:sp>
         <p:nvSpPr>
           <p:cNvPr id="20" name="Google Shape;20;p4"/>
-          <p:cNvSpPr txBox="1"/>
+          <p:cNvSpPr txBox="1">
+            <a:spLocks noGrp="1"/>
+          </p:cNvSpPr>
           <p:nvPr>
-            <p:ph idx="12" type="sldNum"/>
+            <p:ph type="sldNum" idx="12"/>
           </p:nvPr>
         </p:nvSpPr>
         <p:spPr>
@@ -3351,7 +3455,7 @@
           </a:prstGeom>
         </p:spPr>
         <p:txBody>
-          <a:bodyPr anchorCtr="0" anchor="ctr" bIns="91425" lIns="91425" spcFirstLastPara="1" rIns="91425" wrap="square" tIns="91425">
+          <a:bodyPr spcFirstLastPara="1" wrap="square" lIns="91425" tIns="91425" rIns="91425" bIns="91425" anchor="ctr" anchorCtr="0">
             <a:normAutofit/>
           </a:bodyPr>
           <a:lstStyle>
@@ -3393,7 +3497,7 @@
             </a:lvl9pPr>
           </a:lstStyle>
           <a:p>
-            <a:pPr indent="0" lvl="0" marL="0" rtl="0" algn="r">
+            <a:pPr marL="0" lvl="0" indent="0" algn="r" rtl="0">
               <a:spcBef>
                 <a:spcPts val="0"/>
               </a:spcBef>
@@ -3404,7 +3508,7 @@
             </a:pPr>
             <a:fld id="{00000000-1234-1234-1234-123412341234}" type="slidenum">
               <a:rPr lang="it"/>
-              <a:t>‹#›</a:t>
+              <a:t>‹N›</a:t>
             </a:fld>
             <a:endParaRPr/>
           </a:p>
@@ -3419,11 +3523,11 @@
 </file>
 
 <file path=ppt/slideLayouts/slideLayout4.xml><?xml version="1.0" encoding="utf-8"?>
-<p:sldLayout xmlns:a="http://schemas.openxmlformats.org/drawingml/2006/main" xmlns:r="http://schemas.openxmlformats.org/officeDocument/2006/relationships" xmlns:mc="http://schemas.openxmlformats.org/markup-compatibility/2006" xmlns:mv="urn:schemas-microsoft-com:mac:vml" xmlns:p="http://schemas.openxmlformats.org/presentationml/2006/main" xmlns:c="http://schemas.openxmlformats.org/drawingml/2006/chart" xmlns:dgm="http://schemas.openxmlformats.org/drawingml/2006/diagram" xmlns:o="urn:schemas-microsoft-com:office:office" xmlns:v="urn:schemas-microsoft-com:vml" xmlns:pvml="urn:schemas-microsoft-com:office:powerpoint" xmlns:com="http://schemas.openxmlformats.org/drawingml/2006/compatibility" xmlns:p14="http://schemas.microsoft.com/office/powerpoint/2010/main" xmlns:p15="http://schemas.microsoft.com/office/powerpoint/2012/main" xmlns:ahyp="http://schemas.microsoft.com/office/drawing/2018/hyperlinkcolor" matchingName="Title and two columns" type="twoColTx">
+<p:sldLayout xmlns:a="http://schemas.openxmlformats.org/drawingml/2006/main" xmlns:r="http://schemas.openxmlformats.org/officeDocument/2006/relationships" xmlns:p="http://schemas.openxmlformats.org/presentationml/2006/main" matchingName="Title and two columns" type="twoColTx">
   <p:cSld name="TITLE_AND_TWO_COLUMNS">
     <p:spTree>
       <p:nvGrpSpPr>
-        <p:cNvPr id="21" name="Shape 21"/>
+        <p:cNvPr id="1" name="Shape 21"/>
         <p:cNvGrpSpPr/>
         <p:nvPr/>
       </p:nvGrpSpPr>
@@ -3438,7 +3542,9 @@
       <p:sp>
         <p:nvSpPr>
           <p:cNvPr id="22" name="Google Shape;22;p5"/>
-          <p:cNvSpPr txBox="1"/>
+          <p:cNvSpPr txBox="1">
+            <a:spLocks noGrp="1"/>
+          </p:cNvSpPr>
           <p:nvPr>
             <p:ph type="title"/>
           </p:nvPr>
@@ -3453,7 +3559,7 @@
           </a:prstGeom>
         </p:spPr>
         <p:txBody>
-          <a:bodyPr anchorCtr="0" anchor="t" bIns="91425" lIns="91425" spcFirstLastPara="1" rIns="91425" wrap="square" tIns="91425">
+          <a:bodyPr spcFirstLastPara="1" wrap="square" lIns="91425" tIns="91425" rIns="91425" bIns="91425" anchor="t" anchorCtr="0">
             <a:normAutofit/>
           </a:bodyPr>
           <a:lstStyle>
@@ -3557,15 +3663,19 @@
               <a:defRPr/>
             </a:lvl9pPr>
           </a:lstStyle>
-          <a:p/>
+          <a:p>
+            <a:endParaRPr/>
+          </a:p>
         </p:txBody>
       </p:sp>
       <p:sp>
         <p:nvSpPr>
           <p:cNvPr id="23" name="Google Shape;23;p5"/>
-          <p:cNvSpPr txBox="1"/>
+          <p:cNvSpPr txBox="1">
+            <a:spLocks noGrp="1"/>
+          </p:cNvSpPr>
           <p:nvPr>
-            <p:ph idx="1" type="body"/>
+            <p:ph type="body" idx="1"/>
           </p:nvPr>
         </p:nvSpPr>
         <p:spPr>
@@ -3578,11 +3688,11 @@
           </a:prstGeom>
         </p:spPr>
         <p:txBody>
-          <a:bodyPr anchorCtr="0" anchor="t" bIns="91425" lIns="91425" spcFirstLastPara="1" rIns="91425" wrap="square" tIns="91425">
+          <a:bodyPr spcFirstLastPara="1" wrap="square" lIns="91425" tIns="91425" rIns="91425" bIns="91425" anchor="t" anchorCtr="0">
             <a:normAutofit/>
           </a:bodyPr>
           <a:lstStyle>
-            <a:lvl1pPr indent="-317500" lvl="0" marL="457200">
+            <a:lvl1pPr marL="457200" lvl="0" indent="-317500">
               <a:spcBef>
                 <a:spcPts val="0"/>
               </a:spcBef>
@@ -3593,7 +3703,7 @@
               <a:buChar char="●"/>
               <a:defRPr sz="1400"/>
             </a:lvl1pPr>
-            <a:lvl2pPr indent="-304800" lvl="1" marL="914400">
+            <a:lvl2pPr marL="914400" lvl="1" indent="-304800">
               <a:spcBef>
                 <a:spcPts val="0"/>
               </a:spcBef>
@@ -3604,7 +3714,7 @@
               <a:buChar char="○"/>
               <a:defRPr sz="1200"/>
             </a:lvl2pPr>
-            <a:lvl3pPr indent="-304800" lvl="2" marL="1371600">
+            <a:lvl3pPr marL="1371600" lvl="2" indent="-304800">
               <a:spcBef>
                 <a:spcPts val="0"/>
               </a:spcBef>
@@ -3615,7 +3725,7 @@
               <a:buChar char="■"/>
               <a:defRPr sz="1200"/>
             </a:lvl3pPr>
-            <a:lvl4pPr indent="-304800" lvl="3" marL="1828800">
+            <a:lvl4pPr marL="1828800" lvl="3" indent="-304800">
               <a:spcBef>
                 <a:spcPts val="0"/>
               </a:spcBef>
@@ -3626,7 +3736,7 @@
               <a:buChar char="●"/>
               <a:defRPr sz="1200"/>
             </a:lvl4pPr>
-            <a:lvl5pPr indent="-304800" lvl="4" marL="2286000">
+            <a:lvl5pPr marL="2286000" lvl="4" indent="-304800">
               <a:spcBef>
                 <a:spcPts val="0"/>
               </a:spcBef>
@@ -3637,7 +3747,7 @@
               <a:buChar char="○"/>
               <a:defRPr sz="1200"/>
             </a:lvl5pPr>
-            <a:lvl6pPr indent="-304800" lvl="5" marL="2743200">
+            <a:lvl6pPr marL="2743200" lvl="5" indent="-304800">
               <a:spcBef>
                 <a:spcPts val="0"/>
               </a:spcBef>
@@ -3648,7 +3758,7 @@
               <a:buChar char="■"/>
               <a:defRPr sz="1200"/>
             </a:lvl6pPr>
-            <a:lvl7pPr indent="-304800" lvl="6" marL="3200400">
+            <a:lvl7pPr marL="3200400" lvl="6" indent="-304800">
               <a:spcBef>
                 <a:spcPts val="0"/>
               </a:spcBef>
@@ -3659,7 +3769,7 @@
               <a:buChar char="●"/>
               <a:defRPr sz="1200"/>
             </a:lvl7pPr>
-            <a:lvl8pPr indent="-304800" lvl="7" marL="3657600">
+            <a:lvl8pPr marL="3657600" lvl="7" indent="-304800">
               <a:spcBef>
                 <a:spcPts val="0"/>
               </a:spcBef>
@@ -3670,7 +3780,7 @@
               <a:buChar char="○"/>
               <a:defRPr sz="1200"/>
             </a:lvl8pPr>
-            <a:lvl9pPr indent="-304800" lvl="8" marL="4114800">
+            <a:lvl9pPr marL="4114800" lvl="8" indent="-304800">
               <a:spcBef>
                 <a:spcPts val="0"/>
               </a:spcBef>
@@ -3682,15 +3792,19 @@
               <a:defRPr sz="1200"/>
             </a:lvl9pPr>
           </a:lstStyle>
-          <a:p/>
+          <a:p>
+            <a:endParaRPr/>
+          </a:p>
         </p:txBody>
       </p:sp>
       <p:sp>
         <p:nvSpPr>
           <p:cNvPr id="24" name="Google Shape;24;p5"/>
-          <p:cNvSpPr txBox="1"/>
+          <p:cNvSpPr txBox="1">
+            <a:spLocks noGrp="1"/>
+          </p:cNvSpPr>
           <p:nvPr>
-            <p:ph idx="2" type="body"/>
+            <p:ph type="body" idx="2"/>
           </p:nvPr>
         </p:nvSpPr>
         <p:spPr>
@@ -3703,11 +3817,11 @@
           </a:prstGeom>
         </p:spPr>
         <p:txBody>
-          <a:bodyPr anchorCtr="0" anchor="t" bIns="91425" lIns="91425" spcFirstLastPara="1" rIns="91425" wrap="square" tIns="91425">
+          <a:bodyPr spcFirstLastPara="1" wrap="square" lIns="91425" tIns="91425" rIns="91425" bIns="91425" anchor="t" anchorCtr="0">
             <a:normAutofit/>
           </a:bodyPr>
           <a:lstStyle>
-            <a:lvl1pPr indent="-317500" lvl="0" marL="457200">
+            <a:lvl1pPr marL="457200" lvl="0" indent="-317500">
               <a:spcBef>
                 <a:spcPts val="0"/>
               </a:spcBef>
@@ -3718,7 +3832,7 @@
               <a:buChar char="●"/>
               <a:defRPr sz="1400"/>
             </a:lvl1pPr>
-            <a:lvl2pPr indent="-304800" lvl="1" marL="914400">
+            <a:lvl2pPr marL="914400" lvl="1" indent="-304800">
               <a:spcBef>
                 <a:spcPts val="0"/>
               </a:spcBef>
@@ -3729,7 +3843,7 @@
               <a:buChar char="○"/>
               <a:defRPr sz="1200"/>
             </a:lvl2pPr>
-            <a:lvl3pPr indent="-304800" lvl="2" marL="1371600">
+            <a:lvl3pPr marL="1371600" lvl="2" indent="-304800">
               <a:spcBef>
                 <a:spcPts val="0"/>
               </a:spcBef>
@@ -3740,7 +3854,7 @@
               <a:buChar char="■"/>
               <a:defRPr sz="1200"/>
             </a:lvl3pPr>
-            <a:lvl4pPr indent="-304800" lvl="3" marL="1828800">
+            <a:lvl4pPr marL="1828800" lvl="3" indent="-304800">
               <a:spcBef>
                 <a:spcPts val="0"/>
               </a:spcBef>
@@ -3751,7 +3865,7 @@
               <a:buChar char="●"/>
               <a:defRPr sz="1200"/>
             </a:lvl4pPr>
-            <a:lvl5pPr indent="-304800" lvl="4" marL="2286000">
+            <a:lvl5pPr marL="2286000" lvl="4" indent="-304800">
               <a:spcBef>
                 <a:spcPts val="0"/>
               </a:spcBef>
@@ -3762,7 +3876,7 @@
               <a:buChar char="○"/>
               <a:defRPr sz="1200"/>
             </a:lvl5pPr>
-            <a:lvl6pPr indent="-304800" lvl="5" marL="2743200">
+            <a:lvl6pPr marL="2743200" lvl="5" indent="-304800">
               <a:spcBef>
                 <a:spcPts val="0"/>
               </a:spcBef>
@@ -3773,7 +3887,7 @@
               <a:buChar char="■"/>
               <a:defRPr sz="1200"/>
             </a:lvl6pPr>
-            <a:lvl7pPr indent="-304800" lvl="6" marL="3200400">
+            <a:lvl7pPr marL="3200400" lvl="6" indent="-304800">
               <a:spcBef>
                 <a:spcPts val="0"/>
               </a:spcBef>
@@ -3784,7 +3898,7 @@
               <a:buChar char="●"/>
               <a:defRPr sz="1200"/>
             </a:lvl7pPr>
-            <a:lvl8pPr indent="-304800" lvl="7" marL="3657600">
+            <a:lvl8pPr marL="3657600" lvl="7" indent="-304800">
               <a:spcBef>
                 <a:spcPts val="0"/>
               </a:spcBef>
@@ -3795,7 +3909,7 @@
               <a:buChar char="○"/>
               <a:defRPr sz="1200"/>
             </a:lvl8pPr>
-            <a:lvl9pPr indent="-304800" lvl="8" marL="4114800">
+            <a:lvl9pPr marL="4114800" lvl="8" indent="-304800">
               <a:spcBef>
                 <a:spcPts val="0"/>
               </a:spcBef>
@@ -3807,15 +3921,19 @@
               <a:defRPr sz="1200"/>
             </a:lvl9pPr>
           </a:lstStyle>
-          <a:p/>
+          <a:p>
+            <a:endParaRPr/>
+          </a:p>
         </p:txBody>
       </p:sp>
       <p:sp>
         <p:nvSpPr>
           <p:cNvPr id="25" name="Google Shape;25;p5"/>
-          <p:cNvSpPr txBox="1"/>
+          <p:cNvSpPr txBox="1">
+            <a:spLocks noGrp="1"/>
+          </p:cNvSpPr>
           <p:nvPr>
-            <p:ph idx="12" type="sldNum"/>
+            <p:ph type="sldNum" idx="12"/>
           </p:nvPr>
         </p:nvSpPr>
         <p:spPr>
@@ -3828,7 +3946,7 @@
           </a:prstGeom>
         </p:spPr>
         <p:txBody>
-          <a:bodyPr anchorCtr="0" anchor="ctr" bIns="91425" lIns="91425" spcFirstLastPara="1" rIns="91425" wrap="square" tIns="91425">
+          <a:bodyPr spcFirstLastPara="1" wrap="square" lIns="91425" tIns="91425" rIns="91425" bIns="91425" anchor="ctr" anchorCtr="0">
             <a:normAutofit/>
           </a:bodyPr>
           <a:lstStyle>
@@ -3870,7 +3988,7 @@
             </a:lvl9pPr>
           </a:lstStyle>
           <a:p>
-            <a:pPr indent="0" lvl="0" marL="0" rtl="0" algn="r">
+            <a:pPr marL="0" lvl="0" indent="0" algn="r" rtl="0">
               <a:spcBef>
                 <a:spcPts val="0"/>
               </a:spcBef>
@@ -3881,7 +3999,7 @@
             </a:pPr>
             <a:fld id="{00000000-1234-1234-1234-123412341234}" type="slidenum">
               <a:rPr lang="it"/>
-              <a:t>‹#›</a:t>
+              <a:t>‹N›</a:t>
             </a:fld>
             <a:endParaRPr/>
           </a:p>
@@ -3896,11 +4014,11 @@
 </file>
 
 <file path=ppt/slideLayouts/slideLayout5.xml><?xml version="1.0" encoding="utf-8"?>
-<p:sldLayout xmlns:a="http://schemas.openxmlformats.org/drawingml/2006/main" xmlns:r="http://schemas.openxmlformats.org/officeDocument/2006/relationships" xmlns:mc="http://schemas.openxmlformats.org/markup-compatibility/2006" xmlns:mv="urn:schemas-microsoft-com:mac:vml" xmlns:p="http://schemas.openxmlformats.org/presentationml/2006/main" xmlns:c="http://schemas.openxmlformats.org/drawingml/2006/chart" xmlns:dgm="http://schemas.openxmlformats.org/drawingml/2006/diagram" xmlns:o="urn:schemas-microsoft-com:office:office" xmlns:v="urn:schemas-microsoft-com:vml" xmlns:pvml="urn:schemas-microsoft-com:office:powerpoint" xmlns:com="http://schemas.openxmlformats.org/drawingml/2006/compatibility" xmlns:p14="http://schemas.microsoft.com/office/powerpoint/2010/main" xmlns:p15="http://schemas.microsoft.com/office/powerpoint/2012/main" xmlns:ahyp="http://schemas.microsoft.com/office/drawing/2018/hyperlinkcolor" matchingName="Title only" type="titleOnly">
+<p:sldLayout xmlns:a="http://schemas.openxmlformats.org/drawingml/2006/main" xmlns:r="http://schemas.openxmlformats.org/officeDocument/2006/relationships" xmlns:p="http://schemas.openxmlformats.org/presentationml/2006/main" matchingName="Title only" type="titleOnly">
   <p:cSld name="TITLE_ONLY">
     <p:spTree>
       <p:nvGrpSpPr>
-        <p:cNvPr id="26" name="Shape 26"/>
+        <p:cNvPr id="1" name="Shape 26"/>
         <p:cNvGrpSpPr/>
         <p:nvPr/>
       </p:nvGrpSpPr>
@@ -3915,7 +4033,9 @@
       <p:sp>
         <p:nvSpPr>
           <p:cNvPr id="27" name="Google Shape;27;p6"/>
-          <p:cNvSpPr txBox="1"/>
+          <p:cNvSpPr txBox="1">
+            <a:spLocks noGrp="1"/>
+          </p:cNvSpPr>
           <p:nvPr>
             <p:ph type="title"/>
           </p:nvPr>
@@ -3930,7 +4050,7 @@
           </a:prstGeom>
         </p:spPr>
         <p:txBody>
-          <a:bodyPr anchorCtr="0" anchor="t" bIns="91425" lIns="91425" spcFirstLastPara="1" rIns="91425" wrap="square" tIns="91425">
+          <a:bodyPr spcFirstLastPara="1" wrap="square" lIns="91425" tIns="91425" rIns="91425" bIns="91425" anchor="t" anchorCtr="0">
             <a:normAutofit/>
           </a:bodyPr>
           <a:lstStyle>
@@ -4034,15 +4154,19 @@
               <a:defRPr sz="4000"/>
             </a:lvl9pPr>
           </a:lstStyle>
-          <a:p/>
+          <a:p>
+            <a:endParaRPr/>
+          </a:p>
         </p:txBody>
       </p:sp>
       <p:sp>
         <p:nvSpPr>
           <p:cNvPr id="28" name="Google Shape;28;p6"/>
-          <p:cNvSpPr txBox="1"/>
+          <p:cNvSpPr txBox="1">
+            <a:spLocks noGrp="1"/>
+          </p:cNvSpPr>
           <p:nvPr>
-            <p:ph idx="12" type="sldNum"/>
+            <p:ph type="sldNum" idx="12"/>
           </p:nvPr>
         </p:nvSpPr>
         <p:spPr>
@@ -4055,7 +4179,7 @@
           </a:prstGeom>
         </p:spPr>
         <p:txBody>
-          <a:bodyPr anchorCtr="0" anchor="ctr" bIns="91425" lIns="91425" spcFirstLastPara="1" rIns="91425" wrap="square" tIns="91425">
+          <a:bodyPr spcFirstLastPara="1" wrap="square" lIns="91425" tIns="91425" rIns="91425" bIns="91425" anchor="ctr" anchorCtr="0">
             <a:normAutofit/>
           </a:bodyPr>
           <a:lstStyle>
@@ -4097,7 +4221,7 @@
             </a:lvl9pPr>
           </a:lstStyle>
           <a:p>
-            <a:pPr indent="0" lvl="0" marL="0" rtl="0" algn="r">
+            <a:pPr marL="0" lvl="0" indent="0" algn="r" rtl="0">
               <a:spcBef>
                 <a:spcPts val="0"/>
               </a:spcBef>
@@ -4108,7 +4232,7 @@
             </a:pPr>
             <a:fld id="{00000000-1234-1234-1234-123412341234}" type="slidenum">
               <a:rPr lang="it"/>
-              <a:t>‹#›</a:t>
+              <a:t>‹N›</a:t>
             </a:fld>
             <a:endParaRPr/>
           </a:p>
@@ -4123,11 +4247,11 @@
 </file>
 
 <file path=ppt/slideLayouts/slideLayout6.xml><?xml version="1.0" encoding="utf-8"?>
-<p:sldLayout xmlns:a="http://schemas.openxmlformats.org/drawingml/2006/main" xmlns:r="http://schemas.openxmlformats.org/officeDocument/2006/relationships" xmlns:mc="http://schemas.openxmlformats.org/markup-compatibility/2006" xmlns:mv="urn:schemas-microsoft-com:mac:vml" xmlns:p="http://schemas.openxmlformats.org/presentationml/2006/main" xmlns:c="http://schemas.openxmlformats.org/drawingml/2006/chart" xmlns:dgm="http://schemas.openxmlformats.org/drawingml/2006/diagram" xmlns:o="urn:schemas-microsoft-com:office:office" xmlns:v="urn:schemas-microsoft-com:vml" xmlns:pvml="urn:schemas-microsoft-com:office:powerpoint" xmlns:com="http://schemas.openxmlformats.org/drawingml/2006/compatibility" xmlns:p14="http://schemas.microsoft.com/office/powerpoint/2010/main" xmlns:p15="http://schemas.microsoft.com/office/powerpoint/2012/main" xmlns:ahyp="http://schemas.microsoft.com/office/drawing/2018/hyperlinkcolor" matchingName="One column text">
+<p:sldLayout xmlns:a="http://schemas.openxmlformats.org/drawingml/2006/main" xmlns:r="http://schemas.openxmlformats.org/officeDocument/2006/relationships" xmlns:p="http://schemas.openxmlformats.org/presentationml/2006/main" matchingName="One column text">
   <p:cSld name="ONE_COLUMN_TEXT">
     <p:spTree>
       <p:nvGrpSpPr>
-        <p:cNvPr id="29" name="Shape 29"/>
+        <p:cNvPr id="1" name="Shape 29"/>
         <p:cNvGrpSpPr/>
         <p:nvPr/>
       </p:nvGrpSpPr>
@@ -4142,7 +4266,9 @@
       <p:sp>
         <p:nvSpPr>
           <p:cNvPr id="30" name="Google Shape;30;p7"/>
-          <p:cNvSpPr txBox="1"/>
+          <p:cNvSpPr txBox="1">
+            <a:spLocks noGrp="1"/>
+          </p:cNvSpPr>
           <p:nvPr>
             <p:ph type="title"/>
           </p:nvPr>
@@ -4157,7 +4283,7 @@
           </a:prstGeom>
         </p:spPr>
         <p:txBody>
-          <a:bodyPr anchorCtr="0" anchor="b" bIns="91425" lIns="91425" spcFirstLastPara="1" rIns="91425" wrap="square" tIns="91425">
+          <a:bodyPr spcFirstLastPara="1" wrap="square" lIns="91425" tIns="91425" rIns="91425" bIns="91425" anchor="b" anchorCtr="0">
             <a:normAutofit/>
           </a:bodyPr>
           <a:lstStyle>
@@ -4297,15 +4423,19 @@
               </a:defRPr>
             </a:lvl9pPr>
           </a:lstStyle>
-          <a:p/>
+          <a:p>
+            <a:endParaRPr/>
+          </a:p>
         </p:txBody>
       </p:sp>
       <p:sp>
         <p:nvSpPr>
           <p:cNvPr id="31" name="Google Shape;31;p7"/>
-          <p:cNvSpPr txBox="1"/>
+          <p:cNvSpPr txBox="1">
+            <a:spLocks noGrp="1"/>
+          </p:cNvSpPr>
           <p:nvPr>
-            <p:ph idx="1" type="body"/>
+            <p:ph type="body" idx="1"/>
           </p:nvPr>
         </p:nvSpPr>
         <p:spPr>
@@ -4318,11 +4448,11 @@
           </a:prstGeom>
         </p:spPr>
         <p:txBody>
-          <a:bodyPr anchorCtr="0" anchor="t" bIns="91425" lIns="91425" spcFirstLastPara="1" rIns="91425" wrap="square" tIns="91425">
+          <a:bodyPr spcFirstLastPara="1" wrap="square" lIns="91425" tIns="91425" rIns="91425" bIns="91425" anchor="t" anchorCtr="0">
             <a:normAutofit/>
           </a:bodyPr>
           <a:lstStyle>
-            <a:lvl1pPr indent="-304800" lvl="0" marL="457200">
+            <a:lvl1pPr marL="457200" lvl="0" indent="-304800">
               <a:spcBef>
                 <a:spcPts val="0"/>
               </a:spcBef>
@@ -4333,7 +4463,7 @@
               <a:buChar char="●"/>
               <a:defRPr sz="1200"/>
             </a:lvl1pPr>
-            <a:lvl2pPr indent="-304800" lvl="1" marL="914400">
+            <a:lvl2pPr marL="914400" lvl="1" indent="-304800">
               <a:spcBef>
                 <a:spcPts val="0"/>
               </a:spcBef>
@@ -4344,7 +4474,7 @@
               <a:buChar char="○"/>
               <a:defRPr sz="1200"/>
             </a:lvl2pPr>
-            <a:lvl3pPr indent="-304800" lvl="2" marL="1371600">
+            <a:lvl3pPr marL="1371600" lvl="2" indent="-304800">
               <a:spcBef>
                 <a:spcPts val="0"/>
               </a:spcBef>
@@ -4355,7 +4485,7 @@
               <a:buChar char="■"/>
               <a:defRPr sz="1200"/>
             </a:lvl3pPr>
-            <a:lvl4pPr indent="-304800" lvl="3" marL="1828800">
+            <a:lvl4pPr marL="1828800" lvl="3" indent="-304800">
               <a:spcBef>
                 <a:spcPts val="0"/>
               </a:spcBef>
@@ -4366,7 +4496,7 @@
               <a:buChar char="●"/>
               <a:defRPr sz="1200"/>
             </a:lvl4pPr>
-            <a:lvl5pPr indent="-304800" lvl="4" marL="2286000">
+            <a:lvl5pPr marL="2286000" lvl="4" indent="-304800">
               <a:spcBef>
                 <a:spcPts val="0"/>
               </a:spcBef>
@@ -4377,7 +4507,7 @@
               <a:buChar char="○"/>
               <a:defRPr sz="1200"/>
             </a:lvl5pPr>
-            <a:lvl6pPr indent="-304800" lvl="5" marL="2743200">
+            <a:lvl6pPr marL="2743200" lvl="5" indent="-304800">
               <a:spcBef>
                 <a:spcPts val="0"/>
               </a:spcBef>
@@ -4388,7 +4518,7 @@
               <a:buChar char="■"/>
               <a:defRPr sz="1200"/>
             </a:lvl6pPr>
-            <a:lvl7pPr indent="-304800" lvl="6" marL="3200400">
+            <a:lvl7pPr marL="3200400" lvl="6" indent="-304800">
               <a:spcBef>
                 <a:spcPts val="0"/>
               </a:spcBef>
@@ -4399,7 +4529,7 @@
               <a:buChar char="●"/>
               <a:defRPr sz="1200"/>
             </a:lvl7pPr>
-            <a:lvl8pPr indent="-304800" lvl="7" marL="3657600">
+            <a:lvl8pPr marL="3657600" lvl="7" indent="-304800">
               <a:spcBef>
                 <a:spcPts val="0"/>
               </a:spcBef>
@@ -4410,7 +4540,7 @@
               <a:buChar char="○"/>
               <a:defRPr sz="1200"/>
             </a:lvl8pPr>
-            <a:lvl9pPr indent="-304800" lvl="8" marL="4114800">
+            <a:lvl9pPr marL="4114800" lvl="8" indent="-304800">
               <a:spcBef>
                 <a:spcPts val="0"/>
               </a:spcBef>
@@ -4422,15 +4552,19 @@
               <a:defRPr sz="1200"/>
             </a:lvl9pPr>
           </a:lstStyle>
-          <a:p/>
+          <a:p>
+            <a:endParaRPr/>
+          </a:p>
         </p:txBody>
       </p:sp>
       <p:sp>
         <p:nvSpPr>
           <p:cNvPr id="32" name="Google Shape;32;p7"/>
-          <p:cNvSpPr txBox="1"/>
+          <p:cNvSpPr txBox="1">
+            <a:spLocks noGrp="1"/>
+          </p:cNvSpPr>
           <p:nvPr>
-            <p:ph idx="12" type="sldNum"/>
+            <p:ph type="sldNum" idx="12"/>
           </p:nvPr>
         </p:nvSpPr>
         <p:spPr>
@@ -4443,7 +4577,7 @@
           </a:prstGeom>
         </p:spPr>
         <p:txBody>
-          <a:bodyPr anchorCtr="0" anchor="ctr" bIns="91425" lIns="91425" spcFirstLastPara="1" rIns="91425" wrap="square" tIns="91425">
+          <a:bodyPr spcFirstLastPara="1" wrap="square" lIns="91425" tIns="91425" rIns="91425" bIns="91425" anchor="ctr" anchorCtr="0">
             <a:normAutofit/>
           </a:bodyPr>
           <a:lstStyle>
@@ -4485,7 +4619,7 @@
             </a:lvl9pPr>
           </a:lstStyle>
           <a:p>
-            <a:pPr indent="0" lvl="0" marL="0" rtl="0" algn="r">
+            <a:pPr marL="0" lvl="0" indent="0" algn="r" rtl="0">
               <a:spcBef>
                 <a:spcPts val="0"/>
               </a:spcBef>
@@ -4496,7 +4630,7 @@
             </a:pPr>
             <a:fld id="{00000000-1234-1234-1234-123412341234}" type="slidenum">
               <a:rPr lang="it"/>
-              <a:t>‹#›</a:t>
+              <a:t>‹N›</a:t>
             </a:fld>
             <a:endParaRPr/>
           </a:p>
@@ -4511,18 +4645,19 @@
 </file>
 
 <file path=ppt/slideLayouts/slideLayout7.xml><?xml version="1.0" encoding="utf-8"?>
-<p:sldLayout xmlns:a="http://schemas.openxmlformats.org/drawingml/2006/main" xmlns:r="http://schemas.openxmlformats.org/officeDocument/2006/relationships" xmlns:mc="http://schemas.openxmlformats.org/markup-compatibility/2006" xmlns:mv="urn:schemas-microsoft-com:mac:vml" xmlns:p="http://schemas.openxmlformats.org/presentationml/2006/main" xmlns:c="http://schemas.openxmlformats.org/drawingml/2006/chart" xmlns:dgm="http://schemas.openxmlformats.org/drawingml/2006/diagram" xmlns:o="urn:schemas-microsoft-com:office:office" xmlns:v="urn:schemas-microsoft-com:vml" xmlns:pvml="urn:schemas-microsoft-com:office:powerpoint" xmlns:com="http://schemas.openxmlformats.org/drawingml/2006/compatibility" xmlns:p14="http://schemas.microsoft.com/office/powerpoint/2010/main" xmlns:p15="http://schemas.microsoft.com/office/powerpoint/2012/main" xmlns:ahyp="http://schemas.microsoft.com/office/drawing/2018/hyperlinkcolor" matchingName="Main point">
+<p:sldLayout xmlns:a="http://schemas.openxmlformats.org/drawingml/2006/main" xmlns:r="http://schemas.openxmlformats.org/officeDocument/2006/relationships" xmlns:p="http://schemas.openxmlformats.org/presentationml/2006/main" matchingName="Main point">
   <p:cSld name="MAIN_POINT">
     <p:bg>
       <p:bgPr>
         <a:solidFill>
           <a:schemeClr val="accent4"/>
         </a:solidFill>
+        <a:effectLst/>
       </p:bgPr>
     </p:bg>
     <p:spTree>
       <p:nvGrpSpPr>
-        <p:cNvPr id="33" name="Shape 33"/>
+        <p:cNvPr id="1" name="Shape 33"/>
         <p:cNvGrpSpPr/>
         <p:nvPr/>
       </p:nvGrpSpPr>
@@ -4537,7 +4672,9 @@
       <p:sp>
         <p:nvSpPr>
           <p:cNvPr id="34" name="Google Shape;34;p8"/>
-          <p:cNvSpPr txBox="1"/>
+          <p:cNvSpPr txBox="1">
+            <a:spLocks noGrp="1"/>
+          </p:cNvSpPr>
           <p:nvPr>
             <p:ph type="title"/>
           </p:nvPr>
@@ -4552,7 +4689,7 @@
           </a:prstGeom>
         </p:spPr>
         <p:txBody>
-          <a:bodyPr anchorCtr="0" anchor="ctr" bIns="91425" lIns="91425" spcFirstLastPara="1" rIns="91425" wrap="square" tIns="91425">
+          <a:bodyPr spcFirstLastPara="1" wrap="square" lIns="91425" tIns="91425" rIns="91425" bIns="91425" anchor="ctr" anchorCtr="0">
             <a:normAutofit/>
           </a:bodyPr>
           <a:lstStyle>
@@ -4719,15 +4856,19 @@
               </a:defRPr>
             </a:lvl9pPr>
           </a:lstStyle>
-          <a:p/>
+          <a:p>
+            <a:endParaRPr/>
+          </a:p>
         </p:txBody>
       </p:sp>
       <p:sp>
         <p:nvSpPr>
           <p:cNvPr id="35" name="Google Shape;35;p8"/>
-          <p:cNvSpPr txBox="1"/>
+          <p:cNvSpPr txBox="1">
+            <a:spLocks noGrp="1"/>
+          </p:cNvSpPr>
           <p:nvPr>
-            <p:ph idx="12" type="sldNum"/>
+            <p:ph type="sldNum" idx="12"/>
           </p:nvPr>
         </p:nvSpPr>
         <p:spPr>
@@ -4740,7 +4881,7 @@
           </a:prstGeom>
         </p:spPr>
         <p:txBody>
-          <a:bodyPr anchorCtr="0" anchor="ctr" bIns="91425" lIns="91425" spcFirstLastPara="1" rIns="91425" wrap="square" tIns="91425">
+          <a:bodyPr spcFirstLastPara="1" wrap="square" lIns="91425" tIns="91425" rIns="91425" bIns="91425" anchor="ctr" anchorCtr="0">
             <a:normAutofit/>
           </a:bodyPr>
           <a:lstStyle>
@@ -4818,7 +4959,7 @@
             </a:lvl9pPr>
           </a:lstStyle>
           <a:p>
-            <a:pPr indent="0" lvl="0" marL="0" rtl="0" algn="r">
+            <a:pPr marL="0" lvl="0" indent="0" algn="r" rtl="0">
               <a:spcBef>
                 <a:spcPts val="0"/>
               </a:spcBef>
@@ -4829,7 +4970,7 @@
             </a:pPr>
             <a:fld id="{00000000-1234-1234-1234-123412341234}" type="slidenum">
               <a:rPr lang="it"/>
-              <a:t>‹#›</a:t>
+              <a:t>‹N›</a:t>
             </a:fld>
             <a:endParaRPr/>
           </a:p>
@@ -4844,11 +4985,11 @@
 </file>
 
 <file path=ppt/slideLayouts/slideLayout8.xml><?xml version="1.0" encoding="utf-8"?>
-<p:sldLayout xmlns:a="http://schemas.openxmlformats.org/drawingml/2006/main" xmlns:r="http://schemas.openxmlformats.org/officeDocument/2006/relationships" xmlns:mc="http://schemas.openxmlformats.org/markup-compatibility/2006" xmlns:mv="urn:schemas-microsoft-com:mac:vml" xmlns:p="http://schemas.openxmlformats.org/presentationml/2006/main" xmlns:c="http://schemas.openxmlformats.org/drawingml/2006/chart" xmlns:dgm="http://schemas.openxmlformats.org/drawingml/2006/diagram" xmlns:o="urn:schemas-microsoft-com:office:office" xmlns:v="urn:schemas-microsoft-com:vml" xmlns:pvml="urn:schemas-microsoft-com:office:powerpoint" xmlns:com="http://schemas.openxmlformats.org/drawingml/2006/compatibility" xmlns:p14="http://schemas.microsoft.com/office/powerpoint/2010/main" xmlns:p15="http://schemas.microsoft.com/office/powerpoint/2012/main" xmlns:ahyp="http://schemas.microsoft.com/office/drawing/2018/hyperlinkcolor" matchingName="Section title and description">
+<p:sldLayout xmlns:a="http://schemas.openxmlformats.org/drawingml/2006/main" xmlns:r="http://schemas.openxmlformats.org/officeDocument/2006/relationships" xmlns:p="http://schemas.openxmlformats.org/presentationml/2006/main" matchingName="Section title and description">
   <p:cSld name="SECTION_TITLE_AND_DESCRIPTION">
     <p:spTree>
       <p:nvGrpSpPr>
-        <p:cNvPr id="36" name="Shape 36"/>
+        <p:cNvPr id="1" name="Shape 36"/>
         <p:cNvGrpSpPr/>
         <p:nvPr/>
       </p:nvGrpSpPr>
@@ -4882,12 +5023,12 @@
           </a:ln>
         </p:spPr>
         <p:txBody>
-          <a:bodyPr anchorCtr="0" anchor="ctr" bIns="91425" lIns="91425" spcFirstLastPara="1" rIns="91425" wrap="square" tIns="91425">
+          <a:bodyPr spcFirstLastPara="1" wrap="square" lIns="91425" tIns="91425" rIns="91425" bIns="91425" anchor="ctr" anchorCtr="0">
             <a:noAutofit/>
           </a:bodyPr>
           <a:lstStyle/>
           <a:p>
-            <a:pPr indent="0" lvl="0" marL="0" rtl="0" algn="l">
+            <a:pPr marL="0" lvl="0" indent="0" algn="l" rtl="0">
               <a:spcBef>
                 <a:spcPts val="0"/>
               </a:spcBef>
@@ -4896,9 +5037,6 @@
               </a:spcAft>
               <a:buNone/>
             </a:pPr>
-            <a:r>
-              <a:t/>
-            </a:r>
             <a:endParaRPr/>
           </a:p>
         </p:txBody>
@@ -4918,21 +5056,23 @@
             <a:avLst/>
           </a:prstGeom>
           <a:noFill/>
-          <a:ln cap="flat" cmpd="sng" w="28575">
+          <a:ln w="28575" cap="flat" cmpd="sng">
             <a:solidFill>
               <a:schemeClr val="lt1"/>
             </a:solidFill>
             <a:prstDash val="solid"/>
             <a:round/>
-            <a:headEnd len="sm" w="sm" type="none"/>
-            <a:tailEnd len="sm" w="sm" type="none"/>
+            <a:headEnd type="none" w="sm" len="sm"/>
+            <a:tailEnd type="none" w="sm" len="sm"/>
           </a:ln>
         </p:spPr>
       </p:cxnSp>
       <p:sp>
         <p:nvSpPr>
           <p:cNvPr id="39" name="Google Shape;39;p9"/>
-          <p:cNvSpPr txBox="1"/>
+          <p:cNvSpPr txBox="1">
+            <a:spLocks noGrp="1"/>
+          </p:cNvSpPr>
           <p:nvPr>
             <p:ph type="title"/>
           </p:nvPr>
@@ -4947,7 +5087,7 @@
           </a:prstGeom>
         </p:spPr>
         <p:txBody>
-          <a:bodyPr anchorCtr="0" anchor="b" bIns="91425" lIns="91425" spcFirstLastPara="1" rIns="91425" wrap="square" tIns="91425">
+          <a:bodyPr spcFirstLastPara="1" wrap="square" lIns="91425" tIns="91425" rIns="91425" bIns="91425" anchor="b" anchorCtr="0">
             <a:normAutofit/>
           </a:bodyPr>
           <a:lstStyle>
@@ -5051,15 +5191,19 @@
               <a:defRPr sz="5400"/>
             </a:lvl9pPr>
           </a:lstStyle>
-          <a:p/>
+          <a:p>
+            <a:endParaRPr/>
+          </a:p>
         </p:txBody>
       </p:sp>
       <p:sp>
         <p:nvSpPr>
           <p:cNvPr id="40" name="Google Shape;40;p9"/>
-          <p:cNvSpPr txBox="1"/>
+          <p:cNvSpPr txBox="1">
+            <a:spLocks noGrp="1"/>
+          </p:cNvSpPr>
           <p:nvPr>
-            <p:ph idx="1" type="subTitle"/>
+            <p:ph type="subTitle" idx="1"/>
           </p:nvPr>
         </p:nvSpPr>
         <p:spPr>
@@ -5072,7 +5216,7 @@
           </a:prstGeom>
         </p:spPr>
         <p:txBody>
-          <a:bodyPr anchorCtr="0" anchor="t" bIns="91425" lIns="91425" spcFirstLastPara="1" rIns="91425" wrap="square" tIns="91425">
+          <a:bodyPr spcFirstLastPara="1" wrap="square" lIns="91425" tIns="91425" rIns="91425" bIns="91425" anchor="t" anchorCtr="0">
             <a:normAutofit/>
           </a:bodyPr>
           <a:lstStyle>
@@ -5203,15 +5347,19 @@
               <a:defRPr sz="1800"/>
             </a:lvl9pPr>
           </a:lstStyle>
-          <a:p/>
+          <a:p>
+            <a:endParaRPr/>
+          </a:p>
         </p:txBody>
       </p:sp>
       <p:sp>
         <p:nvSpPr>
           <p:cNvPr id="41" name="Google Shape;41;p9"/>
-          <p:cNvSpPr txBox="1"/>
+          <p:cNvSpPr txBox="1">
+            <a:spLocks noGrp="1"/>
+          </p:cNvSpPr>
           <p:nvPr>
-            <p:ph idx="2" type="body"/>
+            <p:ph type="body" idx="2"/>
           </p:nvPr>
         </p:nvSpPr>
         <p:spPr>
@@ -5224,11 +5372,11 @@
           </a:prstGeom>
         </p:spPr>
         <p:txBody>
-          <a:bodyPr anchorCtr="0" anchor="ctr" bIns="91425" lIns="91425" spcFirstLastPara="1" rIns="91425" wrap="square" tIns="91425">
+          <a:bodyPr spcFirstLastPara="1" wrap="square" lIns="91425" tIns="91425" rIns="91425" bIns="91425" anchor="ctr" anchorCtr="0">
             <a:normAutofit/>
           </a:bodyPr>
           <a:lstStyle>
-            <a:lvl1pPr indent="-342900" lvl="0" marL="457200">
+            <a:lvl1pPr marL="457200" lvl="0" indent="-342900">
               <a:spcBef>
                 <a:spcPts val="0"/>
               </a:spcBef>
@@ -5249,7 +5397,7 @@
                 </a:highlight>
               </a:defRPr>
             </a:lvl1pPr>
-            <a:lvl2pPr indent="-317500" lvl="1" marL="914400">
+            <a:lvl2pPr marL="914400" lvl="1" indent="-317500">
               <a:spcBef>
                 <a:spcPts val="0"/>
               </a:spcBef>
@@ -5270,7 +5418,7 @@
                 </a:highlight>
               </a:defRPr>
             </a:lvl2pPr>
-            <a:lvl3pPr indent="-317500" lvl="2" marL="1371600">
+            <a:lvl3pPr marL="1371600" lvl="2" indent="-317500">
               <a:spcBef>
                 <a:spcPts val="0"/>
               </a:spcBef>
@@ -5291,7 +5439,7 @@
                 </a:highlight>
               </a:defRPr>
             </a:lvl3pPr>
-            <a:lvl4pPr indent="-317500" lvl="3" marL="1828800">
+            <a:lvl4pPr marL="1828800" lvl="3" indent="-317500">
               <a:spcBef>
                 <a:spcPts val="0"/>
               </a:spcBef>
@@ -5312,7 +5460,7 @@
                 </a:highlight>
               </a:defRPr>
             </a:lvl4pPr>
-            <a:lvl5pPr indent="-317500" lvl="4" marL="2286000">
+            <a:lvl5pPr marL="2286000" lvl="4" indent="-317500">
               <a:spcBef>
                 <a:spcPts val="0"/>
               </a:spcBef>
@@ -5333,7 +5481,7 @@
                 </a:highlight>
               </a:defRPr>
             </a:lvl5pPr>
-            <a:lvl6pPr indent="-317500" lvl="5" marL="2743200">
+            <a:lvl6pPr marL="2743200" lvl="5" indent="-317500">
               <a:spcBef>
                 <a:spcPts val="0"/>
               </a:spcBef>
@@ -5354,7 +5502,7 @@
                 </a:highlight>
               </a:defRPr>
             </a:lvl6pPr>
-            <a:lvl7pPr indent="-317500" lvl="6" marL="3200400">
+            <a:lvl7pPr marL="3200400" lvl="6" indent="-317500">
               <a:spcBef>
                 <a:spcPts val="0"/>
               </a:spcBef>
@@ -5375,7 +5523,7 @@
                 </a:highlight>
               </a:defRPr>
             </a:lvl7pPr>
-            <a:lvl8pPr indent="-317500" lvl="7" marL="3657600">
+            <a:lvl8pPr marL="3657600" lvl="7" indent="-317500">
               <a:spcBef>
                 <a:spcPts val="0"/>
               </a:spcBef>
@@ -5396,7 +5544,7 @@
                 </a:highlight>
               </a:defRPr>
             </a:lvl8pPr>
-            <a:lvl9pPr indent="-317500" lvl="8" marL="4114800">
+            <a:lvl9pPr marL="4114800" lvl="8" indent="-317500">
               <a:spcBef>
                 <a:spcPts val="0"/>
               </a:spcBef>
@@ -5418,15 +5566,19 @@
               </a:defRPr>
             </a:lvl9pPr>
           </a:lstStyle>
-          <a:p/>
+          <a:p>
+            <a:endParaRPr/>
+          </a:p>
         </p:txBody>
       </p:sp>
       <p:sp>
         <p:nvSpPr>
           <p:cNvPr id="42" name="Google Shape;42;p9"/>
-          <p:cNvSpPr txBox="1"/>
+          <p:cNvSpPr txBox="1">
+            <a:spLocks noGrp="1"/>
+          </p:cNvSpPr>
           <p:nvPr>
-            <p:ph idx="12" type="sldNum"/>
+            <p:ph type="sldNum" idx="12"/>
           </p:nvPr>
         </p:nvSpPr>
         <p:spPr>
@@ -5439,7 +5591,7 @@
           </a:prstGeom>
         </p:spPr>
         <p:txBody>
-          <a:bodyPr anchorCtr="0" anchor="ctr" bIns="91425" lIns="91425" spcFirstLastPara="1" rIns="91425" wrap="square" tIns="91425">
+          <a:bodyPr spcFirstLastPara="1" wrap="square" lIns="91425" tIns="91425" rIns="91425" bIns="91425" anchor="ctr" anchorCtr="0">
             <a:normAutofit/>
           </a:bodyPr>
           <a:lstStyle>
@@ -5481,7 +5633,7 @@
             </a:lvl9pPr>
           </a:lstStyle>
           <a:p>
-            <a:pPr indent="0" lvl="0" marL="0" rtl="0" algn="r">
+            <a:pPr marL="0" lvl="0" indent="0" algn="r" rtl="0">
               <a:spcBef>
                 <a:spcPts val="0"/>
               </a:spcBef>
@@ -5492,7 +5644,7 @@
             </a:pPr>
             <a:fld id="{00000000-1234-1234-1234-123412341234}" type="slidenum">
               <a:rPr lang="it"/>
-              <a:t>‹#›</a:t>
+              <a:t>‹N›</a:t>
             </a:fld>
             <a:endParaRPr/>
           </a:p>
@@ -5507,11 +5659,11 @@
 </file>
 
 <file path=ppt/slideLayouts/slideLayout9.xml><?xml version="1.0" encoding="utf-8"?>
-<p:sldLayout xmlns:a="http://schemas.openxmlformats.org/drawingml/2006/main" xmlns:r="http://schemas.openxmlformats.org/officeDocument/2006/relationships" xmlns:mc="http://schemas.openxmlformats.org/markup-compatibility/2006" xmlns:mv="urn:schemas-microsoft-com:mac:vml" xmlns:p="http://schemas.openxmlformats.org/presentationml/2006/main" xmlns:c="http://schemas.openxmlformats.org/drawingml/2006/chart" xmlns:dgm="http://schemas.openxmlformats.org/drawingml/2006/diagram" xmlns:o="urn:schemas-microsoft-com:office:office" xmlns:v="urn:schemas-microsoft-com:vml" xmlns:pvml="urn:schemas-microsoft-com:office:powerpoint" xmlns:com="http://schemas.openxmlformats.org/drawingml/2006/compatibility" xmlns:p14="http://schemas.microsoft.com/office/powerpoint/2010/main" xmlns:p15="http://schemas.microsoft.com/office/powerpoint/2012/main" xmlns:ahyp="http://schemas.microsoft.com/office/drawing/2018/hyperlinkcolor" matchingName="Caption">
+<p:sldLayout xmlns:a="http://schemas.openxmlformats.org/drawingml/2006/main" xmlns:r="http://schemas.openxmlformats.org/officeDocument/2006/relationships" xmlns:p="http://schemas.openxmlformats.org/presentationml/2006/main" matchingName="Caption">
   <p:cSld name="CAPTION_ONLY">
     <p:spTree>
       <p:nvGrpSpPr>
-        <p:cNvPr id="43" name="Shape 43"/>
+        <p:cNvPr id="1" name="Shape 43"/>
         <p:cNvGrpSpPr/>
         <p:nvPr/>
       </p:nvGrpSpPr>
@@ -5526,9 +5678,11 @@
       <p:sp>
         <p:nvSpPr>
           <p:cNvPr id="44" name="Google Shape;44;p10"/>
-          <p:cNvSpPr txBox="1"/>
+          <p:cNvSpPr txBox="1">
+            <a:spLocks noGrp="1"/>
+          </p:cNvSpPr>
           <p:nvPr>
-            <p:ph idx="1" type="body"/>
+            <p:ph type="body" idx="1"/>
           </p:nvPr>
         </p:nvSpPr>
         <p:spPr>
@@ -5541,11 +5695,11 @@
           </a:prstGeom>
         </p:spPr>
         <p:txBody>
-          <a:bodyPr anchorCtr="0" anchor="ctr" bIns="91425" lIns="91425" spcFirstLastPara="1" rIns="91425" wrap="square" tIns="91425">
+          <a:bodyPr spcFirstLastPara="1" wrap="square" lIns="91425" tIns="91425" rIns="91425" bIns="91425" anchor="ctr" anchorCtr="0">
             <a:normAutofit/>
           </a:bodyPr>
           <a:lstStyle>
-            <a:lvl1pPr indent="-228600" lvl="0" marL="457200">
+            <a:lvl1pPr marL="457200" lvl="0" indent="-228600">
               <a:lnSpc>
                 <a:spcPct val="100000"/>
               </a:lnSpc>
@@ -5561,7 +5715,7 @@
               <a:buSzPts val="2400"/>
               <a:buFont typeface="Amatic SC"/>
               <a:buNone/>
-              <a:defRPr b="1" sz="2400">
+              <a:defRPr sz="2400" b="1">
                 <a:solidFill>
                   <a:schemeClr val="accent1"/>
                 </a:solidFill>
@@ -5572,15 +5726,19 @@
               </a:defRPr>
             </a:lvl1pPr>
           </a:lstStyle>
-          <a:p/>
+          <a:p>
+            <a:endParaRPr/>
+          </a:p>
         </p:txBody>
       </p:sp>
       <p:sp>
         <p:nvSpPr>
           <p:cNvPr id="45" name="Google Shape;45;p10"/>
-          <p:cNvSpPr txBox="1"/>
+          <p:cNvSpPr txBox="1">
+            <a:spLocks noGrp="1"/>
+          </p:cNvSpPr>
           <p:nvPr>
-            <p:ph idx="12" type="sldNum"/>
+            <p:ph type="sldNum" idx="12"/>
           </p:nvPr>
         </p:nvSpPr>
         <p:spPr>
@@ -5593,7 +5751,7 @@
           </a:prstGeom>
         </p:spPr>
         <p:txBody>
-          <a:bodyPr anchorCtr="0" anchor="ctr" bIns="91425" lIns="91425" spcFirstLastPara="1" rIns="91425" wrap="square" tIns="91425">
+          <a:bodyPr spcFirstLastPara="1" wrap="square" lIns="91425" tIns="91425" rIns="91425" bIns="91425" anchor="ctr" anchorCtr="0">
             <a:normAutofit/>
           </a:bodyPr>
           <a:lstStyle>
@@ -5635,7 +5793,7 @@
             </a:lvl9pPr>
           </a:lstStyle>
           <a:p>
-            <a:pPr indent="0" lvl="0" marL="0" rtl="0" algn="r">
+            <a:pPr marL="0" lvl="0" indent="0" algn="r" rtl="0">
               <a:spcBef>
                 <a:spcPts val="0"/>
               </a:spcBef>
@@ -5646,7 +5804,7 @@
             </a:pPr>
             <a:fld id="{00000000-1234-1234-1234-123412341234}" type="slidenum">
               <a:rPr lang="it"/>
-              <a:t>‹#›</a:t>
+              <a:t>‹N›</a:t>
             </a:fld>
             <a:endParaRPr/>
           </a:p>
@@ -5661,18 +5819,19 @@
 </file>
 
 <file path=ppt/slideMasters/slideMaster1.xml><?xml version="1.0" encoding="utf-8"?>
-<p:sldMaster xmlns:a="http://schemas.openxmlformats.org/drawingml/2006/main" xmlns:r="http://schemas.openxmlformats.org/officeDocument/2006/relationships" xmlns:mc="http://schemas.openxmlformats.org/markup-compatibility/2006" xmlns:mv="urn:schemas-microsoft-com:mac:vml" xmlns:p="http://schemas.openxmlformats.org/presentationml/2006/main" xmlns:c="http://schemas.openxmlformats.org/drawingml/2006/chart" xmlns:dgm="http://schemas.openxmlformats.org/drawingml/2006/diagram" xmlns:o="urn:schemas-microsoft-com:office:office" xmlns:v="urn:schemas-microsoft-com:vml" xmlns:pvml="urn:schemas-microsoft-com:office:powerpoint" xmlns:com="http://schemas.openxmlformats.org/drawingml/2006/compatibility" xmlns:p14="http://schemas.microsoft.com/office/powerpoint/2010/main" xmlns:p15="http://schemas.microsoft.com/office/powerpoint/2012/main" xmlns:ahyp="http://schemas.microsoft.com/office/drawing/2018/hyperlinkcolor">
+<p:sldMaster xmlns:a="http://schemas.openxmlformats.org/drawingml/2006/main" xmlns:r="http://schemas.openxmlformats.org/officeDocument/2006/relationships" xmlns:p="http://schemas.openxmlformats.org/presentationml/2006/main">
   <p:cSld name="beach-day">
     <p:bg>
       <p:bgPr>
         <a:solidFill>
           <a:schemeClr val="lt1"/>
         </a:solidFill>
+        <a:effectLst/>
       </p:bgPr>
     </p:bg>
     <p:spTree>
       <p:nvGrpSpPr>
-        <p:cNvPr id="5" name="Shape 5"/>
+        <p:cNvPr id="1" name="Shape 5"/>
         <p:cNvGrpSpPr/>
         <p:nvPr/>
       </p:nvGrpSpPr>
@@ -5687,7 +5846,9 @@
       <p:sp>
         <p:nvSpPr>
           <p:cNvPr id="6" name="Google Shape;6;p1"/>
-          <p:cNvSpPr txBox="1"/>
+          <p:cNvSpPr txBox="1">
+            <a:spLocks noGrp="1"/>
+          </p:cNvSpPr>
           <p:nvPr>
             <p:ph type="title"/>
           </p:nvPr>
@@ -5706,7 +5867,7 @@
           </a:ln>
         </p:spPr>
         <p:txBody>
-          <a:bodyPr anchorCtr="0" anchor="t" bIns="91425" lIns="91425" spcFirstLastPara="1" rIns="91425" wrap="square" tIns="91425">
+          <a:bodyPr spcFirstLastPara="1" wrap="square" lIns="91425" tIns="91425" rIns="91425" bIns="91425" anchor="t" anchorCtr="0">
             <a:normAutofit/>
           </a:bodyPr>
           <a:lstStyle>
@@ -5723,7 +5884,7 @@
               <a:buSzPts val="4200"/>
               <a:buFont typeface="Amatic SC"/>
               <a:buNone/>
-              <a:defRPr b="1" sz="4200">
+              <a:defRPr sz="4200" b="1">
                 <a:solidFill>
                   <a:schemeClr val="accent1"/>
                 </a:solidFill>
@@ -5746,7 +5907,7 @@
               <a:buSzPts val="4200"/>
               <a:buFont typeface="Amatic SC"/>
               <a:buNone/>
-              <a:defRPr b="1" sz="4200">
+              <a:defRPr sz="4200" b="1">
                 <a:solidFill>
                   <a:schemeClr val="accent1"/>
                 </a:solidFill>
@@ -5769,7 +5930,7 @@
               <a:buSzPts val="4200"/>
               <a:buFont typeface="Amatic SC"/>
               <a:buNone/>
-              <a:defRPr b="1" sz="4200">
+              <a:defRPr sz="4200" b="1">
                 <a:solidFill>
                   <a:schemeClr val="accent1"/>
                 </a:solidFill>
@@ -5792,7 +5953,7 @@
               <a:buSzPts val="4200"/>
               <a:buFont typeface="Amatic SC"/>
               <a:buNone/>
-              <a:defRPr b="1" sz="4200">
+              <a:defRPr sz="4200" b="1">
                 <a:solidFill>
                   <a:schemeClr val="accent1"/>
                 </a:solidFill>
@@ -5815,7 +5976,7 @@
               <a:buSzPts val="4200"/>
               <a:buFont typeface="Amatic SC"/>
               <a:buNone/>
-              <a:defRPr b="1" sz="4200">
+              <a:defRPr sz="4200" b="1">
                 <a:solidFill>
                   <a:schemeClr val="accent1"/>
                 </a:solidFill>
@@ -5838,7 +5999,7 @@
               <a:buSzPts val="4200"/>
               <a:buFont typeface="Amatic SC"/>
               <a:buNone/>
-              <a:defRPr b="1" sz="4200">
+              <a:defRPr sz="4200" b="1">
                 <a:solidFill>
                   <a:schemeClr val="accent1"/>
                 </a:solidFill>
@@ -5861,7 +6022,7 @@
               <a:buSzPts val="4200"/>
               <a:buFont typeface="Amatic SC"/>
               <a:buNone/>
-              <a:defRPr b="1" sz="4200">
+              <a:defRPr sz="4200" b="1">
                 <a:solidFill>
                   <a:schemeClr val="accent1"/>
                 </a:solidFill>
@@ -5884,7 +6045,7 @@
               <a:buSzPts val="4200"/>
               <a:buFont typeface="Amatic SC"/>
               <a:buNone/>
-              <a:defRPr b="1" sz="4200">
+              <a:defRPr sz="4200" b="1">
                 <a:solidFill>
                   <a:schemeClr val="accent1"/>
                 </a:solidFill>
@@ -5907,7 +6068,7 @@
               <a:buSzPts val="4200"/>
               <a:buFont typeface="Amatic SC"/>
               <a:buNone/>
-              <a:defRPr b="1" sz="4200">
+              <a:defRPr sz="4200" b="1">
                 <a:solidFill>
                   <a:schemeClr val="accent1"/>
                 </a:solidFill>
@@ -5918,15 +6079,19 @@
               </a:defRPr>
             </a:lvl9pPr>
           </a:lstStyle>
-          <a:p/>
+          <a:p>
+            <a:endParaRPr/>
+          </a:p>
         </p:txBody>
       </p:sp>
       <p:sp>
         <p:nvSpPr>
           <p:cNvPr id="7" name="Google Shape;7;p1"/>
-          <p:cNvSpPr txBox="1"/>
+          <p:cNvSpPr txBox="1">
+            <a:spLocks noGrp="1"/>
+          </p:cNvSpPr>
           <p:nvPr>
-            <p:ph idx="1" type="body"/>
+            <p:ph type="body" idx="1"/>
           </p:nvPr>
         </p:nvSpPr>
         <p:spPr>
@@ -5943,11 +6108,11 @@
           </a:ln>
         </p:spPr>
         <p:txBody>
-          <a:bodyPr anchorCtr="0" anchor="t" bIns="91425" lIns="91425" spcFirstLastPara="1" rIns="91425" wrap="square" tIns="91425">
+          <a:bodyPr spcFirstLastPara="1" wrap="square" lIns="91425" tIns="91425" rIns="91425" bIns="91425" anchor="t" anchorCtr="0">
             <a:normAutofit/>
           </a:bodyPr>
           <a:lstStyle>
-            <a:lvl1pPr indent="-342900" lvl="0" marL="457200">
+            <a:lvl1pPr marL="457200" lvl="0" indent="-342900">
               <a:lnSpc>
                 <a:spcPct val="115000"/>
               </a:lnSpc>
@@ -5973,7 +6138,7 @@
                 <a:sym typeface="Source Code Pro"/>
               </a:defRPr>
             </a:lvl1pPr>
-            <a:lvl2pPr indent="-317500" lvl="1" marL="914400">
+            <a:lvl2pPr marL="914400" lvl="1" indent="-317500">
               <a:lnSpc>
                 <a:spcPct val="115000"/>
               </a:lnSpc>
@@ -5999,7 +6164,7 @@
                 <a:sym typeface="Source Code Pro"/>
               </a:defRPr>
             </a:lvl2pPr>
-            <a:lvl3pPr indent="-317500" lvl="2" marL="1371600">
+            <a:lvl3pPr marL="1371600" lvl="2" indent="-317500">
               <a:lnSpc>
                 <a:spcPct val="115000"/>
               </a:lnSpc>
@@ -6025,7 +6190,7 @@
                 <a:sym typeface="Source Code Pro"/>
               </a:defRPr>
             </a:lvl3pPr>
-            <a:lvl4pPr indent="-317500" lvl="3" marL="1828800">
+            <a:lvl4pPr marL="1828800" lvl="3" indent="-317500">
               <a:lnSpc>
                 <a:spcPct val="115000"/>
               </a:lnSpc>
@@ -6051,7 +6216,7 @@
                 <a:sym typeface="Source Code Pro"/>
               </a:defRPr>
             </a:lvl4pPr>
-            <a:lvl5pPr indent="-317500" lvl="4" marL="2286000">
+            <a:lvl5pPr marL="2286000" lvl="4" indent="-317500">
               <a:lnSpc>
                 <a:spcPct val="115000"/>
               </a:lnSpc>
@@ -6077,7 +6242,7 @@
                 <a:sym typeface="Source Code Pro"/>
               </a:defRPr>
             </a:lvl5pPr>
-            <a:lvl6pPr indent="-317500" lvl="5" marL="2743200">
+            <a:lvl6pPr marL="2743200" lvl="5" indent="-317500">
               <a:lnSpc>
                 <a:spcPct val="115000"/>
               </a:lnSpc>
@@ -6103,7 +6268,7 @@
                 <a:sym typeface="Source Code Pro"/>
               </a:defRPr>
             </a:lvl6pPr>
-            <a:lvl7pPr indent="-317500" lvl="6" marL="3200400">
+            <a:lvl7pPr marL="3200400" lvl="6" indent="-317500">
               <a:lnSpc>
                 <a:spcPct val="115000"/>
               </a:lnSpc>
@@ -6129,7 +6294,7 @@
                 <a:sym typeface="Source Code Pro"/>
               </a:defRPr>
             </a:lvl7pPr>
-            <a:lvl8pPr indent="-317500" lvl="7" marL="3657600">
+            <a:lvl8pPr marL="3657600" lvl="7" indent="-317500">
               <a:lnSpc>
                 <a:spcPct val="115000"/>
               </a:lnSpc>
@@ -6155,7 +6320,7 @@
                 <a:sym typeface="Source Code Pro"/>
               </a:defRPr>
             </a:lvl8pPr>
-            <a:lvl9pPr indent="-317500" lvl="8" marL="4114800">
+            <a:lvl9pPr marL="4114800" lvl="8" indent="-317500">
               <a:lnSpc>
                 <a:spcPct val="115000"/>
               </a:lnSpc>
@@ -6182,15 +6347,19 @@
               </a:defRPr>
             </a:lvl9pPr>
           </a:lstStyle>
-          <a:p/>
+          <a:p>
+            <a:endParaRPr/>
+          </a:p>
         </p:txBody>
       </p:sp>
       <p:sp>
         <p:nvSpPr>
           <p:cNvPr id="8" name="Google Shape;8;p1"/>
-          <p:cNvSpPr txBox="1"/>
+          <p:cNvSpPr txBox="1">
+            <a:spLocks noGrp="1"/>
+          </p:cNvSpPr>
           <p:nvPr>
-            <p:ph idx="12" type="sldNum"/>
+            <p:ph type="sldNum" idx="12"/>
           </p:nvPr>
         </p:nvSpPr>
         <p:spPr>
@@ -6207,7 +6376,7 @@
           </a:ln>
         </p:spPr>
         <p:txBody>
-          <a:bodyPr anchorCtr="0" anchor="ctr" bIns="91425" lIns="91425" spcFirstLastPara="1" rIns="91425" wrap="square" tIns="91425">
+          <a:bodyPr spcFirstLastPara="1" wrap="square" lIns="91425" tIns="91425" rIns="91425" bIns="91425" anchor="ctr" anchorCtr="0">
             <a:normAutofit/>
           </a:bodyPr>
           <a:lstStyle>
@@ -6321,7 +6490,7 @@
             </a:lvl9pPr>
           </a:lstStyle>
           <a:p>
-            <a:pPr indent="0" lvl="0" marL="0" rtl="0" algn="r">
+            <a:pPr marL="0" lvl="0" indent="0" algn="r" rtl="0">
               <a:spcBef>
                 <a:spcPts val="0"/>
               </a:spcBef>
@@ -6332,7 +6501,7 @@
             </a:pPr>
             <a:fld id="{00000000-1234-1234-1234-123412341234}" type="slidenum">
               <a:rPr lang="it"/>
-              <a:t>‹#›</a:t>
+              <a:t>‹N›</a:t>
             </a:fld>
             <a:endParaRPr/>
           </a:p>
@@ -6340,7 +6509,7 @@
       </p:sp>
     </p:spTree>
   </p:cSld>
-  <p:clrMap accent1="accent1" accent2="accent2" accent3="accent3" accent4="accent4" accent5="accent5" accent6="accent6" bg1="lt1" bg2="dk2" tx1="dk1" tx2="lt2" folHlink="folHlink" hlink="hlink"/>
+  <p:clrMap bg1="lt1" tx1="dk1" bg2="dk2" tx2="lt2" accent1="accent1" accent2="accent2" accent3="accent3" accent4="accent4" accent5="accent5" accent6="accent6" hlink="hlink" folHlink="folHlink"/>
   <p:sldLayoutIdLst>
     <p:sldLayoutId id="2147483648" r:id="rId1"/>
     <p:sldLayoutId id="2147483649" r:id="rId2"/>
@@ -6357,10 +6526,10 @@
   <p:transition spd="med">
     <p:fade/>
   </p:transition>
-  <p:hf dt="0" ftr="0" hdr="0" sldNum="0"/>
+  <p:hf sldNum="0" hdr="0" ftr="0" dt="0"/>
   <p:txStyles>
     <p:titleStyle>
-      <a:defPPr lvl="0" marR="0" rtl="0" algn="l">
+      <a:defPPr marR="0" lvl="0" algn="l" rtl="0">
         <a:lnSpc>
           <a:spcPct val="100000"/>
         </a:lnSpc>
@@ -6371,7 +6540,7 @@
           <a:spcPts val="0"/>
         </a:spcAft>
       </a:defPPr>
-      <a:lvl1pPr lvl="0" marR="0" rtl="0" algn="l">
+      <a:lvl1pPr marR="0" lvl="0" algn="l" rtl="0">
         <a:lnSpc>
           <a:spcPct val="100000"/>
         </a:lnSpc>
@@ -6385,7 +6554,7 @@
           <a:srgbClr val="000000"/>
         </a:buClr>
         <a:buFont typeface="Arial"/>
-        <a:defRPr b="0" i="0" sz="1400" u="none" cap="none" strike="noStrike">
+        <a:defRPr sz="1400" b="0" i="0" u="none" strike="noStrike" cap="none">
           <a:solidFill>
             <a:srgbClr val="000000"/>
           </a:solidFill>
@@ -6395,7 +6564,7 @@
           <a:sym typeface="Arial"/>
         </a:defRPr>
       </a:lvl1pPr>
-      <a:lvl2pPr lvl="1" marR="0" rtl="0" algn="l">
+      <a:lvl2pPr marR="0" lvl="1" algn="l" rtl="0">
         <a:lnSpc>
           <a:spcPct val="100000"/>
         </a:lnSpc>
@@ -6409,7 +6578,7 @@
           <a:srgbClr val="000000"/>
         </a:buClr>
         <a:buFont typeface="Arial"/>
-        <a:defRPr b="0" i="0" sz="1400" u="none" cap="none" strike="noStrike">
+        <a:defRPr sz="1400" b="0" i="0" u="none" strike="noStrike" cap="none">
           <a:solidFill>
             <a:srgbClr val="000000"/>
           </a:solidFill>
@@ -6419,7 +6588,7 @@
           <a:sym typeface="Arial"/>
         </a:defRPr>
       </a:lvl2pPr>
-      <a:lvl3pPr lvl="2" marR="0" rtl="0" algn="l">
+      <a:lvl3pPr marR="0" lvl="2" algn="l" rtl="0">
         <a:lnSpc>
           <a:spcPct val="100000"/>
         </a:lnSpc>
@@ -6433,7 +6602,7 @@
           <a:srgbClr val="000000"/>
         </a:buClr>
         <a:buFont typeface="Arial"/>
-        <a:defRPr b="0" i="0" sz="1400" u="none" cap="none" strike="noStrike">
+        <a:defRPr sz="1400" b="0" i="0" u="none" strike="noStrike" cap="none">
           <a:solidFill>
             <a:srgbClr val="000000"/>
           </a:solidFill>
@@ -6443,7 +6612,7 @@
           <a:sym typeface="Arial"/>
         </a:defRPr>
       </a:lvl3pPr>
-      <a:lvl4pPr lvl="3" marR="0" rtl="0" algn="l">
+      <a:lvl4pPr marR="0" lvl="3" algn="l" rtl="0">
         <a:lnSpc>
           <a:spcPct val="100000"/>
         </a:lnSpc>
@@ -6457,7 +6626,7 @@
           <a:srgbClr val="000000"/>
         </a:buClr>
         <a:buFont typeface="Arial"/>
-        <a:defRPr b="0" i="0" sz="1400" u="none" cap="none" strike="noStrike">
+        <a:defRPr sz="1400" b="0" i="0" u="none" strike="noStrike" cap="none">
           <a:solidFill>
             <a:srgbClr val="000000"/>
           </a:solidFill>
@@ -6467,7 +6636,7 @@
           <a:sym typeface="Arial"/>
         </a:defRPr>
       </a:lvl4pPr>
-      <a:lvl5pPr lvl="4" marR="0" rtl="0" algn="l">
+      <a:lvl5pPr marR="0" lvl="4" algn="l" rtl="0">
         <a:lnSpc>
           <a:spcPct val="100000"/>
         </a:lnSpc>
@@ -6481,7 +6650,7 @@
           <a:srgbClr val="000000"/>
         </a:buClr>
         <a:buFont typeface="Arial"/>
-        <a:defRPr b="0" i="0" sz="1400" u="none" cap="none" strike="noStrike">
+        <a:defRPr sz="1400" b="0" i="0" u="none" strike="noStrike" cap="none">
           <a:solidFill>
             <a:srgbClr val="000000"/>
           </a:solidFill>
@@ -6491,7 +6660,7 @@
           <a:sym typeface="Arial"/>
         </a:defRPr>
       </a:lvl5pPr>
-      <a:lvl6pPr lvl="5" marR="0" rtl="0" algn="l">
+      <a:lvl6pPr marR="0" lvl="5" algn="l" rtl="0">
         <a:lnSpc>
           <a:spcPct val="100000"/>
         </a:lnSpc>
@@ -6505,7 +6674,7 @@
           <a:srgbClr val="000000"/>
         </a:buClr>
         <a:buFont typeface="Arial"/>
-        <a:defRPr b="0" i="0" sz="1400" u="none" cap="none" strike="noStrike">
+        <a:defRPr sz="1400" b="0" i="0" u="none" strike="noStrike" cap="none">
           <a:solidFill>
             <a:srgbClr val="000000"/>
           </a:solidFill>
@@ -6515,7 +6684,7 @@
           <a:sym typeface="Arial"/>
         </a:defRPr>
       </a:lvl6pPr>
-      <a:lvl7pPr lvl="6" marR="0" rtl="0" algn="l">
+      <a:lvl7pPr marR="0" lvl="6" algn="l" rtl="0">
         <a:lnSpc>
           <a:spcPct val="100000"/>
         </a:lnSpc>
@@ -6529,7 +6698,7 @@
           <a:srgbClr val="000000"/>
         </a:buClr>
         <a:buFont typeface="Arial"/>
-        <a:defRPr b="0" i="0" sz="1400" u="none" cap="none" strike="noStrike">
+        <a:defRPr sz="1400" b="0" i="0" u="none" strike="noStrike" cap="none">
           <a:solidFill>
             <a:srgbClr val="000000"/>
           </a:solidFill>
@@ -6539,7 +6708,7 @@
           <a:sym typeface="Arial"/>
         </a:defRPr>
       </a:lvl7pPr>
-      <a:lvl8pPr lvl="7" marR="0" rtl="0" algn="l">
+      <a:lvl8pPr marR="0" lvl="7" algn="l" rtl="0">
         <a:lnSpc>
           <a:spcPct val="100000"/>
         </a:lnSpc>
@@ -6553,7 +6722,7 @@
           <a:srgbClr val="000000"/>
         </a:buClr>
         <a:buFont typeface="Arial"/>
-        <a:defRPr b="0" i="0" sz="1400" u="none" cap="none" strike="noStrike">
+        <a:defRPr sz="1400" b="0" i="0" u="none" strike="noStrike" cap="none">
           <a:solidFill>
             <a:srgbClr val="000000"/>
           </a:solidFill>
@@ -6563,7 +6732,7 @@
           <a:sym typeface="Arial"/>
         </a:defRPr>
       </a:lvl8pPr>
-      <a:lvl9pPr lvl="8" marR="0" rtl="0" algn="l">
+      <a:lvl9pPr marR="0" lvl="8" algn="l" rtl="0">
         <a:lnSpc>
           <a:spcPct val="100000"/>
         </a:lnSpc>
@@ -6577,7 +6746,7 @@
           <a:srgbClr val="000000"/>
         </a:buClr>
         <a:buFont typeface="Arial"/>
-        <a:defRPr b="0" i="0" sz="1400" u="none" cap="none" strike="noStrike">
+        <a:defRPr sz="1400" b="0" i="0" u="none" strike="noStrike" cap="none">
           <a:solidFill>
             <a:srgbClr val="000000"/>
           </a:solidFill>
@@ -6589,7 +6758,7 @@
       </a:lvl9pPr>
     </p:titleStyle>
     <p:bodyStyle>
-      <a:defPPr lvl="0" marR="0" rtl="0" algn="l">
+      <a:defPPr marR="0" lvl="0" algn="l" rtl="0">
         <a:lnSpc>
           <a:spcPct val="100000"/>
         </a:lnSpc>
@@ -6600,7 +6769,7 @@
           <a:spcPts val="0"/>
         </a:spcAft>
       </a:defPPr>
-      <a:lvl1pPr lvl="0" marR="0" rtl="0" algn="l">
+      <a:lvl1pPr marR="0" lvl="0" algn="l" rtl="0">
         <a:lnSpc>
           <a:spcPct val="100000"/>
         </a:lnSpc>
@@ -6614,7 +6783,7 @@
           <a:srgbClr val="000000"/>
         </a:buClr>
         <a:buFont typeface="Arial"/>
-        <a:defRPr b="0" i="0" sz="1400" u="none" cap="none" strike="noStrike">
+        <a:defRPr sz="1400" b="0" i="0" u="none" strike="noStrike" cap="none">
           <a:solidFill>
             <a:srgbClr val="000000"/>
           </a:solidFill>
@@ -6624,7 +6793,7 @@
           <a:sym typeface="Arial"/>
         </a:defRPr>
       </a:lvl1pPr>
-      <a:lvl2pPr lvl="1" marR="0" rtl="0" algn="l">
+      <a:lvl2pPr marR="0" lvl="1" algn="l" rtl="0">
         <a:lnSpc>
           <a:spcPct val="100000"/>
         </a:lnSpc>
@@ -6638,7 +6807,7 @@
           <a:srgbClr val="000000"/>
         </a:buClr>
         <a:buFont typeface="Arial"/>
-        <a:defRPr b="0" i="0" sz="1400" u="none" cap="none" strike="noStrike">
+        <a:defRPr sz="1400" b="0" i="0" u="none" strike="noStrike" cap="none">
           <a:solidFill>
             <a:srgbClr val="000000"/>
           </a:solidFill>
@@ -6648,7 +6817,7 @@
           <a:sym typeface="Arial"/>
         </a:defRPr>
       </a:lvl2pPr>
-      <a:lvl3pPr lvl="2" marR="0" rtl="0" algn="l">
+      <a:lvl3pPr marR="0" lvl="2" algn="l" rtl="0">
         <a:lnSpc>
           <a:spcPct val="100000"/>
         </a:lnSpc>
@@ -6662,7 +6831,7 @@
           <a:srgbClr val="000000"/>
         </a:buClr>
         <a:buFont typeface="Arial"/>
-        <a:defRPr b="0" i="0" sz="1400" u="none" cap="none" strike="noStrike">
+        <a:defRPr sz="1400" b="0" i="0" u="none" strike="noStrike" cap="none">
           <a:solidFill>
             <a:srgbClr val="000000"/>
           </a:solidFill>
@@ -6672,7 +6841,7 @@
           <a:sym typeface="Arial"/>
         </a:defRPr>
       </a:lvl3pPr>
-      <a:lvl4pPr lvl="3" marR="0" rtl="0" algn="l">
+      <a:lvl4pPr marR="0" lvl="3" algn="l" rtl="0">
         <a:lnSpc>
           <a:spcPct val="100000"/>
         </a:lnSpc>
@@ -6686,7 +6855,7 @@
           <a:srgbClr val="000000"/>
         </a:buClr>
         <a:buFont typeface="Arial"/>
-        <a:defRPr b="0" i="0" sz="1400" u="none" cap="none" strike="noStrike">
+        <a:defRPr sz="1400" b="0" i="0" u="none" strike="noStrike" cap="none">
           <a:solidFill>
             <a:srgbClr val="000000"/>
           </a:solidFill>
@@ -6696,7 +6865,7 @@
           <a:sym typeface="Arial"/>
         </a:defRPr>
       </a:lvl4pPr>
-      <a:lvl5pPr lvl="4" marR="0" rtl="0" algn="l">
+      <a:lvl5pPr marR="0" lvl="4" algn="l" rtl="0">
         <a:lnSpc>
           <a:spcPct val="100000"/>
         </a:lnSpc>
@@ -6710,7 +6879,7 @@
           <a:srgbClr val="000000"/>
         </a:buClr>
         <a:buFont typeface="Arial"/>
-        <a:defRPr b="0" i="0" sz="1400" u="none" cap="none" strike="noStrike">
+        <a:defRPr sz="1400" b="0" i="0" u="none" strike="noStrike" cap="none">
           <a:solidFill>
             <a:srgbClr val="000000"/>
           </a:solidFill>
@@ -6720,7 +6889,7 @@
           <a:sym typeface="Arial"/>
         </a:defRPr>
       </a:lvl5pPr>
-      <a:lvl6pPr lvl="5" marR="0" rtl="0" algn="l">
+      <a:lvl6pPr marR="0" lvl="5" algn="l" rtl="0">
         <a:lnSpc>
           <a:spcPct val="100000"/>
         </a:lnSpc>
@@ -6734,7 +6903,7 @@
           <a:srgbClr val="000000"/>
         </a:buClr>
         <a:buFont typeface="Arial"/>
-        <a:defRPr b="0" i="0" sz="1400" u="none" cap="none" strike="noStrike">
+        <a:defRPr sz="1400" b="0" i="0" u="none" strike="noStrike" cap="none">
           <a:solidFill>
             <a:srgbClr val="000000"/>
           </a:solidFill>
@@ -6744,7 +6913,7 @@
           <a:sym typeface="Arial"/>
         </a:defRPr>
       </a:lvl6pPr>
-      <a:lvl7pPr lvl="6" marR="0" rtl="0" algn="l">
+      <a:lvl7pPr marR="0" lvl="6" algn="l" rtl="0">
         <a:lnSpc>
           <a:spcPct val="100000"/>
         </a:lnSpc>
@@ -6758,7 +6927,7 @@
           <a:srgbClr val="000000"/>
         </a:buClr>
         <a:buFont typeface="Arial"/>
-        <a:defRPr b="0" i="0" sz="1400" u="none" cap="none" strike="noStrike">
+        <a:defRPr sz="1400" b="0" i="0" u="none" strike="noStrike" cap="none">
           <a:solidFill>
             <a:srgbClr val="000000"/>
           </a:solidFill>
@@ -6768,7 +6937,7 @@
           <a:sym typeface="Arial"/>
         </a:defRPr>
       </a:lvl7pPr>
-      <a:lvl8pPr lvl="7" marR="0" rtl="0" algn="l">
+      <a:lvl8pPr marR="0" lvl="7" algn="l" rtl="0">
         <a:lnSpc>
           <a:spcPct val="100000"/>
         </a:lnSpc>
@@ -6782,7 +6951,7 @@
           <a:srgbClr val="000000"/>
         </a:buClr>
         <a:buFont typeface="Arial"/>
-        <a:defRPr b="0" i="0" sz="1400" u="none" cap="none" strike="noStrike">
+        <a:defRPr sz="1400" b="0" i="0" u="none" strike="noStrike" cap="none">
           <a:solidFill>
             <a:srgbClr val="000000"/>
           </a:solidFill>
@@ -6792,7 +6961,7 @@
           <a:sym typeface="Arial"/>
         </a:defRPr>
       </a:lvl8pPr>
-      <a:lvl9pPr lvl="8" marR="0" rtl="0" algn="l">
+      <a:lvl9pPr marR="0" lvl="8" algn="l" rtl="0">
         <a:lnSpc>
           <a:spcPct val="100000"/>
         </a:lnSpc>
@@ -6806,7 +6975,7 @@
           <a:srgbClr val="000000"/>
         </a:buClr>
         <a:buFont typeface="Arial"/>
-        <a:defRPr b="0" i="0" sz="1400" u="none" cap="none" strike="noStrike">
+        <a:defRPr sz="1400" b="0" i="0" u="none" strike="noStrike" cap="none">
           <a:solidFill>
             <a:srgbClr val="000000"/>
           </a:solidFill>
@@ -6818,7 +6987,7 @@
       </a:lvl9pPr>
     </p:bodyStyle>
     <p:otherStyle>
-      <a:defPPr lvl="0" marR="0" rtl="0" algn="l">
+      <a:defPPr marR="0" lvl="0" algn="l" rtl="0">
         <a:lnSpc>
           <a:spcPct val="100000"/>
         </a:lnSpc>
@@ -6829,7 +6998,7 @@
           <a:spcPts val="0"/>
         </a:spcAft>
       </a:defPPr>
-      <a:lvl1pPr lvl="0" marR="0" rtl="0" algn="l">
+      <a:lvl1pPr marR="0" lvl="0" algn="l" rtl="0">
         <a:lnSpc>
           <a:spcPct val="100000"/>
         </a:lnSpc>
@@ -6843,7 +7012,7 @@
           <a:srgbClr val="000000"/>
         </a:buClr>
         <a:buFont typeface="Arial"/>
-        <a:defRPr b="0" i="0" sz="1400" u="none" cap="none" strike="noStrike">
+        <a:defRPr sz="1400" b="0" i="0" u="none" strike="noStrike" cap="none">
           <a:solidFill>
             <a:srgbClr val="000000"/>
           </a:solidFill>
@@ -6853,7 +7022,7 @@
           <a:sym typeface="Arial"/>
         </a:defRPr>
       </a:lvl1pPr>
-      <a:lvl2pPr lvl="1" marR="0" rtl="0" algn="l">
+      <a:lvl2pPr marR="0" lvl="1" algn="l" rtl="0">
         <a:lnSpc>
           <a:spcPct val="100000"/>
         </a:lnSpc>
@@ -6867,7 +7036,7 @@
           <a:srgbClr val="000000"/>
         </a:buClr>
         <a:buFont typeface="Arial"/>
-        <a:defRPr b="0" i="0" sz="1400" u="none" cap="none" strike="noStrike">
+        <a:defRPr sz="1400" b="0" i="0" u="none" strike="noStrike" cap="none">
           <a:solidFill>
             <a:srgbClr val="000000"/>
           </a:solidFill>
@@ -6877,7 +7046,7 @@
           <a:sym typeface="Arial"/>
         </a:defRPr>
       </a:lvl2pPr>
-      <a:lvl3pPr lvl="2" marR="0" rtl="0" algn="l">
+      <a:lvl3pPr marR="0" lvl="2" algn="l" rtl="0">
         <a:lnSpc>
           <a:spcPct val="100000"/>
         </a:lnSpc>
@@ -6891,7 +7060,7 @@
           <a:srgbClr val="000000"/>
         </a:buClr>
         <a:buFont typeface="Arial"/>
-        <a:defRPr b="0" i="0" sz="1400" u="none" cap="none" strike="noStrike">
+        <a:defRPr sz="1400" b="0" i="0" u="none" strike="noStrike" cap="none">
           <a:solidFill>
             <a:srgbClr val="000000"/>
           </a:solidFill>
@@ -6901,7 +7070,7 @@
           <a:sym typeface="Arial"/>
         </a:defRPr>
       </a:lvl3pPr>
-      <a:lvl4pPr lvl="3" marR="0" rtl="0" algn="l">
+      <a:lvl4pPr marR="0" lvl="3" algn="l" rtl="0">
         <a:lnSpc>
           <a:spcPct val="100000"/>
         </a:lnSpc>
@@ -6915,7 +7084,7 @@
           <a:srgbClr val="000000"/>
         </a:buClr>
         <a:buFont typeface="Arial"/>
-        <a:defRPr b="0" i="0" sz="1400" u="none" cap="none" strike="noStrike">
+        <a:defRPr sz="1400" b="0" i="0" u="none" strike="noStrike" cap="none">
           <a:solidFill>
             <a:srgbClr val="000000"/>
           </a:solidFill>
@@ -6925,7 +7094,7 @@
           <a:sym typeface="Arial"/>
         </a:defRPr>
       </a:lvl4pPr>
-      <a:lvl5pPr lvl="4" marR="0" rtl="0" algn="l">
+      <a:lvl5pPr marR="0" lvl="4" algn="l" rtl="0">
         <a:lnSpc>
           <a:spcPct val="100000"/>
         </a:lnSpc>
@@ -6939,7 +7108,7 @@
           <a:srgbClr val="000000"/>
         </a:buClr>
         <a:buFont typeface="Arial"/>
-        <a:defRPr b="0" i="0" sz="1400" u="none" cap="none" strike="noStrike">
+        <a:defRPr sz="1400" b="0" i="0" u="none" strike="noStrike" cap="none">
           <a:solidFill>
             <a:srgbClr val="000000"/>
           </a:solidFill>
@@ -6949,7 +7118,7 @@
           <a:sym typeface="Arial"/>
         </a:defRPr>
       </a:lvl5pPr>
-      <a:lvl6pPr lvl="5" marR="0" rtl="0" algn="l">
+      <a:lvl6pPr marR="0" lvl="5" algn="l" rtl="0">
         <a:lnSpc>
           <a:spcPct val="100000"/>
         </a:lnSpc>
@@ -6963,7 +7132,7 @@
           <a:srgbClr val="000000"/>
         </a:buClr>
         <a:buFont typeface="Arial"/>
-        <a:defRPr b="0" i="0" sz="1400" u="none" cap="none" strike="noStrike">
+        <a:defRPr sz="1400" b="0" i="0" u="none" strike="noStrike" cap="none">
           <a:solidFill>
             <a:srgbClr val="000000"/>
           </a:solidFill>
@@ -6973,7 +7142,7 @@
           <a:sym typeface="Arial"/>
         </a:defRPr>
       </a:lvl6pPr>
-      <a:lvl7pPr lvl="6" marR="0" rtl="0" algn="l">
+      <a:lvl7pPr marR="0" lvl="6" algn="l" rtl="0">
         <a:lnSpc>
           <a:spcPct val="100000"/>
         </a:lnSpc>
@@ -6987,7 +7156,7 @@
           <a:srgbClr val="000000"/>
         </a:buClr>
         <a:buFont typeface="Arial"/>
-        <a:defRPr b="0" i="0" sz="1400" u="none" cap="none" strike="noStrike">
+        <a:defRPr sz="1400" b="0" i="0" u="none" strike="noStrike" cap="none">
           <a:solidFill>
             <a:srgbClr val="000000"/>
           </a:solidFill>
@@ -6997,7 +7166,7 @@
           <a:sym typeface="Arial"/>
         </a:defRPr>
       </a:lvl7pPr>
-      <a:lvl8pPr lvl="7" marR="0" rtl="0" algn="l">
+      <a:lvl8pPr marR="0" lvl="7" algn="l" rtl="0">
         <a:lnSpc>
           <a:spcPct val="100000"/>
         </a:lnSpc>
@@ -7011,7 +7180,7 @@
           <a:srgbClr val="000000"/>
         </a:buClr>
         <a:buFont typeface="Arial"/>
-        <a:defRPr b="0" i="0" sz="1400" u="none" cap="none" strike="noStrike">
+        <a:defRPr sz="1400" b="0" i="0" u="none" strike="noStrike" cap="none">
           <a:solidFill>
             <a:srgbClr val="000000"/>
           </a:solidFill>
@@ -7021,7 +7190,7 @@
           <a:sym typeface="Arial"/>
         </a:defRPr>
       </a:lvl8pPr>
-      <a:lvl9pPr lvl="8" marR="0" rtl="0" algn="l">
+      <a:lvl9pPr marR="0" lvl="8" algn="l" rtl="0">
         <a:lnSpc>
           <a:spcPct val="100000"/>
         </a:lnSpc>
@@ -7035,7 +7204,7 @@
           <a:srgbClr val="000000"/>
         </a:buClr>
         <a:buFont typeface="Arial"/>
-        <a:defRPr b="0" i="0" sz="1400" u="none" cap="none" strike="noStrike">
+        <a:defRPr sz="1400" b="0" i="0" u="none" strike="noStrike" cap="none">
           <a:solidFill>
             <a:srgbClr val="000000"/>
           </a:solidFill>
@@ -7051,11 +7220,11 @@
 </file>
 
 <file path=ppt/slides/slide1.xml><?xml version="1.0" encoding="utf-8"?>
-<p:sld xmlns:a="http://schemas.openxmlformats.org/drawingml/2006/main" xmlns:r="http://schemas.openxmlformats.org/officeDocument/2006/relationships" xmlns:mc="http://schemas.openxmlformats.org/markup-compatibility/2006" xmlns:mv="urn:schemas-microsoft-com:mac:vml" xmlns:p="http://schemas.openxmlformats.org/presentationml/2006/main" xmlns:c="http://schemas.openxmlformats.org/drawingml/2006/chart" xmlns:dgm="http://schemas.openxmlformats.org/drawingml/2006/diagram" xmlns:o="urn:schemas-microsoft-com:office:office" xmlns:v="urn:schemas-microsoft-com:vml" xmlns:pvml="urn:schemas-microsoft-com:office:powerpoint" xmlns:com="http://schemas.openxmlformats.org/drawingml/2006/compatibility" xmlns:p14="http://schemas.microsoft.com/office/powerpoint/2010/main" xmlns:p15="http://schemas.microsoft.com/office/powerpoint/2012/main" xmlns:ahyp="http://schemas.microsoft.com/office/drawing/2018/hyperlinkcolor">
+<p:sld xmlns:a="http://schemas.openxmlformats.org/drawingml/2006/main" xmlns:r="http://schemas.openxmlformats.org/officeDocument/2006/relationships" xmlns:p="http://schemas.openxmlformats.org/presentationml/2006/main">
   <p:cSld>
     <p:spTree>
       <p:nvGrpSpPr>
-        <p:cNvPr id="55" name="Shape 55"/>
+        <p:cNvPr id="1" name="Shape 55"/>
         <p:cNvGrpSpPr/>
         <p:nvPr/>
       </p:nvGrpSpPr>
@@ -7070,7 +7239,9 @@
       <p:sp>
         <p:nvSpPr>
           <p:cNvPr id="56" name="Google Shape;56;p13"/>
-          <p:cNvSpPr txBox="1"/>
+          <p:cNvSpPr txBox="1">
+            <a:spLocks noGrp="1"/>
+          </p:cNvSpPr>
           <p:nvPr>
             <p:ph type="ctrTitle"/>
           </p:nvPr>
@@ -7085,12 +7256,12 @@
           </a:prstGeom>
         </p:spPr>
         <p:txBody>
-          <a:bodyPr anchorCtr="0" anchor="ctr" bIns="91425" lIns="91425" spcFirstLastPara="1" rIns="91425" wrap="square" tIns="91425">
+          <a:bodyPr spcFirstLastPara="1" wrap="square" lIns="91425" tIns="91425" rIns="91425" bIns="91425" anchor="ctr" anchorCtr="0">
             <a:normAutofit/>
           </a:bodyPr>
           <a:lstStyle/>
           <a:p>
-            <a:pPr indent="0" lvl="0" marL="0" rtl="0" algn="ctr">
+            <a:pPr marL="0" lvl="0" indent="0" algn="ctr" rtl="0">
               <a:lnSpc>
                 <a:spcPct val="115000"/>
               </a:lnSpc>
@@ -7113,9 +7284,11 @@
       <p:sp>
         <p:nvSpPr>
           <p:cNvPr id="57" name="Google Shape;57;p13"/>
-          <p:cNvSpPr txBox="1"/>
+          <p:cNvSpPr txBox="1">
+            <a:spLocks noGrp="1"/>
+          </p:cNvSpPr>
           <p:nvPr>
-            <p:ph idx="1" type="subTitle"/>
+            <p:ph type="subTitle" idx="1"/>
           </p:nvPr>
         </p:nvSpPr>
         <p:spPr>
@@ -7128,12 +7301,12 @@
           </a:prstGeom>
         </p:spPr>
         <p:txBody>
-          <a:bodyPr anchorCtr="0" anchor="ctr" bIns="91425" lIns="91425" spcFirstLastPara="1" rIns="91425" wrap="square" tIns="91425">
+          <a:bodyPr spcFirstLastPara="1" wrap="square" lIns="91425" tIns="91425" rIns="91425" bIns="91425" anchor="ctr" anchorCtr="0">
             <a:noAutofit/>
           </a:bodyPr>
           <a:lstStyle/>
           <a:p>
-            <a:pPr indent="0" lvl="0" marL="0" rtl="0" algn="r">
+            <a:pPr marL="0" lvl="0" indent="0" algn="r" rtl="0">
               <a:lnSpc>
                 <a:spcPct val="90000"/>
               </a:lnSpc>
@@ -7147,13 +7320,13 @@
               <a:buNone/>
             </a:pPr>
             <a:r>
-              <a:rPr i="1" lang="it" sz="1812"/>
+              <a:rPr lang="it" sz="1812" i="1" dirty="0"/>
               <a:t>Membri:</a:t>
             </a:r>
-            <a:endParaRPr i="1" sz="1812"/>
+            <a:endParaRPr sz="1812" i="1" dirty="0"/>
           </a:p>
           <a:p>
-            <a:pPr indent="0" lvl="0" marL="0" rtl="0" algn="r">
+            <a:pPr marL="0" lvl="0" indent="0" algn="r" rtl="0">
               <a:lnSpc>
                 <a:spcPct val="90000"/>
               </a:lnSpc>
@@ -7167,7 +7340,7 @@
               <a:buNone/>
             </a:pPr>
             <a:r>
-              <a:rPr b="0" i="1" lang="it" sz="1825">
+              <a:rPr lang="it" sz="1825" b="0" i="1" dirty="0">
                 <a:solidFill>
                   <a:srgbClr val="000000"/>
                 </a:solidFill>
@@ -7176,9 +7349,9 @@
                 <a:cs typeface="Times New Roman"/>
                 <a:sym typeface="Times New Roman"/>
               </a:rPr>
-              <a:t>Sinicario Gennaro  0512116134</a:t>
+              <a:t>Sinicario Gennaro  05121-16134</a:t>
             </a:r>
-            <a:endParaRPr b="0" i="1" sz="1825">
+            <a:endParaRPr sz="1825" b="0" i="1" dirty="0">
               <a:solidFill>
                 <a:srgbClr val="000000"/>
               </a:solidFill>
@@ -7189,7 +7362,7 @@
             </a:endParaRPr>
           </a:p>
           <a:p>
-            <a:pPr indent="0" lvl="0" marL="0" rtl="0" algn="r">
+            <a:pPr marL="0" lvl="0" indent="0" algn="r" rtl="0">
               <a:lnSpc>
                 <a:spcPct val="140000"/>
               </a:lnSpc>
@@ -7203,7 +7376,7 @@
               <a:buNone/>
             </a:pPr>
             <a:r>
-              <a:rPr b="0" i="1" lang="it" sz="1825">
+              <a:rPr lang="it" sz="1825" b="0" i="1" dirty="0">
                 <a:solidFill>
                   <a:srgbClr val="000000"/>
                 </a:solidFill>
@@ -7212,9 +7385,9 @@
                 <a:cs typeface="Times New Roman"/>
                 <a:sym typeface="Times New Roman"/>
               </a:rPr>
-              <a:t>Pisano Antonio  0512118258</a:t>
+              <a:t>Pisano Antonio  05121-18258</a:t>
             </a:r>
-            <a:endParaRPr i="1" sz="2012"/>
+            <a:endParaRPr sz="2012" i="1" dirty="0"/>
           </a:p>
         </p:txBody>
       </p:sp>
@@ -7238,12 +7411,12 @@
           </a:ln>
         </p:spPr>
         <p:txBody>
-          <a:bodyPr anchorCtr="0" anchor="t" bIns="91425" lIns="91425" spcFirstLastPara="1" rIns="91425" wrap="square" tIns="91425">
+          <a:bodyPr spcFirstLastPara="1" wrap="square" lIns="91425" tIns="91425" rIns="91425" bIns="91425" anchor="t" anchorCtr="0">
             <a:spAutoFit/>
           </a:bodyPr>
           <a:lstStyle/>
           <a:p>
-            <a:pPr indent="0" lvl="0" marL="0" rtl="0" algn="ctr">
+            <a:pPr marL="0" lvl="0" indent="0" algn="ctr" rtl="0">
               <a:spcBef>
                 <a:spcPts val="0"/>
               </a:spcBef>
@@ -7275,7 +7448,7 @@
             </a:endParaRPr>
           </a:p>
           <a:p>
-            <a:pPr indent="0" lvl="0" marL="0" rtl="0" algn="ctr">
+            <a:pPr marL="0" lvl="0" indent="0" algn="ctr" rtl="0">
               <a:spcBef>
                 <a:spcPts val="0"/>
               </a:spcBef>
@@ -7317,11 +7490,11 @@
 </file>
 
 <file path=ppt/slides/slide10.xml><?xml version="1.0" encoding="utf-8"?>
-<p:sld xmlns:a="http://schemas.openxmlformats.org/drawingml/2006/main" xmlns:r="http://schemas.openxmlformats.org/officeDocument/2006/relationships" xmlns:mc="http://schemas.openxmlformats.org/markup-compatibility/2006" xmlns:mv="urn:schemas-microsoft-com:mac:vml" xmlns:p="http://schemas.openxmlformats.org/presentationml/2006/main" xmlns:c="http://schemas.openxmlformats.org/drawingml/2006/chart" xmlns:dgm="http://schemas.openxmlformats.org/drawingml/2006/diagram" xmlns:o="urn:schemas-microsoft-com:office:office" xmlns:v="urn:schemas-microsoft-com:vml" xmlns:pvml="urn:schemas-microsoft-com:office:powerpoint" xmlns:com="http://schemas.openxmlformats.org/drawingml/2006/compatibility" xmlns:p14="http://schemas.microsoft.com/office/powerpoint/2010/main" xmlns:p15="http://schemas.microsoft.com/office/powerpoint/2012/main" xmlns:ahyp="http://schemas.microsoft.com/office/drawing/2018/hyperlinkcolor">
+<p:sld xmlns:a="http://schemas.openxmlformats.org/drawingml/2006/main" xmlns:r="http://schemas.openxmlformats.org/officeDocument/2006/relationships" xmlns:p="http://schemas.openxmlformats.org/presentationml/2006/main">
   <p:cSld>
     <p:spTree>
       <p:nvGrpSpPr>
-        <p:cNvPr id="116" name="Shape 116"/>
+        <p:cNvPr id="1" name="Shape 116"/>
         <p:cNvGrpSpPr/>
         <p:nvPr/>
       </p:nvGrpSpPr>
@@ -7336,7 +7509,9 @@
       <p:sp>
         <p:nvSpPr>
           <p:cNvPr id="117" name="Google Shape;117;p22"/>
-          <p:cNvSpPr txBox="1"/>
+          <p:cNvSpPr txBox="1">
+            <a:spLocks noGrp="1"/>
+          </p:cNvSpPr>
           <p:nvPr>
             <p:ph type="title"/>
           </p:nvPr>
@@ -7351,12 +7526,12 @@
           </a:prstGeom>
         </p:spPr>
         <p:txBody>
-          <a:bodyPr anchorCtr="0" anchor="t" bIns="91425" lIns="91425" spcFirstLastPara="1" rIns="91425" wrap="square" tIns="91425">
+          <a:bodyPr spcFirstLastPara="1" wrap="square" lIns="91425" tIns="91425" rIns="91425" bIns="91425" anchor="t" anchorCtr="0">
             <a:normAutofit fontScale="90000"/>
           </a:bodyPr>
           <a:lstStyle/>
           <a:p>
-            <a:pPr indent="0" lvl="0" marL="0" rtl="0" algn="l">
+            <a:pPr marL="0" lvl="0" indent="0" algn="l" rtl="0">
               <a:spcBef>
                 <a:spcPts val="0"/>
               </a:spcBef>
@@ -7366,16 +7541,16 @@
               <a:buNone/>
             </a:pPr>
             <a:r>
-              <a:rPr lang="it">
-                <a:solidFill>
-                  <a:srgbClr val="38761D"/>
+              <a:rPr lang="it" dirty="0">
+                <a:solidFill>
+                  <a:srgbClr val="00B050"/>
                 </a:solidFill>
               </a:rPr>
               <a:t>Conclusioni</a:t>
             </a:r>
-            <a:endParaRPr>
+            <a:endParaRPr dirty="0">
               <a:solidFill>
-                <a:srgbClr val="38761D"/>
+                <a:srgbClr val="00B050"/>
               </a:solidFill>
             </a:endParaRPr>
           </a:p>
@@ -7384,9 +7559,11 @@
       <p:sp>
         <p:nvSpPr>
           <p:cNvPr id="118" name="Google Shape;118;p22"/>
-          <p:cNvSpPr txBox="1"/>
+          <p:cNvSpPr txBox="1">
+            <a:spLocks noGrp="1"/>
+          </p:cNvSpPr>
           <p:nvPr>
-            <p:ph idx="1" type="body"/>
+            <p:ph type="body" idx="1"/>
           </p:nvPr>
         </p:nvSpPr>
         <p:spPr>
@@ -7399,12 +7576,12 @@
           </a:prstGeom>
         </p:spPr>
         <p:txBody>
-          <a:bodyPr anchorCtr="0" anchor="t" bIns="91425" lIns="91425" spcFirstLastPara="1" rIns="91425" wrap="square" tIns="91425">
+          <a:bodyPr spcFirstLastPara="1" wrap="square" lIns="91425" tIns="91425" rIns="91425" bIns="91425" anchor="t" anchorCtr="0">
             <a:normAutofit fontScale="25000" lnSpcReduction="20000"/>
           </a:bodyPr>
           <a:lstStyle/>
           <a:p>
-            <a:pPr indent="0" lvl="0" marL="0" rtl="0" algn="l">
+            <a:pPr marL="0" lvl="0" indent="0" algn="l" rtl="0">
               <a:spcBef>
                 <a:spcPts val="0"/>
               </a:spcBef>
@@ -7414,21 +7591,21 @@
               <a:buNone/>
             </a:pPr>
             <a:r>
-              <a:rPr lang="it" sz="4665">
+              <a:rPr lang="it" sz="4665" dirty="0">
                 <a:solidFill>
                   <a:schemeClr val="accent1"/>
                 </a:solidFill>
               </a:rPr>
               <a:t>I risultati dimostrano che il Machine Learning può essere applicato efficacemente per prevedere l’impatto ambientale dei dispositivi elettronici.</a:t>
             </a:r>
-            <a:endParaRPr sz="4665">
+            <a:endParaRPr sz="4665" dirty="0">
               <a:solidFill>
                 <a:schemeClr val="accent1"/>
               </a:solidFill>
             </a:endParaRPr>
           </a:p>
           <a:p>
-            <a:pPr indent="0" lvl="0" marL="0" rtl="0" algn="l">
+            <a:pPr marL="0" lvl="0" indent="0" algn="l" rtl="0">
               <a:spcBef>
                 <a:spcPts val="1200"/>
               </a:spcBef>
@@ -7438,21 +7615,21 @@
               <a:buNone/>
             </a:pPr>
             <a:r>
-              <a:rPr lang="it" sz="4665">
+              <a:rPr lang="it" sz="4665" dirty="0">
                 <a:solidFill>
                   <a:schemeClr val="accent1"/>
                 </a:solidFill>
               </a:rPr>
               <a:t>🔸 Applicazioni reali:</a:t>
             </a:r>
-            <a:endParaRPr sz="4665">
+            <a:endParaRPr sz="4665" dirty="0">
               <a:solidFill>
                 <a:schemeClr val="accent1"/>
               </a:solidFill>
             </a:endParaRPr>
           </a:p>
           <a:p>
-            <a:pPr indent="0" lvl="0" marL="0" rtl="0" algn="l">
+            <a:pPr marL="0" lvl="0" indent="0" algn="l" rtl="0">
               <a:spcBef>
                 <a:spcPts val="1200"/>
               </a:spcBef>
@@ -7462,21 +7639,21 @@
               <a:buNone/>
             </a:pPr>
             <a:r>
-              <a:rPr lang="it" sz="4665">
+              <a:rPr lang="it" sz="4665" dirty="0">
                 <a:solidFill>
                   <a:schemeClr val="accent1"/>
                 </a:solidFill>
               </a:rPr>
               <a:t>📌 Industrie di riciclo → ottimizzazione dei processi.</a:t>
             </a:r>
-            <a:endParaRPr sz="4665">
+            <a:endParaRPr sz="4665" dirty="0">
               <a:solidFill>
                 <a:schemeClr val="accent1"/>
               </a:solidFill>
             </a:endParaRPr>
           </a:p>
           <a:p>
-            <a:pPr indent="0" lvl="0" marL="0" rtl="0" algn="l">
+            <a:pPr marL="0" lvl="0" indent="0" algn="l" rtl="0">
               <a:spcBef>
                 <a:spcPts val="1200"/>
               </a:spcBef>
@@ -7486,21 +7663,21 @@
               <a:buNone/>
             </a:pPr>
             <a:r>
-              <a:rPr lang="it" sz="4665">
+              <a:rPr lang="it" sz="4665" dirty="0">
                 <a:solidFill>
                   <a:schemeClr val="accent1"/>
                 </a:solidFill>
               </a:rPr>
               <a:t>📌 Produttori di elettronica → scelta di materiali più sostenibili.</a:t>
             </a:r>
-            <a:endParaRPr sz="4665">
+            <a:endParaRPr sz="4665" dirty="0">
               <a:solidFill>
                 <a:schemeClr val="accent1"/>
               </a:solidFill>
             </a:endParaRPr>
           </a:p>
           <a:p>
-            <a:pPr indent="0" lvl="0" marL="0" rtl="0" algn="l">
+            <a:pPr marL="0" lvl="0" indent="0" algn="l" rtl="0">
               <a:spcBef>
                 <a:spcPts val="1200"/>
               </a:spcBef>
@@ -7510,21 +7687,21 @@
               <a:buNone/>
             </a:pPr>
             <a:r>
-              <a:rPr lang="it" sz="4665">
+              <a:rPr lang="it" sz="4665" dirty="0">
                 <a:solidFill>
                   <a:schemeClr val="accent1"/>
                 </a:solidFill>
               </a:rPr>
               <a:t>📌 Smart Cities e politiche ambientali → gestione sostenibile dei rifiuti elettronici.</a:t>
             </a:r>
-            <a:endParaRPr sz="4665">
+            <a:endParaRPr sz="4665" dirty="0">
               <a:solidFill>
                 <a:schemeClr val="accent1"/>
               </a:solidFill>
             </a:endParaRPr>
           </a:p>
           <a:p>
-            <a:pPr indent="0" lvl="0" marL="0" rtl="0" algn="l">
+            <a:pPr marL="0" lvl="0" indent="0" algn="l" rtl="0">
               <a:spcBef>
                 <a:spcPts val="1200"/>
               </a:spcBef>
@@ -7533,17 +7710,14 @@
               </a:spcAft>
               <a:buNone/>
             </a:pPr>
-            <a:r>
-              <a:t/>
-            </a:r>
-            <a:endParaRPr b="1" sz="4665">
+            <a:endParaRPr sz="4665" b="1" dirty="0">
               <a:solidFill>
                 <a:schemeClr val="accent1"/>
               </a:solidFill>
             </a:endParaRPr>
           </a:p>
           <a:p>
-            <a:pPr indent="0" lvl="0" marL="0" rtl="0" algn="l">
+            <a:pPr marL="0" lvl="0" indent="0" algn="l" rtl="0">
               <a:spcBef>
                 <a:spcPts val="1200"/>
               </a:spcBef>
@@ -7553,21 +7727,49 @@
               <a:buNone/>
             </a:pPr>
             <a:r>
-              <a:rPr b="1" lang="it" sz="4665">
+              <a:rPr lang="it" sz="5600" b="1" dirty="0">
                 <a:solidFill>
                   <a:schemeClr val="accent1"/>
                 </a:solidFill>
+                <a:latin typeface="Source Code Pro Black" panose="020B0809030403020204" pitchFamily="49" charset="0"/>
+                <a:ea typeface="Source Code Pro Black" panose="020B0809030403020204" pitchFamily="49" charset="0"/>
               </a:rPr>
               <a:t>Miglioramenti futuri:</a:t>
             </a:r>
-            <a:endParaRPr b="1" sz="4665">
+            <a:endParaRPr sz="5600" b="1" dirty="0">
+              <a:solidFill>
+                <a:schemeClr val="accent1"/>
+              </a:solidFill>
+              <a:latin typeface="Source Code Pro Black" panose="020B0809030403020204" pitchFamily="49" charset="0"/>
+              <a:ea typeface="Source Code Pro Black" panose="020B0809030403020204" pitchFamily="49" charset="0"/>
+            </a:endParaRPr>
+          </a:p>
+          <a:p>
+            <a:pPr marL="0" lvl="0" indent="0" algn="l" rtl="0">
+              <a:spcBef>
+                <a:spcPts val="1200"/>
+              </a:spcBef>
+              <a:spcAft>
+                <a:spcPts val="0"/>
+              </a:spcAft>
+              <a:buNone/>
+            </a:pPr>
+            <a:r>
+              <a:rPr lang="it" sz="4665" dirty="0">
+                <a:solidFill>
+                  <a:schemeClr val="accent1"/>
+                </a:solidFill>
+              </a:rPr>
+              <a:t>🚀 Modelli più avanzati come Gradient Boosting.</a:t>
+            </a:r>
+            <a:endParaRPr sz="4665" dirty="0">
               <a:solidFill>
                 <a:schemeClr val="accent1"/>
               </a:solidFill>
             </a:endParaRPr>
           </a:p>
           <a:p>
-            <a:pPr indent="0" lvl="0" marL="0" rtl="0" algn="l">
+            <a:pPr marL="0" lvl="0" indent="0" algn="l" rtl="0">
               <a:spcBef>
                 <a:spcPts val="1200"/>
               </a:spcBef>
@@ -7577,21 +7779,21 @@
               <a:buNone/>
             </a:pPr>
             <a:r>
-              <a:rPr lang="it" sz="4665">
+              <a:rPr lang="it" sz="4665" dirty="0">
                 <a:solidFill>
                   <a:schemeClr val="accent1"/>
                 </a:solidFill>
               </a:rPr>
-              <a:t>🚀 Modelli più avanzati come Gradient Boosting.</a:t>
+              <a:t>📊 Feature più dettagliate, come il consumo energetico.</a:t>
             </a:r>
-            <a:endParaRPr sz="4665">
+            <a:endParaRPr sz="4665" dirty="0">
               <a:solidFill>
                 <a:schemeClr val="accent1"/>
               </a:solidFill>
             </a:endParaRPr>
           </a:p>
           <a:p>
-            <a:pPr indent="0" lvl="0" marL="0" rtl="0" algn="l">
+            <a:pPr marL="0" lvl="0" indent="0" algn="l" rtl="0">
               <a:spcBef>
                 <a:spcPts val="1200"/>
               </a:spcBef>
@@ -7601,21 +7803,21 @@
               <a:buNone/>
             </a:pPr>
             <a:r>
-              <a:rPr lang="it" sz="4665">
+              <a:rPr lang="it" sz="4665" dirty="0">
                 <a:solidFill>
                   <a:schemeClr val="accent1"/>
                 </a:solidFill>
               </a:rPr>
-              <a:t>📊 Feature più dettagliate, come il consumo energetico.</a:t>
+              <a:t>🎯 Ottimizzazione degli iperparametri per una maggiore precisione.</a:t>
             </a:r>
-            <a:endParaRPr sz="4665">
+            <a:endParaRPr sz="4665" dirty="0">
               <a:solidFill>
                 <a:schemeClr val="accent1"/>
               </a:solidFill>
             </a:endParaRPr>
           </a:p>
           <a:p>
-            <a:pPr indent="0" lvl="0" marL="0" rtl="0" algn="l">
+            <a:pPr marL="0" lvl="0" indent="0" algn="l" rtl="0">
               <a:spcBef>
                 <a:spcPts val="1200"/>
               </a:spcBef>
@@ -7624,49 +7826,19 @@
               </a:spcAft>
               <a:buNone/>
             </a:pPr>
-            <a:r>
-              <a:rPr lang="it" sz="4665">
-                <a:solidFill>
-                  <a:schemeClr val="accent1"/>
-                </a:solidFill>
-              </a:rPr>
-              <a:t>🎯 Ottimizzazione degli iperparametri per una maggiore precisione.</a:t>
-            </a:r>
-            <a:endParaRPr sz="4665">
-              <a:solidFill>
-                <a:schemeClr val="accent1"/>
-              </a:solidFill>
-            </a:endParaRPr>
+            <a:endParaRPr dirty="0"/>
           </a:p>
           <a:p>
-            <a:pPr indent="0" lvl="0" marL="0" rtl="0" algn="l">
+            <a:pPr marL="0" lvl="0" indent="0" algn="l" rtl="0">
               <a:spcBef>
                 <a:spcPts val="1200"/>
               </a:spcBef>
               <a:spcAft>
-                <a:spcPts val="0"/>
+                <a:spcPts val="1200"/>
               </a:spcAft>
               <a:buNone/>
             </a:pPr>
-            <a:r>
-              <a:t/>
-            </a:r>
-            <a:endParaRPr/>
-          </a:p>
-          <a:p>
-            <a:pPr indent="0" lvl="0" marL="0" rtl="0" algn="l">
-              <a:spcBef>
-                <a:spcPts val="1200"/>
-              </a:spcBef>
-              <a:spcAft>
-                <a:spcPts val="1200"/>
-              </a:spcAft>
-              <a:buNone/>
-            </a:pPr>
-            <a:r>
-              <a:t/>
-            </a:r>
-            <a:endParaRPr/>
+            <a:endParaRPr dirty="0"/>
           </a:p>
         </p:txBody>
       </p:sp>
@@ -7679,11 +7851,11 @@
 </file>
 
 <file path=ppt/slides/slide2.xml><?xml version="1.0" encoding="utf-8"?>
-<p:sld xmlns:a="http://schemas.openxmlformats.org/drawingml/2006/main" xmlns:r="http://schemas.openxmlformats.org/officeDocument/2006/relationships" xmlns:mc="http://schemas.openxmlformats.org/markup-compatibility/2006" xmlns:mv="urn:schemas-microsoft-com:mac:vml" xmlns:p="http://schemas.openxmlformats.org/presentationml/2006/main" xmlns:c="http://schemas.openxmlformats.org/drawingml/2006/chart" xmlns:dgm="http://schemas.openxmlformats.org/drawingml/2006/diagram" xmlns:o="urn:schemas-microsoft-com:office:office" xmlns:v="urn:schemas-microsoft-com:vml" xmlns:pvml="urn:schemas-microsoft-com:office:powerpoint" xmlns:com="http://schemas.openxmlformats.org/drawingml/2006/compatibility" xmlns:p14="http://schemas.microsoft.com/office/powerpoint/2010/main" xmlns:p15="http://schemas.microsoft.com/office/powerpoint/2012/main" xmlns:ahyp="http://schemas.microsoft.com/office/drawing/2018/hyperlinkcolor">
+<p:sld xmlns:a="http://schemas.openxmlformats.org/drawingml/2006/main" xmlns:r="http://schemas.openxmlformats.org/officeDocument/2006/relationships" xmlns:p="http://schemas.openxmlformats.org/presentationml/2006/main">
   <p:cSld>
     <p:spTree>
       <p:nvGrpSpPr>
-        <p:cNvPr id="62" name="Shape 62"/>
+        <p:cNvPr id="1" name="Shape 62"/>
         <p:cNvGrpSpPr/>
         <p:nvPr/>
       </p:nvGrpSpPr>
@@ -7698,7 +7870,9 @@
       <p:sp>
         <p:nvSpPr>
           <p:cNvPr id="63" name="Google Shape;63;p14"/>
-          <p:cNvSpPr txBox="1"/>
+          <p:cNvSpPr txBox="1">
+            <a:spLocks noGrp="1"/>
+          </p:cNvSpPr>
           <p:nvPr>
             <p:ph type="title"/>
           </p:nvPr>
@@ -7713,12 +7887,12 @@
           </a:prstGeom>
         </p:spPr>
         <p:txBody>
-          <a:bodyPr anchorCtr="0" anchor="t" bIns="91425" lIns="91425" spcFirstLastPara="1" rIns="91425" wrap="square" tIns="91425">
+          <a:bodyPr spcFirstLastPara="1" wrap="square" lIns="91425" tIns="91425" rIns="91425" bIns="91425" anchor="t" anchorCtr="0">
             <a:normAutofit fontScale="90000"/>
           </a:bodyPr>
           <a:lstStyle/>
           <a:p>
-            <a:pPr indent="0" lvl="0" marL="0" rtl="0" algn="l">
+            <a:pPr marL="0" lvl="0" indent="0" algn="l" rtl="0">
               <a:spcBef>
                 <a:spcPts val="0"/>
               </a:spcBef>
@@ -7728,16 +7902,16 @@
               <a:buNone/>
             </a:pPr>
             <a:r>
-              <a:rPr lang="it">
-                <a:solidFill>
-                  <a:srgbClr val="38761D"/>
+              <a:rPr lang="it" dirty="0">
+                <a:solidFill>
+                  <a:srgbClr val="00B050"/>
                 </a:solidFill>
               </a:rPr>
               <a:t>Identificazione del problema</a:t>
             </a:r>
-            <a:endParaRPr>
+            <a:endParaRPr dirty="0">
               <a:solidFill>
-                <a:srgbClr val="38761D"/>
+                <a:srgbClr val="00B050"/>
               </a:solidFill>
             </a:endParaRPr>
           </a:p>
@@ -7746,9 +7920,11 @@
       <p:sp>
         <p:nvSpPr>
           <p:cNvPr id="64" name="Google Shape;64;p14"/>
-          <p:cNvSpPr txBox="1"/>
+          <p:cNvSpPr txBox="1">
+            <a:spLocks noGrp="1"/>
+          </p:cNvSpPr>
           <p:nvPr>
-            <p:ph idx="1" type="body"/>
+            <p:ph type="body" idx="1"/>
           </p:nvPr>
         </p:nvSpPr>
         <p:spPr>
@@ -7761,12 +7937,12 @@
           </a:prstGeom>
         </p:spPr>
         <p:txBody>
-          <a:bodyPr anchorCtr="0" anchor="t" bIns="91425" lIns="91425" spcFirstLastPara="1" rIns="91425" wrap="square" tIns="91425">
+          <a:bodyPr spcFirstLastPara="1" wrap="square" lIns="91425" tIns="91425" rIns="91425" bIns="91425" anchor="t" anchorCtr="0">
             <a:normAutofit/>
           </a:bodyPr>
           <a:lstStyle/>
           <a:p>
-            <a:pPr indent="0" lvl="0" marL="0" rtl="0" algn="l">
+            <a:pPr marL="0" lvl="0" indent="0" algn="l" rtl="0">
               <a:spcBef>
                 <a:spcPts val="0"/>
               </a:spcBef>
@@ -7776,21 +7952,21 @@
               <a:buNone/>
             </a:pPr>
             <a:r>
-              <a:rPr lang="it" sz="1500">
+              <a:rPr lang="it" sz="1500" dirty="0">
                 <a:solidFill>
                   <a:srgbClr val="000000"/>
                 </a:solidFill>
               </a:rPr>
               <a:t>L'impatto ambientale dei dispositivi elettronici è una sfida crescente. La possibilità di stimare l'impronta di carbonio in base a caratteristiche come peso, metodo di riciclo e componenti tossici può aiutare a sviluppare pratiche più sostenibili.</a:t>
             </a:r>
-            <a:endParaRPr sz="1500">
+            <a:endParaRPr sz="1500" dirty="0">
               <a:solidFill>
                 <a:srgbClr val="000000"/>
               </a:solidFill>
             </a:endParaRPr>
           </a:p>
           <a:p>
-            <a:pPr indent="0" lvl="0" marL="0" rtl="0" algn="l">
+            <a:pPr marL="0" lvl="0" indent="0" algn="l" rtl="0">
               <a:spcBef>
                 <a:spcPts val="1200"/>
               </a:spcBef>
@@ -7800,14 +7976,14 @@
               <a:buNone/>
             </a:pPr>
             <a:r>
-              <a:rPr lang="it" sz="1500">
+              <a:rPr lang="it" sz="1500" dirty="0">
                 <a:solidFill>
                   <a:srgbClr val="000000"/>
                 </a:solidFill>
               </a:rPr>
               <a:t>L'obiettivo di questo progetto è costruire un modello di Machine Learning che predica l'impronta di carbonio di un dispositivo elettronico.</a:t>
             </a:r>
-            <a:endParaRPr sz="2200"/>
+            <a:endParaRPr sz="2200" dirty="0"/>
           </a:p>
         </p:txBody>
       </p:sp>
@@ -7820,11 +7996,11 @@
 </file>
 
 <file path=ppt/slides/slide3.xml><?xml version="1.0" encoding="utf-8"?>
-<p:sld xmlns:a="http://schemas.openxmlformats.org/drawingml/2006/main" xmlns:r="http://schemas.openxmlformats.org/officeDocument/2006/relationships" xmlns:mc="http://schemas.openxmlformats.org/markup-compatibility/2006" xmlns:mv="urn:schemas-microsoft-com:mac:vml" xmlns:p="http://schemas.openxmlformats.org/presentationml/2006/main" xmlns:c="http://schemas.openxmlformats.org/drawingml/2006/chart" xmlns:dgm="http://schemas.openxmlformats.org/drawingml/2006/diagram" xmlns:o="urn:schemas-microsoft-com:office:office" xmlns:v="urn:schemas-microsoft-com:vml" xmlns:pvml="urn:schemas-microsoft-com:office:powerpoint" xmlns:com="http://schemas.openxmlformats.org/drawingml/2006/compatibility" xmlns:p14="http://schemas.microsoft.com/office/powerpoint/2010/main" xmlns:p15="http://schemas.microsoft.com/office/powerpoint/2012/main" xmlns:ahyp="http://schemas.microsoft.com/office/drawing/2018/hyperlinkcolor">
+<p:sld xmlns:a="http://schemas.openxmlformats.org/drawingml/2006/main" xmlns:r="http://schemas.openxmlformats.org/officeDocument/2006/relationships" xmlns:p="http://schemas.openxmlformats.org/presentationml/2006/main">
   <p:cSld>
     <p:spTree>
       <p:nvGrpSpPr>
-        <p:cNvPr id="68" name="Shape 68"/>
+        <p:cNvPr id="1" name="Shape 68"/>
         <p:cNvGrpSpPr/>
         <p:nvPr/>
       </p:nvGrpSpPr>
@@ -7839,7 +8015,9 @@
       <p:sp>
         <p:nvSpPr>
           <p:cNvPr id="69" name="Google Shape;69;p15"/>
-          <p:cNvSpPr txBox="1"/>
+          <p:cNvSpPr txBox="1">
+            <a:spLocks noGrp="1"/>
+          </p:cNvSpPr>
           <p:nvPr>
             <p:ph type="title"/>
           </p:nvPr>
@@ -7854,12 +8032,12 @@
           </a:prstGeom>
         </p:spPr>
         <p:txBody>
-          <a:bodyPr anchorCtr="0" anchor="t" bIns="91425" lIns="91425" spcFirstLastPara="1" rIns="91425" wrap="square" tIns="91425">
+          <a:bodyPr spcFirstLastPara="1" wrap="square" lIns="91425" tIns="91425" rIns="91425" bIns="91425" anchor="t" anchorCtr="0">
             <a:normAutofit fontScale="90000"/>
           </a:bodyPr>
           <a:lstStyle/>
           <a:p>
-            <a:pPr indent="0" lvl="0" marL="0" rtl="0" algn="l">
+            <a:pPr marL="0" lvl="0" indent="0" algn="l" rtl="0">
               <a:spcBef>
                 <a:spcPts val="0"/>
               </a:spcBef>
@@ -7869,16 +8047,16 @@
               <a:buNone/>
             </a:pPr>
             <a:r>
-              <a:rPr lang="it">
-                <a:solidFill>
-                  <a:srgbClr val="38761D"/>
+              <a:rPr lang="it" dirty="0">
+                <a:solidFill>
+                  <a:srgbClr val="00B050"/>
                 </a:solidFill>
               </a:rPr>
               <a:t>Importanza del Problema</a:t>
             </a:r>
-            <a:endParaRPr>
+            <a:endParaRPr dirty="0">
               <a:solidFill>
-                <a:srgbClr val="38761D"/>
+                <a:srgbClr val="00B050"/>
               </a:solidFill>
             </a:endParaRPr>
           </a:p>
@@ -7887,9 +8065,11 @@
       <p:sp>
         <p:nvSpPr>
           <p:cNvPr id="70" name="Google Shape;70;p15"/>
-          <p:cNvSpPr txBox="1"/>
+          <p:cNvSpPr txBox="1">
+            <a:spLocks noGrp="1"/>
+          </p:cNvSpPr>
           <p:nvPr>
-            <p:ph idx="1" type="body"/>
+            <p:ph type="body" idx="1"/>
           </p:nvPr>
         </p:nvSpPr>
         <p:spPr>
@@ -7902,12 +8082,12 @@
           </a:prstGeom>
         </p:spPr>
         <p:txBody>
-          <a:bodyPr anchorCtr="0" anchor="t" bIns="91425" lIns="91425" spcFirstLastPara="1" rIns="91425" wrap="square" tIns="91425">
+          <a:bodyPr spcFirstLastPara="1" wrap="square" lIns="91425" tIns="91425" rIns="91425" bIns="91425" anchor="t" anchorCtr="0">
             <a:normAutofit/>
           </a:bodyPr>
           <a:lstStyle/>
           <a:p>
-            <a:pPr indent="0" lvl="0" marL="0" rtl="0" algn="l">
+            <a:pPr marL="0" lvl="0" indent="0" algn="l" rtl="0">
               <a:spcBef>
                 <a:spcPts val="0"/>
               </a:spcBef>
@@ -7931,7 +8111,7 @@
             </a:endParaRPr>
           </a:p>
           <a:p>
-            <a:pPr indent="0" lvl="0" marL="0" rtl="0" algn="l">
+            <a:pPr marL="0" lvl="0" indent="0" algn="l" rtl="0">
               <a:spcBef>
                 <a:spcPts val="1200"/>
               </a:spcBef>
@@ -7955,7 +8135,7 @@
             </a:endParaRPr>
           </a:p>
           <a:p>
-            <a:pPr indent="0" lvl="0" marL="0" rtl="0" algn="l">
+            <a:pPr marL="0" lvl="0" indent="0" algn="l" rtl="0">
               <a:spcBef>
                 <a:spcPts val="1200"/>
               </a:spcBef>
@@ -7979,7 +8159,7 @@
             </a:endParaRPr>
           </a:p>
           <a:p>
-            <a:pPr indent="0" lvl="0" marL="0" rtl="0" algn="l">
+            <a:pPr marL="0" lvl="0" indent="0" algn="l" rtl="0">
               <a:spcBef>
                 <a:spcPts val="1200"/>
               </a:spcBef>
@@ -8003,7 +8183,7 @@
             </a:endParaRPr>
           </a:p>
           <a:p>
-            <a:pPr indent="0" lvl="0" marL="0" rtl="0" algn="l">
+            <a:pPr marL="0" lvl="0" indent="0" algn="l" rtl="0">
               <a:spcBef>
                 <a:spcPts val="1200"/>
               </a:spcBef>
@@ -8012,9 +8192,6 @@
               </a:spcAft>
               <a:buNone/>
             </a:pPr>
-            <a:r>
-              <a:t/>
-            </a:r>
             <a:endParaRPr/>
           </a:p>
         </p:txBody>
@@ -8028,11 +8205,11 @@
 </file>
 
 <file path=ppt/slides/slide4.xml><?xml version="1.0" encoding="utf-8"?>
-<p:sld xmlns:a="http://schemas.openxmlformats.org/drawingml/2006/main" xmlns:r="http://schemas.openxmlformats.org/officeDocument/2006/relationships" xmlns:mc="http://schemas.openxmlformats.org/markup-compatibility/2006" xmlns:mv="urn:schemas-microsoft-com:mac:vml" xmlns:p="http://schemas.openxmlformats.org/presentationml/2006/main" xmlns:c="http://schemas.openxmlformats.org/drawingml/2006/chart" xmlns:dgm="http://schemas.openxmlformats.org/drawingml/2006/diagram" xmlns:o="urn:schemas-microsoft-com:office:office" xmlns:v="urn:schemas-microsoft-com:vml" xmlns:pvml="urn:schemas-microsoft-com:office:powerpoint" xmlns:com="http://schemas.openxmlformats.org/drawingml/2006/compatibility" xmlns:p14="http://schemas.microsoft.com/office/powerpoint/2010/main" xmlns:p15="http://schemas.microsoft.com/office/powerpoint/2012/main" xmlns:ahyp="http://schemas.microsoft.com/office/drawing/2018/hyperlinkcolor">
+<p:sld xmlns:a="http://schemas.openxmlformats.org/drawingml/2006/main" xmlns:r="http://schemas.openxmlformats.org/officeDocument/2006/relationships" xmlns:p="http://schemas.openxmlformats.org/presentationml/2006/main">
   <p:cSld>
     <p:spTree>
       <p:nvGrpSpPr>
-        <p:cNvPr id="74" name="Shape 74"/>
+        <p:cNvPr id="1" name="Shape 74"/>
         <p:cNvGrpSpPr/>
         <p:nvPr/>
       </p:nvGrpSpPr>
@@ -8047,7 +8224,9 @@
       <p:sp>
         <p:nvSpPr>
           <p:cNvPr id="75" name="Google Shape;75;p16"/>
-          <p:cNvSpPr txBox="1"/>
+          <p:cNvSpPr txBox="1">
+            <a:spLocks noGrp="1"/>
+          </p:cNvSpPr>
           <p:nvPr>
             <p:ph type="title"/>
           </p:nvPr>
@@ -8062,12 +8241,12 @@
           </a:prstGeom>
         </p:spPr>
         <p:txBody>
-          <a:bodyPr anchorCtr="0" anchor="t" bIns="91425" lIns="91425" spcFirstLastPara="1" rIns="91425" wrap="square" tIns="91425">
+          <a:bodyPr spcFirstLastPara="1" wrap="square" lIns="91425" tIns="91425" rIns="91425" bIns="91425" anchor="t" anchorCtr="0">
             <a:normAutofit fontScale="90000"/>
           </a:bodyPr>
           <a:lstStyle/>
           <a:p>
-            <a:pPr indent="0" lvl="0" marL="0" rtl="0" algn="l">
+            <a:pPr marL="0" lvl="0" indent="0" algn="l" rtl="0">
               <a:spcBef>
                 <a:spcPts val="0"/>
               </a:spcBef>
@@ -8077,16 +8256,16 @@
               <a:buNone/>
             </a:pPr>
             <a:r>
-              <a:rPr lang="it">
-                <a:solidFill>
-                  <a:srgbClr val="38761D"/>
+              <a:rPr lang="it" dirty="0">
+                <a:solidFill>
+                  <a:srgbClr val="00B050"/>
                 </a:solidFill>
               </a:rPr>
               <a:t>Descrizione del dataset</a:t>
             </a:r>
-            <a:endParaRPr>
+            <a:endParaRPr dirty="0">
               <a:solidFill>
-                <a:srgbClr val="38761D"/>
+                <a:srgbClr val="00B050"/>
               </a:solidFill>
             </a:endParaRPr>
           </a:p>
@@ -8095,9 +8274,11 @@
       <p:sp>
         <p:nvSpPr>
           <p:cNvPr id="76" name="Google Shape;76;p16"/>
-          <p:cNvSpPr txBox="1"/>
+          <p:cNvSpPr txBox="1">
+            <a:spLocks noGrp="1"/>
+          </p:cNvSpPr>
           <p:nvPr>
-            <p:ph idx="1" type="body"/>
+            <p:ph type="body" idx="1"/>
           </p:nvPr>
         </p:nvSpPr>
         <p:spPr>
@@ -8110,12 +8291,12 @@
           </a:prstGeom>
         </p:spPr>
         <p:txBody>
-          <a:bodyPr anchorCtr="0" anchor="t" bIns="91425" lIns="91425" spcFirstLastPara="1" rIns="91425" wrap="square" tIns="91425">
+          <a:bodyPr spcFirstLastPara="1" wrap="square" lIns="91425" tIns="91425" rIns="91425" bIns="91425" anchor="t" anchorCtr="0">
             <a:normAutofit fontScale="70000" lnSpcReduction="20000"/>
           </a:bodyPr>
           <a:lstStyle/>
           <a:p>
-            <a:pPr indent="0" lvl="0" marL="0" rtl="0" algn="l">
+            <a:pPr marL="0" lvl="0" indent="0" algn="l" rtl="0">
               <a:spcBef>
                 <a:spcPts val="1200"/>
               </a:spcBef>
@@ -8125,7 +8306,7 @@
               <a:buNone/>
             </a:pPr>
             <a:r>
-              <a:rPr lang="it" sz="1617">
+              <a:rPr lang="it" sz="1617" dirty="0">
                 <a:solidFill>
                   <a:schemeClr val="accent1"/>
                 </a:solidFill>
@@ -8133,7 +8314,7 @@
               <a:t>Abbiamo utilizzato il dataset </a:t>
             </a:r>
             <a:r>
-              <a:rPr b="1" i="1" lang="it" sz="1617">
+              <a:rPr lang="it" sz="1617" b="1" i="1" dirty="0">
                 <a:solidFill>
                   <a:schemeClr val="accent1"/>
                 </a:solidFill>
@@ -8141,21 +8322,21 @@
               <a:t>“E-Waste Data”</a:t>
             </a:r>
             <a:r>
-              <a:rPr lang="it" sz="1617">
+              <a:rPr lang="it" sz="1617" dirty="0">
                 <a:solidFill>
                   <a:schemeClr val="accent1"/>
                 </a:solidFill>
               </a:rPr>
               <a:t> disponibile su Kaggle al seguente link: </a:t>
             </a:r>
-            <a:endParaRPr sz="1617">
+            <a:endParaRPr sz="1617" dirty="0">
               <a:solidFill>
                 <a:schemeClr val="accent1"/>
               </a:solidFill>
             </a:endParaRPr>
           </a:p>
           <a:p>
-            <a:pPr indent="0" lvl="0" marL="0" rtl="0" algn="l">
+            <a:pPr marL="0" lvl="0" indent="0" algn="l" rtl="0">
               <a:spcBef>
                 <a:spcPts val="1200"/>
               </a:spcBef>
@@ -8165,21 +8346,21 @@
               <a:buNone/>
             </a:pPr>
             <a:r>
-              <a:rPr b="1" i="1" lang="it" sz="1617" u="sng">
+              <a:rPr lang="it" sz="1617" b="1" i="1" u="sng" dirty="0">
                 <a:solidFill>
                   <a:srgbClr val="3C78D8"/>
                 </a:solidFill>
               </a:rPr>
               <a:t>https://www.kaggle.com/datasets/arifmia/e-waste-data </a:t>
             </a:r>
-            <a:endParaRPr b="1" i="1" sz="1617" u="sng">
+            <a:endParaRPr sz="1617" b="1" i="1" u="sng" dirty="0">
               <a:solidFill>
                 <a:srgbClr val="3C78D8"/>
               </a:solidFill>
             </a:endParaRPr>
           </a:p>
           <a:p>
-            <a:pPr indent="0" lvl="0" marL="0" rtl="0" algn="l">
+            <a:pPr marL="0" lvl="0" indent="0" algn="l" rtl="0">
               <a:spcBef>
                 <a:spcPts val="1200"/>
               </a:spcBef>
@@ -8189,21 +8370,21 @@
               <a:buNone/>
             </a:pPr>
             <a:r>
-              <a:rPr lang="it" sz="1617">
+              <a:rPr lang="it" sz="1617" dirty="0">
                 <a:solidFill>
                   <a:schemeClr val="accent1"/>
                 </a:solidFill>
               </a:rPr>
               <a:t>Il dataset contiene informazioni sui dispositivi elettronici, tra cui: </a:t>
             </a:r>
-            <a:endParaRPr sz="1617">
+            <a:endParaRPr sz="1617" dirty="0">
               <a:solidFill>
                 <a:schemeClr val="accent1"/>
               </a:solidFill>
             </a:endParaRPr>
           </a:p>
           <a:p>
-            <a:pPr indent="0" lvl="0" marL="0" rtl="0" algn="l">
+            <a:pPr marL="0" lvl="0" indent="0" algn="l" rtl="0">
               <a:spcBef>
                 <a:spcPts val="1200"/>
               </a:spcBef>
@@ -8213,21 +8394,21 @@
               <a:buNone/>
             </a:pPr>
             <a:r>
-              <a:rPr lang="it" sz="1617">
+              <a:rPr lang="it" sz="1617" dirty="0">
                 <a:solidFill>
                   <a:schemeClr val="accent1"/>
                 </a:solidFill>
               </a:rPr>
               <a:t>● Marca e modello </a:t>
             </a:r>
-            <a:endParaRPr sz="1617">
+            <a:endParaRPr sz="1617" dirty="0">
               <a:solidFill>
                 <a:schemeClr val="accent1"/>
               </a:solidFill>
             </a:endParaRPr>
           </a:p>
           <a:p>
-            <a:pPr indent="0" lvl="0" marL="0" rtl="0" algn="l">
+            <a:pPr marL="0" lvl="0" indent="0" algn="l" rtl="0">
               <a:spcBef>
                 <a:spcPts val="1200"/>
               </a:spcBef>
@@ -8237,21 +8418,21 @@
               <a:buNone/>
             </a:pPr>
             <a:r>
-              <a:rPr lang="it" sz="1617">
+              <a:rPr lang="it" sz="1617" dirty="0">
                 <a:solidFill>
                   <a:schemeClr val="accent1"/>
                 </a:solidFill>
               </a:rPr>
               <a:t>● Anno di acquisto </a:t>
             </a:r>
-            <a:endParaRPr sz="1617">
+            <a:endParaRPr sz="1617" dirty="0">
               <a:solidFill>
                 <a:schemeClr val="accent1"/>
               </a:solidFill>
             </a:endParaRPr>
           </a:p>
           <a:p>
-            <a:pPr indent="0" lvl="0" marL="0" rtl="0" algn="l">
+            <a:pPr marL="0" lvl="0" indent="0" algn="l" rtl="0">
               <a:spcBef>
                 <a:spcPts val="1200"/>
               </a:spcBef>
@@ -8261,21 +8442,21 @@
               <a:buNone/>
             </a:pPr>
             <a:r>
-              <a:rPr lang="it" sz="1617">
+              <a:rPr lang="it" sz="1617" dirty="0">
                 <a:solidFill>
                   <a:schemeClr val="accent1"/>
                 </a:solidFill>
               </a:rPr>
               <a:t>● Categoria (TV, Mobile, PC, ecc.) </a:t>
             </a:r>
-            <a:endParaRPr sz="1617">
+            <a:endParaRPr sz="1617" dirty="0">
               <a:solidFill>
                 <a:schemeClr val="accent1"/>
               </a:solidFill>
             </a:endParaRPr>
           </a:p>
           <a:p>
-            <a:pPr indent="0" lvl="0" marL="0" rtl="0" algn="l">
+            <a:pPr marL="0" lvl="0" indent="0" algn="l" rtl="0">
               <a:spcBef>
                 <a:spcPts val="1200"/>
               </a:spcBef>
@@ -8285,21 +8466,21 @@
               <a:buNone/>
             </a:pPr>
             <a:r>
-              <a:rPr lang="it" sz="1617">
+              <a:rPr lang="it" sz="1617" dirty="0">
                 <a:solidFill>
                   <a:schemeClr val="accent1"/>
                 </a:solidFill>
               </a:rPr>
               <a:t>● Peso </a:t>
             </a:r>
-            <a:endParaRPr sz="1617">
+            <a:endParaRPr sz="1617" dirty="0">
               <a:solidFill>
                 <a:schemeClr val="accent1"/>
               </a:solidFill>
             </a:endParaRPr>
           </a:p>
           <a:p>
-            <a:pPr indent="0" lvl="0" marL="0" rtl="0" algn="l">
+            <a:pPr marL="0" lvl="0" indent="0" algn="l" rtl="0">
               <a:spcBef>
                 <a:spcPts val="1200"/>
               </a:spcBef>
@@ -8309,21 +8490,21 @@
               <a:buNone/>
             </a:pPr>
             <a:r>
-              <a:rPr lang="it" sz="1617">
+              <a:rPr lang="it" sz="1617" dirty="0">
                 <a:solidFill>
                   <a:schemeClr val="accent1"/>
                 </a:solidFill>
               </a:rPr>
               <a:t>● Metodo di riciclo </a:t>
             </a:r>
-            <a:endParaRPr sz="1617">
+            <a:endParaRPr sz="1617" dirty="0">
               <a:solidFill>
                 <a:schemeClr val="accent1"/>
               </a:solidFill>
             </a:endParaRPr>
           </a:p>
           <a:p>
-            <a:pPr indent="0" lvl="0" marL="0" rtl="0" algn="l">
+            <a:pPr marL="0" lvl="0" indent="0" algn="l" rtl="0">
               <a:spcBef>
                 <a:spcPts val="1200"/>
               </a:spcBef>
@@ -8333,21 +8514,21 @@
               <a:buNone/>
             </a:pPr>
             <a:r>
-              <a:rPr lang="it" sz="1617">
+              <a:rPr lang="it" sz="1617" dirty="0">
                 <a:solidFill>
                   <a:schemeClr val="accent1"/>
                 </a:solidFill>
               </a:rPr>
               <a:t>● Componenti tossici (Piombo, Mercurio, Cadmio, ecc.) </a:t>
             </a:r>
-            <a:endParaRPr sz="1617">
+            <a:endParaRPr sz="1617" dirty="0">
               <a:solidFill>
                 <a:schemeClr val="accent1"/>
               </a:solidFill>
             </a:endParaRPr>
           </a:p>
           <a:p>
-            <a:pPr indent="0" lvl="0" marL="0" rtl="0" algn="l">
+            <a:pPr marL="0" lvl="0" indent="0" algn="l" rtl="0">
               <a:spcBef>
                 <a:spcPts val="1200"/>
               </a:spcBef>
@@ -8357,7 +8538,7 @@
               <a:buNone/>
             </a:pPr>
             <a:r>
-              <a:rPr lang="it" sz="1617">
+              <a:rPr lang="it" sz="1617" dirty="0">
                 <a:solidFill>
                   <a:schemeClr val="accent1"/>
                 </a:solidFill>
@@ -8365,65 +8546,68 @@
               <a:t>● Impronta di carbonio </a:t>
             </a:r>
             <a:r>
-              <a:rPr b="1" lang="it" sz="1617">
+              <a:rPr lang="it" sz="1617" b="1" dirty="0">
                 <a:solidFill>
                   <a:schemeClr val="accent1"/>
                 </a:solidFill>
+                <a:latin typeface="Source Code Pro Black" panose="020F0502020204030204" pitchFamily="49" charset="0"/>
+                <a:ea typeface="Source Code Pro Black" panose="020F0502020204030204" pitchFamily="49" charset="0"/>
               </a:rPr>
               <a:t>(variabile target)</a:t>
             </a:r>
             <a:r>
-              <a:rPr lang="it" sz="1617">
+              <a:rPr lang="it" sz="1617" dirty="0">
                 <a:solidFill>
                   <a:schemeClr val="accent1"/>
                 </a:solidFill>
+                <a:latin typeface="Source Code Pro Black" panose="020F0502020204030204" pitchFamily="49" charset="0"/>
+                <a:ea typeface="Source Code Pro Black" panose="020F0502020204030204" pitchFamily="49" charset="0"/>
               </a:rPr>
               <a:t> </a:t>
             </a:r>
-            <a:endParaRPr sz="1617">
+            <a:endParaRPr sz="1617" dirty="0">
+              <a:solidFill>
+                <a:schemeClr val="accent1"/>
+              </a:solidFill>
+              <a:latin typeface="Source Code Pro Black" panose="020F0502020204030204" pitchFamily="49" charset="0"/>
+              <a:ea typeface="Source Code Pro Black" panose="020F0502020204030204" pitchFamily="49" charset="0"/>
+            </a:endParaRPr>
+          </a:p>
+          <a:p>
+            <a:pPr marL="0" lvl="0" indent="0" algn="l" rtl="0">
+              <a:spcBef>
+                <a:spcPts val="1200"/>
+              </a:spcBef>
+              <a:spcAft>
+                <a:spcPts val="0"/>
+              </a:spcAft>
+              <a:buNone/>
+            </a:pPr>
+            <a:r>
+              <a:rPr lang="it" sz="1617" dirty="0">
+                <a:solidFill>
+                  <a:schemeClr val="accent1"/>
+                </a:solidFill>
+              </a:rPr>
+              <a:t>I dati sono stati puliti ed elaborati per eliminare valori mancanti e convertire variabili categoriche in numeriche. </a:t>
+            </a:r>
+            <a:endParaRPr sz="1617" dirty="0">
               <a:solidFill>
                 <a:schemeClr val="accent1"/>
               </a:solidFill>
             </a:endParaRPr>
           </a:p>
           <a:p>
-            <a:pPr indent="0" lvl="0" marL="0" rtl="0" algn="l">
+            <a:pPr marL="0" lvl="0" indent="0" algn="l" rtl="0">
               <a:spcBef>
                 <a:spcPts val="1200"/>
               </a:spcBef>
               <a:spcAft>
-                <a:spcPts val="0"/>
+                <a:spcPts val="1200"/>
               </a:spcAft>
               <a:buNone/>
             </a:pPr>
-            <a:r>
-              <a:rPr lang="it" sz="1617">
-                <a:solidFill>
-                  <a:schemeClr val="accent1"/>
-                </a:solidFill>
-              </a:rPr>
-              <a:t>I dati sono stati puliti ed elaborati per eliminare valori mancanti e convertire variabili categoriche in numeriche. </a:t>
-            </a:r>
-            <a:endParaRPr sz="1617">
-              <a:solidFill>
-                <a:schemeClr val="accent1"/>
-              </a:solidFill>
-            </a:endParaRPr>
-          </a:p>
-          <a:p>
-            <a:pPr indent="0" lvl="0" marL="0" rtl="0" algn="l">
-              <a:spcBef>
-                <a:spcPts val="1200"/>
-              </a:spcBef>
-              <a:spcAft>
-                <a:spcPts val="1200"/>
-              </a:spcAft>
-              <a:buNone/>
-            </a:pPr>
-            <a:r>
-              <a:t/>
-            </a:r>
-            <a:endParaRPr/>
+            <a:endParaRPr dirty="0"/>
           </a:p>
         </p:txBody>
       </p:sp>
@@ -8436,11 +8620,11 @@
 </file>
 
 <file path=ppt/slides/slide5.xml><?xml version="1.0" encoding="utf-8"?>
-<p:sld xmlns:a="http://schemas.openxmlformats.org/drawingml/2006/main" xmlns:r="http://schemas.openxmlformats.org/officeDocument/2006/relationships" xmlns:mc="http://schemas.openxmlformats.org/markup-compatibility/2006" xmlns:mv="urn:schemas-microsoft-com:mac:vml" xmlns:p="http://schemas.openxmlformats.org/presentationml/2006/main" xmlns:c="http://schemas.openxmlformats.org/drawingml/2006/chart" xmlns:dgm="http://schemas.openxmlformats.org/drawingml/2006/diagram" xmlns:o="urn:schemas-microsoft-com:office:office" xmlns:v="urn:schemas-microsoft-com:vml" xmlns:pvml="urn:schemas-microsoft-com:office:powerpoint" xmlns:com="http://schemas.openxmlformats.org/drawingml/2006/compatibility" xmlns:p14="http://schemas.microsoft.com/office/powerpoint/2010/main" xmlns:p15="http://schemas.microsoft.com/office/powerpoint/2012/main" xmlns:ahyp="http://schemas.microsoft.com/office/drawing/2018/hyperlinkcolor">
+<p:sld xmlns:a="http://schemas.openxmlformats.org/drawingml/2006/main" xmlns:r="http://schemas.openxmlformats.org/officeDocument/2006/relationships" xmlns:p="http://schemas.openxmlformats.org/presentationml/2006/main">
   <p:cSld>
     <p:spTree>
       <p:nvGrpSpPr>
-        <p:cNvPr id="80" name="Shape 80"/>
+        <p:cNvPr id="1" name="Shape 80"/>
         <p:cNvGrpSpPr/>
         <p:nvPr/>
       </p:nvGrpSpPr>
@@ -8455,7 +8639,9 @@
       <p:sp>
         <p:nvSpPr>
           <p:cNvPr id="81" name="Google Shape;81;p17"/>
-          <p:cNvSpPr txBox="1"/>
+          <p:cNvSpPr txBox="1">
+            <a:spLocks noGrp="1"/>
+          </p:cNvSpPr>
           <p:nvPr>
             <p:ph type="title"/>
           </p:nvPr>
@@ -8470,12 +8656,12 @@
           </a:prstGeom>
         </p:spPr>
         <p:txBody>
-          <a:bodyPr anchorCtr="0" anchor="t" bIns="91425" lIns="91425" spcFirstLastPara="1" rIns="91425" wrap="square" tIns="91425">
+          <a:bodyPr spcFirstLastPara="1" wrap="square" lIns="91425" tIns="91425" rIns="91425" bIns="91425" anchor="t" anchorCtr="0">
             <a:normAutofit fontScale="90000"/>
           </a:bodyPr>
           <a:lstStyle/>
           <a:p>
-            <a:pPr indent="0" lvl="0" marL="0" rtl="0" algn="l">
+            <a:pPr marL="0" lvl="0" indent="0" algn="l" rtl="0">
               <a:spcBef>
                 <a:spcPts val="0"/>
               </a:spcBef>
@@ -8485,16 +8671,16 @@
               <a:buNone/>
             </a:pPr>
             <a:r>
-              <a:rPr lang="it">
-                <a:solidFill>
-                  <a:srgbClr val="38761D"/>
+              <a:rPr lang="it" dirty="0">
+                <a:solidFill>
+                  <a:srgbClr val="00B050"/>
                 </a:solidFill>
               </a:rPr>
               <a:t>Processing dei dati</a:t>
             </a:r>
-            <a:endParaRPr>
+            <a:endParaRPr dirty="0">
               <a:solidFill>
-                <a:srgbClr val="38761D"/>
+                <a:srgbClr val="00B050"/>
               </a:solidFill>
             </a:endParaRPr>
           </a:p>
@@ -8503,9 +8689,11 @@
       <p:sp>
         <p:nvSpPr>
           <p:cNvPr id="82" name="Google Shape;82;p17"/>
-          <p:cNvSpPr txBox="1"/>
+          <p:cNvSpPr txBox="1">
+            <a:spLocks noGrp="1"/>
+          </p:cNvSpPr>
           <p:nvPr>
-            <p:ph idx="1" type="body"/>
+            <p:ph type="body" idx="1"/>
           </p:nvPr>
         </p:nvSpPr>
         <p:spPr>
@@ -8518,12 +8706,12 @@
           </a:prstGeom>
         </p:spPr>
         <p:txBody>
-          <a:bodyPr anchorCtr="0" anchor="t" bIns="91425" lIns="91425" spcFirstLastPara="1" rIns="91425" wrap="square" tIns="91425">
+          <a:bodyPr spcFirstLastPara="1" wrap="square" lIns="91425" tIns="91425" rIns="91425" bIns="91425" anchor="t" anchorCtr="0">
             <a:normAutofit/>
           </a:bodyPr>
           <a:lstStyle/>
           <a:p>
-            <a:pPr indent="0" lvl="0" marL="0" rtl="0" algn="l">
+            <a:pPr marL="0" lvl="0" indent="0" algn="l" rtl="0">
               <a:spcBef>
                 <a:spcPts val="0"/>
               </a:spcBef>
@@ -8533,21 +8721,21 @@
               <a:buNone/>
             </a:pPr>
             <a:r>
-              <a:rPr lang="it" sz="1300">
+              <a:rPr lang="it" sz="1300" dirty="0">
                 <a:solidFill>
                   <a:srgbClr val="000000"/>
                 </a:solidFill>
               </a:rPr>
               <a:t>Dopo aver esaminato il dataset, abbiamo effettuato:</a:t>
             </a:r>
-            <a:endParaRPr sz="1300">
+            <a:endParaRPr sz="1300" dirty="0">
               <a:solidFill>
                 <a:srgbClr val="000000"/>
               </a:solidFill>
             </a:endParaRPr>
           </a:p>
           <a:p>
-            <a:pPr indent="-311150" lvl="0" marL="457200" rtl="0" algn="l">
+            <a:pPr marL="457200" lvl="0" indent="-311150" algn="l" rtl="0">
               <a:spcBef>
                 <a:spcPts val="1200"/>
               </a:spcBef>
@@ -8561,29 +8749,41 @@
               <a:buChar char="●"/>
             </a:pPr>
             <a:r>
-              <a:rPr b="1" lang="it" sz="1300">
+              <a:rPr lang="it" sz="1300" b="1" dirty="0">
                 <a:solidFill>
                   <a:srgbClr val="000000"/>
                 </a:solidFill>
+                <a:latin typeface="Source Code Pro Black" panose="020B0809030403020204" pitchFamily="49" charset="0"/>
+                <a:ea typeface="Source Code Pro Black" panose="020B0809030403020204" pitchFamily="49" charset="0"/>
               </a:rPr>
               <a:t>Gestione valori mancanti</a:t>
             </a:r>
             <a:r>
-              <a:rPr lang="it" sz="1300">
+              <a:rPr lang="it" sz="1300" dirty="0">
                 <a:solidFill>
                   <a:srgbClr val="000000"/>
                 </a:solidFill>
+                <a:latin typeface="Source Code Pro Black" panose="020B0809030403020204" pitchFamily="49" charset="0"/>
+                <a:ea typeface="Source Code Pro Black" panose="020B0809030403020204" pitchFamily="49" charset="0"/>
               </a:rPr>
-              <a:t>: rimozione delle righe senza target, sostituzione con la media.</a:t>
+              <a:t>: </a:t>
             </a:r>
-            <a:endParaRPr sz="1300">
+            <a:r>
+              <a:rPr lang="it" sz="1300" dirty="0">
+                <a:solidFill>
+                  <a:srgbClr val="000000"/>
+                </a:solidFill>
+              </a:rPr>
+              <a:t>rimozione delle righe senza target, sostituzione con la media.</a:t>
+            </a:r>
+            <a:endParaRPr sz="1300" dirty="0">
               <a:solidFill>
                 <a:srgbClr val="000000"/>
               </a:solidFill>
             </a:endParaRPr>
           </a:p>
           <a:p>
-            <a:pPr indent="-311150" lvl="0" marL="457200" rtl="0" algn="l">
+            <a:pPr marL="457200" lvl="0" indent="-311150" algn="l" rtl="0">
               <a:spcBef>
                 <a:spcPts val="0"/>
               </a:spcBef>
@@ -8597,29 +8797,41 @@
               <a:buChar char="●"/>
             </a:pPr>
             <a:r>
-              <a:rPr b="1" lang="it" sz="1300">
+              <a:rPr lang="it" sz="1300" b="1" dirty="0">
                 <a:solidFill>
                   <a:srgbClr val="000000"/>
                 </a:solidFill>
+                <a:latin typeface="Source Code Pro Black" panose="020B0809030403020204" pitchFamily="49" charset="0"/>
+                <a:ea typeface="Source Code Pro Black" panose="020B0809030403020204" pitchFamily="49" charset="0"/>
               </a:rPr>
               <a:t>Suddivisione del dataset</a:t>
             </a:r>
             <a:r>
-              <a:rPr lang="it" sz="1300">
+              <a:rPr lang="it" sz="1300" dirty="0">
                 <a:solidFill>
                   <a:srgbClr val="000000"/>
                 </a:solidFill>
+                <a:latin typeface="Source Code Pro Black" panose="020B0809030403020204" pitchFamily="49" charset="0"/>
+                <a:ea typeface="Source Code Pro Black" panose="020B0809030403020204" pitchFamily="49" charset="0"/>
               </a:rPr>
-              <a:t>: 80% training - 20% test.</a:t>
+              <a:t>: </a:t>
             </a:r>
-            <a:endParaRPr sz="1300">
+            <a:r>
+              <a:rPr lang="it" sz="1300" dirty="0">
+                <a:solidFill>
+                  <a:srgbClr val="000000"/>
+                </a:solidFill>
+              </a:rPr>
+              <a:t>80% training - 20% test.</a:t>
+            </a:r>
+            <a:endParaRPr sz="1300" dirty="0">
               <a:solidFill>
                 <a:srgbClr val="000000"/>
               </a:solidFill>
             </a:endParaRPr>
           </a:p>
           <a:p>
-            <a:pPr indent="-311150" lvl="0" marL="457200" rtl="0" algn="l">
+            <a:pPr marL="457200" lvl="0" indent="-311150" algn="l" rtl="0">
               <a:spcBef>
                 <a:spcPts val="0"/>
               </a:spcBef>
@@ -8633,22 +8845,34 @@
               <a:buChar char="●"/>
             </a:pPr>
             <a:r>
-              <a:rPr b="1" lang="it" sz="1300">
+              <a:rPr lang="it" sz="1300" b="1" dirty="0">
                 <a:solidFill>
                   <a:srgbClr val="000000"/>
                 </a:solidFill>
+                <a:latin typeface="Source Code Pro Black" panose="020B0809030403020204" pitchFamily="49" charset="0"/>
+                <a:ea typeface="Source Code Pro Black" panose="020B0809030403020204" pitchFamily="49" charset="0"/>
               </a:rPr>
               <a:t>Encoding delle variabili categoriche</a:t>
             </a:r>
             <a:r>
-              <a:rPr lang="it" sz="1300">
+              <a:rPr lang="it" sz="1300" dirty="0">
                 <a:solidFill>
                   <a:srgbClr val="000000"/>
                 </a:solidFill>
+                <a:latin typeface="Source Code Pro Black" panose="020B0809030403020204" pitchFamily="49" charset="0"/>
+                <a:ea typeface="Source Code Pro Black" panose="020B0809030403020204" pitchFamily="49" charset="0"/>
               </a:rPr>
-              <a:t>: trasformazione di marchi e metodi di riciclo in valori numerici.</a:t>
+              <a:t>: </a:t>
             </a:r>
-            <a:endParaRPr sz="1300">
+            <a:r>
+              <a:rPr lang="it" sz="1300" dirty="0">
+                <a:solidFill>
+                  <a:srgbClr val="000000"/>
+                </a:solidFill>
+              </a:rPr>
+              <a:t>trasformazione di marchi e metodi di riciclo in valori numerici.</a:t>
+            </a:r>
+            <a:endParaRPr sz="1300" dirty="0">
               <a:solidFill>
                 <a:srgbClr val="000000"/>
               </a:solidFill>
@@ -8660,11 +8884,17 @@
         <p:nvGraphicFramePr>
           <p:cNvPr id="83" name="Google Shape;83;p17"/>
           <p:cNvGraphicFramePr/>
-          <p:nvPr/>
+          <p:nvPr>
+            <p:extLst>
+              <p:ext uri="{D42A27DB-BD31-4B8C-83A1-F6EECF244321}">
+                <p14:modId xmlns:p14="http://schemas.microsoft.com/office/powerpoint/2010/main" val="1184169374"/>
+              </p:ext>
+            </p:extLst>
+          </p:nvPr>
         </p:nvGraphicFramePr>
         <p:xfrm>
-          <a:off x="556825" y="2734850"/>
-          <a:ext cx="3000000" cy="3000000"/>
+          <a:off x="483220" y="2734850"/>
+          <a:ext cx="7643405" cy="1981050"/>
         </p:xfrm>
         <a:graphic>
           <a:graphicData uri="http://schemas.openxmlformats.org/drawingml/2006/table">
@@ -8674,11 +8904,41 @@
                 <a:tableStyleId>{9C09D5BC-4821-4C6D-9D5D-6C50FE1D9566}</a:tableStyleId>
               </a:tblPr>
               <a:tblGrid>
-                <a:gridCol w="833100"/>
-                <a:gridCol w="1719000"/>
-                <a:gridCol w="1791300"/>
-                <a:gridCol w="1447800"/>
-                <a:gridCol w="1778600"/>
+                <a:gridCol w="624468">
+                  <a:extLst>
+                    <a:ext uri="{9D8B030D-6E8A-4147-A177-3AD203B41FA5}">
+                      <a16:colId xmlns:a16="http://schemas.microsoft.com/office/drawing/2014/main" val="20000"/>
+                    </a:ext>
+                  </a:extLst>
+                </a:gridCol>
+                <a:gridCol w="1553736">
+                  <a:extLst>
+                    <a:ext uri="{9D8B030D-6E8A-4147-A177-3AD203B41FA5}">
+                      <a16:colId xmlns:a16="http://schemas.microsoft.com/office/drawing/2014/main" val="20001"/>
+                    </a:ext>
+                  </a:extLst>
+                </a:gridCol>
+                <a:gridCol w="1932878">
+                  <a:extLst>
+                    <a:ext uri="{9D8B030D-6E8A-4147-A177-3AD203B41FA5}">
+                      <a16:colId xmlns:a16="http://schemas.microsoft.com/office/drawing/2014/main" val="20002"/>
+                    </a:ext>
+                  </a:extLst>
+                </a:gridCol>
+                <a:gridCol w="1753723">
+                  <a:extLst>
+                    <a:ext uri="{9D8B030D-6E8A-4147-A177-3AD203B41FA5}">
+                      <a16:colId xmlns:a16="http://schemas.microsoft.com/office/drawing/2014/main" val="20003"/>
+                    </a:ext>
+                  </a:extLst>
+                </a:gridCol>
+                <a:gridCol w="1778600">
+                  <a:extLst>
+                    <a:ext uri="{9D8B030D-6E8A-4147-A177-3AD203B41FA5}">
+                      <a16:colId xmlns:a16="http://schemas.microsoft.com/office/drawing/2014/main" val="20004"/>
+                    </a:ext>
+                  </a:extLst>
+                </a:gridCol>
               </a:tblGrid>
               <a:tr h="381000">
                 <a:tc>
@@ -8686,7 +8946,31 @@
                     <a:bodyPr/>
                     <a:lstStyle/>
                     <a:p>
-                      <a:pPr indent="0" lvl="0" marL="0" rtl="0" algn="l">
+                      <a:pPr marL="0" lvl="0" indent="0" algn="l" rtl="0">
+                        <a:spcBef>
+                          <a:spcPts val="0"/>
+                        </a:spcBef>
+                        <a:spcAft>
+                          <a:spcPts val="0"/>
+                        </a:spcAft>
+                        <a:buNone/>
+                      </a:pPr>
+                      <a:endParaRPr>
+                        <a:latin typeface="Source Code Pro"/>
+                        <a:ea typeface="Source Code Pro"/>
+                        <a:cs typeface="Source Code Pro"/>
+                        <a:sym typeface="Source Code Pro"/>
+                      </a:endParaRPr>
+                    </a:p>
+                  </a:txBody>
+                  <a:tcPr marL="91425" marR="91425" marT="91425" marB="91425"/>
+                </a:tc>
+                <a:tc>
+                  <a:txBody>
+                    <a:bodyPr/>
+                    <a:lstStyle/>
+                    <a:p>
+                      <a:pPr marL="0" lvl="0" indent="0" algn="ctr" rtl="0">
                         <a:spcBef>
                           <a:spcPts val="0"/>
                         </a:spcBef>
@@ -8696,150 +8980,167 @@
                         <a:buNone/>
                       </a:pPr>
                       <a:r>
-                        <a:t/>
+                        <a:rPr lang="it" b="1" dirty="0">
+                          <a:latin typeface="Source Code Pro Black" panose="020B0809030403020204" pitchFamily="49" charset="0"/>
+                          <a:ea typeface="Source Code Pro Black" panose="020B0809030403020204" pitchFamily="49" charset="0"/>
+                          <a:cs typeface="Source Code Pro"/>
+                          <a:sym typeface="Source Code Pro"/>
+                        </a:rPr>
+                        <a:t>Brand_LG</a:t>
                       </a:r>
-                      <a:endParaRPr>
-                        <a:latin typeface="Source Code Pro"/>
-                        <a:ea typeface="Source Code Pro"/>
+                      <a:endParaRPr b="1" dirty="0">
+                        <a:latin typeface="Source Code Pro Black" panose="020B0809030403020204" pitchFamily="49" charset="0"/>
+                        <a:ea typeface="Source Code Pro Black" panose="020B0809030403020204" pitchFamily="49" charset="0"/>
                         <a:cs typeface="Source Code Pro"/>
                         <a:sym typeface="Source Code Pro"/>
                       </a:endParaRPr>
                     </a:p>
                   </a:txBody>
-                  <a:tcPr marT="91425" marB="91425" marR="91425" marL="91425"/>
+                  <a:tcPr marL="91425" marR="91425" marT="91425" marB="91425"/>
                 </a:tc>
                 <a:tc>
                   <a:txBody>
                     <a:bodyPr/>
                     <a:lstStyle/>
                     <a:p>
-                      <a:pPr indent="0" lvl="0" marL="0" rtl="0" algn="ctr">
+                      <a:pPr marL="0" marR="0" lvl="0" indent="0" algn="ctr" rtl="0">
+                        <a:lnSpc>
+                          <a:spcPct val="100000"/>
+                        </a:lnSpc>
                         <a:spcBef>
                           <a:spcPts val="0"/>
                         </a:spcBef>
                         <a:spcAft>
                           <a:spcPts val="0"/>
                         </a:spcAft>
+                        <a:buClr>
+                          <a:srgbClr val="000000"/>
+                        </a:buClr>
+                        <a:buFont typeface="Arial"/>
                         <a:buNone/>
                       </a:pPr>
                       <a:r>
-                        <a:rPr b="1" lang="it">
-                          <a:latin typeface="Source Code Pro"/>
-                          <a:ea typeface="Source Code Pro"/>
+                        <a:rPr lang="it" sz="1400" b="1" i="0" u="none" strike="noStrike" cap="none" dirty="0">
+                          <a:solidFill>
+                            <a:srgbClr val="000000"/>
+                          </a:solidFill>
+                          <a:latin typeface="Source Code Pro Black" panose="020B0809030403020204" pitchFamily="49" charset="0"/>
+                          <a:ea typeface="Source Code Pro Black" panose="020B0809030403020204" pitchFamily="49" charset="0"/>
                           <a:cs typeface="Source Code Pro"/>
                           <a:sym typeface="Source Code Pro"/>
                         </a:rPr>
-                        <a:t>Brand_LG</a:t>
+                        <a:t>Brand_Panasonic</a:t>
                       </a:r>
-                      <a:endParaRPr b="1">
-                        <a:latin typeface="Source Code Pro"/>
-                        <a:ea typeface="Source Code Pro"/>
+                      <a:endParaRPr sz="1400" b="1" i="0" u="none" strike="noStrike" cap="none" dirty="0">
+                        <a:solidFill>
+                          <a:srgbClr val="000000"/>
+                        </a:solidFill>
+                        <a:latin typeface="Source Code Pro Black" panose="020B0809030403020204" pitchFamily="49" charset="0"/>
+                        <a:ea typeface="Source Code Pro Black" panose="020B0809030403020204" pitchFamily="49" charset="0"/>
                         <a:cs typeface="Source Code Pro"/>
                         <a:sym typeface="Source Code Pro"/>
                       </a:endParaRPr>
                     </a:p>
                   </a:txBody>
-                  <a:tcPr marT="91425" marB="91425" marR="91425" marL="91425"/>
+                  <a:tcPr marL="91425" marR="91425" marT="91425" marB="91425"/>
                 </a:tc>
                 <a:tc>
                   <a:txBody>
                     <a:bodyPr/>
                     <a:lstStyle/>
                     <a:p>
-                      <a:pPr indent="0" lvl="0" marL="0" rtl="0" algn="ctr">
+                      <a:pPr marL="0" marR="0" lvl="0" indent="0" algn="ctr" rtl="0">
+                        <a:lnSpc>
+                          <a:spcPct val="100000"/>
+                        </a:lnSpc>
                         <a:spcBef>
                           <a:spcPts val="0"/>
                         </a:spcBef>
                         <a:spcAft>
                           <a:spcPts val="0"/>
                         </a:spcAft>
+                        <a:buClr>
+                          <a:srgbClr val="000000"/>
+                        </a:buClr>
+                        <a:buFont typeface="Arial"/>
                         <a:buNone/>
                       </a:pPr>
                       <a:r>
-                        <a:rPr b="1" lang="it">
-                          <a:latin typeface="Source Code Pro"/>
-                          <a:ea typeface="Source Code Pro"/>
+                        <a:rPr lang="it" sz="1400" b="1" i="0" u="none" strike="noStrike" cap="none" dirty="0">
+                          <a:solidFill>
+                            <a:srgbClr val="000000"/>
+                          </a:solidFill>
+                          <a:latin typeface="Source Code Pro Black" panose="020B0809030403020204" pitchFamily="49" charset="0"/>
+                          <a:ea typeface="Source Code Pro Black" panose="020B0809030403020204" pitchFamily="49" charset="0"/>
                           <a:cs typeface="Source Code Pro"/>
                           <a:sym typeface="Source Code Pro"/>
                         </a:rPr>
-                        <a:t>Brand_Panasonic</a:t>
+                        <a:t>Brand_Sony</a:t>
                       </a:r>
-                      <a:endParaRPr b="1">
-                        <a:latin typeface="Source Code Pro"/>
-                        <a:ea typeface="Source Code Pro"/>
+                      <a:endParaRPr sz="1400" b="1" i="0" u="none" strike="noStrike" cap="none" dirty="0">
+                        <a:solidFill>
+                          <a:srgbClr val="000000"/>
+                        </a:solidFill>
+                        <a:latin typeface="Source Code Pro Black" panose="020B0809030403020204" pitchFamily="49" charset="0"/>
+                        <a:ea typeface="Source Code Pro Black" panose="020B0809030403020204" pitchFamily="49" charset="0"/>
                         <a:cs typeface="Source Code Pro"/>
                         <a:sym typeface="Source Code Pro"/>
                       </a:endParaRPr>
                     </a:p>
                   </a:txBody>
-                  <a:tcPr marT="91425" marB="91425" marR="91425" marL="91425"/>
+                  <a:tcPr marL="91425" marR="91425" marT="91425" marB="91425"/>
                 </a:tc>
                 <a:tc>
                   <a:txBody>
                     <a:bodyPr/>
                     <a:lstStyle/>
                     <a:p>
-                      <a:pPr indent="0" lvl="0" marL="0" rtl="0" algn="ctr">
+                      <a:pPr marL="0" marR="0" lvl="0" indent="0" algn="ctr" rtl="0">
+                        <a:lnSpc>
+                          <a:spcPct val="100000"/>
+                        </a:lnSpc>
                         <a:spcBef>
                           <a:spcPts val="0"/>
                         </a:spcBef>
                         <a:spcAft>
                           <a:spcPts val="0"/>
                         </a:spcAft>
+                        <a:buClr>
+                          <a:srgbClr val="000000"/>
+                        </a:buClr>
+                        <a:buFont typeface="Arial"/>
                         <a:buNone/>
                       </a:pPr>
                       <a:r>
-                        <a:rPr b="1" lang="it">
-                          <a:latin typeface="Source Code Pro"/>
-                          <a:ea typeface="Source Code Pro"/>
+                        <a:rPr lang="it" sz="1400" b="1" i="0" u="none" strike="noStrike" cap="none" dirty="0">
+                          <a:solidFill>
+                            <a:srgbClr val="000000"/>
+                          </a:solidFill>
+                          <a:latin typeface="Source Code Pro Black" panose="020B0809030403020204" pitchFamily="49" charset="0"/>
+                          <a:ea typeface="Source Code Pro Black" panose="020B0809030403020204" pitchFamily="49" charset="0"/>
                           <a:cs typeface="Source Code Pro"/>
                           <a:sym typeface="Source Code Pro"/>
                         </a:rPr>
-                        <a:t>Brand_Sony</a:t>
+                        <a:t>Brand_Xiaomi</a:t>
                       </a:r>
-                      <a:endParaRPr b="1">
-                        <a:latin typeface="Source Code Pro"/>
-                        <a:ea typeface="Source Code Pro"/>
+                      <a:endParaRPr sz="1400" b="1" i="0" u="none" strike="noStrike" cap="none" dirty="0">
+                        <a:solidFill>
+                          <a:srgbClr val="000000"/>
+                        </a:solidFill>
+                        <a:latin typeface="Source Code Pro Black" panose="020B0809030403020204" pitchFamily="49" charset="0"/>
+                        <a:ea typeface="Source Code Pro Black" panose="020B0809030403020204" pitchFamily="49" charset="0"/>
                         <a:cs typeface="Source Code Pro"/>
                         <a:sym typeface="Source Code Pro"/>
                       </a:endParaRPr>
                     </a:p>
                   </a:txBody>
-                  <a:tcPr marT="91425" marB="91425" marR="91425" marL="91425"/>
+                  <a:tcPr marL="91425" marR="91425" marT="91425" marB="91425"/>
                 </a:tc>
-                <a:tc>
-                  <a:txBody>
-                    <a:bodyPr/>
-                    <a:lstStyle/>
-                    <a:p>
-                      <a:pPr indent="0" lvl="0" marL="0" rtl="0" algn="ctr">
-                        <a:spcBef>
-                          <a:spcPts val="0"/>
-                        </a:spcBef>
-                        <a:spcAft>
-                          <a:spcPts val="0"/>
-                        </a:spcAft>
-                        <a:buNone/>
-                      </a:pPr>
-                      <a:r>
-                        <a:rPr b="1" lang="it">
-                          <a:latin typeface="Source Code Pro"/>
-                          <a:ea typeface="Source Code Pro"/>
-                          <a:cs typeface="Source Code Pro"/>
-                          <a:sym typeface="Source Code Pro"/>
-                        </a:rPr>
-                        <a:t>Brand_Xiaomi</a:t>
-                      </a:r>
-                      <a:endParaRPr b="1">
-                        <a:latin typeface="Source Code Pro"/>
-                        <a:ea typeface="Source Code Pro"/>
-                        <a:cs typeface="Source Code Pro"/>
-                        <a:sym typeface="Source Code Pro"/>
-                      </a:endParaRPr>
-                    </a:p>
-                  </a:txBody>
-                  <a:tcPr marT="91425" marB="91425" marR="91425" marL="91425"/>
-                </a:tc>
+                <a:extLst>
+                  <a:ext uri="{0D108BD9-81ED-4DB2-BD59-A6C34878D82A}">
+                    <a16:rowId xmlns:a16="http://schemas.microsoft.com/office/drawing/2014/main" val="10000"/>
+                  </a:ext>
+                </a:extLst>
               </a:tr>
               <a:tr h="381000">
                 <a:tc>
@@ -8847,166 +9148,236 @@
                     <a:bodyPr/>
                     <a:lstStyle/>
                     <a:p>
-                      <a:pPr indent="0" lvl="0" marL="0" rtl="0" algn="l">
+                      <a:pPr marL="0" marR="0" lvl="0" indent="0" algn="ctr" rtl="0">
+                        <a:lnSpc>
+                          <a:spcPct val="100000"/>
+                        </a:lnSpc>
                         <a:spcBef>
                           <a:spcPts val="0"/>
                         </a:spcBef>
                         <a:spcAft>
                           <a:spcPts val="0"/>
                         </a:spcAft>
+                        <a:buClr>
+                          <a:srgbClr val="000000"/>
+                        </a:buClr>
+                        <a:buFont typeface="Arial"/>
                         <a:buNone/>
                       </a:pPr>
                       <a:r>
-                        <a:rPr b="1" lang="it" sz="1000">
-                          <a:latin typeface="Source Code Pro"/>
-                          <a:ea typeface="Source Code Pro"/>
+                        <a:rPr lang="it" sz="1400" b="1" i="0" u="none" strike="noStrike" cap="none" dirty="0">
+                          <a:solidFill>
+                            <a:srgbClr val="000000"/>
+                          </a:solidFill>
+                          <a:latin typeface="Source Code Pro Black" panose="020B0809030403020204" pitchFamily="49" charset="0"/>
+                          <a:ea typeface="Source Code Pro Black" panose="020B0809030403020204" pitchFamily="49" charset="0"/>
                           <a:cs typeface="Source Code Pro"/>
                           <a:sym typeface="Source Code Pro"/>
                         </a:rPr>
                         <a:t>1</a:t>
                       </a:r>
-                      <a:endParaRPr b="1" sz="1000">
-                        <a:latin typeface="Source Code Pro"/>
-                        <a:ea typeface="Source Code Pro"/>
+                      <a:endParaRPr sz="1400" b="1" i="0" u="none" strike="noStrike" cap="none" dirty="0">
+                        <a:solidFill>
+                          <a:srgbClr val="000000"/>
+                        </a:solidFill>
+                        <a:latin typeface="Source Code Pro Black" panose="020B0809030403020204" pitchFamily="49" charset="0"/>
+                        <a:ea typeface="Source Code Pro Black" panose="020B0809030403020204" pitchFamily="49" charset="0"/>
                         <a:cs typeface="Source Code Pro"/>
                         <a:sym typeface="Source Code Pro"/>
                       </a:endParaRPr>
                     </a:p>
                   </a:txBody>
-                  <a:tcPr marT="91425" marB="91425" marR="91425" marL="91425"/>
+                  <a:tcPr marL="91425" marR="91425" marT="91425" marB="91425"/>
                 </a:tc>
                 <a:tc>
                   <a:txBody>
                     <a:bodyPr/>
                     <a:lstStyle/>
                     <a:p>
-                      <a:pPr indent="0" lvl="0" marL="0" rtl="0" algn="ctr">
+                      <a:pPr marL="0" marR="0" lvl="0" indent="0" algn="ctr" rtl="0">
+                        <a:lnSpc>
+                          <a:spcPct val="100000"/>
+                        </a:lnSpc>
                         <a:spcBef>
                           <a:spcPts val="0"/>
                         </a:spcBef>
                         <a:spcAft>
                           <a:spcPts val="0"/>
                         </a:spcAft>
+                        <a:buClr>
+                          <a:srgbClr val="000000"/>
+                        </a:buClr>
+                        <a:buFont typeface="Arial"/>
                         <a:buNone/>
                       </a:pPr>
                       <a:r>
-                        <a:rPr lang="it" sz="1200">
-                          <a:latin typeface="Source Code Pro"/>
-                          <a:ea typeface="Source Code Pro"/>
-                          <a:cs typeface="Source Code Pro"/>
+                        <a:rPr lang="it" sz="1400" b="0" i="0" u="none" strike="noStrike" cap="none" dirty="0">
+                          <a:solidFill>
+                            <a:srgbClr val="000000"/>
+                          </a:solidFill>
+                          <a:latin typeface="Times New Roman" panose="02020603050405020304" pitchFamily="18" charset="0"/>
+                          <a:ea typeface="Source Code Pro Black" panose="020B0809030403020204" pitchFamily="49" charset="0"/>
+                          <a:cs typeface="Times New Roman" panose="02020603050405020304" pitchFamily="18" charset="0"/>
                           <a:sym typeface="Source Code Pro"/>
                         </a:rPr>
                         <a:t>0</a:t>
                       </a:r>
-                      <a:endParaRPr sz="1200">
-                        <a:latin typeface="Source Code Pro"/>
-                        <a:ea typeface="Source Code Pro"/>
-                        <a:cs typeface="Source Code Pro"/>
+                      <a:endParaRPr sz="1400" b="0" i="0" u="none" strike="noStrike" cap="none" dirty="0">
+                        <a:solidFill>
+                          <a:srgbClr val="000000"/>
+                        </a:solidFill>
+                        <a:latin typeface="Times New Roman" panose="02020603050405020304" pitchFamily="18" charset="0"/>
+                        <a:ea typeface="Source Code Pro Black" panose="020B0809030403020204" pitchFamily="49" charset="0"/>
+                        <a:cs typeface="Times New Roman" panose="02020603050405020304" pitchFamily="18" charset="0"/>
                         <a:sym typeface="Source Code Pro"/>
                       </a:endParaRPr>
                     </a:p>
                   </a:txBody>
-                  <a:tcPr marT="91425" marB="91425" marR="91425" marL="91425"/>
+                  <a:tcPr marL="91425" marR="91425" marT="91425" marB="91425"/>
                 </a:tc>
                 <a:tc>
                   <a:txBody>
                     <a:bodyPr/>
                     <a:lstStyle/>
                     <a:p>
-                      <a:pPr indent="0" lvl="0" marL="0" rtl="0" algn="ctr">
+                      <a:pPr marL="0" marR="0" lvl="0" indent="0" algn="ctr" rtl="0">
+                        <a:lnSpc>
+                          <a:spcPct val="100000"/>
+                        </a:lnSpc>
                         <a:spcBef>
                           <a:spcPts val="0"/>
                         </a:spcBef>
                         <a:spcAft>
                           <a:spcPts val="0"/>
                         </a:spcAft>
+                        <a:buClr>
+                          <a:srgbClr val="000000"/>
+                        </a:buClr>
+                        <a:buFont typeface="Arial"/>
                         <a:buNone/>
                       </a:pPr>
                       <a:r>
-                        <a:rPr lang="it" sz="1200">
-                          <a:latin typeface="Source Code Pro"/>
-                          <a:ea typeface="Source Code Pro"/>
-                          <a:cs typeface="Source Code Pro"/>
+                        <a:rPr lang="it" sz="1400" b="0" i="0" u="none" strike="noStrike" cap="none" dirty="0">
+                          <a:solidFill>
+                            <a:srgbClr val="000000"/>
+                          </a:solidFill>
+                          <a:latin typeface="Times New Roman" panose="02020603050405020304" pitchFamily="18" charset="0"/>
+                          <a:ea typeface="Source Code Pro Black" panose="020B0809030403020204" pitchFamily="49" charset="0"/>
+                          <a:cs typeface="Times New Roman" panose="02020603050405020304" pitchFamily="18" charset="0"/>
                           <a:sym typeface="Source Code Pro"/>
                         </a:rPr>
                         <a:t>1</a:t>
                       </a:r>
-                      <a:endParaRPr sz="1200">
-                        <a:latin typeface="Source Code Pro"/>
-                        <a:ea typeface="Source Code Pro"/>
-                        <a:cs typeface="Source Code Pro"/>
+                      <a:endParaRPr sz="1400" b="0" i="0" u="none" strike="noStrike" cap="none" dirty="0">
+                        <a:solidFill>
+                          <a:srgbClr val="000000"/>
+                        </a:solidFill>
+                        <a:latin typeface="Times New Roman" panose="02020603050405020304" pitchFamily="18" charset="0"/>
+                        <a:ea typeface="Source Code Pro Black" panose="020B0809030403020204" pitchFamily="49" charset="0"/>
+                        <a:cs typeface="Times New Roman" panose="02020603050405020304" pitchFamily="18" charset="0"/>
                         <a:sym typeface="Source Code Pro"/>
                       </a:endParaRPr>
                     </a:p>
                   </a:txBody>
-                  <a:tcPr marT="91425" marB="91425" marR="91425" marL="91425"/>
+                  <a:tcPr marL="91425" marR="91425" marT="91425" marB="91425"/>
                 </a:tc>
                 <a:tc>
                   <a:txBody>
                     <a:bodyPr/>
                     <a:lstStyle/>
                     <a:p>
-                      <a:pPr indent="0" lvl="0" marL="0" rtl="0" algn="ctr">
+                      <a:pPr marL="0" marR="0" lvl="0" indent="0" algn="ctr" rtl="0">
+                        <a:lnSpc>
+                          <a:spcPct val="100000"/>
+                        </a:lnSpc>
                         <a:spcBef>
                           <a:spcPts val="0"/>
                         </a:spcBef>
                         <a:spcAft>
                           <a:spcPts val="0"/>
                         </a:spcAft>
+                        <a:buClr>
+                          <a:srgbClr val="000000"/>
+                        </a:buClr>
+                        <a:buFont typeface="Arial"/>
                         <a:buNone/>
                       </a:pPr>
                       <a:r>
-                        <a:rPr lang="it" sz="1200">
-                          <a:latin typeface="Source Code Pro"/>
-                          <a:ea typeface="Source Code Pro"/>
-                          <a:cs typeface="Source Code Pro"/>
+                        <a:rPr lang="it" sz="1400" b="0" i="0" u="none" strike="noStrike" cap="none" dirty="0">
+                          <a:solidFill>
+                            <a:srgbClr val="000000"/>
+                          </a:solidFill>
+                          <a:latin typeface="Times New Roman" panose="02020603050405020304" pitchFamily="18" charset="0"/>
+                          <a:ea typeface="Source Code Pro Black" panose="020B0809030403020204" pitchFamily="49" charset="0"/>
+                          <a:cs typeface="Times New Roman" panose="02020603050405020304" pitchFamily="18" charset="0"/>
                           <a:sym typeface="Source Code Pro"/>
                         </a:rPr>
                         <a:t>0</a:t>
                       </a:r>
-                      <a:endParaRPr sz="1200">
-                        <a:latin typeface="Source Code Pro"/>
-                        <a:ea typeface="Source Code Pro"/>
-                        <a:cs typeface="Source Code Pro"/>
+                      <a:endParaRPr sz="1400" b="0" i="0" u="none" strike="noStrike" cap="none" dirty="0">
+                        <a:solidFill>
+                          <a:srgbClr val="000000"/>
+                        </a:solidFill>
+                        <a:latin typeface="Times New Roman" panose="02020603050405020304" pitchFamily="18" charset="0"/>
+                        <a:ea typeface="Source Code Pro Black" panose="020B0809030403020204" pitchFamily="49" charset="0"/>
+                        <a:cs typeface="Times New Roman" panose="02020603050405020304" pitchFamily="18" charset="0"/>
                         <a:sym typeface="Source Code Pro"/>
                       </a:endParaRPr>
                     </a:p>
                   </a:txBody>
-                  <a:tcPr marT="91425" marB="91425" marR="91425" marL="91425"/>
+                  <a:tcPr marL="91425" marR="91425" marT="91425" marB="91425"/>
                 </a:tc>
                 <a:tc>
                   <a:txBody>
                     <a:bodyPr/>
                     <a:lstStyle/>
                     <a:p>
-                      <a:pPr indent="0" lvl="0" marL="0" rtl="0" algn="ctr">
+                      <a:pPr marL="0" marR="0" lvl="0" indent="0" algn="ctr" rtl="0">
+                        <a:lnSpc>
+                          <a:spcPct val="100000"/>
+                        </a:lnSpc>
                         <a:spcBef>
                           <a:spcPts val="0"/>
                         </a:spcBef>
                         <a:spcAft>
                           <a:spcPts val="0"/>
                         </a:spcAft>
+                        <a:buClr>
+                          <a:srgbClr val="000000"/>
+                        </a:buClr>
+                        <a:buFont typeface="Arial"/>
                         <a:buNone/>
                       </a:pPr>
                       <a:r>
-                        <a:rPr lang="it" sz="1200">
-                          <a:latin typeface="Source Code Pro"/>
-                          <a:ea typeface="Source Code Pro"/>
-                          <a:cs typeface="Source Code Pro"/>
+                        <a:rPr lang="it" sz="1400" b="0" i="0" u="none" strike="noStrike" cap="none" dirty="0">
+                          <a:solidFill>
+                            <a:srgbClr val="000000"/>
+                          </a:solidFill>
+                          <a:latin typeface="Times New Roman" panose="02020603050405020304" pitchFamily="18" charset="0"/>
+                          <a:ea typeface="Source Code Pro Black" panose="020B0809030403020204" pitchFamily="49" charset="0"/>
+                          <a:cs typeface="Times New Roman" panose="02020603050405020304" pitchFamily="18" charset="0"/>
                           <a:sym typeface="Source Code Pro"/>
                         </a:rPr>
                         <a:t>0</a:t>
                       </a:r>
-                      <a:endParaRPr sz="1200">
-                        <a:latin typeface="Source Code Pro"/>
-                        <a:ea typeface="Source Code Pro"/>
-                        <a:cs typeface="Source Code Pro"/>
+                      <a:endParaRPr sz="1400" b="0" i="0" u="none" strike="noStrike" cap="none" dirty="0">
+                        <a:solidFill>
+                          <a:srgbClr val="000000"/>
+                        </a:solidFill>
+                        <a:latin typeface="Times New Roman" panose="02020603050405020304" pitchFamily="18" charset="0"/>
+                        <a:ea typeface="Source Code Pro Black" panose="020B0809030403020204" pitchFamily="49" charset="0"/>
+                        <a:cs typeface="Times New Roman" panose="02020603050405020304" pitchFamily="18" charset="0"/>
                         <a:sym typeface="Source Code Pro"/>
                       </a:endParaRPr>
                     </a:p>
                   </a:txBody>
-                  <a:tcPr marT="91425" marB="91425" marR="91425" marL="91425"/>
+                  <a:tcPr marL="91425" marR="91425" marT="91425" marB="91425"/>
                 </a:tc>
+                <a:extLst>
+                  <a:ext uri="{0D108BD9-81ED-4DB2-BD59-A6C34878D82A}">
+                    <a16:rowId xmlns:a16="http://schemas.microsoft.com/office/drawing/2014/main" val="10001"/>
+                  </a:ext>
+                </a:extLst>
               </a:tr>
               <a:tr h="381000">
                 <a:tc>
@@ -9014,166 +9385,236 @@
                     <a:bodyPr/>
                     <a:lstStyle/>
                     <a:p>
-                      <a:pPr indent="0" lvl="0" marL="0" rtl="0" algn="l">
+                      <a:pPr marL="0" marR="0" lvl="0" indent="0" algn="ctr" rtl="0">
+                        <a:lnSpc>
+                          <a:spcPct val="100000"/>
+                        </a:lnSpc>
                         <a:spcBef>
                           <a:spcPts val="0"/>
                         </a:spcBef>
                         <a:spcAft>
                           <a:spcPts val="0"/>
                         </a:spcAft>
+                        <a:buClr>
+                          <a:srgbClr val="000000"/>
+                        </a:buClr>
+                        <a:buFont typeface="Arial"/>
                         <a:buNone/>
                       </a:pPr>
                       <a:r>
-                        <a:rPr b="1" lang="it" sz="1000">
-                          <a:latin typeface="Source Code Pro"/>
-                          <a:ea typeface="Source Code Pro"/>
+                        <a:rPr lang="it" sz="1400" b="1" i="0" u="none" strike="noStrike" cap="none" dirty="0">
+                          <a:solidFill>
+                            <a:srgbClr val="000000"/>
+                          </a:solidFill>
+                          <a:latin typeface="Source Code Pro Black" panose="020B0809030403020204" pitchFamily="49" charset="0"/>
+                          <a:ea typeface="Source Code Pro Black" panose="020B0809030403020204" pitchFamily="49" charset="0"/>
                           <a:cs typeface="Source Code Pro"/>
                           <a:sym typeface="Source Code Pro"/>
                         </a:rPr>
                         <a:t>2</a:t>
                       </a:r>
-                      <a:endParaRPr b="1" sz="1000">
-                        <a:latin typeface="Source Code Pro"/>
-                        <a:ea typeface="Source Code Pro"/>
+                      <a:endParaRPr sz="1400" b="1" i="0" u="none" strike="noStrike" cap="none" dirty="0">
+                        <a:solidFill>
+                          <a:srgbClr val="000000"/>
+                        </a:solidFill>
+                        <a:latin typeface="Source Code Pro Black" panose="020B0809030403020204" pitchFamily="49" charset="0"/>
+                        <a:ea typeface="Source Code Pro Black" panose="020B0809030403020204" pitchFamily="49" charset="0"/>
                         <a:cs typeface="Source Code Pro"/>
                         <a:sym typeface="Source Code Pro"/>
                       </a:endParaRPr>
                     </a:p>
                   </a:txBody>
-                  <a:tcPr marT="91425" marB="91425" marR="91425" marL="91425"/>
+                  <a:tcPr marL="91425" marR="91425" marT="91425" marB="91425"/>
                 </a:tc>
                 <a:tc>
                   <a:txBody>
                     <a:bodyPr/>
                     <a:lstStyle/>
                     <a:p>
-                      <a:pPr indent="0" lvl="0" marL="0" rtl="0" algn="ctr">
+                      <a:pPr marL="0" marR="0" lvl="0" indent="0" algn="ctr" rtl="0">
+                        <a:lnSpc>
+                          <a:spcPct val="100000"/>
+                        </a:lnSpc>
                         <a:spcBef>
                           <a:spcPts val="0"/>
                         </a:spcBef>
                         <a:spcAft>
                           <a:spcPts val="0"/>
                         </a:spcAft>
+                        <a:buClr>
+                          <a:srgbClr val="000000"/>
+                        </a:buClr>
+                        <a:buFont typeface="Arial"/>
                         <a:buNone/>
                       </a:pPr>
                       <a:r>
-                        <a:rPr lang="it" sz="1200">
-                          <a:latin typeface="Source Code Pro"/>
-                          <a:ea typeface="Source Code Pro"/>
-                          <a:cs typeface="Source Code Pro"/>
+                        <a:rPr lang="it" sz="1400" b="0" i="0" u="none" strike="noStrike" cap="none" dirty="0">
+                          <a:solidFill>
+                            <a:srgbClr val="000000"/>
+                          </a:solidFill>
+                          <a:latin typeface="Times New Roman" panose="02020603050405020304" pitchFamily="18" charset="0"/>
+                          <a:ea typeface="Source Code Pro Black" panose="020B0809030403020204" pitchFamily="49" charset="0"/>
+                          <a:cs typeface="Times New Roman" panose="02020603050405020304" pitchFamily="18" charset="0"/>
                           <a:sym typeface="Source Code Pro"/>
                         </a:rPr>
                         <a:t>0</a:t>
                       </a:r>
-                      <a:endParaRPr sz="1200">
-                        <a:latin typeface="Source Code Pro"/>
-                        <a:ea typeface="Source Code Pro"/>
-                        <a:cs typeface="Source Code Pro"/>
+                      <a:endParaRPr sz="1400" b="0" i="0" u="none" strike="noStrike" cap="none" dirty="0">
+                        <a:solidFill>
+                          <a:srgbClr val="000000"/>
+                        </a:solidFill>
+                        <a:latin typeface="Times New Roman" panose="02020603050405020304" pitchFamily="18" charset="0"/>
+                        <a:ea typeface="Source Code Pro Black" panose="020B0809030403020204" pitchFamily="49" charset="0"/>
+                        <a:cs typeface="Times New Roman" panose="02020603050405020304" pitchFamily="18" charset="0"/>
                         <a:sym typeface="Source Code Pro"/>
                       </a:endParaRPr>
                     </a:p>
                   </a:txBody>
-                  <a:tcPr marT="91425" marB="91425" marR="91425" marL="91425"/>
+                  <a:tcPr marL="91425" marR="91425" marT="91425" marB="91425"/>
                 </a:tc>
                 <a:tc>
                   <a:txBody>
                     <a:bodyPr/>
                     <a:lstStyle/>
                     <a:p>
-                      <a:pPr indent="0" lvl="0" marL="0" rtl="0" algn="ctr">
+                      <a:pPr marL="0" marR="0" lvl="0" indent="0" algn="ctr" rtl="0">
+                        <a:lnSpc>
+                          <a:spcPct val="100000"/>
+                        </a:lnSpc>
                         <a:spcBef>
                           <a:spcPts val="0"/>
                         </a:spcBef>
                         <a:spcAft>
                           <a:spcPts val="0"/>
                         </a:spcAft>
+                        <a:buClr>
+                          <a:srgbClr val="000000"/>
+                        </a:buClr>
+                        <a:buFont typeface="Arial"/>
                         <a:buNone/>
                       </a:pPr>
                       <a:r>
-                        <a:rPr lang="it" sz="1200">
-                          <a:latin typeface="Source Code Pro"/>
-                          <a:ea typeface="Source Code Pro"/>
-                          <a:cs typeface="Source Code Pro"/>
+                        <a:rPr lang="it" sz="1400" b="0" i="0" u="none" strike="noStrike" cap="none" dirty="0">
+                          <a:solidFill>
+                            <a:srgbClr val="000000"/>
+                          </a:solidFill>
+                          <a:latin typeface="Times New Roman" panose="02020603050405020304" pitchFamily="18" charset="0"/>
+                          <a:ea typeface="Source Code Pro Black" panose="020B0809030403020204" pitchFamily="49" charset="0"/>
+                          <a:cs typeface="Times New Roman" panose="02020603050405020304" pitchFamily="18" charset="0"/>
                           <a:sym typeface="Source Code Pro"/>
                         </a:rPr>
                         <a:t>0</a:t>
                       </a:r>
-                      <a:endParaRPr sz="1200">
-                        <a:latin typeface="Source Code Pro"/>
-                        <a:ea typeface="Source Code Pro"/>
-                        <a:cs typeface="Source Code Pro"/>
+                      <a:endParaRPr sz="1400" b="0" i="0" u="none" strike="noStrike" cap="none" dirty="0">
+                        <a:solidFill>
+                          <a:srgbClr val="000000"/>
+                        </a:solidFill>
+                        <a:latin typeface="Times New Roman" panose="02020603050405020304" pitchFamily="18" charset="0"/>
+                        <a:ea typeface="Source Code Pro Black" panose="020B0809030403020204" pitchFamily="49" charset="0"/>
+                        <a:cs typeface="Times New Roman" panose="02020603050405020304" pitchFamily="18" charset="0"/>
                         <a:sym typeface="Source Code Pro"/>
                       </a:endParaRPr>
                     </a:p>
                   </a:txBody>
-                  <a:tcPr marT="91425" marB="91425" marR="91425" marL="91425"/>
+                  <a:tcPr marL="91425" marR="91425" marT="91425" marB="91425"/>
                 </a:tc>
                 <a:tc>
                   <a:txBody>
                     <a:bodyPr/>
                     <a:lstStyle/>
                     <a:p>
-                      <a:pPr indent="0" lvl="0" marL="0" rtl="0" algn="ctr">
+                      <a:pPr marL="0" marR="0" lvl="0" indent="0" algn="ctr" rtl="0">
+                        <a:lnSpc>
+                          <a:spcPct val="100000"/>
+                        </a:lnSpc>
                         <a:spcBef>
                           <a:spcPts val="0"/>
                         </a:spcBef>
                         <a:spcAft>
                           <a:spcPts val="0"/>
                         </a:spcAft>
+                        <a:buClr>
+                          <a:srgbClr val="000000"/>
+                        </a:buClr>
+                        <a:buFont typeface="Arial"/>
                         <a:buNone/>
                       </a:pPr>
                       <a:r>
-                        <a:rPr lang="it" sz="1200">
-                          <a:latin typeface="Source Code Pro"/>
-                          <a:ea typeface="Source Code Pro"/>
-                          <a:cs typeface="Source Code Pro"/>
+                        <a:rPr lang="it" sz="1400" b="0" i="0" u="none" strike="noStrike" cap="none" dirty="0">
+                          <a:solidFill>
+                            <a:srgbClr val="000000"/>
+                          </a:solidFill>
+                          <a:latin typeface="Times New Roman" panose="02020603050405020304" pitchFamily="18" charset="0"/>
+                          <a:ea typeface="Source Code Pro Black" panose="020B0809030403020204" pitchFamily="49" charset="0"/>
+                          <a:cs typeface="Times New Roman" panose="02020603050405020304" pitchFamily="18" charset="0"/>
                           <a:sym typeface="Source Code Pro"/>
                         </a:rPr>
                         <a:t>0</a:t>
                       </a:r>
-                      <a:endParaRPr sz="1200">
-                        <a:latin typeface="Source Code Pro"/>
-                        <a:ea typeface="Source Code Pro"/>
-                        <a:cs typeface="Source Code Pro"/>
+                      <a:endParaRPr sz="1400" b="0" i="0" u="none" strike="noStrike" cap="none" dirty="0">
+                        <a:solidFill>
+                          <a:srgbClr val="000000"/>
+                        </a:solidFill>
+                        <a:latin typeface="Times New Roman" panose="02020603050405020304" pitchFamily="18" charset="0"/>
+                        <a:ea typeface="Source Code Pro Black" panose="020B0809030403020204" pitchFamily="49" charset="0"/>
+                        <a:cs typeface="Times New Roman" panose="02020603050405020304" pitchFamily="18" charset="0"/>
                         <a:sym typeface="Source Code Pro"/>
                       </a:endParaRPr>
                     </a:p>
                   </a:txBody>
-                  <a:tcPr marT="91425" marB="91425" marR="91425" marL="91425"/>
+                  <a:tcPr marL="91425" marR="91425" marT="91425" marB="91425"/>
                 </a:tc>
                 <a:tc>
                   <a:txBody>
                     <a:bodyPr/>
                     <a:lstStyle/>
                     <a:p>
-                      <a:pPr indent="0" lvl="0" marL="0" rtl="0" algn="ctr">
+                      <a:pPr marL="0" marR="0" lvl="0" indent="0" algn="ctr" rtl="0">
+                        <a:lnSpc>
+                          <a:spcPct val="100000"/>
+                        </a:lnSpc>
                         <a:spcBef>
                           <a:spcPts val="0"/>
                         </a:spcBef>
                         <a:spcAft>
                           <a:spcPts val="0"/>
                         </a:spcAft>
+                        <a:buClr>
+                          <a:srgbClr val="000000"/>
+                        </a:buClr>
+                        <a:buFont typeface="Arial"/>
                         <a:buNone/>
                       </a:pPr>
                       <a:r>
-                        <a:rPr lang="it" sz="1200">
-                          <a:latin typeface="Source Code Pro"/>
-                          <a:ea typeface="Source Code Pro"/>
-                          <a:cs typeface="Source Code Pro"/>
+                        <a:rPr lang="it" sz="1400" b="0" i="0" u="none" strike="noStrike" cap="none" dirty="0">
+                          <a:solidFill>
+                            <a:srgbClr val="000000"/>
+                          </a:solidFill>
+                          <a:latin typeface="Times New Roman" panose="02020603050405020304" pitchFamily="18" charset="0"/>
+                          <a:ea typeface="Source Code Pro Black" panose="020B0809030403020204" pitchFamily="49" charset="0"/>
+                          <a:cs typeface="Times New Roman" panose="02020603050405020304" pitchFamily="18" charset="0"/>
                           <a:sym typeface="Source Code Pro"/>
                         </a:rPr>
                         <a:t>1</a:t>
                       </a:r>
-                      <a:endParaRPr sz="1200">
-                        <a:latin typeface="Source Code Pro"/>
-                        <a:ea typeface="Source Code Pro"/>
-                        <a:cs typeface="Source Code Pro"/>
+                      <a:endParaRPr sz="1400" b="0" i="0" u="none" strike="noStrike" cap="none" dirty="0">
+                        <a:solidFill>
+                          <a:srgbClr val="000000"/>
+                        </a:solidFill>
+                        <a:latin typeface="Times New Roman" panose="02020603050405020304" pitchFamily="18" charset="0"/>
+                        <a:ea typeface="Source Code Pro Black" panose="020B0809030403020204" pitchFamily="49" charset="0"/>
+                        <a:cs typeface="Times New Roman" panose="02020603050405020304" pitchFamily="18" charset="0"/>
                         <a:sym typeface="Source Code Pro"/>
                       </a:endParaRPr>
                     </a:p>
                   </a:txBody>
-                  <a:tcPr marT="91425" marB="91425" marR="91425" marL="91425"/>
+                  <a:tcPr marL="91425" marR="91425" marT="91425" marB="91425"/>
                 </a:tc>
+                <a:extLst>
+                  <a:ext uri="{0D108BD9-81ED-4DB2-BD59-A6C34878D82A}">
+                    <a16:rowId xmlns:a16="http://schemas.microsoft.com/office/drawing/2014/main" val="10002"/>
+                  </a:ext>
+                </a:extLst>
               </a:tr>
               <a:tr h="381000">
                 <a:tc>
@@ -9181,166 +9622,236 @@
                     <a:bodyPr/>
                     <a:lstStyle/>
                     <a:p>
-                      <a:pPr indent="0" lvl="0" marL="0" rtl="0" algn="l">
+                      <a:pPr marL="0" marR="0" lvl="0" indent="0" algn="ctr" rtl="0">
+                        <a:lnSpc>
+                          <a:spcPct val="100000"/>
+                        </a:lnSpc>
                         <a:spcBef>
                           <a:spcPts val="0"/>
                         </a:spcBef>
                         <a:spcAft>
                           <a:spcPts val="0"/>
                         </a:spcAft>
+                        <a:buClr>
+                          <a:srgbClr val="000000"/>
+                        </a:buClr>
+                        <a:buFont typeface="Arial"/>
                         <a:buNone/>
                       </a:pPr>
                       <a:r>
-                        <a:rPr b="1" lang="it" sz="1000">
-                          <a:latin typeface="Source Code Pro"/>
-                          <a:ea typeface="Source Code Pro"/>
+                        <a:rPr lang="it" sz="1400" b="1" i="0" u="none" strike="noStrike" cap="none" dirty="0">
+                          <a:solidFill>
+                            <a:srgbClr val="000000"/>
+                          </a:solidFill>
+                          <a:latin typeface="Source Code Pro Black" panose="020B0809030403020204" pitchFamily="49" charset="0"/>
+                          <a:ea typeface="Source Code Pro Black" panose="020B0809030403020204" pitchFamily="49" charset="0"/>
                           <a:cs typeface="Source Code Pro"/>
                           <a:sym typeface="Source Code Pro"/>
                         </a:rPr>
                         <a:t>3</a:t>
                       </a:r>
-                      <a:endParaRPr b="1" sz="1000">
-                        <a:latin typeface="Source Code Pro"/>
-                        <a:ea typeface="Source Code Pro"/>
+                      <a:endParaRPr sz="1400" b="1" i="0" u="none" strike="noStrike" cap="none" dirty="0">
+                        <a:solidFill>
+                          <a:srgbClr val="000000"/>
+                        </a:solidFill>
+                        <a:latin typeface="Source Code Pro Black" panose="020B0809030403020204" pitchFamily="49" charset="0"/>
+                        <a:ea typeface="Source Code Pro Black" panose="020B0809030403020204" pitchFamily="49" charset="0"/>
                         <a:cs typeface="Source Code Pro"/>
                         <a:sym typeface="Source Code Pro"/>
                       </a:endParaRPr>
                     </a:p>
                   </a:txBody>
-                  <a:tcPr marT="91425" marB="91425" marR="91425" marL="91425"/>
+                  <a:tcPr marL="91425" marR="91425" marT="91425" marB="91425"/>
                 </a:tc>
                 <a:tc>
                   <a:txBody>
                     <a:bodyPr/>
                     <a:lstStyle/>
                     <a:p>
-                      <a:pPr indent="0" lvl="0" marL="0" rtl="0" algn="ctr">
+                      <a:pPr marL="0" marR="0" lvl="0" indent="0" algn="ctr" rtl="0">
+                        <a:lnSpc>
+                          <a:spcPct val="100000"/>
+                        </a:lnSpc>
                         <a:spcBef>
                           <a:spcPts val="0"/>
                         </a:spcBef>
                         <a:spcAft>
                           <a:spcPts val="0"/>
                         </a:spcAft>
+                        <a:buClr>
+                          <a:srgbClr val="000000"/>
+                        </a:buClr>
+                        <a:buFont typeface="Arial"/>
                         <a:buNone/>
                       </a:pPr>
                       <a:r>
-                        <a:rPr lang="it" sz="1200">
-                          <a:latin typeface="Source Code Pro"/>
-                          <a:ea typeface="Source Code Pro"/>
-                          <a:cs typeface="Source Code Pro"/>
+                        <a:rPr lang="it" sz="1400" b="0" i="0" u="none" strike="noStrike" cap="none">
+                          <a:solidFill>
+                            <a:srgbClr val="000000"/>
+                          </a:solidFill>
+                          <a:latin typeface="Times New Roman" panose="02020603050405020304" pitchFamily="18" charset="0"/>
+                          <a:ea typeface="Source Code Pro Black" panose="020B0809030403020204" pitchFamily="49" charset="0"/>
+                          <a:cs typeface="Times New Roman" panose="02020603050405020304" pitchFamily="18" charset="0"/>
                           <a:sym typeface="Source Code Pro"/>
                         </a:rPr>
                         <a:t>1</a:t>
                       </a:r>
-                      <a:endParaRPr sz="1200">
-                        <a:latin typeface="Source Code Pro"/>
-                        <a:ea typeface="Source Code Pro"/>
-                        <a:cs typeface="Source Code Pro"/>
+                      <a:endParaRPr sz="1400" b="0" i="0" u="none" strike="noStrike" cap="none">
+                        <a:solidFill>
+                          <a:srgbClr val="000000"/>
+                        </a:solidFill>
+                        <a:latin typeface="Times New Roman" panose="02020603050405020304" pitchFamily="18" charset="0"/>
+                        <a:ea typeface="Source Code Pro Black" panose="020B0809030403020204" pitchFamily="49" charset="0"/>
+                        <a:cs typeface="Times New Roman" panose="02020603050405020304" pitchFamily="18" charset="0"/>
                         <a:sym typeface="Source Code Pro"/>
                       </a:endParaRPr>
                     </a:p>
                   </a:txBody>
-                  <a:tcPr marT="91425" marB="91425" marR="91425" marL="91425"/>
+                  <a:tcPr marL="91425" marR="91425" marT="91425" marB="91425"/>
                 </a:tc>
                 <a:tc>
                   <a:txBody>
                     <a:bodyPr/>
                     <a:lstStyle/>
                     <a:p>
-                      <a:pPr indent="0" lvl="0" marL="0" rtl="0" algn="ctr">
+                      <a:pPr marL="0" marR="0" lvl="0" indent="0" algn="ctr" rtl="0">
+                        <a:lnSpc>
+                          <a:spcPct val="100000"/>
+                        </a:lnSpc>
                         <a:spcBef>
                           <a:spcPts val="0"/>
                         </a:spcBef>
                         <a:spcAft>
                           <a:spcPts val="0"/>
                         </a:spcAft>
+                        <a:buClr>
+                          <a:srgbClr val="000000"/>
+                        </a:buClr>
+                        <a:buFont typeface="Arial"/>
                         <a:buNone/>
                       </a:pPr>
                       <a:r>
-                        <a:rPr lang="it" sz="1200">
-                          <a:latin typeface="Source Code Pro"/>
-                          <a:ea typeface="Source Code Pro"/>
-                          <a:cs typeface="Source Code Pro"/>
+                        <a:rPr lang="it" sz="1400" b="0" i="0" u="none" strike="noStrike" cap="none" dirty="0">
+                          <a:solidFill>
+                            <a:srgbClr val="000000"/>
+                          </a:solidFill>
+                          <a:latin typeface="Times New Roman" panose="02020603050405020304" pitchFamily="18" charset="0"/>
+                          <a:ea typeface="Source Code Pro Black" panose="020B0809030403020204" pitchFamily="49" charset="0"/>
+                          <a:cs typeface="Times New Roman" panose="02020603050405020304" pitchFamily="18" charset="0"/>
                           <a:sym typeface="Source Code Pro"/>
                         </a:rPr>
                         <a:t>0</a:t>
                       </a:r>
-                      <a:endParaRPr sz="1200">
-                        <a:latin typeface="Source Code Pro"/>
-                        <a:ea typeface="Source Code Pro"/>
-                        <a:cs typeface="Source Code Pro"/>
+                      <a:endParaRPr sz="1400" b="0" i="0" u="none" strike="noStrike" cap="none" dirty="0">
+                        <a:solidFill>
+                          <a:srgbClr val="000000"/>
+                        </a:solidFill>
+                        <a:latin typeface="Times New Roman" panose="02020603050405020304" pitchFamily="18" charset="0"/>
+                        <a:ea typeface="Source Code Pro Black" panose="020B0809030403020204" pitchFamily="49" charset="0"/>
+                        <a:cs typeface="Times New Roman" panose="02020603050405020304" pitchFamily="18" charset="0"/>
                         <a:sym typeface="Source Code Pro"/>
                       </a:endParaRPr>
                     </a:p>
                   </a:txBody>
-                  <a:tcPr marT="91425" marB="91425" marR="91425" marL="91425"/>
+                  <a:tcPr marL="91425" marR="91425" marT="91425" marB="91425"/>
                 </a:tc>
                 <a:tc>
                   <a:txBody>
                     <a:bodyPr/>
                     <a:lstStyle/>
                     <a:p>
-                      <a:pPr indent="0" lvl="0" marL="0" rtl="0" algn="ctr">
+                      <a:pPr marL="0" marR="0" lvl="0" indent="0" algn="ctr" rtl="0">
+                        <a:lnSpc>
+                          <a:spcPct val="100000"/>
+                        </a:lnSpc>
                         <a:spcBef>
                           <a:spcPts val="0"/>
                         </a:spcBef>
                         <a:spcAft>
                           <a:spcPts val="0"/>
                         </a:spcAft>
+                        <a:buClr>
+                          <a:srgbClr val="000000"/>
+                        </a:buClr>
+                        <a:buFont typeface="Arial"/>
                         <a:buNone/>
                       </a:pPr>
                       <a:r>
-                        <a:rPr lang="it" sz="1200">
-                          <a:latin typeface="Source Code Pro"/>
-                          <a:ea typeface="Source Code Pro"/>
-                          <a:cs typeface="Source Code Pro"/>
+                        <a:rPr lang="it" sz="1400" b="0" i="0" u="none" strike="noStrike" cap="none" dirty="0">
+                          <a:solidFill>
+                            <a:srgbClr val="000000"/>
+                          </a:solidFill>
+                          <a:latin typeface="Times New Roman" panose="02020603050405020304" pitchFamily="18" charset="0"/>
+                          <a:ea typeface="Source Code Pro Black" panose="020B0809030403020204" pitchFamily="49" charset="0"/>
+                          <a:cs typeface="Times New Roman" panose="02020603050405020304" pitchFamily="18" charset="0"/>
                           <a:sym typeface="Source Code Pro"/>
                         </a:rPr>
                         <a:t>0</a:t>
                       </a:r>
-                      <a:endParaRPr sz="1200">
-                        <a:latin typeface="Source Code Pro"/>
-                        <a:ea typeface="Source Code Pro"/>
-                        <a:cs typeface="Source Code Pro"/>
+                      <a:endParaRPr sz="1400" b="0" i="0" u="none" strike="noStrike" cap="none" dirty="0">
+                        <a:solidFill>
+                          <a:srgbClr val="000000"/>
+                        </a:solidFill>
+                        <a:latin typeface="Times New Roman" panose="02020603050405020304" pitchFamily="18" charset="0"/>
+                        <a:ea typeface="Source Code Pro Black" panose="020B0809030403020204" pitchFamily="49" charset="0"/>
+                        <a:cs typeface="Times New Roman" panose="02020603050405020304" pitchFamily="18" charset="0"/>
                         <a:sym typeface="Source Code Pro"/>
                       </a:endParaRPr>
                     </a:p>
                   </a:txBody>
-                  <a:tcPr marT="91425" marB="91425" marR="91425" marL="91425"/>
+                  <a:tcPr marL="91425" marR="91425" marT="91425" marB="91425"/>
                 </a:tc>
                 <a:tc>
                   <a:txBody>
                     <a:bodyPr/>
                     <a:lstStyle/>
                     <a:p>
-                      <a:pPr indent="0" lvl="0" marL="0" rtl="0" algn="ctr">
+                      <a:pPr marL="0" marR="0" lvl="0" indent="0" algn="ctr" rtl="0">
+                        <a:lnSpc>
+                          <a:spcPct val="100000"/>
+                        </a:lnSpc>
                         <a:spcBef>
                           <a:spcPts val="0"/>
                         </a:spcBef>
                         <a:spcAft>
                           <a:spcPts val="0"/>
                         </a:spcAft>
+                        <a:buClr>
+                          <a:srgbClr val="000000"/>
+                        </a:buClr>
+                        <a:buFont typeface="Arial"/>
                         <a:buNone/>
                       </a:pPr>
                       <a:r>
-                        <a:rPr lang="it" sz="1200">
-                          <a:latin typeface="Source Code Pro"/>
-                          <a:ea typeface="Source Code Pro"/>
-                          <a:cs typeface="Source Code Pro"/>
+                        <a:rPr lang="it" sz="1400" b="0" i="0" u="none" strike="noStrike" cap="none" dirty="0">
+                          <a:solidFill>
+                            <a:srgbClr val="000000"/>
+                          </a:solidFill>
+                          <a:latin typeface="Times New Roman" panose="02020603050405020304" pitchFamily="18" charset="0"/>
+                          <a:ea typeface="Source Code Pro Black" panose="020B0809030403020204" pitchFamily="49" charset="0"/>
+                          <a:cs typeface="Times New Roman" panose="02020603050405020304" pitchFamily="18" charset="0"/>
                           <a:sym typeface="Source Code Pro"/>
                         </a:rPr>
                         <a:t>0</a:t>
                       </a:r>
-                      <a:endParaRPr sz="1200">
-                        <a:latin typeface="Source Code Pro"/>
-                        <a:ea typeface="Source Code Pro"/>
-                        <a:cs typeface="Source Code Pro"/>
+                      <a:endParaRPr sz="1400" b="0" i="0" u="none" strike="noStrike" cap="none" dirty="0">
+                        <a:solidFill>
+                          <a:srgbClr val="000000"/>
+                        </a:solidFill>
+                        <a:latin typeface="Times New Roman" panose="02020603050405020304" pitchFamily="18" charset="0"/>
+                        <a:ea typeface="Source Code Pro Black" panose="020B0809030403020204" pitchFamily="49" charset="0"/>
+                        <a:cs typeface="Times New Roman" panose="02020603050405020304" pitchFamily="18" charset="0"/>
                         <a:sym typeface="Source Code Pro"/>
                       </a:endParaRPr>
                     </a:p>
                   </a:txBody>
-                  <a:tcPr marT="91425" marB="91425" marR="91425" marL="91425"/>
+                  <a:tcPr marL="91425" marR="91425" marT="91425" marB="91425"/>
                 </a:tc>
+                <a:extLst>
+                  <a:ext uri="{0D108BD9-81ED-4DB2-BD59-A6C34878D82A}">
+                    <a16:rowId xmlns:a16="http://schemas.microsoft.com/office/drawing/2014/main" val="10003"/>
+                  </a:ext>
+                </a:extLst>
               </a:tr>
               <a:tr h="381000">
                 <a:tc>
@@ -9348,166 +9859,236 @@
                     <a:bodyPr/>
                     <a:lstStyle/>
                     <a:p>
-                      <a:pPr indent="0" lvl="0" marL="0" rtl="0" algn="l">
+                      <a:pPr marL="0" marR="0" lvl="0" indent="0" algn="ctr" rtl="0">
+                        <a:lnSpc>
+                          <a:spcPct val="100000"/>
+                        </a:lnSpc>
                         <a:spcBef>
                           <a:spcPts val="0"/>
                         </a:spcBef>
                         <a:spcAft>
                           <a:spcPts val="0"/>
                         </a:spcAft>
+                        <a:buClr>
+                          <a:srgbClr val="000000"/>
+                        </a:buClr>
+                        <a:buFont typeface="Arial"/>
                         <a:buNone/>
                       </a:pPr>
                       <a:r>
-                        <a:rPr b="1" lang="it" sz="1000">
-                          <a:latin typeface="Source Code Pro"/>
-                          <a:ea typeface="Source Code Pro"/>
+                        <a:rPr lang="it" sz="1400" b="1" i="0" u="none" strike="noStrike" cap="none" dirty="0">
+                          <a:solidFill>
+                            <a:srgbClr val="000000"/>
+                          </a:solidFill>
+                          <a:latin typeface="Source Code Pro Black" panose="020B0809030403020204" pitchFamily="49" charset="0"/>
+                          <a:ea typeface="Source Code Pro Black" panose="020B0809030403020204" pitchFamily="49" charset="0"/>
                           <a:cs typeface="Source Code Pro"/>
                           <a:sym typeface="Source Code Pro"/>
                         </a:rPr>
                         <a:t>4</a:t>
                       </a:r>
-                      <a:endParaRPr b="1" sz="1000">
-                        <a:latin typeface="Source Code Pro"/>
-                        <a:ea typeface="Source Code Pro"/>
+                      <a:endParaRPr sz="1400" b="1" i="0" u="none" strike="noStrike" cap="none" dirty="0">
+                        <a:solidFill>
+                          <a:srgbClr val="000000"/>
+                        </a:solidFill>
+                        <a:latin typeface="Source Code Pro Black" panose="020B0809030403020204" pitchFamily="49" charset="0"/>
+                        <a:ea typeface="Source Code Pro Black" panose="020B0809030403020204" pitchFamily="49" charset="0"/>
                         <a:cs typeface="Source Code Pro"/>
                         <a:sym typeface="Source Code Pro"/>
                       </a:endParaRPr>
                     </a:p>
                   </a:txBody>
-                  <a:tcPr marT="91425" marB="91425" marR="91425" marL="91425"/>
+                  <a:tcPr marL="91425" marR="91425" marT="91425" marB="91425"/>
                 </a:tc>
                 <a:tc>
                   <a:txBody>
                     <a:bodyPr/>
                     <a:lstStyle/>
                     <a:p>
-                      <a:pPr indent="0" lvl="0" marL="0" rtl="0" algn="ctr">
+                      <a:pPr marL="0" marR="0" lvl="0" indent="0" algn="ctr" rtl="0">
+                        <a:lnSpc>
+                          <a:spcPct val="100000"/>
+                        </a:lnSpc>
                         <a:spcBef>
                           <a:spcPts val="0"/>
                         </a:spcBef>
                         <a:spcAft>
                           <a:spcPts val="0"/>
                         </a:spcAft>
+                        <a:buClr>
+                          <a:srgbClr val="000000"/>
+                        </a:buClr>
+                        <a:buFont typeface="Arial"/>
                         <a:buNone/>
                       </a:pPr>
                       <a:r>
-                        <a:rPr lang="it" sz="1200">
-                          <a:latin typeface="Source Code Pro"/>
-                          <a:ea typeface="Source Code Pro"/>
-                          <a:cs typeface="Source Code Pro"/>
+                        <a:rPr lang="it" sz="1400" b="0" i="0" u="none" strike="noStrike" cap="none" dirty="0">
+                          <a:solidFill>
+                            <a:srgbClr val="000000"/>
+                          </a:solidFill>
+                          <a:latin typeface="Times New Roman" panose="02020603050405020304" pitchFamily="18" charset="0"/>
+                          <a:ea typeface="Source Code Pro Black" panose="020B0809030403020204" pitchFamily="49" charset="0"/>
+                          <a:cs typeface="Times New Roman" panose="02020603050405020304" pitchFamily="18" charset="0"/>
                           <a:sym typeface="Source Code Pro"/>
                         </a:rPr>
                         <a:t>0</a:t>
                       </a:r>
-                      <a:endParaRPr sz="1200">
-                        <a:latin typeface="Source Code Pro"/>
-                        <a:ea typeface="Source Code Pro"/>
-                        <a:cs typeface="Source Code Pro"/>
+                      <a:endParaRPr sz="1400" b="0" i="0" u="none" strike="noStrike" cap="none" dirty="0">
+                        <a:solidFill>
+                          <a:srgbClr val="000000"/>
+                        </a:solidFill>
+                        <a:latin typeface="Times New Roman" panose="02020603050405020304" pitchFamily="18" charset="0"/>
+                        <a:ea typeface="Source Code Pro Black" panose="020B0809030403020204" pitchFamily="49" charset="0"/>
+                        <a:cs typeface="Times New Roman" panose="02020603050405020304" pitchFamily="18" charset="0"/>
                         <a:sym typeface="Source Code Pro"/>
                       </a:endParaRPr>
                     </a:p>
                   </a:txBody>
-                  <a:tcPr marT="91425" marB="91425" marR="91425" marL="91425"/>
+                  <a:tcPr marL="91425" marR="91425" marT="91425" marB="91425"/>
                 </a:tc>
                 <a:tc>
                   <a:txBody>
                     <a:bodyPr/>
                     <a:lstStyle/>
                     <a:p>
-                      <a:pPr indent="0" lvl="0" marL="0" rtl="0" algn="ctr">
+                      <a:pPr marL="0" marR="0" lvl="0" indent="0" algn="ctr" rtl="0">
+                        <a:lnSpc>
+                          <a:spcPct val="100000"/>
+                        </a:lnSpc>
                         <a:spcBef>
                           <a:spcPts val="0"/>
                         </a:spcBef>
                         <a:spcAft>
                           <a:spcPts val="0"/>
                         </a:spcAft>
+                        <a:buClr>
+                          <a:srgbClr val="000000"/>
+                        </a:buClr>
+                        <a:buFont typeface="Arial"/>
                         <a:buNone/>
                       </a:pPr>
                       <a:r>
-                        <a:rPr lang="it" sz="1200">
-                          <a:latin typeface="Source Code Pro"/>
-                          <a:ea typeface="Source Code Pro"/>
-                          <a:cs typeface="Source Code Pro"/>
+                        <a:rPr lang="it" sz="1400" b="0" i="0" u="none" strike="noStrike" cap="none" dirty="0">
+                          <a:solidFill>
+                            <a:srgbClr val="000000"/>
+                          </a:solidFill>
+                          <a:latin typeface="Times New Roman" panose="02020603050405020304" pitchFamily="18" charset="0"/>
+                          <a:ea typeface="Source Code Pro Black" panose="020B0809030403020204" pitchFamily="49" charset="0"/>
+                          <a:cs typeface="Times New Roman" panose="02020603050405020304" pitchFamily="18" charset="0"/>
                           <a:sym typeface="Source Code Pro"/>
                         </a:rPr>
                         <a:t>0</a:t>
                       </a:r>
-                      <a:endParaRPr sz="1200">
-                        <a:latin typeface="Source Code Pro"/>
-                        <a:ea typeface="Source Code Pro"/>
-                        <a:cs typeface="Source Code Pro"/>
+                      <a:endParaRPr sz="1400" b="0" i="0" u="none" strike="noStrike" cap="none" dirty="0">
+                        <a:solidFill>
+                          <a:srgbClr val="000000"/>
+                        </a:solidFill>
+                        <a:latin typeface="Times New Roman" panose="02020603050405020304" pitchFamily="18" charset="0"/>
+                        <a:ea typeface="Source Code Pro Black" panose="020B0809030403020204" pitchFamily="49" charset="0"/>
+                        <a:cs typeface="Times New Roman" panose="02020603050405020304" pitchFamily="18" charset="0"/>
                         <a:sym typeface="Source Code Pro"/>
                       </a:endParaRPr>
                     </a:p>
                   </a:txBody>
-                  <a:tcPr marT="91425" marB="91425" marR="91425" marL="91425"/>
+                  <a:tcPr marL="91425" marR="91425" marT="91425" marB="91425"/>
                 </a:tc>
                 <a:tc>
                   <a:txBody>
                     <a:bodyPr/>
                     <a:lstStyle/>
                     <a:p>
-                      <a:pPr indent="0" lvl="0" marL="0" rtl="0" algn="ctr">
+                      <a:pPr marL="0" marR="0" lvl="0" indent="0" algn="ctr" rtl="0">
+                        <a:lnSpc>
+                          <a:spcPct val="100000"/>
+                        </a:lnSpc>
                         <a:spcBef>
                           <a:spcPts val="0"/>
                         </a:spcBef>
                         <a:spcAft>
                           <a:spcPts val="0"/>
                         </a:spcAft>
+                        <a:buClr>
+                          <a:srgbClr val="000000"/>
+                        </a:buClr>
+                        <a:buFont typeface="Arial"/>
                         <a:buNone/>
                       </a:pPr>
                       <a:r>
-                        <a:rPr lang="it" sz="1200">
-                          <a:latin typeface="Source Code Pro"/>
-                          <a:ea typeface="Source Code Pro"/>
-                          <a:cs typeface="Source Code Pro"/>
+                        <a:rPr lang="it" sz="1400" b="0" i="0" u="none" strike="noStrike" cap="none" dirty="0">
+                          <a:solidFill>
+                            <a:srgbClr val="000000"/>
+                          </a:solidFill>
+                          <a:latin typeface="Times New Roman" panose="02020603050405020304" pitchFamily="18" charset="0"/>
+                          <a:ea typeface="Source Code Pro Black" panose="020B0809030403020204" pitchFamily="49" charset="0"/>
+                          <a:cs typeface="Times New Roman" panose="02020603050405020304" pitchFamily="18" charset="0"/>
                           <a:sym typeface="Source Code Pro"/>
                         </a:rPr>
                         <a:t>1</a:t>
                       </a:r>
-                      <a:endParaRPr sz="1200">
-                        <a:latin typeface="Source Code Pro"/>
-                        <a:ea typeface="Source Code Pro"/>
-                        <a:cs typeface="Source Code Pro"/>
+                      <a:endParaRPr sz="1400" b="0" i="0" u="none" strike="noStrike" cap="none" dirty="0">
+                        <a:solidFill>
+                          <a:srgbClr val="000000"/>
+                        </a:solidFill>
+                        <a:latin typeface="Times New Roman" panose="02020603050405020304" pitchFamily="18" charset="0"/>
+                        <a:ea typeface="Source Code Pro Black" panose="020B0809030403020204" pitchFamily="49" charset="0"/>
+                        <a:cs typeface="Times New Roman" panose="02020603050405020304" pitchFamily="18" charset="0"/>
                         <a:sym typeface="Source Code Pro"/>
                       </a:endParaRPr>
                     </a:p>
                   </a:txBody>
-                  <a:tcPr marT="91425" marB="91425" marR="91425" marL="91425"/>
+                  <a:tcPr marL="91425" marR="91425" marT="91425" marB="91425"/>
                 </a:tc>
                 <a:tc>
                   <a:txBody>
                     <a:bodyPr/>
                     <a:lstStyle/>
                     <a:p>
-                      <a:pPr indent="0" lvl="0" marL="0" rtl="0" algn="ctr">
+                      <a:pPr marL="0" marR="0" lvl="0" indent="0" algn="ctr" rtl="0">
+                        <a:lnSpc>
+                          <a:spcPct val="100000"/>
+                        </a:lnSpc>
                         <a:spcBef>
                           <a:spcPts val="0"/>
                         </a:spcBef>
                         <a:spcAft>
                           <a:spcPts val="0"/>
                         </a:spcAft>
+                        <a:buClr>
+                          <a:srgbClr val="000000"/>
+                        </a:buClr>
+                        <a:buFont typeface="Arial"/>
                         <a:buNone/>
                       </a:pPr>
                       <a:r>
-                        <a:rPr lang="it" sz="1200">
-                          <a:latin typeface="Source Code Pro"/>
-                          <a:ea typeface="Source Code Pro"/>
-                          <a:cs typeface="Source Code Pro"/>
+                        <a:rPr lang="it" sz="1400" b="0" i="0" u="none" strike="noStrike" cap="none" dirty="0">
+                          <a:solidFill>
+                            <a:srgbClr val="000000"/>
+                          </a:solidFill>
+                          <a:latin typeface="Times New Roman" panose="02020603050405020304" pitchFamily="18" charset="0"/>
+                          <a:ea typeface="Source Code Pro Black" panose="020B0809030403020204" pitchFamily="49" charset="0"/>
+                          <a:cs typeface="Times New Roman" panose="02020603050405020304" pitchFamily="18" charset="0"/>
                           <a:sym typeface="Source Code Pro"/>
                         </a:rPr>
                         <a:t>0</a:t>
                       </a:r>
-                      <a:endParaRPr sz="1200">
-                        <a:latin typeface="Source Code Pro"/>
-                        <a:ea typeface="Source Code Pro"/>
-                        <a:cs typeface="Source Code Pro"/>
+                      <a:endParaRPr sz="1400" b="0" i="0" u="none" strike="noStrike" cap="none" dirty="0">
+                        <a:solidFill>
+                          <a:srgbClr val="000000"/>
+                        </a:solidFill>
+                        <a:latin typeface="Times New Roman" panose="02020603050405020304" pitchFamily="18" charset="0"/>
+                        <a:ea typeface="Source Code Pro Black" panose="020B0809030403020204" pitchFamily="49" charset="0"/>
+                        <a:cs typeface="Times New Roman" panose="02020603050405020304" pitchFamily="18" charset="0"/>
                         <a:sym typeface="Source Code Pro"/>
                       </a:endParaRPr>
                     </a:p>
                   </a:txBody>
-                  <a:tcPr marT="91425" marB="91425" marR="91425" marL="91425"/>
+                  <a:tcPr marL="91425" marR="91425" marT="91425" marB="91425"/>
                 </a:tc>
+                <a:extLst>
+                  <a:ext uri="{0D108BD9-81ED-4DB2-BD59-A6C34878D82A}">
+                    <a16:rowId xmlns:a16="http://schemas.microsoft.com/office/drawing/2014/main" val="10004"/>
+                  </a:ext>
+                </a:extLst>
               </a:tr>
             </a:tbl>
           </a:graphicData>
@@ -9522,11 +10103,11 @@
 </file>
 
 <file path=ppt/slides/slide6.xml><?xml version="1.0" encoding="utf-8"?>
-<p:sld xmlns:a="http://schemas.openxmlformats.org/drawingml/2006/main" xmlns:r="http://schemas.openxmlformats.org/officeDocument/2006/relationships" xmlns:mc="http://schemas.openxmlformats.org/markup-compatibility/2006" xmlns:mv="urn:schemas-microsoft-com:mac:vml" xmlns:p="http://schemas.openxmlformats.org/presentationml/2006/main" xmlns:c="http://schemas.openxmlformats.org/drawingml/2006/chart" xmlns:dgm="http://schemas.openxmlformats.org/drawingml/2006/diagram" xmlns:o="urn:schemas-microsoft-com:office:office" xmlns:v="urn:schemas-microsoft-com:vml" xmlns:pvml="urn:schemas-microsoft-com:office:powerpoint" xmlns:com="http://schemas.openxmlformats.org/drawingml/2006/compatibility" xmlns:p14="http://schemas.microsoft.com/office/powerpoint/2010/main" xmlns:p15="http://schemas.microsoft.com/office/powerpoint/2012/main" xmlns:ahyp="http://schemas.microsoft.com/office/drawing/2018/hyperlinkcolor">
+<p:sld xmlns:a="http://schemas.openxmlformats.org/drawingml/2006/main" xmlns:r="http://schemas.openxmlformats.org/officeDocument/2006/relationships" xmlns:p="http://schemas.openxmlformats.org/presentationml/2006/main">
   <p:cSld>
     <p:spTree>
       <p:nvGrpSpPr>
-        <p:cNvPr id="87" name="Shape 87"/>
+        <p:cNvPr id="1" name="Shape 87"/>
         <p:cNvGrpSpPr/>
         <p:nvPr/>
       </p:nvGrpSpPr>
@@ -9541,7 +10122,9 @@
       <p:sp>
         <p:nvSpPr>
           <p:cNvPr id="88" name="Google Shape;88;p18"/>
-          <p:cNvSpPr txBox="1"/>
+          <p:cNvSpPr txBox="1">
+            <a:spLocks noGrp="1"/>
+          </p:cNvSpPr>
           <p:nvPr>
             <p:ph type="title"/>
           </p:nvPr>
@@ -9556,12 +10139,12 @@
           </a:prstGeom>
         </p:spPr>
         <p:txBody>
-          <a:bodyPr anchorCtr="0" anchor="t" bIns="91425" lIns="91425" spcFirstLastPara="1" rIns="91425" wrap="square" tIns="91425">
+          <a:bodyPr spcFirstLastPara="1" wrap="square" lIns="91425" tIns="91425" rIns="91425" bIns="91425" anchor="t" anchorCtr="0">
             <a:normAutofit fontScale="90000"/>
           </a:bodyPr>
           <a:lstStyle/>
           <a:p>
-            <a:pPr indent="0" lvl="0" marL="0" rtl="0" algn="l">
+            <a:pPr marL="0" lvl="0" indent="0" algn="l" rtl="0">
               <a:spcBef>
                 <a:spcPts val="0"/>
               </a:spcBef>
@@ -9571,16 +10154,16 @@
               <a:buNone/>
             </a:pPr>
             <a:r>
-              <a:rPr lang="it">
-                <a:solidFill>
-                  <a:srgbClr val="38761D"/>
+              <a:rPr lang="it" dirty="0">
+                <a:solidFill>
+                  <a:srgbClr val="00B050"/>
                 </a:solidFill>
               </a:rPr>
               <a:t>Modelli utilizzati</a:t>
             </a:r>
-            <a:endParaRPr>
+            <a:endParaRPr dirty="0">
               <a:solidFill>
-                <a:srgbClr val="38761D"/>
+                <a:srgbClr val="00B050"/>
               </a:solidFill>
             </a:endParaRPr>
           </a:p>
@@ -9589,9 +10172,11 @@
       <p:sp>
         <p:nvSpPr>
           <p:cNvPr id="89" name="Google Shape;89;p18"/>
-          <p:cNvSpPr txBox="1"/>
+          <p:cNvSpPr txBox="1">
+            <a:spLocks noGrp="1"/>
+          </p:cNvSpPr>
           <p:nvPr>
-            <p:ph idx="1" type="body"/>
+            <p:ph type="body" idx="1"/>
           </p:nvPr>
         </p:nvSpPr>
         <p:spPr>
@@ -9604,12 +10189,12 @@
           </a:prstGeom>
         </p:spPr>
         <p:txBody>
-          <a:bodyPr anchorCtr="0" anchor="t" bIns="91425" lIns="91425" spcFirstLastPara="1" rIns="91425" wrap="square" tIns="91425">
+          <a:bodyPr spcFirstLastPara="1" wrap="square" lIns="91425" tIns="91425" rIns="91425" bIns="91425" anchor="t" anchorCtr="0">
             <a:normAutofit/>
           </a:bodyPr>
           <a:lstStyle/>
           <a:p>
-            <a:pPr indent="0" lvl="0" marL="0" rtl="0" algn="l">
+            <a:pPr marL="0" lvl="0" indent="0" algn="l" rtl="0">
               <a:spcBef>
                 <a:spcPts val="0"/>
               </a:spcBef>
@@ -9619,21 +10204,21 @@
               <a:buNone/>
             </a:pPr>
             <a:r>
-              <a:rPr lang="it" sz="1400">
+              <a:rPr lang="it" sz="1400" dirty="0">
                 <a:solidFill>
                   <a:schemeClr val="accent1"/>
                 </a:solidFill>
               </a:rPr>
               <a:t>Abbiamo testato due modelli di Machine Learning per la regressione dell’impronta di carbonio:</a:t>
             </a:r>
-            <a:endParaRPr sz="1400">
+            <a:endParaRPr sz="1400" dirty="0">
               <a:solidFill>
                 <a:schemeClr val="accent1"/>
               </a:solidFill>
             </a:endParaRPr>
           </a:p>
           <a:p>
-            <a:pPr indent="-317500" lvl="0" marL="457200" rtl="0" algn="l">
+            <a:pPr marL="457200" lvl="0" indent="-317500" algn="l" rtl="0">
               <a:spcBef>
                 <a:spcPts val="1200"/>
               </a:spcBef>
@@ -9647,49 +10232,119 @@
               <a:buChar char="●"/>
             </a:pPr>
             <a:r>
-              <a:rPr b="1" lang="it" sz="1400">
+              <a:rPr lang="it" sz="1400" b="1" dirty="0">
                 <a:solidFill>
                   <a:schemeClr val="accent1"/>
                 </a:solidFill>
+                <a:latin typeface="Source Code Pro Black" panose="020B0809030403020204" pitchFamily="49" charset="0"/>
+                <a:ea typeface="Source Code Pro Black" panose="020B0809030403020204" pitchFamily="49" charset="0"/>
               </a:rPr>
               <a:t>Decision Tree </a:t>
             </a:r>
-            <a:endParaRPr b="1" sz="1400">
+            <a:endParaRPr sz="1400" b="1" dirty="0">
+              <a:solidFill>
+                <a:schemeClr val="accent1"/>
+              </a:solidFill>
+              <a:latin typeface="Source Code Pro Black" panose="020B0809030403020204" pitchFamily="49" charset="0"/>
+              <a:ea typeface="Source Code Pro Black" panose="020B0809030403020204" pitchFamily="49" charset="0"/>
+            </a:endParaRPr>
+          </a:p>
+          <a:p>
+            <a:pPr indent="-317500">
+              <a:spcBef>
+                <a:spcPts val="1200"/>
+              </a:spcBef>
+              <a:buClr>
+                <a:schemeClr val="accent1"/>
+              </a:buClr>
+              <a:buSzPts val="1400"/>
+            </a:pPr>
+            <a:r>
+              <a:rPr lang="it" sz="1400" b="1" dirty="0">
+                <a:solidFill>
+                  <a:schemeClr val="accent1"/>
+                </a:solidFill>
+                <a:latin typeface="Source Code Pro Black" panose="020B0809030403020204" pitchFamily="49" charset="0"/>
+                <a:ea typeface="Source Code Pro Black" panose="020B0809030403020204" pitchFamily="49" charset="0"/>
+              </a:rPr>
+              <a:t>Random Forest </a:t>
+            </a:r>
+            <a:endParaRPr sz="1400" b="1" dirty="0">
+              <a:solidFill>
+                <a:schemeClr val="accent1"/>
+              </a:solidFill>
+              <a:latin typeface="Source Code Pro Black" panose="020B0809030403020204" pitchFamily="49" charset="0"/>
+              <a:ea typeface="Source Code Pro Black" panose="020B0809030403020204" pitchFamily="49" charset="0"/>
+            </a:endParaRPr>
+          </a:p>
+          <a:p>
+            <a:pPr marL="0" lvl="0" indent="0" algn="l" rtl="0">
+              <a:spcBef>
+                <a:spcPts val="1200"/>
+              </a:spcBef>
+              <a:spcAft>
+                <a:spcPts val="0"/>
+              </a:spcAft>
+              <a:buNone/>
+            </a:pPr>
+            <a:r>
+              <a:rPr lang="it" sz="1400" dirty="0">
+                <a:solidFill>
+                  <a:schemeClr val="accent1"/>
+                </a:solidFill>
+              </a:rPr>
+              <a:t>Per ogni modello sono state calcolate le seguenti metriche di valutazione:</a:t>
+            </a:r>
+            <a:endParaRPr sz="1400" dirty="0">
               <a:solidFill>
                 <a:schemeClr val="accent1"/>
               </a:solidFill>
             </a:endParaRPr>
           </a:p>
           <a:p>
-            <a:pPr indent="-317500" lvl="0" marL="457200" rtl="0" algn="l">
-              <a:spcBef>
-                <a:spcPts val="0"/>
-              </a:spcBef>
-              <a:spcAft>
-                <a:spcPts val="0"/>
-              </a:spcAft>
-              <a:buClr>
-                <a:schemeClr val="accent1"/>
-              </a:buClr>
-              <a:buSzPts val="1400"/>
-              <a:buChar char="●"/>
+            <a:pPr marL="0" lvl="0" indent="0" algn="l" rtl="0">
+              <a:spcBef>
+                <a:spcPts val="1200"/>
+              </a:spcBef>
+              <a:spcAft>
+                <a:spcPts val="0"/>
+              </a:spcAft>
+              <a:buNone/>
             </a:pPr>
             <a:r>
-              <a:rPr b="1" lang="it" sz="1400">
+              <a:rPr lang="it" sz="1400" dirty="0">
                 <a:solidFill>
                   <a:schemeClr val="accent1"/>
                 </a:solidFill>
               </a:rPr>
-              <a:t>Random Forest </a:t>
+              <a:t>🔹 </a:t>
             </a:r>
-            <a:endParaRPr b="1" sz="1400">
+            <a:r>
+              <a:rPr lang="it" sz="1400" b="1" dirty="0">
+                <a:solidFill>
+                  <a:schemeClr val="accent1"/>
+                </a:solidFill>
+                <a:latin typeface="Source Code Pro Black" panose="020B0809030403020204" pitchFamily="49" charset="0"/>
+                <a:ea typeface="Source Code Pro Black" panose="020B0809030403020204" pitchFamily="49" charset="0"/>
+              </a:rPr>
+              <a:t>MAE </a:t>
+            </a:r>
+            <a:r>
+              <a:rPr lang="it" sz="1400" dirty="0">
+                <a:solidFill>
+                  <a:schemeClr val="accent1"/>
+                </a:solidFill>
+              </a:rPr>
+              <a:t>(Mean Absolute Error)</a:t>
+            </a:r>
+            <a:endParaRPr sz="1400" dirty="0">
               <a:solidFill>
                 <a:schemeClr val="accent1"/>
               </a:solidFill>
             </a:endParaRPr>
           </a:p>
           <a:p>
-            <a:pPr indent="0" lvl="0" marL="0" rtl="0" algn="l">
+            <a:pPr marL="0" lvl="0" indent="0" algn="l" rtl="0">
               <a:spcBef>
                 <a:spcPts val="1200"/>
               </a:spcBef>
@@ -9699,31 +10354,7 @@
               <a:buNone/>
             </a:pPr>
             <a:r>
-              <a:rPr lang="it" sz="1400">
-                <a:solidFill>
-                  <a:schemeClr val="accent1"/>
-                </a:solidFill>
-              </a:rPr>
-              <a:t>Per ogni modello sono state calcolate le seguenti metriche di valutazione:</a:t>
-            </a:r>
-            <a:endParaRPr sz="1400">
-              <a:solidFill>
-                <a:schemeClr val="accent1"/>
-              </a:solidFill>
-            </a:endParaRPr>
-          </a:p>
-          <a:p>
-            <a:pPr indent="0" lvl="0" marL="0" rtl="0" algn="l">
-              <a:spcBef>
-                <a:spcPts val="1200"/>
-              </a:spcBef>
-              <a:spcAft>
-                <a:spcPts val="0"/>
-              </a:spcAft>
-              <a:buNone/>
-            </a:pPr>
-            <a:r>
-              <a:rPr lang="it" sz="1400">
+              <a:rPr lang="it" sz="1400" dirty="0">
                 <a:solidFill>
                   <a:schemeClr val="accent1"/>
                 </a:solidFill>
@@ -9731,29 +10362,26 @@
               <a:t>🔹 </a:t>
             </a:r>
             <a:r>
-              <a:rPr b="1" lang="it" sz="1400">
+              <a:rPr lang="it" sz="1400" b="1" dirty="0">
                 <a:solidFill>
                   <a:schemeClr val="accent1"/>
                 </a:solidFill>
+                <a:latin typeface="Source Code Pro Black" panose="020B0809030403020204" pitchFamily="49" charset="0"/>
+                <a:ea typeface="Source Code Pro Black" panose="020B0809030403020204" pitchFamily="49" charset="0"/>
               </a:rPr>
-              <a:t>MAE</a:t>
+              <a:t>MSE</a:t>
             </a:r>
             <a:r>
-              <a:rPr lang="it" sz="1400">
+              <a:rPr lang="it" sz="1400" dirty="0">
                 <a:solidFill>
                   <a:schemeClr val="accent1"/>
                 </a:solidFill>
               </a:rPr>
-              <a:t> (Mean Absolute Error)</a:t>
+              <a:t> (Mean Squared Error)</a:t>
             </a:r>
-            <a:endParaRPr sz="1400">
-              <a:solidFill>
-                <a:schemeClr val="accent1"/>
-              </a:solidFill>
-            </a:endParaRPr>
           </a:p>
           <a:p>
-            <a:pPr indent="0" lvl="0" marL="0" rtl="0" algn="l">
+            <a:pPr marL="0" lvl="0" indent="0" algn="l" rtl="0">
               <a:spcBef>
                 <a:spcPts val="1200"/>
               </a:spcBef>
@@ -9763,7 +10391,7 @@
               <a:buNone/>
             </a:pPr>
             <a:r>
-              <a:rPr lang="it" sz="1400">
+              <a:rPr lang="it" sz="1400" dirty="0">
                 <a:solidFill>
                   <a:schemeClr val="accent1"/>
                 </a:solidFill>
@@ -9771,29 +10399,25 @@
               <a:t>🔹 </a:t>
             </a:r>
             <a:r>
-              <a:rPr b="1" lang="it" sz="1400">
+              <a:rPr lang="it" sz="1400" b="1" dirty="0">
                 <a:solidFill>
                   <a:schemeClr val="accent1"/>
                 </a:solidFill>
+                <a:latin typeface="Source Code Pro Black" panose="020B0809030403020204" pitchFamily="49" charset="0"/>
+                <a:ea typeface="Source Code Pro Black" panose="020B0809030403020204" pitchFamily="49" charset="0"/>
               </a:rPr>
-              <a:t>MSE</a:t>
+              <a:t>R² Score</a:t>
             </a:r>
-            <a:r>
-              <a:rPr lang="it" sz="1400">
-                <a:solidFill>
-                  <a:schemeClr val="accent1"/>
-                </a:solidFill>
-              </a:rPr>
-              <a:t> (Mean Squared Error)</a:t>
-            </a:r>
-            <a:endParaRPr sz="1400">
+            <a:endParaRPr sz="1400" b="1" dirty="0">
               <a:solidFill>
                 <a:schemeClr val="accent1"/>
               </a:solidFill>
+              <a:latin typeface="Source Code Pro Black" panose="020B0809030403020204" pitchFamily="49" charset="0"/>
+              <a:ea typeface="Source Code Pro Black" panose="020B0809030403020204" pitchFamily="49" charset="0"/>
             </a:endParaRPr>
           </a:p>
           <a:p>
-            <a:pPr indent="0" lvl="0" marL="0" rtl="0" algn="l">
+            <a:pPr marL="0" lvl="0" indent="0" algn="l" rtl="0">
               <a:spcBef>
                 <a:spcPts val="1200"/>
               </a:spcBef>
@@ -9802,57 +10426,25 @@
               </a:spcAft>
               <a:buNone/>
             </a:pPr>
-            <a:r>
-              <a:rPr lang="it" sz="1400">
-                <a:solidFill>
-                  <a:schemeClr val="accent1"/>
-                </a:solidFill>
-              </a:rPr>
-              <a:t>🔹 </a:t>
-            </a:r>
-            <a:r>
-              <a:rPr b="1" lang="it" sz="1400">
-                <a:solidFill>
-                  <a:schemeClr val="accent1"/>
-                </a:solidFill>
-              </a:rPr>
-              <a:t>R² Score</a:t>
-            </a:r>
-            <a:endParaRPr b="1" sz="1400">
+            <a:endParaRPr sz="1300" dirty="0"/>
+          </a:p>
+          <a:p>
+            <a:pPr marL="0" lvl="0" indent="0" algn="l" rtl="0">
+              <a:spcBef>
+                <a:spcPts val="1200"/>
+              </a:spcBef>
+              <a:spcAft>
+                <a:spcPts val="1200"/>
+              </a:spcAft>
+              <a:buNone/>
+            </a:pPr>
+            <a:endParaRPr sz="1400" b="1" dirty="0">
               <a:solidFill>
                 <a:schemeClr val="accent1"/>
               </a:solidFill>
+              <a:latin typeface="Source Code Pro Black" panose="020B0809030403020204" pitchFamily="49" charset="0"/>
+              <a:ea typeface="Source Code Pro Black" panose="020B0809030403020204" pitchFamily="49" charset="0"/>
             </a:endParaRPr>
-          </a:p>
-          <a:p>
-            <a:pPr indent="0" lvl="0" marL="0" rtl="0" algn="l">
-              <a:spcBef>
-                <a:spcPts val="1200"/>
-              </a:spcBef>
-              <a:spcAft>
-                <a:spcPts val="0"/>
-              </a:spcAft>
-              <a:buNone/>
-            </a:pPr>
-            <a:r>
-              <a:t/>
-            </a:r>
-            <a:endParaRPr sz="1300"/>
-          </a:p>
-          <a:p>
-            <a:pPr indent="0" lvl="0" marL="0" rtl="0" algn="l">
-              <a:spcBef>
-                <a:spcPts val="1200"/>
-              </a:spcBef>
-              <a:spcAft>
-                <a:spcPts val="1200"/>
-              </a:spcAft>
-              <a:buNone/>
-            </a:pPr>
-            <a:r>
-              <a:t/>
-            </a:r>
-            <a:endParaRPr/>
           </a:p>
         </p:txBody>
       </p:sp>
@@ -9865,11 +10457,11 @@
 </file>
 
 <file path=ppt/slides/slide7.xml><?xml version="1.0" encoding="utf-8"?>
-<p:sld xmlns:a="http://schemas.openxmlformats.org/drawingml/2006/main" xmlns:r="http://schemas.openxmlformats.org/officeDocument/2006/relationships" xmlns:mc="http://schemas.openxmlformats.org/markup-compatibility/2006" xmlns:mv="urn:schemas-microsoft-com:mac:vml" xmlns:p="http://schemas.openxmlformats.org/presentationml/2006/main" xmlns:c="http://schemas.openxmlformats.org/drawingml/2006/chart" xmlns:dgm="http://schemas.openxmlformats.org/drawingml/2006/diagram" xmlns:o="urn:schemas-microsoft-com:office:office" xmlns:v="urn:schemas-microsoft-com:vml" xmlns:pvml="urn:schemas-microsoft-com:office:powerpoint" xmlns:com="http://schemas.openxmlformats.org/drawingml/2006/compatibility" xmlns:p14="http://schemas.microsoft.com/office/powerpoint/2010/main" xmlns:p15="http://schemas.microsoft.com/office/powerpoint/2012/main" xmlns:ahyp="http://schemas.microsoft.com/office/drawing/2018/hyperlinkcolor">
+<p:sld xmlns:a="http://schemas.openxmlformats.org/drawingml/2006/main" xmlns:r="http://schemas.openxmlformats.org/officeDocument/2006/relationships" xmlns:p="http://schemas.openxmlformats.org/presentationml/2006/main">
   <p:cSld>
     <p:spTree>
       <p:nvGrpSpPr>
-        <p:cNvPr id="93" name="Shape 93"/>
+        <p:cNvPr id="1" name="Shape 93"/>
         <p:cNvGrpSpPr/>
         <p:nvPr/>
       </p:nvGrpSpPr>
@@ -9884,7 +10476,9 @@
       <p:sp>
         <p:nvSpPr>
           <p:cNvPr id="94" name="Google Shape;94;p19"/>
-          <p:cNvSpPr txBox="1"/>
+          <p:cNvSpPr txBox="1">
+            <a:spLocks noGrp="1"/>
+          </p:cNvSpPr>
           <p:nvPr>
             <p:ph type="title"/>
           </p:nvPr>
@@ -9899,12 +10493,12 @@
           </a:prstGeom>
         </p:spPr>
         <p:txBody>
-          <a:bodyPr anchorCtr="0" anchor="t" bIns="91425" lIns="91425" spcFirstLastPara="1" rIns="91425" wrap="square" tIns="91425">
+          <a:bodyPr spcFirstLastPara="1" wrap="square" lIns="91425" tIns="91425" rIns="91425" bIns="91425" anchor="t" anchorCtr="0">
             <a:normAutofit fontScale="90000"/>
           </a:bodyPr>
           <a:lstStyle/>
           <a:p>
-            <a:pPr indent="0" lvl="0" marL="0" rtl="0" algn="l">
+            <a:pPr marL="0" lvl="0" indent="0" algn="l" rtl="0">
               <a:spcBef>
                 <a:spcPts val="0"/>
               </a:spcBef>
@@ -9914,16 +10508,16 @@
               <a:buNone/>
             </a:pPr>
             <a:r>
-              <a:rPr lang="it">
-                <a:solidFill>
-                  <a:srgbClr val="38761D"/>
+              <a:rPr lang="it" dirty="0">
+                <a:solidFill>
+                  <a:srgbClr val="00B050"/>
                 </a:solidFill>
               </a:rPr>
-              <a:t>Modelli utilizzati</a:t>
+              <a:t>Modelli utilizzati: Random Forest</a:t>
             </a:r>
-            <a:endParaRPr>
+            <a:endParaRPr dirty="0">
               <a:solidFill>
-                <a:srgbClr val="38761D"/>
+                <a:srgbClr val="00B050"/>
               </a:solidFill>
             </a:endParaRPr>
           </a:p>
@@ -9932,9 +10526,11 @@
       <p:sp>
         <p:nvSpPr>
           <p:cNvPr id="95" name="Google Shape;95;p19"/>
-          <p:cNvSpPr txBox="1"/>
+          <p:cNvSpPr txBox="1">
+            <a:spLocks noGrp="1"/>
+          </p:cNvSpPr>
           <p:nvPr>
-            <p:ph idx="1" type="body"/>
+            <p:ph type="body" idx="1"/>
           </p:nvPr>
         </p:nvSpPr>
         <p:spPr>
@@ -9947,12 +10543,12 @@
           </a:prstGeom>
         </p:spPr>
         <p:txBody>
-          <a:bodyPr anchorCtr="0" anchor="t" bIns="91425" lIns="91425" spcFirstLastPara="1" rIns="91425" wrap="square" tIns="91425">
+          <a:bodyPr spcFirstLastPara="1" wrap="square" lIns="91425" tIns="91425" rIns="91425" bIns="91425" anchor="t" anchorCtr="0">
             <a:normAutofit/>
           </a:bodyPr>
           <a:lstStyle/>
           <a:p>
-            <a:pPr indent="0" lvl="0" marL="0" rtl="0" algn="l">
+            <a:pPr marL="0" lvl="0" indent="0" algn="l" rtl="0">
               <a:lnSpc>
                 <a:spcPct val="130000"/>
               </a:lnSpc>
@@ -9973,7 +10569,7 @@
               <a:t>Il </a:t>
             </a:r>
             <a:r>
-              <a:rPr b="1" lang="it" sz="1300">
+              <a:rPr lang="it" sz="1300" b="1">
                 <a:solidFill>
                   <a:srgbClr val="000000"/>
                 </a:solidFill>
@@ -10008,8 +10604,8 @@
         </p:blipFill>
         <p:spPr>
           <a:xfrm>
-            <a:off x="4255000" y="464399"/>
-            <a:ext cx="5040200" cy="3024100"/>
+            <a:off x="4230180" y="691376"/>
+            <a:ext cx="4913820" cy="2967149"/>
           </a:xfrm>
           <a:prstGeom prst="rect">
             <a:avLst/>
@@ -10040,12 +10636,12 @@
           </a:ln>
         </p:spPr>
         <p:txBody>
-          <a:bodyPr anchorCtr="0" anchor="t" bIns="91425" lIns="91425" spcFirstLastPara="1" rIns="91425" wrap="square" tIns="91425">
+          <a:bodyPr spcFirstLastPara="1" wrap="square" lIns="91425" tIns="91425" rIns="91425" bIns="91425" anchor="t" anchorCtr="0">
             <a:spAutoFit/>
           </a:bodyPr>
           <a:lstStyle/>
           <a:p>
-            <a:pPr indent="0" lvl="0" marL="0" rtl="0" algn="l">
+            <a:pPr marL="0" lvl="0" indent="0" algn="l" rtl="0">
               <a:lnSpc>
                 <a:spcPct val="150000"/>
               </a:lnSpc>
@@ -10058,7 +10654,7 @@
               <a:buNone/>
             </a:pPr>
             <a:r>
-              <a:rPr lang="it" sz="1300">
+              <a:rPr lang="it" sz="1300" dirty="0">
                 <a:latin typeface="Source Code Pro"/>
                 <a:ea typeface="Source Code Pro"/>
                 <a:cs typeface="Source Code Pro"/>
@@ -10066,7 +10662,7 @@
               </a:rPr>
               <a:t>Questo metodo è applicabile sia a problemi di classificazione che di regressione. La sua robustezza deriva dalla capacità di aggregare più alberi, migliorando l'accuratezza complessiva del modello. </a:t>
             </a:r>
-            <a:endParaRPr sz="1300">
+            <a:endParaRPr sz="1300" dirty="0">
               <a:latin typeface="Source Code Pro"/>
               <a:ea typeface="Source Code Pro"/>
               <a:cs typeface="Source Code Pro"/>
@@ -10074,7 +10670,7 @@
             </a:endParaRPr>
           </a:p>
           <a:p>
-            <a:pPr indent="0" lvl="0" marL="0" rtl="0" algn="l">
+            <a:pPr marL="0" lvl="0" indent="0" algn="l" rtl="0">
               <a:lnSpc>
                 <a:spcPct val="150000"/>
               </a:lnSpc>
@@ -10087,7 +10683,7 @@
               <a:buNone/>
             </a:pPr>
             <a:r>
-              <a:rPr lang="it" sz="1300">
+              <a:rPr lang="it" sz="1300" dirty="0">
                 <a:latin typeface="Source Code Pro"/>
                 <a:ea typeface="Source Code Pro"/>
                 <a:cs typeface="Source Code Pro"/>
@@ -10095,7 +10691,7 @@
               </a:rPr>
               <a:t>Con queste caratteristiche, il modello raggiunge le seguenti prestazioni:</a:t>
             </a:r>
-            <a:endParaRPr sz="1300">
+            <a:endParaRPr sz="1300" dirty="0">
               <a:solidFill>
                 <a:schemeClr val="dk2"/>
               </a:solidFill>
@@ -10116,11 +10712,11 @@
 </file>
 
 <file path=ppt/slides/slide8.xml><?xml version="1.0" encoding="utf-8"?>
-<p:sld xmlns:a="http://schemas.openxmlformats.org/drawingml/2006/main" xmlns:r="http://schemas.openxmlformats.org/officeDocument/2006/relationships" xmlns:mc="http://schemas.openxmlformats.org/markup-compatibility/2006" xmlns:mv="urn:schemas-microsoft-com:mac:vml" xmlns:p="http://schemas.openxmlformats.org/presentationml/2006/main" xmlns:c="http://schemas.openxmlformats.org/drawingml/2006/chart" xmlns:dgm="http://schemas.openxmlformats.org/drawingml/2006/diagram" xmlns:o="urn:schemas-microsoft-com:office:office" xmlns:v="urn:schemas-microsoft-com:vml" xmlns:pvml="urn:schemas-microsoft-com:office:powerpoint" xmlns:com="http://schemas.openxmlformats.org/drawingml/2006/compatibility" xmlns:p14="http://schemas.microsoft.com/office/powerpoint/2010/main" xmlns:p15="http://schemas.microsoft.com/office/powerpoint/2012/main" xmlns:ahyp="http://schemas.microsoft.com/office/drawing/2018/hyperlinkcolor">
+<p:sld xmlns:a="http://schemas.openxmlformats.org/drawingml/2006/main" xmlns:r="http://schemas.openxmlformats.org/officeDocument/2006/relationships" xmlns:p="http://schemas.openxmlformats.org/presentationml/2006/main">
   <p:cSld>
     <p:spTree>
       <p:nvGrpSpPr>
-        <p:cNvPr id="101" name="Shape 101"/>
+        <p:cNvPr id="1" name="Shape 101"/>
         <p:cNvGrpSpPr/>
         <p:nvPr/>
       </p:nvGrpSpPr>
@@ -10135,7 +10731,9 @@
       <p:sp>
         <p:nvSpPr>
           <p:cNvPr id="102" name="Google Shape;102;p20"/>
-          <p:cNvSpPr txBox="1"/>
+          <p:cNvSpPr txBox="1">
+            <a:spLocks noGrp="1"/>
+          </p:cNvSpPr>
           <p:nvPr>
             <p:ph type="title"/>
           </p:nvPr>
@@ -10150,12 +10748,12 @@
           </a:prstGeom>
         </p:spPr>
         <p:txBody>
-          <a:bodyPr anchorCtr="0" anchor="t" bIns="91425" lIns="91425" spcFirstLastPara="1" rIns="91425" wrap="square" tIns="91425">
+          <a:bodyPr spcFirstLastPara="1" wrap="square" lIns="91425" tIns="91425" rIns="91425" bIns="91425" anchor="t" anchorCtr="0">
             <a:normAutofit fontScale="90000"/>
           </a:bodyPr>
           <a:lstStyle/>
           <a:p>
-            <a:pPr indent="0" lvl="0" marL="0" rtl="0" algn="l">
+            <a:pPr marL="0" lvl="0" indent="0" algn="l" rtl="0">
               <a:spcBef>
                 <a:spcPts val="0"/>
               </a:spcBef>
@@ -10165,16 +10763,16 @@
               <a:buNone/>
             </a:pPr>
             <a:r>
-              <a:rPr lang="it">
-                <a:solidFill>
-                  <a:srgbClr val="38761D"/>
+              <a:rPr lang="it" dirty="0">
+                <a:solidFill>
+                  <a:srgbClr val="00B050"/>
                 </a:solidFill>
               </a:rPr>
-              <a:t>modelli utilizzati</a:t>
+              <a:t>modelli utilizzati: Decision Tree</a:t>
             </a:r>
-            <a:endParaRPr>
+            <a:endParaRPr dirty="0">
               <a:solidFill>
-                <a:srgbClr val="38761D"/>
+                <a:srgbClr val="00B050"/>
               </a:solidFill>
             </a:endParaRPr>
           </a:p>
@@ -10183,9 +10781,11 @@
       <p:sp>
         <p:nvSpPr>
           <p:cNvPr id="103" name="Google Shape;103;p20"/>
-          <p:cNvSpPr txBox="1"/>
+          <p:cNvSpPr txBox="1">
+            <a:spLocks noGrp="1"/>
+          </p:cNvSpPr>
           <p:nvPr>
-            <p:ph idx="1" type="body"/>
+            <p:ph type="body" idx="1"/>
           </p:nvPr>
         </p:nvSpPr>
         <p:spPr>
@@ -10198,12 +10798,12 @@
           </a:prstGeom>
         </p:spPr>
         <p:txBody>
-          <a:bodyPr anchorCtr="0" anchor="t" bIns="91425" lIns="91425" spcFirstLastPara="1" rIns="91425" wrap="square" tIns="91425">
+          <a:bodyPr spcFirstLastPara="1" wrap="square" lIns="91425" tIns="91425" rIns="91425" bIns="91425" anchor="t" anchorCtr="0">
             <a:normAutofit/>
           </a:bodyPr>
           <a:lstStyle/>
           <a:p>
-            <a:pPr indent="0" lvl="0" marL="0" rtl="0" algn="l">
+            <a:pPr marL="0" lvl="0" indent="0" algn="l" rtl="0">
               <a:lnSpc>
                 <a:spcPct val="150000"/>
               </a:lnSpc>
@@ -10224,7 +10824,7 @@
               <a:t>Un </a:t>
             </a:r>
             <a:r>
-              <a:rPr b="1" lang="it" sz="1200">
+              <a:rPr lang="it" sz="1200" b="1">
                 <a:solidFill>
                   <a:srgbClr val="000000"/>
                 </a:solidFill>
@@ -10259,8 +10859,8 @@
         </p:blipFill>
         <p:spPr>
           <a:xfrm>
-            <a:off x="4144025" y="478825"/>
-            <a:ext cx="5370300" cy="3222176"/>
+            <a:off x="4054815" y="838750"/>
+            <a:ext cx="5089185" cy="3094393"/>
           </a:xfrm>
           <a:prstGeom prst="rect">
             <a:avLst/>
@@ -10291,12 +10891,12 @@
           </a:ln>
         </p:spPr>
         <p:txBody>
-          <a:bodyPr anchorCtr="0" anchor="t" bIns="91425" lIns="91425" spcFirstLastPara="1" rIns="91425" wrap="square" tIns="91425">
+          <a:bodyPr spcFirstLastPara="1" wrap="square" lIns="91425" tIns="91425" rIns="91425" bIns="91425" anchor="t" anchorCtr="0">
             <a:spAutoFit/>
           </a:bodyPr>
           <a:lstStyle/>
           <a:p>
-            <a:pPr indent="0" lvl="0" marL="0" rtl="0" algn="l">
+            <a:pPr marL="0" lvl="0" indent="0" algn="l" rtl="0">
               <a:lnSpc>
                 <a:spcPct val="150000"/>
               </a:lnSpc>
@@ -10338,11 +10938,11 @@
 </file>
 
 <file path=ppt/slides/slide9.xml><?xml version="1.0" encoding="utf-8"?>
-<p:sld xmlns:a="http://schemas.openxmlformats.org/drawingml/2006/main" xmlns:r="http://schemas.openxmlformats.org/officeDocument/2006/relationships" xmlns:mc="http://schemas.openxmlformats.org/markup-compatibility/2006" xmlns:mv="urn:schemas-microsoft-com:mac:vml" xmlns:p="http://schemas.openxmlformats.org/presentationml/2006/main" xmlns:c="http://schemas.openxmlformats.org/drawingml/2006/chart" xmlns:dgm="http://schemas.openxmlformats.org/drawingml/2006/diagram" xmlns:o="urn:schemas-microsoft-com:office:office" xmlns:v="urn:schemas-microsoft-com:vml" xmlns:pvml="urn:schemas-microsoft-com:office:powerpoint" xmlns:com="http://schemas.openxmlformats.org/drawingml/2006/compatibility" xmlns:p14="http://schemas.microsoft.com/office/powerpoint/2010/main" xmlns:p15="http://schemas.microsoft.com/office/powerpoint/2012/main" xmlns:ahyp="http://schemas.microsoft.com/office/drawing/2018/hyperlinkcolor">
+<p:sld xmlns:a="http://schemas.openxmlformats.org/drawingml/2006/main" xmlns:r="http://schemas.openxmlformats.org/officeDocument/2006/relationships" xmlns:p="http://schemas.openxmlformats.org/presentationml/2006/main">
   <p:cSld>
     <p:spTree>
       <p:nvGrpSpPr>
-        <p:cNvPr id="109" name="Shape 109"/>
+        <p:cNvPr id="1" name="Shape 109"/>
         <p:cNvGrpSpPr/>
         <p:nvPr/>
       </p:nvGrpSpPr>
@@ -10357,7 +10957,9 @@
       <p:sp>
         <p:nvSpPr>
           <p:cNvPr id="110" name="Google Shape;110;p21"/>
-          <p:cNvSpPr txBox="1"/>
+          <p:cNvSpPr txBox="1">
+            <a:spLocks noGrp="1"/>
+          </p:cNvSpPr>
           <p:nvPr>
             <p:ph type="title"/>
           </p:nvPr>
@@ -10372,12 +10974,12 @@
           </a:prstGeom>
         </p:spPr>
         <p:txBody>
-          <a:bodyPr anchorCtr="0" anchor="t" bIns="91425" lIns="91425" spcFirstLastPara="1" rIns="91425" wrap="square" tIns="91425">
+          <a:bodyPr spcFirstLastPara="1" wrap="square" lIns="91425" tIns="91425" rIns="91425" bIns="91425" anchor="t" anchorCtr="0">
             <a:normAutofit fontScale="90000"/>
           </a:bodyPr>
           <a:lstStyle/>
           <a:p>
-            <a:pPr indent="0" lvl="0" marL="0" rtl="0" algn="l">
+            <a:pPr marL="0" lvl="0" indent="0" algn="l" rtl="0">
               <a:spcBef>
                 <a:spcPts val="0"/>
               </a:spcBef>
@@ -10387,16 +10989,16 @@
               <a:buNone/>
             </a:pPr>
             <a:r>
-              <a:rPr lang="it">
-                <a:solidFill>
-                  <a:srgbClr val="38761D"/>
+              <a:rPr lang="it" dirty="0">
+                <a:solidFill>
+                  <a:srgbClr val="00B050"/>
                 </a:solidFill>
               </a:rPr>
               <a:t>Risultati e analisi</a:t>
             </a:r>
-            <a:endParaRPr>
+            <a:endParaRPr dirty="0">
               <a:solidFill>
-                <a:srgbClr val="38761D"/>
+                <a:srgbClr val="00B050"/>
               </a:solidFill>
             </a:endParaRPr>
           </a:p>
@@ -10405,27 +11007,29 @@
       <p:sp>
         <p:nvSpPr>
           <p:cNvPr id="111" name="Google Shape;111;p21"/>
-          <p:cNvSpPr txBox="1"/>
+          <p:cNvSpPr txBox="1">
+            <a:spLocks noGrp="1"/>
+          </p:cNvSpPr>
           <p:nvPr>
-            <p:ph idx="1" type="body"/>
+            <p:ph type="body" idx="1"/>
           </p:nvPr>
         </p:nvSpPr>
         <p:spPr>
           <a:xfrm>
-            <a:off x="311700" y="2699950"/>
-            <a:ext cx="8520600" cy="2111700"/>
+            <a:off x="311700" y="2483005"/>
+            <a:ext cx="8520600" cy="2549912"/>
           </a:xfrm>
           <a:prstGeom prst="rect">
             <a:avLst/>
           </a:prstGeom>
         </p:spPr>
         <p:txBody>
-          <a:bodyPr anchorCtr="0" anchor="t" bIns="91425" lIns="91425" spcFirstLastPara="1" rIns="91425" wrap="square" tIns="91425">
-            <a:normAutofit/>
+          <a:bodyPr spcFirstLastPara="1" wrap="square" lIns="91425" tIns="91425" rIns="91425" bIns="91425" anchor="t" anchorCtr="0">
+            <a:normAutofit fontScale="92500" lnSpcReduction="10000"/>
           </a:bodyPr>
           <a:lstStyle/>
           <a:p>
-            <a:pPr indent="0" lvl="0" marL="0" rtl="0" algn="l">
+            <a:pPr marL="0" lvl="0" indent="0" algn="l" rtl="0">
               <a:spcBef>
                 <a:spcPts val="1200"/>
               </a:spcBef>
@@ -10435,22 +11039,25 @@
               <a:buNone/>
             </a:pPr>
             <a:r>
-              <a:rPr b="1" lang="it" sz="1300">
+              <a:rPr lang="it" sz="1700" b="1" dirty="0">
                 <a:solidFill>
                   <a:srgbClr val="000000"/>
                 </a:solidFill>
+                <a:latin typeface="Source Code Pro Black" panose="020B0809030403020204" pitchFamily="49" charset="0"/>
+                <a:ea typeface="Source Code Pro Black" panose="020B0809030403020204" pitchFamily="49" charset="0"/>
+                <a:sym typeface="Arial"/>
               </a:rPr>
-              <a:t>📌 Analisi:</a:t>
+              <a:t>Analisi</a:t>
             </a:r>
             <a:br>
-              <a:rPr b="1" lang="it" sz="1300">
+              <a:rPr lang="it" sz="1300" b="1" dirty="0">
                 <a:solidFill>
                   <a:srgbClr val="000000"/>
                 </a:solidFill>
               </a:rPr>
             </a:br>
             <a:r>
-              <a:rPr lang="it" sz="1300">
+              <a:rPr lang="it" sz="1300" dirty="0">
                 <a:solidFill>
                   <a:srgbClr val="000000"/>
                 </a:solidFill>
@@ -10458,29 +11065,55 @@
               <a:t>✅ </a:t>
             </a:r>
             <a:r>
-              <a:rPr b="1" lang="it" sz="1300">
+              <a:rPr lang="it" sz="1200" b="1" dirty="0">
                 <a:solidFill>
                   <a:srgbClr val="000000"/>
                 </a:solidFill>
+                <a:latin typeface="Source Code Pro Black" panose="020B0809030403020204" pitchFamily="49" charset="0"/>
+                <a:ea typeface="Source Code Pro Black" panose="020B0809030403020204" pitchFamily="49" charset="0"/>
+                <a:sym typeface="Arial"/>
               </a:rPr>
-              <a:t>Random Forest è il modello migliore</a:t>
+              <a:t>Random Forest è il modello migliore </a:t>
             </a:r>
             <a:r>
-              <a:rPr lang="it" sz="1300">
+              <a:rPr lang="it" sz="1300" dirty="0">
                 <a:solidFill>
                   <a:srgbClr val="000000"/>
                 </a:solidFill>
               </a:rPr>
-              <a:t> poiché ha:</a:t>
+              <a:t>poiché ha:</a:t>
             </a:r>
-            <a:endParaRPr sz="1300">
+          </a:p>
+          <a:p>
+            <a:pPr marL="0" lvl="0" indent="0" algn="l" rtl="0">
+              <a:spcBef>
+                <a:spcPts val="1200"/>
+              </a:spcBef>
+              <a:spcAft>
+                <a:spcPts val="0"/>
+              </a:spcAft>
+              <a:buNone/>
+            </a:pPr>
+            <a:r>
+              <a:rPr lang="it-IT" sz="1900" b="1" dirty="0">
+                <a:solidFill>
+                  <a:srgbClr val="00B050"/>
+                </a:solidFill>
+                <a:latin typeface="Times New Roman" panose="02020603050405020304" pitchFamily="18" charset="0"/>
+                <a:cs typeface="Times New Roman" panose="02020603050405020304" pitchFamily="18" charset="0"/>
+              </a:rPr>
+              <a:t>Vantaggi</a:t>
+            </a:r>
+            <a:endParaRPr sz="1900" b="1" dirty="0">
               <a:solidFill>
-                <a:srgbClr val="000000"/>
+                <a:srgbClr val="00B050"/>
               </a:solidFill>
+              <a:latin typeface="Times New Roman" panose="02020603050405020304" pitchFamily="18" charset="0"/>
+              <a:cs typeface="Times New Roman" panose="02020603050405020304" pitchFamily="18" charset="0"/>
             </a:endParaRPr>
           </a:p>
           <a:p>
-            <a:pPr indent="-311150" lvl="0" marL="457200" rtl="0" algn="l">
+            <a:pPr marL="457200" lvl="0" indent="-311150" algn="l" rtl="0">
               <a:spcBef>
                 <a:spcPts val="1200"/>
               </a:spcBef>
@@ -10495,7 +11128,7 @@
               <a:buChar char="●"/>
             </a:pPr>
             <a:r>
-              <a:rPr lang="it" sz="1300">
+              <a:rPr lang="it" sz="1300" dirty="0">
                 <a:solidFill>
                   <a:srgbClr val="000000"/>
                 </a:solidFill>
@@ -10503,29 +11136,32 @@
               <a:t>Un errore </a:t>
             </a:r>
             <a:r>
-              <a:rPr b="1" lang="it" sz="1300">
+              <a:rPr lang="it" sz="1200" b="1" dirty="0">
                 <a:solidFill>
                   <a:srgbClr val="000000"/>
                 </a:solidFill>
+                <a:latin typeface="Source Code Pro Black" panose="020B0809030403020204" pitchFamily="49" charset="0"/>
+                <a:ea typeface="Source Code Pro Black" panose="020B0809030403020204" pitchFamily="49" charset="0"/>
+                <a:sym typeface="Arial"/>
               </a:rPr>
               <a:t>MAE e MSE più basso</a:t>
             </a:r>
             <a:r>
-              <a:rPr lang="it" sz="1300">
+              <a:rPr lang="it" sz="1300" dirty="0">
                 <a:solidFill>
                   <a:srgbClr val="000000"/>
                 </a:solidFill>
               </a:rPr>
               <a:t>.</a:t>
             </a:r>
-            <a:endParaRPr sz="1300">
+            <a:endParaRPr sz="1300" dirty="0">
               <a:solidFill>
                 <a:srgbClr val="000000"/>
               </a:solidFill>
             </a:endParaRPr>
           </a:p>
           <a:p>
-            <a:pPr indent="-311150" lvl="0" marL="457200" rtl="0" algn="l">
+            <a:pPr marL="457200" lvl="0" indent="-311150" algn="l" rtl="0">
               <a:spcBef>
                 <a:spcPts val="0"/>
               </a:spcBef>
@@ -10540,7 +11176,7 @@
               <a:buChar char="●"/>
             </a:pPr>
             <a:r>
-              <a:rPr lang="it" sz="1300">
+              <a:rPr lang="it" sz="1300" dirty="0">
                 <a:solidFill>
                   <a:srgbClr val="000000"/>
                 </a:solidFill>
@@ -10548,29 +11184,32 @@
               <a:t>Una migliore capacità di </a:t>
             </a:r>
             <a:r>
-              <a:rPr b="1" lang="it" sz="1300">
+              <a:rPr lang="it" sz="1200" b="1" dirty="0">
                 <a:solidFill>
                   <a:srgbClr val="000000"/>
                 </a:solidFill>
+                <a:latin typeface="Source Code Pro Black" panose="020B0809030403020204" pitchFamily="49" charset="0"/>
+                <a:ea typeface="Source Code Pro Black" panose="020B0809030403020204" pitchFamily="49" charset="0"/>
+                <a:sym typeface="Arial"/>
               </a:rPr>
               <a:t>generalizzazione</a:t>
             </a:r>
             <a:r>
-              <a:rPr lang="it" sz="1300">
+              <a:rPr lang="it" sz="1300" dirty="0">
                 <a:solidFill>
                   <a:srgbClr val="000000"/>
                 </a:solidFill>
               </a:rPr>
               <a:t>.</a:t>
             </a:r>
-            <a:endParaRPr sz="1300">
+            <a:endParaRPr sz="1300" dirty="0">
               <a:solidFill>
                 <a:srgbClr val="000000"/>
               </a:solidFill>
             </a:endParaRPr>
           </a:p>
           <a:p>
-            <a:pPr indent="0" lvl="0" marL="0" rtl="0" algn="l">
+            <a:pPr marL="0" lvl="0" indent="0" algn="l" rtl="0">
               <a:spcBef>
                 <a:spcPts val="1200"/>
               </a:spcBef>
@@ -10580,29 +11219,27 @@
               <a:buNone/>
             </a:pPr>
             <a:r>
-              <a:rPr lang="it" sz="1300">
-                <a:solidFill>
-                  <a:srgbClr val="000000"/>
-                </a:solidFill>
+              <a:rPr lang="it" sz="1900" b="1" dirty="0">
+                <a:solidFill>
+                  <a:srgbClr val="00B050"/>
+                </a:solidFill>
+                <a:latin typeface="Times New Roman" panose="02020603050405020304" pitchFamily="18" charset="0"/>
+                <a:ea typeface="Source Code Pro Black" panose="020B0809030403020204" pitchFamily="49" charset="0"/>
+                <a:cs typeface="Times New Roman" panose="02020603050405020304" pitchFamily="18" charset="0"/>
+                <a:sym typeface="Arial"/>
               </a:rPr>
-              <a:t>❗ </a:t>
+              <a:t>Svantaggi</a:t>
             </a:r>
-            <a:r>
-              <a:rPr b="1" lang="it" sz="1300">
-                <a:solidFill>
-                  <a:srgbClr val="000000"/>
-                </a:solidFill>
-              </a:rPr>
-              <a:t>Svantaggi:</a:t>
-            </a:r>
-            <a:endParaRPr b="1" sz="1300">
+            <a:endParaRPr sz="1900" b="1" dirty="0">
               <a:solidFill>
-                <a:srgbClr val="000000"/>
+                <a:srgbClr val="00B050"/>
               </a:solidFill>
+              <a:latin typeface="Times New Roman" panose="02020603050405020304" pitchFamily="18" charset="0"/>
+              <a:cs typeface="Times New Roman" panose="02020603050405020304" pitchFamily="18" charset="0"/>
             </a:endParaRPr>
           </a:p>
           <a:p>
-            <a:pPr indent="-311150" lvl="0" marL="457200" rtl="0" algn="l">
+            <a:pPr marL="457200" lvl="0" indent="-311150" algn="l" rtl="0">
               <a:spcBef>
                 <a:spcPts val="1200"/>
               </a:spcBef>
@@ -10617,22 +11254,25 @@
               <a:buChar char="●"/>
             </a:pPr>
             <a:r>
-              <a:rPr b="1" lang="it" sz="1300">
+              <a:rPr lang="it" sz="1200" b="1" dirty="0">
                 <a:solidFill>
                   <a:srgbClr val="000000"/>
                 </a:solidFill>
+                <a:latin typeface="Source Code Pro Black" panose="020B0809030403020204" pitchFamily="49" charset="0"/>
+                <a:ea typeface="Source Code Pro Black" panose="020B0809030403020204" pitchFamily="49" charset="0"/>
+                <a:sym typeface="Arial"/>
               </a:rPr>
-              <a:t>Tempo di addestramento più lungo</a:t>
+              <a:t>Tempo di addestramento più lungo </a:t>
             </a:r>
             <a:r>
-              <a:rPr lang="it" sz="1300">
+              <a:rPr lang="it" sz="1300" dirty="0">
                 <a:solidFill>
                   <a:srgbClr val="000000"/>
                 </a:solidFill>
               </a:rPr>
-              <a:t> rispetto al Decision Tree.</a:t>
+              <a:t>rispetto al Decision Tree.</a:t>
             </a:r>
-            <a:endParaRPr sz="2000"/>
+            <a:endParaRPr sz="1900" dirty="0"/>
           </a:p>
         </p:txBody>
       </p:sp>
@@ -10640,11 +11280,17 @@
         <p:nvGraphicFramePr>
           <p:cNvPr id="112" name="Google Shape;112;p21"/>
           <p:cNvGraphicFramePr/>
-          <p:nvPr/>
+          <p:nvPr>
+            <p:extLst>
+              <p:ext uri="{D42A27DB-BD31-4B8C-83A1-F6EECF244321}">
+                <p14:modId xmlns:p14="http://schemas.microsoft.com/office/powerpoint/2010/main" val="16735228"/>
+              </p:ext>
+            </p:extLst>
+          </p:nvPr>
         </p:nvGraphicFramePr>
         <p:xfrm>
-          <a:off x="699550" y="1093850"/>
-          <a:ext cx="3000000" cy="3000000"/>
+          <a:off x="557561" y="1093850"/>
+          <a:ext cx="7380989" cy="1310610"/>
         </p:xfrm>
         <a:graphic>
           <a:graphicData uri="http://schemas.openxmlformats.org/drawingml/2006/table">
@@ -10654,11 +11300,41 @@
                 <a:tableStyleId>{9C09D5BC-4821-4C6D-9D5D-6C50FE1D9566}</a:tableStyleId>
               </a:tblPr>
               <a:tblGrid>
-                <a:gridCol w="1447800"/>
-                <a:gridCol w="1447800"/>
-                <a:gridCol w="1447800"/>
-                <a:gridCol w="1447800"/>
-                <a:gridCol w="1447800"/>
+                <a:gridCol w="1589789">
+                  <a:extLst>
+                    <a:ext uri="{9D8B030D-6E8A-4147-A177-3AD203B41FA5}">
+                      <a16:colId xmlns:a16="http://schemas.microsoft.com/office/drawing/2014/main" val="20000"/>
+                    </a:ext>
+                  </a:extLst>
+                </a:gridCol>
+                <a:gridCol w="1447800">
+                  <a:extLst>
+                    <a:ext uri="{9D8B030D-6E8A-4147-A177-3AD203B41FA5}">
+                      <a16:colId xmlns:a16="http://schemas.microsoft.com/office/drawing/2014/main" val="20001"/>
+                    </a:ext>
+                  </a:extLst>
+                </a:gridCol>
+                <a:gridCol w="1447800">
+                  <a:extLst>
+                    <a:ext uri="{9D8B030D-6E8A-4147-A177-3AD203B41FA5}">
+                      <a16:colId xmlns:a16="http://schemas.microsoft.com/office/drawing/2014/main" val="20002"/>
+                    </a:ext>
+                  </a:extLst>
+                </a:gridCol>
+                <a:gridCol w="1447800">
+                  <a:extLst>
+                    <a:ext uri="{9D8B030D-6E8A-4147-A177-3AD203B41FA5}">
+                      <a16:colId xmlns:a16="http://schemas.microsoft.com/office/drawing/2014/main" val="20003"/>
+                    </a:ext>
+                  </a:extLst>
+                </a:gridCol>
+                <a:gridCol w="1447800">
+                  <a:extLst>
+                    <a:ext uri="{9D8B030D-6E8A-4147-A177-3AD203B41FA5}">
+                      <a16:colId xmlns:a16="http://schemas.microsoft.com/office/drawing/2014/main" val="20004"/>
+                    </a:ext>
+                  </a:extLst>
+                </a:gridCol>
               </a:tblGrid>
               <a:tr h="381000">
                 <a:tc>
@@ -10666,7 +11342,7 @@
                     <a:bodyPr/>
                     <a:lstStyle/>
                     <a:p>
-                      <a:pPr indent="0" lvl="0" marL="0" rtl="0" algn="l">
+                      <a:pPr marL="0" lvl="0" indent="0" algn="l" rtl="0">
                         <a:spcBef>
                           <a:spcPts val="0"/>
                         </a:spcBef>
@@ -10676,30 +11352,30 @@
                         <a:buNone/>
                       </a:pPr>
                       <a:r>
-                        <a:rPr b="1" lang="it" sz="1200">
-                          <a:latin typeface="Source Code Pro"/>
-                          <a:ea typeface="Source Code Pro"/>
+                        <a:rPr lang="it" sz="1200" b="1" dirty="0">
+                          <a:latin typeface="Source Code Pro Black" panose="020B0809030403020204" pitchFamily="49" charset="0"/>
+                          <a:ea typeface="Source Code Pro Black" panose="020B0809030403020204" pitchFamily="49" charset="0"/>
                           <a:cs typeface="Source Code Pro"/>
                           <a:sym typeface="Source Code Pro"/>
                         </a:rPr>
                         <a:t>Modello</a:t>
                       </a:r>
-                      <a:endParaRPr b="1" sz="1200">
-                        <a:latin typeface="Source Code Pro"/>
-                        <a:ea typeface="Source Code Pro"/>
+                      <a:endParaRPr sz="1200" b="1" dirty="0">
+                        <a:latin typeface="Source Code Pro Black" panose="020B0809030403020204" pitchFamily="49" charset="0"/>
+                        <a:ea typeface="Source Code Pro Black" panose="020B0809030403020204" pitchFamily="49" charset="0"/>
                         <a:cs typeface="Source Code Pro"/>
                         <a:sym typeface="Source Code Pro"/>
                       </a:endParaRPr>
                     </a:p>
                   </a:txBody>
-                  <a:tcPr marT="91425" marB="91425" marR="91425" marL="91425"/>
+                  <a:tcPr marL="91425" marR="91425" marT="91425" marB="91425"/>
                 </a:tc>
                 <a:tc>
                   <a:txBody>
                     <a:bodyPr/>
                     <a:lstStyle/>
                     <a:p>
-                      <a:pPr indent="0" lvl="0" marL="0" rtl="0" algn="l">
+                      <a:pPr marL="0" lvl="0" indent="0" algn="l" rtl="0">
                         <a:spcBef>
                           <a:spcPts val="0"/>
                         </a:spcBef>
@@ -10709,30 +11385,30 @@
                         <a:buNone/>
                       </a:pPr>
                       <a:r>
-                        <a:rPr b="1" lang="it" sz="1200">
-                          <a:latin typeface="Source Code Pro"/>
-                          <a:ea typeface="Source Code Pro"/>
+                        <a:rPr lang="it" sz="1200" b="1">
+                          <a:latin typeface="Source Code Pro Black" panose="020B0809030403020204" pitchFamily="49" charset="0"/>
+                          <a:ea typeface="Source Code Pro Black" panose="020B0809030403020204" pitchFamily="49" charset="0"/>
                           <a:cs typeface="Source Code Pro"/>
                           <a:sym typeface="Source Code Pro"/>
                         </a:rPr>
                         <a:t>MAE</a:t>
                       </a:r>
-                      <a:endParaRPr b="1" sz="1200">
-                        <a:latin typeface="Source Code Pro"/>
-                        <a:ea typeface="Source Code Pro"/>
+                      <a:endParaRPr sz="1200" b="1">
+                        <a:latin typeface="Source Code Pro Black" panose="020B0809030403020204" pitchFamily="49" charset="0"/>
+                        <a:ea typeface="Source Code Pro Black" panose="020B0809030403020204" pitchFamily="49" charset="0"/>
                         <a:cs typeface="Source Code Pro"/>
                         <a:sym typeface="Source Code Pro"/>
                       </a:endParaRPr>
                     </a:p>
                   </a:txBody>
-                  <a:tcPr marT="91425" marB="91425" marR="91425" marL="91425"/>
+                  <a:tcPr marL="91425" marR="91425" marT="91425" marB="91425"/>
                 </a:tc>
                 <a:tc>
                   <a:txBody>
                     <a:bodyPr/>
                     <a:lstStyle/>
                     <a:p>
-                      <a:pPr indent="0" lvl="0" marL="0" rtl="0" algn="l">
+                      <a:pPr marL="0" lvl="0" indent="0" algn="l" rtl="0">
                         <a:spcBef>
                           <a:spcPts val="0"/>
                         </a:spcBef>
@@ -10742,30 +11418,30 @@
                         <a:buNone/>
                       </a:pPr>
                       <a:r>
-                        <a:rPr b="1" lang="it" sz="1200">
-                          <a:latin typeface="Source Code Pro"/>
-                          <a:ea typeface="Source Code Pro"/>
+                        <a:rPr lang="it" sz="1200" b="1">
+                          <a:latin typeface="Source Code Pro Black" panose="020B0809030403020204" pitchFamily="49" charset="0"/>
+                          <a:ea typeface="Source Code Pro Black" panose="020B0809030403020204" pitchFamily="49" charset="0"/>
                           <a:cs typeface="Source Code Pro"/>
                           <a:sym typeface="Source Code Pro"/>
                         </a:rPr>
                         <a:t>MSE</a:t>
                       </a:r>
-                      <a:endParaRPr b="1" sz="1200">
-                        <a:latin typeface="Source Code Pro"/>
-                        <a:ea typeface="Source Code Pro"/>
+                      <a:endParaRPr sz="1200" b="1">
+                        <a:latin typeface="Source Code Pro Black" panose="020B0809030403020204" pitchFamily="49" charset="0"/>
+                        <a:ea typeface="Source Code Pro Black" panose="020B0809030403020204" pitchFamily="49" charset="0"/>
                         <a:cs typeface="Source Code Pro"/>
                         <a:sym typeface="Source Code Pro"/>
                       </a:endParaRPr>
                     </a:p>
                   </a:txBody>
-                  <a:tcPr marT="91425" marB="91425" marR="91425" marL="91425"/>
+                  <a:tcPr marL="91425" marR="91425" marT="91425" marB="91425"/>
                 </a:tc>
                 <a:tc>
                   <a:txBody>
                     <a:bodyPr/>
                     <a:lstStyle/>
                     <a:p>
-                      <a:pPr indent="0" lvl="0" marL="0" rtl="0" algn="l">
+                      <a:pPr marL="0" lvl="0" indent="0" algn="l" rtl="0">
                         <a:spcBef>
                           <a:spcPts val="0"/>
                         </a:spcBef>
@@ -10775,30 +11451,30 @@
                         <a:buNone/>
                       </a:pPr>
                       <a:r>
-                        <a:rPr b="1" lang="it" sz="1200">
-                          <a:latin typeface="Source Code Pro"/>
-                          <a:ea typeface="Source Code Pro"/>
+                        <a:rPr lang="it" sz="1200" b="1">
+                          <a:latin typeface="Source Code Pro Black" panose="020B0809030403020204" pitchFamily="49" charset="0"/>
+                          <a:ea typeface="Source Code Pro Black" panose="020B0809030403020204" pitchFamily="49" charset="0"/>
                           <a:cs typeface="Source Code Pro"/>
                           <a:sym typeface="Source Code Pro"/>
                         </a:rPr>
                         <a:t>R² Score</a:t>
                       </a:r>
-                      <a:endParaRPr b="1" sz="1200">
-                        <a:latin typeface="Source Code Pro"/>
-                        <a:ea typeface="Source Code Pro"/>
+                      <a:endParaRPr sz="1200" b="1">
+                        <a:latin typeface="Source Code Pro Black" panose="020B0809030403020204" pitchFamily="49" charset="0"/>
+                        <a:ea typeface="Source Code Pro Black" panose="020B0809030403020204" pitchFamily="49" charset="0"/>
                         <a:cs typeface="Source Code Pro"/>
                         <a:sym typeface="Source Code Pro"/>
                       </a:endParaRPr>
                     </a:p>
                   </a:txBody>
-                  <a:tcPr marT="91425" marB="91425" marR="91425" marL="91425"/>
+                  <a:tcPr marL="91425" marR="91425" marT="91425" marB="91425"/>
                 </a:tc>
                 <a:tc>
                   <a:txBody>
                     <a:bodyPr/>
                     <a:lstStyle/>
                     <a:p>
-                      <a:pPr indent="0" lvl="0" marL="0" rtl="0" algn="l">
+                      <a:pPr marL="0" lvl="0" indent="0" algn="l" rtl="0">
                         <a:spcBef>
                           <a:spcPts val="0"/>
                         </a:spcBef>
@@ -10808,24 +11484,29 @@
                         <a:buNone/>
                       </a:pPr>
                       <a:r>
-                        <a:rPr b="1" lang="it" sz="1200">
-                          <a:latin typeface="Source Code Pro"/>
-                          <a:ea typeface="Source Code Pro"/>
+                        <a:rPr lang="it" sz="1200" b="1" dirty="0">
+                          <a:latin typeface="Source Code Pro Black" panose="020B0809030403020204" pitchFamily="49" charset="0"/>
+                          <a:ea typeface="Source Code Pro Black" panose="020B0809030403020204" pitchFamily="49" charset="0"/>
                           <a:cs typeface="Source Code Pro"/>
                           <a:sym typeface="Source Code Pro"/>
                         </a:rPr>
                         <a:t>Tempo di addestramento</a:t>
                       </a:r>
-                      <a:endParaRPr b="1" sz="1200">
-                        <a:latin typeface="Source Code Pro"/>
-                        <a:ea typeface="Source Code Pro"/>
+                      <a:endParaRPr sz="1200" b="1" dirty="0">
+                        <a:latin typeface="Source Code Pro Black" panose="020B0809030403020204" pitchFamily="49" charset="0"/>
+                        <a:ea typeface="Source Code Pro Black" panose="020B0809030403020204" pitchFamily="49" charset="0"/>
                         <a:cs typeface="Source Code Pro"/>
                         <a:sym typeface="Source Code Pro"/>
                       </a:endParaRPr>
                     </a:p>
                   </a:txBody>
-                  <a:tcPr marT="91425" marB="91425" marR="91425" marL="91425"/>
+                  <a:tcPr marL="91425" marR="91425" marT="91425" marB="91425"/>
                 </a:tc>
+                <a:extLst>
+                  <a:ext uri="{0D108BD9-81ED-4DB2-BD59-A6C34878D82A}">
+                    <a16:rowId xmlns:a16="http://schemas.microsoft.com/office/drawing/2014/main" val="10000"/>
+                  </a:ext>
+                </a:extLst>
               </a:tr>
               <a:tr h="381000">
                 <a:tc>
@@ -10833,7 +11514,7 @@
                     <a:bodyPr/>
                     <a:lstStyle/>
                     <a:p>
-                      <a:pPr indent="0" lvl="0" marL="0" rtl="0" algn="l">
+                      <a:pPr marL="0" lvl="0" indent="0" algn="l" rtl="0">
                         <a:spcBef>
                           <a:spcPts val="0"/>
                         </a:spcBef>
@@ -10843,30 +11524,30 @@
                         <a:buNone/>
                       </a:pPr>
                       <a:r>
-                        <a:rPr b="1" lang="it" sz="1200">
-                          <a:latin typeface="Source Code Pro"/>
-                          <a:ea typeface="Source Code Pro"/>
+                        <a:rPr lang="it" sz="1200" b="1" dirty="0">
+                          <a:latin typeface="Source Code Pro Black" panose="020B0809030403020204" pitchFamily="49" charset="0"/>
+                          <a:ea typeface="Source Code Pro Black" panose="020B0809030403020204" pitchFamily="49" charset="0"/>
                           <a:cs typeface="Source Code Pro"/>
                           <a:sym typeface="Source Code Pro"/>
                         </a:rPr>
                         <a:t>Decision Tree</a:t>
                       </a:r>
-                      <a:endParaRPr b="1" sz="1200">
-                        <a:latin typeface="Source Code Pro"/>
-                        <a:ea typeface="Source Code Pro"/>
+                      <a:endParaRPr sz="1200" b="1" dirty="0">
+                        <a:latin typeface="Source Code Pro Black" panose="020B0809030403020204" pitchFamily="49" charset="0"/>
+                        <a:ea typeface="Source Code Pro Black" panose="020B0809030403020204" pitchFamily="49" charset="0"/>
                         <a:cs typeface="Source Code Pro"/>
                         <a:sym typeface="Source Code Pro"/>
                       </a:endParaRPr>
                     </a:p>
                   </a:txBody>
-                  <a:tcPr marT="91425" marB="91425" marR="91425" marL="91425"/>
+                  <a:tcPr marL="91425" marR="91425" marT="91425" marB="91425"/>
                 </a:tc>
                 <a:tc>
                   <a:txBody>
                     <a:bodyPr/>
                     <a:lstStyle/>
                     <a:p>
-                      <a:pPr indent="0" lvl="0" marL="0" rtl="0" algn="l">
+                      <a:pPr marL="0" lvl="0" indent="0" algn="l" rtl="0">
                         <a:spcBef>
                           <a:spcPts val="0"/>
                         </a:spcBef>
@@ -10892,14 +11573,14 @@
                       </a:endParaRPr>
                     </a:p>
                   </a:txBody>
-                  <a:tcPr marT="91425" marB="91425" marR="91425" marL="91425"/>
+                  <a:tcPr marL="91425" marR="91425" marT="91425" marB="91425"/>
                 </a:tc>
                 <a:tc>
                   <a:txBody>
                     <a:bodyPr/>
                     <a:lstStyle/>
                     <a:p>
-                      <a:pPr indent="0" lvl="0" marL="0" rtl="0" algn="l">
+                      <a:pPr marL="0" lvl="0" indent="0" algn="l" rtl="0">
                         <a:spcBef>
                           <a:spcPts val="0"/>
                         </a:spcBef>
@@ -10925,14 +11606,14 @@
                       </a:endParaRPr>
                     </a:p>
                   </a:txBody>
-                  <a:tcPr marT="91425" marB="91425" marR="91425" marL="91425"/>
+                  <a:tcPr marL="91425" marR="91425" marT="91425" marB="91425"/>
                 </a:tc>
                 <a:tc>
                   <a:txBody>
                     <a:bodyPr/>
                     <a:lstStyle/>
                     <a:p>
-                      <a:pPr indent="0" lvl="0" marL="0" rtl="0" algn="l">
+                      <a:pPr marL="0" lvl="0" indent="0" algn="l" rtl="0">
                         <a:spcBef>
                           <a:spcPts val="0"/>
                         </a:spcBef>
@@ -10958,14 +11639,14 @@
                       </a:endParaRPr>
                     </a:p>
                   </a:txBody>
-                  <a:tcPr marT="91425" marB="91425" marR="91425" marL="91425"/>
+                  <a:tcPr marL="91425" marR="91425" marT="91425" marB="91425"/>
                 </a:tc>
                 <a:tc>
                   <a:txBody>
                     <a:bodyPr/>
                     <a:lstStyle/>
                     <a:p>
-                      <a:pPr indent="0" lvl="0" marL="0" rtl="0" algn="l">
+                      <a:pPr marL="0" lvl="0" indent="0" algn="l" rtl="0">
                         <a:spcBef>
                           <a:spcPts val="0"/>
                         </a:spcBef>
@@ -10991,8 +11672,13 @@
                       </a:endParaRPr>
                     </a:p>
                   </a:txBody>
-                  <a:tcPr marT="91425" marB="91425" marR="91425" marL="91425"/>
+                  <a:tcPr marL="91425" marR="91425" marT="91425" marB="91425"/>
                 </a:tc>
+                <a:extLst>
+                  <a:ext uri="{0D108BD9-81ED-4DB2-BD59-A6C34878D82A}">
+                    <a16:rowId xmlns:a16="http://schemas.microsoft.com/office/drawing/2014/main" val="10001"/>
+                  </a:ext>
+                </a:extLst>
               </a:tr>
               <a:tr h="381000">
                 <a:tc>
@@ -11000,40 +11686,53 @@
                     <a:bodyPr/>
                     <a:lstStyle/>
                     <a:p>
-                      <a:pPr indent="0" lvl="0" marL="0" rtl="0" algn="l">
+                      <a:pPr marL="0" marR="0" lvl="0" indent="0" algn="l" rtl="0">
+                        <a:lnSpc>
+                          <a:spcPct val="100000"/>
+                        </a:lnSpc>
                         <a:spcBef>
                           <a:spcPts val="0"/>
                         </a:spcBef>
                         <a:spcAft>
                           <a:spcPts val="0"/>
                         </a:spcAft>
+                        <a:buClr>
+                          <a:srgbClr val="000000"/>
+                        </a:buClr>
+                        <a:buFont typeface="Arial"/>
                         <a:buNone/>
                       </a:pPr>
                       <a:r>
-                        <a:rPr b="1" lang="it" sz="1200">
-                          <a:latin typeface="Source Code Pro"/>
-                          <a:ea typeface="Source Code Pro"/>
+                        <a:rPr lang="it" sz="1200" b="1" i="0" u="none" strike="noStrike" cap="none" dirty="0">
+                          <a:solidFill>
+                            <a:srgbClr val="000000"/>
+                          </a:solidFill>
+                          <a:latin typeface="Source Code Pro Black" panose="020B0809030403020204" pitchFamily="49" charset="0"/>
+                          <a:ea typeface="Source Code Pro Black" panose="020B0809030403020204" pitchFamily="49" charset="0"/>
                           <a:cs typeface="Source Code Pro"/>
                           <a:sym typeface="Source Code Pro"/>
                         </a:rPr>
                         <a:t>Random Forest</a:t>
                       </a:r>
-                      <a:endParaRPr b="1" sz="1200">
-                        <a:latin typeface="Source Code Pro"/>
-                        <a:ea typeface="Source Code Pro"/>
+                      <a:endParaRPr sz="1200" b="1" i="0" u="none" strike="noStrike" cap="none" dirty="0">
+                        <a:solidFill>
+                          <a:srgbClr val="000000"/>
+                        </a:solidFill>
+                        <a:latin typeface="Source Code Pro Black" panose="020B0809030403020204" pitchFamily="49" charset="0"/>
+                        <a:ea typeface="Source Code Pro Black" panose="020B0809030403020204" pitchFamily="49" charset="0"/>
                         <a:cs typeface="Source Code Pro"/>
                         <a:sym typeface="Source Code Pro"/>
                       </a:endParaRPr>
                     </a:p>
                   </a:txBody>
-                  <a:tcPr marT="91425" marB="91425" marR="91425" marL="91425"/>
+                  <a:tcPr marL="91425" marR="91425" marT="91425" marB="91425"/>
                 </a:tc>
                 <a:tc>
                   <a:txBody>
                     <a:bodyPr/>
                     <a:lstStyle/>
                     <a:p>
-                      <a:pPr indent="0" lvl="0" marL="0" rtl="0" algn="l">
+                      <a:pPr marL="0" lvl="0" indent="0" algn="l" rtl="0">
                         <a:spcBef>
                           <a:spcPts val="0"/>
                         </a:spcBef>
@@ -11059,14 +11758,14 @@
                       </a:endParaRPr>
                     </a:p>
                   </a:txBody>
-                  <a:tcPr marT="91425" marB="91425" marR="91425" marL="91425"/>
+                  <a:tcPr marL="91425" marR="91425" marT="91425" marB="91425"/>
                 </a:tc>
                 <a:tc>
                   <a:txBody>
                     <a:bodyPr/>
                     <a:lstStyle/>
                     <a:p>
-                      <a:pPr indent="0" lvl="0" marL="0" rtl="0" algn="l">
+                      <a:pPr marL="0" lvl="0" indent="0" algn="l" rtl="0">
                         <a:spcBef>
                           <a:spcPts val="0"/>
                         </a:spcBef>
@@ -11092,14 +11791,14 @@
                       </a:endParaRPr>
                     </a:p>
                   </a:txBody>
-                  <a:tcPr marT="91425" marB="91425" marR="91425" marL="91425"/>
+                  <a:tcPr marL="91425" marR="91425" marT="91425" marB="91425"/>
                 </a:tc>
                 <a:tc>
                   <a:txBody>
                     <a:bodyPr/>
                     <a:lstStyle/>
                     <a:p>
-                      <a:pPr indent="0" lvl="0" marL="0" rtl="0" algn="l">
+                      <a:pPr marL="0" lvl="0" indent="0" algn="l" rtl="0">
                         <a:spcBef>
                           <a:spcPts val="0"/>
                         </a:spcBef>
@@ -11125,14 +11824,14 @@
                       </a:endParaRPr>
                     </a:p>
                   </a:txBody>
-                  <a:tcPr marT="91425" marB="91425" marR="91425" marL="91425"/>
+                  <a:tcPr marL="91425" marR="91425" marT="91425" marB="91425"/>
                 </a:tc>
                 <a:tc>
                   <a:txBody>
                     <a:bodyPr/>
                     <a:lstStyle/>
                     <a:p>
-                      <a:pPr indent="0" lvl="0" marL="0" rtl="0" algn="l">
+                      <a:pPr marL="0" lvl="0" indent="0" algn="l" rtl="0">
                         <a:spcBef>
                           <a:spcPts val="0"/>
                         </a:spcBef>
@@ -11142,7 +11841,7 @@
                         <a:buNone/>
                       </a:pPr>
                       <a:r>
-                        <a:rPr lang="it" sz="1200">
+                        <a:rPr lang="it" sz="1200" dirty="0">
                           <a:latin typeface="Source Code Pro"/>
                           <a:ea typeface="Source Code Pro"/>
                           <a:cs typeface="Source Code Pro"/>
@@ -11150,7 +11849,7 @@
                         </a:rPr>
                         <a:t>1.62s</a:t>
                       </a:r>
-                      <a:endParaRPr sz="1200">
+                      <a:endParaRPr sz="1200" dirty="0">
                         <a:latin typeface="Source Code Pro"/>
                         <a:ea typeface="Source Code Pro"/>
                         <a:cs typeface="Source Code Pro"/>
@@ -11158,8 +11857,13 @@
                       </a:endParaRPr>
                     </a:p>
                   </a:txBody>
-                  <a:tcPr marT="91425" marB="91425" marR="91425" marL="91425"/>
+                  <a:tcPr marL="91425" marR="91425" marT="91425" marB="91425"/>
                 </a:tc>
+                <a:extLst>
+                  <a:ext uri="{0D108BD9-81ED-4DB2-BD59-A6C34878D82A}">
+                    <a16:rowId xmlns:a16="http://schemas.microsoft.com/office/drawing/2014/main" val="10002"/>
+                  </a:ext>
+                </a:extLst>
               </a:tr>
             </a:tbl>
           </a:graphicData>
@@ -11174,7 +11878,288 @@
 </file>
 
 <file path=ppt/theme/theme1.xml><?xml version="1.0" encoding="utf-8"?>
-<a:theme xmlns:a="http://schemas.openxmlformats.org/drawingml/2006/main" xmlns:r="http://schemas.openxmlformats.org/officeDocument/2006/relationships">
+<a:theme xmlns:a="http://schemas.openxmlformats.org/drawingml/2006/main" name="Beach Day">
+  <a:themeElements>
+    <a:clrScheme name="Beach Day">
+      <a:dk1>
+        <a:srgbClr val="00FDC8"/>
+      </a:dk1>
+      <a:lt1>
+        <a:srgbClr val="FFFFFF"/>
+      </a:lt1>
+      <a:dk2>
+        <a:srgbClr val="666666"/>
+      </a:dk2>
+      <a:lt2>
+        <a:srgbClr val="EEEEEE"/>
+      </a:lt2>
+      <a:accent1>
+        <a:srgbClr val="212121"/>
+      </a:accent1>
+      <a:accent2>
+        <a:srgbClr val="455A64"/>
+      </a:accent2>
+      <a:accent3>
+        <a:srgbClr val="78909C"/>
+      </a:accent3>
+      <a:accent4>
+        <a:srgbClr val="7C7CE0"/>
+      </a:accent4>
+      <a:accent5>
+        <a:srgbClr val="DB4437"/>
+      </a:accent5>
+      <a:accent6>
+        <a:srgbClr val="F6CD4C"/>
+      </a:accent6>
+      <a:hlink>
+        <a:srgbClr val="DB4437"/>
+      </a:hlink>
+      <a:folHlink>
+        <a:srgbClr val="DB4437"/>
+      </a:folHlink>
+    </a:clrScheme>
+    <a:fontScheme name="Office">
+      <a:majorFont>
+        <a:latin typeface="Arial"/>
+        <a:ea typeface=""/>
+        <a:cs typeface=""/>
+        <a:font script="Jpan" typeface="ＭＳ Ｐゴシック"/>
+        <a:font script="Hang" typeface="맑은 고딕"/>
+        <a:font script="Hans" typeface="宋体"/>
+        <a:font script="Hant" typeface="新細明體"/>
+        <a:font script="Arab" typeface="Times New Roman"/>
+        <a:font script="Hebr" typeface="Times New Roman"/>
+        <a:font script="Thai" typeface="Angsana New"/>
+        <a:font script="Ethi" typeface="Nyala"/>
+        <a:font script="Beng" typeface="Vrinda"/>
+        <a:font script="Gujr" typeface="Shruti"/>
+        <a:font script="Khmr" typeface="MoolBoran"/>
+        <a:font script="Knda" typeface="Tunga"/>
+        <a:font script="Guru" typeface="Raavi"/>
+        <a:font script="Cans" typeface="Euphemia"/>
+        <a:font script="Cher" typeface="Plantagenet Cherokee"/>
+        <a:font script="Yiii" typeface="Microsoft Yi Baiti"/>
+        <a:font script="Tibt" typeface="Microsoft Himalaya"/>
+        <a:font script="Thaa" typeface="MV Boli"/>
+        <a:font script="Deva" typeface="Mangal"/>
+        <a:font script="Telu" typeface="Gautami"/>
+        <a:font script="Taml" typeface="Latha"/>
+        <a:font script="Syrc" typeface="Estrangelo Edessa"/>
+        <a:font script="Orya" typeface="Kalinga"/>
+        <a:font script="Mlym" typeface="Kartika"/>
+        <a:font script="Laoo" typeface="DokChampa"/>
+        <a:font script="Sinh" typeface="Iskoola Pota"/>
+        <a:font script="Mong" typeface="Mongolian Baiti"/>
+        <a:font script="Viet" typeface="Times New Roman"/>
+        <a:font script="Uigh" typeface="Microsoft Uighur"/>
+        <a:font script="Geor" typeface="Sylfaen"/>
+      </a:majorFont>
+      <a:minorFont>
+        <a:latin typeface="Arial"/>
+        <a:ea typeface=""/>
+        <a:cs typeface=""/>
+        <a:font script="Jpan" typeface="ＭＳ Ｐゴシック"/>
+        <a:font script="Hang" typeface="맑은 고딕"/>
+        <a:font script="Hans" typeface="宋体"/>
+        <a:font script="Hant" typeface="新細明體"/>
+        <a:font script="Arab" typeface="Arial"/>
+        <a:font script="Hebr" typeface="Arial"/>
+        <a:font script="Thai" typeface="Cordia New"/>
+        <a:font script="Ethi" typeface="Nyala"/>
+        <a:font script="Beng" typeface="Vrinda"/>
+        <a:font script="Gujr" typeface="Shruti"/>
+        <a:font script="Khmr" typeface="DaunPenh"/>
+        <a:font script="Knda" typeface="Tunga"/>
+        <a:font script="Guru" typeface="Raavi"/>
+        <a:font script="Cans" typeface="Euphemia"/>
+        <a:font script="Cher" typeface="Plantagenet Cherokee"/>
+        <a:font script="Yiii" typeface="Microsoft Yi Baiti"/>
+        <a:font script="Tibt" typeface="Microsoft Himalaya"/>
+        <a:font script="Thaa" typeface="MV Boli"/>
+        <a:font script="Deva" typeface="Mangal"/>
+        <a:font script="Telu" typeface="Gautami"/>
+        <a:font script="Taml" typeface="Latha"/>
+        <a:font script="Syrc" typeface="Estrangelo Edessa"/>
+        <a:font script="Orya" typeface="Kalinga"/>
+        <a:font script="Mlym" typeface="Kartika"/>
+        <a:font script="Laoo" typeface="DokChampa"/>
+        <a:font script="Sinh" typeface="Iskoola Pota"/>
+        <a:font script="Mong" typeface="Mongolian Baiti"/>
+        <a:font script="Viet" typeface="Arial"/>
+        <a:font script="Uigh" typeface="Microsoft Uighur"/>
+        <a:font script="Geor" typeface="Sylfaen"/>
+      </a:minorFont>
+    </a:fontScheme>
+    <a:fmtScheme name="Office">
+      <a:fillStyleLst>
+        <a:solidFill>
+          <a:schemeClr val="phClr"/>
+        </a:solidFill>
+        <a:gradFill rotWithShape="1">
+          <a:gsLst>
+            <a:gs pos="0">
+              <a:schemeClr val="phClr">
+                <a:tint val="50000"/>
+                <a:satMod val="300000"/>
+              </a:schemeClr>
+            </a:gs>
+            <a:gs pos="35000">
+              <a:schemeClr val="phClr">
+                <a:tint val="37000"/>
+                <a:satMod val="300000"/>
+              </a:schemeClr>
+            </a:gs>
+            <a:gs pos="100000">
+              <a:schemeClr val="phClr">
+                <a:tint val="15000"/>
+                <a:satMod val="350000"/>
+              </a:schemeClr>
+            </a:gs>
+          </a:gsLst>
+          <a:lin ang="16200000" scaled="1"/>
+        </a:gradFill>
+        <a:gradFill rotWithShape="1">
+          <a:gsLst>
+            <a:gs pos="0">
+              <a:schemeClr val="phClr">
+                <a:tint val="100000"/>
+                <a:shade val="100000"/>
+                <a:satMod val="130000"/>
+              </a:schemeClr>
+            </a:gs>
+            <a:gs pos="100000">
+              <a:schemeClr val="phClr">
+                <a:tint val="50000"/>
+                <a:shade val="100000"/>
+                <a:satMod val="350000"/>
+              </a:schemeClr>
+            </a:gs>
+          </a:gsLst>
+          <a:lin ang="16200000" scaled="0"/>
+        </a:gradFill>
+      </a:fillStyleLst>
+      <a:lnStyleLst>
+        <a:ln w="9525" cap="flat" cmpd="sng" algn="ctr">
+          <a:solidFill>
+            <a:schemeClr val="phClr">
+              <a:shade val="95000"/>
+              <a:satMod val="105000"/>
+            </a:schemeClr>
+          </a:solidFill>
+          <a:prstDash val="solid"/>
+        </a:ln>
+        <a:ln w="25400" cap="flat" cmpd="sng" algn="ctr">
+          <a:solidFill>
+            <a:schemeClr val="phClr"/>
+          </a:solidFill>
+          <a:prstDash val="solid"/>
+        </a:ln>
+        <a:ln w="38100" cap="flat" cmpd="sng" algn="ctr">
+          <a:solidFill>
+            <a:schemeClr val="phClr"/>
+          </a:solidFill>
+          <a:prstDash val="solid"/>
+        </a:ln>
+      </a:lnStyleLst>
+      <a:effectStyleLst>
+        <a:effectStyle>
+          <a:effectLst>
+            <a:outerShdw blurRad="40000" dist="20000" dir="5400000" rotWithShape="0">
+              <a:srgbClr val="000000">
+                <a:alpha val="38000"/>
+              </a:srgbClr>
+            </a:outerShdw>
+          </a:effectLst>
+        </a:effectStyle>
+        <a:effectStyle>
+          <a:effectLst>
+            <a:outerShdw blurRad="40000" dist="23000" dir="5400000" rotWithShape="0">
+              <a:srgbClr val="000000">
+                <a:alpha val="35000"/>
+              </a:srgbClr>
+            </a:outerShdw>
+          </a:effectLst>
+        </a:effectStyle>
+        <a:effectStyle>
+          <a:effectLst>
+            <a:outerShdw blurRad="40000" dist="23000" dir="5400000" rotWithShape="0">
+              <a:srgbClr val="000000">
+                <a:alpha val="35000"/>
+              </a:srgbClr>
+            </a:outerShdw>
+          </a:effectLst>
+          <a:scene3d>
+            <a:camera prst="orthographicFront">
+              <a:rot lat="0" lon="0" rev="0"/>
+            </a:camera>
+            <a:lightRig rig="threePt" dir="t">
+              <a:rot lat="0" lon="0" rev="1200000"/>
+            </a:lightRig>
+          </a:scene3d>
+          <a:sp3d>
+            <a:bevelT w="63500" h="25400"/>
+          </a:sp3d>
+        </a:effectStyle>
+      </a:effectStyleLst>
+      <a:bgFillStyleLst>
+        <a:solidFill>
+          <a:schemeClr val="phClr"/>
+        </a:solidFill>
+        <a:gradFill rotWithShape="1">
+          <a:gsLst>
+            <a:gs pos="0">
+              <a:schemeClr val="phClr">
+                <a:tint val="40000"/>
+                <a:satMod val="350000"/>
+              </a:schemeClr>
+            </a:gs>
+            <a:gs pos="40000">
+              <a:schemeClr val="phClr">
+                <a:tint val="45000"/>
+                <a:shade val="99000"/>
+                <a:satMod val="350000"/>
+              </a:schemeClr>
+            </a:gs>
+            <a:gs pos="100000">
+              <a:schemeClr val="phClr">
+                <a:shade val="20000"/>
+                <a:satMod val="255000"/>
+              </a:schemeClr>
+            </a:gs>
+          </a:gsLst>
+          <a:path path="circle">
+            <a:fillToRect l="50000" t="-80000" r="50000" b="180000"/>
+          </a:path>
+        </a:gradFill>
+        <a:gradFill rotWithShape="1">
+          <a:gsLst>
+            <a:gs pos="0">
+              <a:schemeClr val="phClr">
+                <a:tint val="80000"/>
+                <a:satMod val="300000"/>
+              </a:schemeClr>
+            </a:gs>
+            <a:gs pos="100000">
+              <a:schemeClr val="phClr">
+                <a:shade val="30000"/>
+                <a:satMod val="200000"/>
+              </a:schemeClr>
+            </a:gs>
+          </a:gsLst>
+          <a:path path="circle">
+            <a:fillToRect l="50000" t="50000" r="50000" b="50000"/>
+          </a:path>
+        </a:gradFill>
+      </a:bgFillStyleLst>
+    </a:fmtScheme>
+  </a:themeElements>
+  <a:objectDefaults/>
+  <a:extraClrSchemeLst/>
+</a:theme>
+</file>
+
+<file path=ppt/theme/theme2.xml><?xml version="1.0" encoding="utf-8"?>
+<a:theme xmlns:a="http://schemas.openxmlformats.org/drawingml/2006/main">
   <a:themeElements>
     <a:clrScheme name="Default">
       <a:dk1>
@@ -11449,284 +12434,7 @@
       </a:bgFillStyleLst>
     </a:fmtScheme>
   </a:themeElements>
-</a:theme>
-</file>
-
-<file path=ppt/theme/theme2.xml><?xml version="1.0" encoding="utf-8"?>
-<a:theme xmlns:a="http://schemas.openxmlformats.org/drawingml/2006/main" xmlns:r="http://schemas.openxmlformats.org/officeDocument/2006/relationships" name="Beach Day">
-  <a:themeElements>
-    <a:clrScheme name="Beach Day">
-      <a:dk1>
-        <a:srgbClr val="00FDC8"/>
-      </a:dk1>
-      <a:lt1>
-        <a:srgbClr val="FFFFFF"/>
-      </a:lt1>
-      <a:dk2>
-        <a:srgbClr val="666666"/>
-      </a:dk2>
-      <a:lt2>
-        <a:srgbClr val="EEEEEE"/>
-      </a:lt2>
-      <a:accent1>
-        <a:srgbClr val="212121"/>
-      </a:accent1>
-      <a:accent2>
-        <a:srgbClr val="455A64"/>
-      </a:accent2>
-      <a:accent3>
-        <a:srgbClr val="78909C"/>
-      </a:accent3>
-      <a:accent4>
-        <a:srgbClr val="7C7CE0"/>
-      </a:accent4>
-      <a:accent5>
-        <a:srgbClr val="DB4437"/>
-      </a:accent5>
-      <a:accent6>
-        <a:srgbClr val="F6CD4C"/>
-      </a:accent6>
-      <a:hlink>
-        <a:srgbClr val="DB4437"/>
-      </a:hlink>
-      <a:folHlink>
-        <a:srgbClr val="DB4437"/>
-      </a:folHlink>
-    </a:clrScheme>
-    <a:fontScheme name="Office">
-      <a:majorFont>
-        <a:latin typeface="Arial"/>
-        <a:ea typeface=""/>
-        <a:cs typeface=""/>
-        <a:font script="Jpan" typeface="ＭＳ Ｐゴシック"/>
-        <a:font script="Hang" typeface="맑은 고딕"/>
-        <a:font script="Hans" typeface="宋体"/>
-        <a:font script="Hant" typeface="新細明體"/>
-        <a:font script="Arab" typeface="Times New Roman"/>
-        <a:font script="Hebr" typeface="Times New Roman"/>
-        <a:font script="Thai" typeface="Angsana New"/>
-        <a:font script="Ethi" typeface="Nyala"/>
-        <a:font script="Beng" typeface="Vrinda"/>
-        <a:font script="Gujr" typeface="Shruti"/>
-        <a:font script="Khmr" typeface="MoolBoran"/>
-        <a:font script="Knda" typeface="Tunga"/>
-        <a:font script="Guru" typeface="Raavi"/>
-        <a:font script="Cans" typeface="Euphemia"/>
-        <a:font script="Cher" typeface="Plantagenet Cherokee"/>
-        <a:font script="Yiii" typeface="Microsoft Yi Baiti"/>
-        <a:font script="Tibt" typeface="Microsoft Himalaya"/>
-        <a:font script="Thaa" typeface="MV Boli"/>
-        <a:font script="Deva" typeface="Mangal"/>
-        <a:font script="Telu" typeface="Gautami"/>
-        <a:font script="Taml" typeface="Latha"/>
-        <a:font script="Syrc" typeface="Estrangelo Edessa"/>
-        <a:font script="Orya" typeface="Kalinga"/>
-        <a:font script="Mlym" typeface="Kartika"/>
-        <a:font script="Laoo" typeface="DokChampa"/>
-        <a:font script="Sinh" typeface="Iskoola Pota"/>
-        <a:font script="Mong" typeface="Mongolian Baiti"/>
-        <a:font script="Viet" typeface="Times New Roman"/>
-        <a:font script="Uigh" typeface="Microsoft Uighur"/>
-        <a:font script="Geor" typeface="Sylfaen"/>
-      </a:majorFont>
-      <a:minorFont>
-        <a:latin typeface="Arial"/>
-        <a:ea typeface=""/>
-        <a:cs typeface=""/>
-        <a:font script="Jpan" typeface="ＭＳ Ｐゴシック"/>
-        <a:font script="Hang" typeface="맑은 고딕"/>
-        <a:font script="Hans" typeface="宋体"/>
-        <a:font script="Hant" typeface="新細明體"/>
-        <a:font script="Arab" typeface="Arial"/>
-        <a:font script="Hebr" typeface="Arial"/>
-        <a:font script="Thai" typeface="Cordia New"/>
-        <a:font script="Ethi" typeface="Nyala"/>
-        <a:font script="Beng" typeface="Vrinda"/>
-        <a:font script="Gujr" typeface="Shruti"/>
-        <a:font script="Khmr" typeface="DaunPenh"/>
-        <a:font script="Knda" typeface="Tunga"/>
-        <a:font script="Guru" typeface="Raavi"/>
-        <a:font script="Cans" typeface="Euphemia"/>
-        <a:font script="Cher" typeface="Plantagenet Cherokee"/>
-        <a:font script="Yiii" typeface="Microsoft Yi Baiti"/>
-        <a:font script="Tibt" typeface="Microsoft Himalaya"/>
-        <a:font script="Thaa" typeface="MV Boli"/>
-        <a:font script="Deva" typeface="Mangal"/>
-        <a:font script="Telu" typeface="Gautami"/>
-        <a:font script="Taml" typeface="Latha"/>
-        <a:font script="Syrc" typeface="Estrangelo Edessa"/>
-        <a:font script="Orya" typeface="Kalinga"/>
-        <a:font script="Mlym" typeface="Kartika"/>
-        <a:font script="Laoo" typeface="DokChampa"/>
-        <a:font script="Sinh" typeface="Iskoola Pota"/>
-        <a:font script="Mong" typeface="Mongolian Baiti"/>
-        <a:font script="Viet" typeface="Arial"/>
-        <a:font script="Uigh" typeface="Microsoft Uighur"/>
-        <a:font script="Geor" typeface="Sylfaen"/>
-      </a:minorFont>
-    </a:fontScheme>
-    <a:fmtScheme name="Office">
-      <a:fillStyleLst>
-        <a:solidFill>
-          <a:schemeClr val="phClr"/>
-        </a:solidFill>
-        <a:gradFill rotWithShape="1">
-          <a:gsLst>
-            <a:gs pos="0">
-              <a:schemeClr val="phClr">
-                <a:tint val="50000"/>
-                <a:satMod val="300000"/>
-              </a:schemeClr>
-            </a:gs>
-            <a:gs pos="35000">
-              <a:schemeClr val="phClr">
-                <a:tint val="37000"/>
-                <a:satMod val="300000"/>
-              </a:schemeClr>
-            </a:gs>
-            <a:gs pos="100000">
-              <a:schemeClr val="phClr">
-                <a:tint val="15000"/>
-                <a:satMod val="350000"/>
-              </a:schemeClr>
-            </a:gs>
-          </a:gsLst>
-          <a:lin ang="16200000" scaled="1"/>
-        </a:gradFill>
-        <a:gradFill rotWithShape="1">
-          <a:gsLst>
-            <a:gs pos="0">
-              <a:schemeClr val="phClr">
-                <a:tint val="100000"/>
-                <a:shade val="100000"/>
-                <a:satMod val="130000"/>
-              </a:schemeClr>
-            </a:gs>
-            <a:gs pos="100000">
-              <a:schemeClr val="phClr">
-                <a:tint val="50000"/>
-                <a:shade val="100000"/>
-                <a:satMod val="350000"/>
-              </a:schemeClr>
-            </a:gs>
-          </a:gsLst>
-          <a:lin ang="16200000" scaled="0"/>
-        </a:gradFill>
-      </a:fillStyleLst>
-      <a:lnStyleLst>
-        <a:ln w="9525" cap="flat" cmpd="sng" algn="ctr">
-          <a:solidFill>
-            <a:schemeClr val="phClr">
-              <a:shade val="95000"/>
-              <a:satMod val="105000"/>
-            </a:schemeClr>
-          </a:solidFill>
-          <a:prstDash val="solid"/>
-        </a:ln>
-        <a:ln w="25400" cap="flat" cmpd="sng" algn="ctr">
-          <a:solidFill>
-            <a:schemeClr val="phClr"/>
-          </a:solidFill>
-          <a:prstDash val="solid"/>
-        </a:ln>
-        <a:ln w="38100" cap="flat" cmpd="sng" algn="ctr">
-          <a:solidFill>
-            <a:schemeClr val="phClr"/>
-          </a:solidFill>
-          <a:prstDash val="solid"/>
-        </a:ln>
-      </a:lnStyleLst>
-      <a:effectStyleLst>
-        <a:effectStyle>
-          <a:effectLst>
-            <a:outerShdw blurRad="40000" dist="20000" dir="5400000" rotWithShape="0">
-              <a:srgbClr val="000000">
-                <a:alpha val="38000"/>
-              </a:srgbClr>
-            </a:outerShdw>
-          </a:effectLst>
-        </a:effectStyle>
-        <a:effectStyle>
-          <a:effectLst>
-            <a:outerShdw blurRad="40000" dist="23000" dir="5400000" rotWithShape="0">
-              <a:srgbClr val="000000">
-                <a:alpha val="35000"/>
-              </a:srgbClr>
-            </a:outerShdw>
-          </a:effectLst>
-        </a:effectStyle>
-        <a:effectStyle>
-          <a:effectLst>
-            <a:outerShdw blurRad="40000" dist="23000" dir="5400000" rotWithShape="0">
-              <a:srgbClr val="000000">
-                <a:alpha val="35000"/>
-              </a:srgbClr>
-            </a:outerShdw>
-          </a:effectLst>
-          <a:scene3d>
-            <a:camera prst="orthographicFront">
-              <a:rot lat="0" lon="0" rev="0"/>
-            </a:camera>
-            <a:lightRig rig="threePt" dir="t">
-              <a:rot lat="0" lon="0" rev="1200000"/>
-            </a:lightRig>
-          </a:scene3d>
-          <a:sp3d>
-            <a:bevelT w="63500" h="25400"/>
-          </a:sp3d>
-        </a:effectStyle>
-      </a:effectStyleLst>
-      <a:bgFillStyleLst>
-        <a:solidFill>
-          <a:schemeClr val="phClr"/>
-        </a:solidFill>
-        <a:gradFill rotWithShape="1">
-          <a:gsLst>
-            <a:gs pos="0">
-              <a:schemeClr val="phClr">
-                <a:tint val="40000"/>
-                <a:satMod val="350000"/>
-              </a:schemeClr>
-            </a:gs>
-            <a:gs pos="40000">
-              <a:schemeClr val="phClr">
-                <a:tint val="45000"/>
-                <a:shade val="99000"/>
-                <a:satMod val="350000"/>
-              </a:schemeClr>
-            </a:gs>
-            <a:gs pos="100000">
-              <a:schemeClr val="phClr">
-                <a:shade val="20000"/>
-                <a:satMod val="255000"/>
-              </a:schemeClr>
-            </a:gs>
-          </a:gsLst>
-          <a:path path="circle">
-            <a:fillToRect l="50000" t="-80000" r="50000" b="180000"/>
-          </a:path>
-        </a:gradFill>
-        <a:gradFill rotWithShape="1">
-          <a:gsLst>
-            <a:gs pos="0">
-              <a:schemeClr val="phClr">
-                <a:tint val="80000"/>
-                <a:satMod val="300000"/>
-              </a:schemeClr>
-            </a:gs>
-            <a:gs pos="100000">
-              <a:schemeClr val="phClr">
-                <a:shade val="30000"/>
-                <a:satMod val="200000"/>
-              </a:schemeClr>
-            </a:gs>
-          </a:gsLst>
-          <a:path path="circle">
-            <a:fillToRect l="50000" t="50000" r="50000" b="50000"/>
-          </a:path>
-        </a:gradFill>
-      </a:bgFillStyleLst>
-    </a:fmtScheme>
-  </a:themeElements>
+  <a:objectDefaults/>
+  <a:extraClrSchemeLst/>
 </a:theme>
 </file>